--- a/raspberry-pi-report/RAGの検証.pptx
+++ b/raspberry-pi-report/RAGの検証.pptx
@@ -7,10 +7,12 @@
   <p:sldIdLst>
     <p:sldId id="256" r:id="rId2"/>
     <p:sldId id="269" r:id="rId3"/>
-    <p:sldId id="262" r:id="rId4"/>
+    <p:sldId id="266" r:id="rId4"/>
     <p:sldId id="270" r:id="rId5"/>
-    <p:sldId id="266" r:id="rId6"/>
-    <p:sldId id="264" r:id="rId7"/>
+    <p:sldId id="263" r:id="rId6"/>
+    <p:sldId id="271" r:id="rId7"/>
+    <p:sldId id="265" r:id="rId8"/>
+    <p:sldId id="264" r:id="rId9"/>
   </p:sldIdLst>
   <p:sldSz cx="12192000" cy="6858000"/>
   <p:notesSz cx="6858000" cy="9144000"/>
@@ -129,6 +131,939 @@
 <file path=ppt/changesInfos/changesInfo1.xml><?xml version="1.0" encoding="utf-8"?>
 <pc:chgInfo xmlns:a="http://schemas.openxmlformats.org/drawingml/2006/main" xmlns:r="http://schemas.openxmlformats.org/officeDocument/2006/relationships" xmlns:ac="http://schemas.microsoft.com/office/drawing/2013/main/command" xmlns:pc="http://schemas.microsoft.com/office/powerpoint/2013/main/command">
   <pc:docChgLst>
+    <pc:chgData name="Yoshiharu Hamaguchi" userId="470e288704938fe9" providerId="LiveId" clId="{46C12E7F-E35C-42BF-B856-810C3AAE2138}"/>
+    <pc:docChg chg="custSel modSld">
+      <pc:chgData name="Yoshiharu Hamaguchi" userId="470e288704938fe9" providerId="LiveId" clId="{46C12E7F-E35C-42BF-B856-810C3AAE2138}" dt="2024-08-17T07:15:42.746" v="129" actId="20577"/>
+      <pc:docMkLst>
+        <pc:docMk/>
+      </pc:docMkLst>
+      <pc:sldChg chg="modSp mod">
+        <pc:chgData name="Yoshiharu Hamaguchi" userId="470e288704938fe9" providerId="LiveId" clId="{46C12E7F-E35C-42BF-B856-810C3AAE2138}" dt="2024-08-17T07:13:46.984" v="43" actId="20577"/>
+        <pc:sldMkLst>
+          <pc:docMk/>
+          <pc:sldMk cId="634982452" sldId="256"/>
+        </pc:sldMkLst>
+        <pc:spChg chg="mod">
+          <ac:chgData name="Yoshiharu Hamaguchi" userId="470e288704938fe9" providerId="LiveId" clId="{46C12E7F-E35C-42BF-B856-810C3AAE2138}" dt="2024-08-17T07:13:17.184" v="10" actId="20577"/>
+          <ac:spMkLst>
+            <pc:docMk/>
+            <pc:sldMk cId="634982452" sldId="256"/>
+            <ac:spMk id="2" creationId="{3F0D190A-A8DB-32F1-0D56-13F6D381B778}"/>
+          </ac:spMkLst>
+        </pc:spChg>
+        <pc:spChg chg="mod">
+          <ac:chgData name="Yoshiharu Hamaguchi" userId="470e288704938fe9" providerId="LiveId" clId="{46C12E7F-E35C-42BF-B856-810C3AAE2138}" dt="2024-08-17T07:13:46.984" v="43" actId="20577"/>
+          <ac:spMkLst>
+            <pc:docMk/>
+            <pc:sldMk cId="634982452" sldId="256"/>
+            <ac:spMk id="3" creationId="{BC817A74-920C-0926-7C76-24BA4993B9F3}"/>
+          </ac:spMkLst>
+        </pc:spChg>
+      </pc:sldChg>
+      <pc:sldChg chg="modSp mod">
+        <pc:chgData name="Yoshiharu Hamaguchi" userId="470e288704938fe9" providerId="LiveId" clId="{46C12E7F-E35C-42BF-B856-810C3AAE2138}" dt="2024-08-17T07:14:18.771" v="52" actId="20577"/>
+        <pc:sldMkLst>
+          <pc:docMk/>
+          <pc:sldMk cId="3586103662" sldId="259"/>
+        </pc:sldMkLst>
+        <pc:spChg chg="mod">
+          <ac:chgData name="Yoshiharu Hamaguchi" userId="470e288704938fe9" providerId="LiveId" clId="{46C12E7F-E35C-42BF-B856-810C3AAE2138}" dt="2024-08-17T07:14:18.771" v="52" actId="20577"/>
+          <ac:spMkLst>
+            <pc:docMk/>
+            <pc:sldMk cId="3586103662" sldId="259"/>
+            <ac:spMk id="3" creationId="{37025C41-8921-578C-16F8-6B5CF0A93AE0}"/>
+          </ac:spMkLst>
+        </pc:spChg>
+      </pc:sldChg>
+      <pc:sldChg chg="modSp mod">
+        <pc:chgData name="Yoshiharu Hamaguchi" userId="470e288704938fe9" providerId="LiveId" clId="{46C12E7F-E35C-42BF-B856-810C3AAE2138}" dt="2024-08-17T07:13:56.935" v="45" actId="27636"/>
+        <pc:sldMkLst>
+          <pc:docMk/>
+          <pc:sldMk cId="3422986759" sldId="260"/>
+        </pc:sldMkLst>
+        <pc:spChg chg="mod">
+          <ac:chgData name="Yoshiharu Hamaguchi" userId="470e288704938fe9" providerId="LiveId" clId="{46C12E7F-E35C-42BF-B856-810C3AAE2138}" dt="2024-08-17T07:13:56.935" v="45" actId="27636"/>
+          <ac:spMkLst>
+            <pc:docMk/>
+            <pc:sldMk cId="3422986759" sldId="260"/>
+            <ac:spMk id="3" creationId="{37025C41-8921-578C-16F8-6B5CF0A93AE0}"/>
+          </ac:spMkLst>
+        </pc:spChg>
+      </pc:sldChg>
+      <pc:sldChg chg="modSp mod">
+        <pc:chgData name="Yoshiharu Hamaguchi" userId="470e288704938fe9" providerId="LiveId" clId="{46C12E7F-E35C-42BF-B856-810C3AAE2138}" dt="2024-08-17T07:15:42.746" v="129" actId="20577"/>
+        <pc:sldMkLst>
+          <pc:docMk/>
+          <pc:sldMk cId="4019972730" sldId="262"/>
+        </pc:sldMkLst>
+        <pc:spChg chg="mod">
+          <ac:chgData name="Yoshiharu Hamaguchi" userId="470e288704938fe9" providerId="LiveId" clId="{46C12E7F-E35C-42BF-B856-810C3AAE2138}" dt="2024-08-17T07:15:42.746" v="129" actId="20577"/>
+          <ac:spMkLst>
+            <pc:docMk/>
+            <pc:sldMk cId="4019972730" sldId="262"/>
+            <ac:spMk id="3" creationId="{37025C41-8921-578C-16F8-6B5CF0A93AE0}"/>
+          </ac:spMkLst>
+        </pc:spChg>
+      </pc:sldChg>
+    </pc:docChg>
+  </pc:docChgLst>
+  <pc:docChgLst>
+    <pc:chgData name="Yoshiharu Hamaguchi" userId="470e288704938fe9" providerId="LiveId" clId="{C43607F1-232B-44DB-B3B2-14DEC55E9315}"/>
+    <pc:docChg chg="undo redo custSel addSld modSld sldOrd">
+      <pc:chgData name="Yoshiharu Hamaguchi" userId="470e288704938fe9" providerId="LiveId" clId="{C43607F1-232B-44DB-B3B2-14DEC55E9315}" dt="2024-09-25T15:29:14.834" v="6781" actId="20577"/>
+      <pc:docMkLst>
+        <pc:docMk/>
+      </pc:docMkLst>
+      <pc:sldChg chg="modSp mod">
+        <pc:chgData name="Yoshiharu Hamaguchi" userId="470e288704938fe9" providerId="LiveId" clId="{C43607F1-232B-44DB-B3B2-14DEC55E9315}" dt="2024-09-25T10:11:46.044" v="3377"/>
+        <pc:sldMkLst>
+          <pc:docMk/>
+          <pc:sldMk cId="634982452" sldId="256"/>
+        </pc:sldMkLst>
+        <pc:spChg chg="mod">
+          <ac:chgData name="Yoshiharu Hamaguchi" userId="470e288704938fe9" providerId="LiveId" clId="{C43607F1-232B-44DB-B3B2-14DEC55E9315}" dt="2024-09-25T10:11:46.044" v="3377"/>
+          <ac:spMkLst>
+            <pc:docMk/>
+            <pc:sldMk cId="634982452" sldId="256"/>
+            <ac:spMk id="2" creationId="{3F0D190A-A8DB-32F1-0D56-13F6D381B778}"/>
+          </ac:spMkLst>
+        </pc:spChg>
+        <pc:spChg chg="mod">
+          <ac:chgData name="Yoshiharu Hamaguchi" userId="470e288704938fe9" providerId="LiveId" clId="{C43607F1-232B-44DB-B3B2-14DEC55E9315}" dt="2024-09-25T10:11:46.044" v="3377"/>
+          <ac:spMkLst>
+            <pc:docMk/>
+            <pc:sldMk cId="634982452" sldId="256"/>
+            <ac:spMk id="3" creationId="{BC817A74-920C-0926-7C76-24BA4993B9F3}"/>
+          </ac:spMkLst>
+        </pc:spChg>
+      </pc:sldChg>
+      <pc:sldChg chg="modSp mod ord">
+        <pc:chgData name="Yoshiharu Hamaguchi" userId="470e288704938fe9" providerId="LiveId" clId="{C43607F1-232B-44DB-B3B2-14DEC55E9315}" dt="2024-09-25T15:29:14.834" v="6781" actId="20577"/>
+        <pc:sldMkLst>
+          <pc:docMk/>
+          <pc:sldMk cId="4019972730" sldId="262"/>
+        </pc:sldMkLst>
+        <pc:spChg chg="mod">
+          <ac:chgData name="Yoshiharu Hamaguchi" userId="470e288704938fe9" providerId="LiveId" clId="{C43607F1-232B-44DB-B3B2-14DEC55E9315}" dt="2024-09-25T10:11:46.044" v="3377"/>
+          <ac:spMkLst>
+            <pc:docMk/>
+            <pc:sldMk cId="4019972730" sldId="262"/>
+            <ac:spMk id="2" creationId="{9C784ACA-9376-15C6-DD93-68B5D582FADA}"/>
+          </ac:spMkLst>
+        </pc:spChg>
+        <pc:spChg chg="mod">
+          <ac:chgData name="Yoshiharu Hamaguchi" userId="470e288704938fe9" providerId="LiveId" clId="{C43607F1-232B-44DB-B3B2-14DEC55E9315}" dt="2024-09-25T15:29:14.834" v="6781" actId="20577"/>
+          <ac:spMkLst>
+            <pc:docMk/>
+            <pc:sldMk cId="4019972730" sldId="262"/>
+            <ac:spMk id="3" creationId="{37025C41-8921-578C-16F8-6B5CF0A93AE0}"/>
+          </ac:spMkLst>
+        </pc:spChg>
+      </pc:sldChg>
+      <pc:sldChg chg="modSp add mod">
+        <pc:chgData name="Yoshiharu Hamaguchi" userId="470e288704938fe9" providerId="LiveId" clId="{C43607F1-232B-44DB-B3B2-14DEC55E9315}" dt="2024-09-25T12:01:46.486" v="5502" actId="20577"/>
+        <pc:sldMkLst>
+          <pc:docMk/>
+          <pc:sldMk cId="958570635" sldId="263"/>
+        </pc:sldMkLst>
+        <pc:spChg chg="mod">
+          <ac:chgData name="Yoshiharu Hamaguchi" userId="470e288704938fe9" providerId="LiveId" clId="{C43607F1-232B-44DB-B3B2-14DEC55E9315}" dt="2024-09-25T12:01:46.486" v="5502" actId="20577"/>
+          <ac:spMkLst>
+            <pc:docMk/>
+            <pc:sldMk cId="958570635" sldId="263"/>
+            <ac:spMk id="2" creationId="{9C784ACA-9376-15C6-DD93-68B5D582FADA}"/>
+          </ac:spMkLst>
+        </pc:spChg>
+        <pc:spChg chg="mod">
+          <ac:chgData name="Yoshiharu Hamaguchi" userId="470e288704938fe9" providerId="LiveId" clId="{C43607F1-232B-44DB-B3B2-14DEC55E9315}" dt="2024-09-25T11:59:29.129" v="5429" actId="20577"/>
+          <ac:spMkLst>
+            <pc:docMk/>
+            <pc:sldMk cId="958570635" sldId="263"/>
+            <ac:spMk id="3" creationId="{37025C41-8921-578C-16F8-6B5CF0A93AE0}"/>
+          </ac:spMkLst>
+        </pc:spChg>
+      </pc:sldChg>
+      <pc:sldChg chg="modSp add mod">
+        <pc:chgData name="Yoshiharu Hamaguchi" userId="470e288704938fe9" providerId="LiveId" clId="{C43607F1-232B-44DB-B3B2-14DEC55E9315}" dt="2024-09-25T15:26:14.501" v="6687" actId="20577"/>
+        <pc:sldMkLst>
+          <pc:docMk/>
+          <pc:sldMk cId="3365730422" sldId="264"/>
+        </pc:sldMkLst>
+        <pc:spChg chg="mod">
+          <ac:chgData name="Yoshiharu Hamaguchi" userId="470e288704938fe9" providerId="LiveId" clId="{C43607F1-232B-44DB-B3B2-14DEC55E9315}" dt="2024-09-25T10:11:46.044" v="3377"/>
+          <ac:spMkLst>
+            <pc:docMk/>
+            <pc:sldMk cId="3365730422" sldId="264"/>
+            <ac:spMk id="2" creationId="{9C784ACA-9376-15C6-DD93-68B5D582FADA}"/>
+          </ac:spMkLst>
+        </pc:spChg>
+        <pc:spChg chg="mod">
+          <ac:chgData name="Yoshiharu Hamaguchi" userId="470e288704938fe9" providerId="LiveId" clId="{C43607F1-232B-44DB-B3B2-14DEC55E9315}" dt="2024-09-25T15:26:14.501" v="6687" actId="20577"/>
+          <ac:spMkLst>
+            <pc:docMk/>
+            <pc:sldMk cId="3365730422" sldId="264"/>
+            <ac:spMk id="3" creationId="{37025C41-8921-578C-16F8-6B5CF0A93AE0}"/>
+          </ac:spMkLst>
+        </pc:spChg>
+      </pc:sldChg>
+      <pc:sldChg chg="modSp add mod">
+        <pc:chgData name="Yoshiharu Hamaguchi" userId="470e288704938fe9" providerId="LiveId" clId="{C43607F1-232B-44DB-B3B2-14DEC55E9315}" dt="2024-09-25T12:17:14.612" v="6294" actId="20577"/>
+        <pc:sldMkLst>
+          <pc:docMk/>
+          <pc:sldMk cId="3485624740" sldId="265"/>
+        </pc:sldMkLst>
+        <pc:spChg chg="mod">
+          <ac:chgData name="Yoshiharu Hamaguchi" userId="470e288704938fe9" providerId="LiveId" clId="{C43607F1-232B-44DB-B3B2-14DEC55E9315}" dt="2024-09-25T12:01:42.167" v="5500" actId="20577"/>
+          <ac:spMkLst>
+            <pc:docMk/>
+            <pc:sldMk cId="3485624740" sldId="265"/>
+            <ac:spMk id="2" creationId="{9C784ACA-9376-15C6-DD93-68B5D582FADA}"/>
+          </ac:spMkLst>
+        </pc:spChg>
+        <pc:spChg chg="mod">
+          <ac:chgData name="Yoshiharu Hamaguchi" userId="470e288704938fe9" providerId="LiveId" clId="{C43607F1-232B-44DB-B3B2-14DEC55E9315}" dt="2024-09-25T12:17:14.612" v="6294" actId="20577"/>
+          <ac:spMkLst>
+            <pc:docMk/>
+            <pc:sldMk cId="3485624740" sldId="265"/>
+            <ac:spMk id="3" creationId="{37025C41-8921-578C-16F8-6B5CF0A93AE0}"/>
+          </ac:spMkLst>
+        </pc:spChg>
+      </pc:sldChg>
+      <pc:sldChg chg="addSp delSp modSp add mod ord">
+        <pc:chgData name="Yoshiharu Hamaguchi" userId="470e288704938fe9" providerId="LiveId" clId="{C43607F1-232B-44DB-B3B2-14DEC55E9315}" dt="2024-09-25T15:24:02.544" v="6637" actId="20577"/>
+        <pc:sldMkLst>
+          <pc:docMk/>
+          <pc:sldMk cId="3544669301" sldId="266"/>
+        </pc:sldMkLst>
+        <pc:spChg chg="mod">
+          <ac:chgData name="Yoshiharu Hamaguchi" userId="470e288704938fe9" providerId="LiveId" clId="{C43607F1-232B-44DB-B3B2-14DEC55E9315}" dt="2024-09-25T13:30:45.185" v="6550" actId="20577"/>
+          <ac:spMkLst>
+            <pc:docMk/>
+            <pc:sldMk cId="3544669301" sldId="266"/>
+            <ac:spMk id="2" creationId="{9C784ACA-9376-15C6-DD93-68B5D582FADA}"/>
+          </ac:spMkLst>
+        </pc:spChg>
+        <pc:spChg chg="del mod">
+          <ac:chgData name="Yoshiharu Hamaguchi" userId="470e288704938fe9" providerId="LiveId" clId="{C43607F1-232B-44DB-B3B2-14DEC55E9315}" dt="2024-09-25T12:13:58.063" v="6127" actId="478"/>
+          <ac:spMkLst>
+            <pc:docMk/>
+            <pc:sldMk cId="3544669301" sldId="266"/>
+            <ac:spMk id="3" creationId="{37025C41-8921-578C-16F8-6B5CF0A93AE0}"/>
+          </ac:spMkLst>
+        </pc:spChg>
+        <pc:spChg chg="add mod">
+          <ac:chgData name="Yoshiharu Hamaguchi" userId="470e288704938fe9" providerId="LiveId" clId="{C43607F1-232B-44DB-B3B2-14DEC55E9315}" dt="2024-09-25T15:24:02.544" v="6637" actId="20577"/>
+          <ac:spMkLst>
+            <pc:docMk/>
+            <pc:sldMk cId="3544669301" sldId="266"/>
+            <ac:spMk id="4" creationId="{8C13C9CE-666C-02A7-9EAA-106F1B50AE66}"/>
+          </ac:spMkLst>
+        </pc:spChg>
+        <pc:spChg chg="add mod">
+          <ac:chgData name="Yoshiharu Hamaguchi" userId="470e288704938fe9" providerId="LiveId" clId="{C43607F1-232B-44DB-B3B2-14DEC55E9315}" dt="2024-09-25T15:23:37.841" v="6553" actId="1076"/>
+          <ac:spMkLst>
+            <pc:docMk/>
+            <pc:sldMk cId="3544669301" sldId="266"/>
+            <ac:spMk id="5" creationId="{38525753-506C-CF9E-DF2A-0368D654E503}"/>
+          </ac:spMkLst>
+        </pc:spChg>
+        <pc:graphicFrameChg chg="add del mod">
+          <ac:chgData name="Yoshiharu Hamaguchi" userId="470e288704938fe9" providerId="LiveId" clId="{C43607F1-232B-44DB-B3B2-14DEC55E9315}" dt="2024-09-25T09:11:35.706" v="3118" actId="478"/>
+          <ac:graphicFrameMkLst>
+            <pc:docMk/>
+            <pc:sldMk cId="3544669301" sldId="266"/>
+            <ac:graphicFrameMk id="4" creationId="{9638860F-7C2B-CB75-3633-23A88AD1CFFF}"/>
+          </ac:graphicFrameMkLst>
+        </pc:graphicFrameChg>
+      </pc:sldChg>
+      <pc:sldChg chg="addSp delSp modSp add mod">
+        <pc:chgData name="Yoshiharu Hamaguchi" userId="470e288704938fe9" providerId="LiveId" clId="{C43607F1-232B-44DB-B3B2-14DEC55E9315}" dt="2024-09-25T12:39:33.816" v="6418" actId="20577"/>
+        <pc:sldMkLst>
+          <pc:docMk/>
+          <pc:sldMk cId="768576187" sldId="267"/>
+        </pc:sldMkLst>
+        <pc:spChg chg="mod">
+          <ac:chgData name="Yoshiharu Hamaguchi" userId="470e288704938fe9" providerId="LiveId" clId="{C43607F1-232B-44DB-B3B2-14DEC55E9315}" dt="2024-09-25T12:11:51.211" v="6042" actId="255"/>
+          <ac:spMkLst>
+            <pc:docMk/>
+            <pc:sldMk cId="768576187" sldId="267"/>
+            <ac:spMk id="2" creationId="{9C784ACA-9376-15C6-DD93-68B5D582FADA}"/>
+          </ac:spMkLst>
+        </pc:spChg>
+        <pc:spChg chg="mod">
+          <ac:chgData name="Yoshiharu Hamaguchi" userId="470e288704938fe9" providerId="LiveId" clId="{C43607F1-232B-44DB-B3B2-14DEC55E9315}" dt="2024-09-25T12:39:33.816" v="6418" actId="20577"/>
+          <ac:spMkLst>
+            <pc:docMk/>
+            <pc:sldMk cId="768576187" sldId="267"/>
+            <ac:spMk id="3" creationId="{37025C41-8921-578C-16F8-6B5CF0A93AE0}"/>
+          </ac:spMkLst>
+        </pc:spChg>
+        <pc:graphicFrameChg chg="add mod">
+          <ac:chgData name="Yoshiharu Hamaguchi" userId="470e288704938fe9" providerId="LiveId" clId="{C43607F1-232B-44DB-B3B2-14DEC55E9315}" dt="2024-09-25T12:12:56.408" v="6045" actId="1076"/>
+          <ac:graphicFrameMkLst>
+            <pc:docMk/>
+            <pc:sldMk cId="768576187" sldId="267"/>
+            <ac:graphicFrameMk id="4" creationId="{4E5D5511-B581-66FB-A2EC-FFB9111D8C73}"/>
+          </ac:graphicFrameMkLst>
+        </pc:graphicFrameChg>
+        <pc:graphicFrameChg chg="del">
+          <ac:chgData name="Yoshiharu Hamaguchi" userId="470e288704938fe9" providerId="LiveId" clId="{C43607F1-232B-44DB-B3B2-14DEC55E9315}" dt="2024-09-25T09:09:05.412" v="2871" actId="478"/>
+          <ac:graphicFrameMkLst>
+            <pc:docMk/>
+            <pc:sldMk cId="768576187" sldId="267"/>
+            <ac:graphicFrameMk id="4" creationId="{9638860F-7C2B-CB75-3633-23A88AD1CFFF}"/>
+          </ac:graphicFrameMkLst>
+        </pc:graphicFrameChg>
+      </pc:sldChg>
+      <pc:sldChg chg="addSp delSp modSp add mod">
+        <pc:chgData name="Yoshiharu Hamaguchi" userId="470e288704938fe9" providerId="LiveId" clId="{C43607F1-232B-44DB-B3B2-14DEC55E9315}" dt="2024-09-25T13:29:00.213" v="6471" actId="20577"/>
+        <pc:sldMkLst>
+          <pc:docMk/>
+          <pc:sldMk cId="840589698" sldId="268"/>
+        </pc:sldMkLst>
+        <pc:spChg chg="mod">
+          <ac:chgData name="Yoshiharu Hamaguchi" userId="470e288704938fe9" providerId="LiveId" clId="{C43607F1-232B-44DB-B3B2-14DEC55E9315}" dt="2024-09-25T11:54:23.312" v="5068" actId="20577"/>
+          <ac:spMkLst>
+            <pc:docMk/>
+            <pc:sldMk cId="840589698" sldId="268"/>
+            <ac:spMk id="2" creationId="{9C784ACA-9376-15C6-DD93-68B5D582FADA}"/>
+          </ac:spMkLst>
+        </pc:spChg>
+        <pc:spChg chg="mod">
+          <ac:chgData name="Yoshiharu Hamaguchi" userId="470e288704938fe9" providerId="LiveId" clId="{C43607F1-232B-44DB-B3B2-14DEC55E9315}" dt="2024-09-25T11:55:02.095" v="5109" actId="1035"/>
+          <ac:spMkLst>
+            <pc:docMk/>
+            <pc:sldMk cId="840589698" sldId="268"/>
+            <ac:spMk id="3" creationId="{37025C41-8921-578C-16F8-6B5CF0A93AE0}"/>
+          </ac:spMkLst>
+        </pc:spChg>
+        <pc:spChg chg="add del mod">
+          <ac:chgData name="Yoshiharu Hamaguchi" userId="470e288704938fe9" providerId="LiveId" clId="{C43607F1-232B-44DB-B3B2-14DEC55E9315}" dt="2024-09-25T10:16:39.785" v="3447" actId="11529"/>
+          <ac:spMkLst>
+            <pc:docMk/>
+            <pc:sldMk cId="840589698" sldId="268"/>
+            <ac:spMk id="4" creationId="{F98FC884-FBB8-61AD-34FB-0D85D813F28B}"/>
+          </ac:spMkLst>
+        </pc:spChg>
+        <pc:spChg chg="add mod">
+          <ac:chgData name="Yoshiharu Hamaguchi" userId="470e288704938fe9" providerId="LiveId" clId="{C43607F1-232B-44DB-B3B2-14DEC55E9315}" dt="2024-09-25T10:16:39.267" v="3446" actId="571"/>
+          <ac:spMkLst>
+            <pc:docMk/>
+            <pc:sldMk cId="840589698" sldId="268"/>
+            <ac:spMk id="5" creationId="{F23FD391-2473-6A83-F034-27A86E8878C2}"/>
+          </ac:spMkLst>
+        </pc:spChg>
+        <pc:spChg chg="add del">
+          <ac:chgData name="Yoshiharu Hamaguchi" userId="470e288704938fe9" providerId="LiveId" clId="{C43607F1-232B-44DB-B3B2-14DEC55E9315}" dt="2024-09-25T10:18:36.849" v="3472" actId="478"/>
+          <ac:spMkLst>
+            <pc:docMk/>
+            <pc:sldMk cId="840589698" sldId="268"/>
+            <ac:spMk id="12" creationId="{5320D42A-23DA-4C62-811E-03B9E5D4BC45}"/>
+          </ac:spMkLst>
+        </pc:spChg>
+        <pc:spChg chg="add mod">
+          <ac:chgData name="Yoshiharu Hamaguchi" userId="470e288704938fe9" providerId="LiveId" clId="{C43607F1-232B-44DB-B3B2-14DEC55E9315}" dt="2024-09-25T12:00:41.153" v="5465" actId="20577"/>
+          <ac:spMkLst>
+            <pc:docMk/>
+            <pc:sldMk cId="840589698" sldId="268"/>
+            <ac:spMk id="17" creationId="{22EFD490-063C-E600-DC74-E61C4AD29849}"/>
+          </ac:spMkLst>
+        </pc:spChg>
+        <pc:spChg chg="add del mod">
+          <ac:chgData name="Yoshiharu Hamaguchi" userId="470e288704938fe9" providerId="LiveId" clId="{C43607F1-232B-44DB-B3B2-14DEC55E9315}" dt="2024-09-25T10:21:45.687" v="3627"/>
+          <ac:spMkLst>
+            <pc:docMk/>
+            <pc:sldMk cId="840589698" sldId="268"/>
+            <ac:spMk id="18" creationId="{AFC52DAA-C20B-D63E-784B-8FAFBC832FAE}"/>
+          </ac:spMkLst>
+        </pc:spChg>
+        <pc:spChg chg="add mod">
+          <ac:chgData name="Yoshiharu Hamaguchi" userId="470e288704938fe9" providerId="LiveId" clId="{C43607F1-232B-44DB-B3B2-14DEC55E9315}" dt="2024-09-25T11:55:02.095" v="5109" actId="1035"/>
+          <ac:spMkLst>
+            <pc:docMk/>
+            <pc:sldMk cId="840589698" sldId="268"/>
+            <ac:spMk id="19" creationId="{2CDCB588-1E89-B1B4-BB6B-210B5ECD1361}"/>
+          </ac:spMkLst>
+        </pc:spChg>
+        <pc:spChg chg="add mod">
+          <ac:chgData name="Yoshiharu Hamaguchi" userId="470e288704938fe9" providerId="LiveId" clId="{C43607F1-232B-44DB-B3B2-14DEC55E9315}" dt="2024-09-25T11:55:02.095" v="5109" actId="1035"/>
+          <ac:spMkLst>
+            <pc:docMk/>
+            <pc:sldMk cId="840589698" sldId="268"/>
+            <ac:spMk id="20" creationId="{5D996A43-DC64-4070-A3C0-8AEBA9493CE6}"/>
+          </ac:spMkLst>
+        </pc:spChg>
+        <pc:spChg chg="add mod">
+          <ac:chgData name="Yoshiharu Hamaguchi" userId="470e288704938fe9" providerId="LiveId" clId="{C43607F1-232B-44DB-B3B2-14DEC55E9315}" dt="2024-09-25T12:01:51.040" v="5503" actId="20577"/>
+          <ac:spMkLst>
+            <pc:docMk/>
+            <pc:sldMk cId="840589698" sldId="268"/>
+            <ac:spMk id="21" creationId="{7EB19867-148A-D7FC-9274-4234BFD3440B}"/>
+          </ac:spMkLst>
+        </pc:spChg>
+        <pc:spChg chg="add mod">
+          <ac:chgData name="Yoshiharu Hamaguchi" userId="470e288704938fe9" providerId="LiveId" clId="{C43607F1-232B-44DB-B3B2-14DEC55E9315}" dt="2024-09-25T10:22:00.581" v="3631" actId="571"/>
+          <ac:spMkLst>
+            <pc:docMk/>
+            <pc:sldMk cId="840589698" sldId="268"/>
+            <ac:spMk id="22" creationId="{CBA24C83-4831-1386-386F-530CF522B95C}"/>
+          </ac:spMkLst>
+        </pc:spChg>
+        <pc:spChg chg="add mod">
+          <ac:chgData name="Yoshiharu Hamaguchi" userId="470e288704938fe9" providerId="LiveId" clId="{C43607F1-232B-44DB-B3B2-14DEC55E9315}" dt="2024-09-25T10:22:00.581" v="3631" actId="571"/>
+          <ac:spMkLst>
+            <pc:docMk/>
+            <pc:sldMk cId="840589698" sldId="268"/>
+            <ac:spMk id="23" creationId="{0D782016-83C1-6806-9341-108657EA9BA8}"/>
+          </ac:spMkLst>
+        </pc:spChg>
+        <pc:spChg chg="add mod ord">
+          <ac:chgData name="Yoshiharu Hamaguchi" userId="470e288704938fe9" providerId="LiveId" clId="{C43607F1-232B-44DB-B3B2-14DEC55E9315}" dt="2024-09-25T11:55:02.095" v="5109" actId="1035"/>
+          <ac:spMkLst>
+            <pc:docMk/>
+            <pc:sldMk cId="840589698" sldId="268"/>
+            <ac:spMk id="24" creationId="{2C710E95-554D-F235-C3F1-BF13E1AA1068}"/>
+          </ac:spMkLst>
+        </pc:spChg>
+        <pc:spChg chg="add mod ord">
+          <ac:chgData name="Yoshiharu Hamaguchi" userId="470e288704938fe9" providerId="LiveId" clId="{C43607F1-232B-44DB-B3B2-14DEC55E9315}" dt="2024-09-25T11:55:02.095" v="5109" actId="1035"/>
+          <ac:spMkLst>
+            <pc:docMk/>
+            <pc:sldMk cId="840589698" sldId="268"/>
+            <ac:spMk id="25" creationId="{432FD002-C3EC-95AB-E364-BC60A7440B0A}"/>
+          </ac:spMkLst>
+        </pc:spChg>
+        <pc:spChg chg="add mod ord">
+          <ac:chgData name="Yoshiharu Hamaguchi" userId="470e288704938fe9" providerId="LiveId" clId="{C43607F1-232B-44DB-B3B2-14DEC55E9315}" dt="2024-09-25T11:55:02.095" v="5109" actId="1035"/>
+          <ac:spMkLst>
+            <pc:docMk/>
+            <pc:sldMk cId="840589698" sldId="268"/>
+            <ac:spMk id="26" creationId="{0A5DCF7B-D5B4-2BE2-5871-8EED0BA9AE2C}"/>
+          </ac:spMkLst>
+        </pc:spChg>
+        <pc:spChg chg="add mod">
+          <ac:chgData name="Yoshiharu Hamaguchi" userId="470e288704938fe9" providerId="LiveId" clId="{C43607F1-232B-44DB-B3B2-14DEC55E9315}" dt="2024-09-25T12:03:08.078" v="5525" actId="1036"/>
+          <ac:spMkLst>
+            <pc:docMk/>
+            <pc:sldMk cId="840589698" sldId="268"/>
+            <ac:spMk id="27" creationId="{D7F52068-5699-1CBA-7FBA-D813809E2F1F}"/>
+          </ac:spMkLst>
+        </pc:spChg>
+        <pc:spChg chg="add mod">
+          <ac:chgData name="Yoshiharu Hamaguchi" userId="470e288704938fe9" providerId="LiveId" clId="{C43607F1-232B-44DB-B3B2-14DEC55E9315}" dt="2024-09-25T10:27:34.883" v="3851" actId="571"/>
+          <ac:spMkLst>
+            <pc:docMk/>
+            <pc:sldMk cId="840589698" sldId="268"/>
+            <ac:spMk id="28" creationId="{FD64C395-4E8A-6520-A2FE-4A7B5009B0AB}"/>
+          </ac:spMkLst>
+        </pc:spChg>
+        <pc:spChg chg="add mod">
+          <ac:chgData name="Yoshiharu Hamaguchi" userId="470e288704938fe9" providerId="LiveId" clId="{C43607F1-232B-44DB-B3B2-14DEC55E9315}" dt="2024-09-25T10:27:38.841" v="3853" actId="571"/>
+          <ac:spMkLst>
+            <pc:docMk/>
+            <pc:sldMk cId="840589698" sldId="268"/>
+            <ac:spMk id="29" creationId="{8D074A2A-D5C9-BBC7-E92D-C9565B37A9E9}"/>
+          </ac:spMkLst>
+        </pc:spChg>
+        <pc:spChg chg="add mod">
+          <ac:chgData name="Yoshiharu Hamaguchi" userId="470e288704938fe9" providerId="LiveId" clId="{C43607F1-232B-44DB-B3B2-14DEC55E9315}" dt="2024-09-25T11:55:02.095" v="5109" actId="1035"/>
+          <ac:spMkLst>
+            <pc:docMk/>
+            <pc:sldMk cId="840589698" sldId="268"/>
+            <ac:spMk id="30" creationId="{9F8A6BA6-9C05-8916-B855-7146EEBA1167}"/>
+          </ac:spMkLst>
+        </pc:spChg>
+        <pc:spChg chg="add mod">
+          <ac:chgData name="Yoshiharu Hamaguchi" userId="470e288704938fe9" providerId="LiveId" clId="{C43607F1-232B-44DB-B3B2-14DEC55E9315}" dt="2024-09-25T11:55:02.095" v="5109" actId="1035"/>
+          <ac:spMkLst>
+            <pc:docMk/>
+            <pc:sldMk cId="840589698" sldId="268"/>
+            <ac:spMk id="31" creationId="{84235BB5-BE18-15D2-8BB3-E9CB549D6AB3}"/>
+          </ac:spMkLst>
+        </pc:spChg>
+        <pc:spChg chg="add mod">
+          <ac:chgData name="Yoshiharu Hamaguchi" userId="470e288704938fe9" providerId="LiveId" clId="{C43607F1-232B-44DB-B3B2-14DEC55E9315}" dt="2024-09-25T11:55:02.095" v="5109" actId="1035"/>
+          <ac:spMkLst>
+            <pc:docMk/>
+            <pc:sldMk cId="840589698" sldId="268"/>
+            <ac:spMk id="32" creationId="{CD126C2D-904F-6F62-E142-CA8F1BBD0251}"/>
+          </ac:spMkLst>
+        </pc:spChg>
+        <pc:spChg chg="add mod">
+          <ac:chgData name="Yoshiharu Hamaguchi" userId="470e288704938fe9" providerId="LiveId" clId="{C43607F1-232B-44DB-B3B2-14DEC55E9315}" dt="2024-09-25T11:55:02.095" v="5109" actId="1035"/>
+          <ac:spMkLst>
+            <pc:docMk/>
+            <pc:sldMk cId="840589698" sldId="268"/>
+            <ac:spMk id="33" creationId="{0FB338FD-35EF-30D7-06A9-7A1B992B2830}"/>
+          </ac:spMkLst>
+        </pc:spChg>
+        <pc:spChg chg="add del mod">
+          <ac:chgData name="Yoshiharu Hamaguchi" userId="470e288704938fe9" providerId="LiveId" clId="{C43607F1-232B-44DB-B3B2-14DEC55E9315}" dt="2024-09-25T10:35:09.999" v="4180" actId="478"/>
+          <ac:spMkLst>
+            <pc:docMk/>
+            <pc:sldMk cId="840589698" sldId="268"/>
+            <ac:spMk id="34" creationId="{A50A472D-4099-8DAF-24F2-AF418F2F9C79}"/>
+          </ac:spMkLst>
+        </pc:spChg>
+        <pc:spChg chg="add mod">
+          <ac:chgData name="Yoshiharu Hamaguchi" userId="470e288704938fe9" providerId="LiveId" clId="{C43607F1-232B-44DB-B3B2-14DEC55E9315}" dt="2024-09-25T11:55:02.095" v="5109" actId="1035"/>
+          <ac:spMkLst>
+            <pc:docMk/>
+            <pc:sldMk cId="840589698" sldId="268"/>
+            <ac:spMk id="35" creationId="{1AFFE9F5-AE2D-EBB6-D84B-C52DD42E357B}"/>
+          </ac:spMkLst>
+        </pc:spChg>
+        <pc:spChg chg="add mod">
+          <ac:chgData name="Yoshiharu Hamaguchi" userId="470e288704938fe9" providerId="LiveId" clId="{C43607F1-232B-44DB-B3B2-14DEC55E9315}" dt="2024-09-25T10:39:29.891" v="4299" actId="571"/>
+          <ac:spMkLst>
+            <pc:docMk/>
+            <pc:sldMk cId="840589698" sldId="268"/>
+            <ac:spMk id="36" creationId="{24F56B13-3AC6-7FDD-8B46-EE30294A3D96}"/>
+          </ac:spMkLst>
+        </pc:spChg>
+        <pc:spChg chg="add mod ord">
+          <ac:chgData name="Yoshiharu Hamaguchi" userId="470e288704938fe9" providerId="LiveId" clId="{C43607F1-232B-44DB-B3B2-14DEC55E9315}" dt="2024-09-25T11:55:02.095" v="5109" actId="1035"/>
+          <ac:spMkLst>
+            <pc:docMk/>
+            <pc:sldMk cId="840589698" sldId="268"/>
+            <ac:spMk id="37" creationId="{D1058EA4-8932-1FDF-0C0E-3BD94FD33D65}"/>
+          </ac:spMkLst>
+        </pc:spChg>
+        <pc:spChg chg="add mod ord">
+          <ac:chgData name="Yoshiharu Hamaguchi" userId="470e288704938fe9" providerId="LiveId" clId="{C43607F1-232B-44DB-B3B2-14DEC55E9315}" dt="2024-09-25T11:55:02.095" v="5109" actId="1035"/>
+          <ac:spMkLst>
+            <pc:docMk/>
+            <pc:sldMk cId="840589698" sldId="268"/>
+            <ac:spMk id="38" creationId="{1A3E6AA3-18D3-7A9B-F0B1-B7633BF22430}"/>
+          </ac:spMkLst>
+        </pc:spChg>
+        <pc:spChg chg="add mod ord">
+          <ac:chgData name="Yoshiharu Hamaguchi" userId="470e288704938fe9" providerId="LiveId" clId="{C43607F1-232B-44DB-B3B2-14DEC55E9315}" dt="2024-09-25T11:55:02.095" v="5109" actId="1035"/>
+          <ac:spMkLst>
+            <pc:docMk/>
+            <pc:sldMk cId="840589698" sldId="268"/>
+            <ac:spMk id="39" creationId="{8A7149DE-6BB3-5177-C779-82DBB0881054}"/>
+          </ac:spMkLst>
+        </pc:spChg>
+        <pc:spChg chg="add mod">
+          <ac:chgData name="Yoshiharu Hamaguchi" userId="470e288704938fe9" providerId="LiveId" clId="{C43607F1-232B-44DB-B3B2-14DEC55E9315}" dt="2024-09-25T11:55:02.095" v="5109" actId="1035"/>
+          <ac:spMkLst>
+            <pc:docMk/>
+            <pc:sldMk cId="840589698" sldId="268"/>
+            <ac:spMk id="40" creationId="{AE3EDBDD-CC31-46D4-A001-B6C397E7D5A7}"/>
+          </ac:spMkLst>
+        </pc:spChg>
+        <pc:spChg chg="add mod">
+          <ac:chgData name="Yoshiharu Hamaguchi" userId="470e288704938fe9" providerId="LiveId" clId="{C43607F1-232B-44DB-B3B2-14DEC55E9315}" dt="2024-09-25T12:02:19.942" v="5505" actId="20577"/>
+          <ac:spMkLst>
+            <pc:docMk/>
+            <pc:sldMk cId="840589698" sldId="268"/>
+            <ac:spMk id="41" creationId="{78EB841D-7EEE-856E-2816-A546A25A6747}"/>
+          </ac:spMkLst>
+        </pc:spChg>
+        <pc:spChg chg="add mod">
+          <ac:chgData name="Yoshiharu Hamaguchi" userId="470e288704938fe9" providerId="LiveId" clId="{C43607F1-232B-44DB-B3B2-14DEC55E9315}" dt="2024-09-25T11:55:02.095" v="5109" actId="1035"/>
+          <ac:spMkLst>
+            <pc:docMk/>
+            <pc:sldMk cId="840589698" sldId="268"/>
+            <ac:spMk id="42" creationId="{25617D89-2A2A-DD7D-7316-1D4B0FFFD10C}"/>
+          </ac:spMkLst>
+        </pc:spChg>
+        <pc:spChg chg="add mod">
+          <ac:chgData name="Yoshiharu Hamaguchi" userId="470e288704938fe9" providerId="LiveId" clId="{C43607F1-232B-44DB-B3B2-14DEC55E9315}" dt="2024-09-25T11:55:02.095" v="5109" actId="1035"/>
+          <ac:spMkLst>
+            <pc:docMk/>
+            <pc:sldMk cId="840589698" sldId="268"/>
+            <ac:spMk id="43" creationId="{5FCB99EE-0845-55B5-25FB-9528EA5E62DB}"/>
+          </ac:spMkLst>
+        </pc:spChg>
+        <pc:spChg chg="add del">
+          <ac:chgData name="Yoshiharu Hamaguchi" userId="470e288704938fe9" providerId="LiveId" clId="{C43607F1-232B-44DB-B3B2-14DEC55E9315}" dt="2024-09-25T11:27:52.577" v="4545" actId="11529"/>
+          <ac:spMkLst>
+            <pc:docMk/>
+            <pc:sldMk cId="840589698" sldId="268"/>
+            <ac:spMk id="46" creationId="{864648D8-4C7D-49CB-AC03-A530324A6D1F}"/>
+          </ac:spMkLst>
+        </pc:spChg>
+        <pc:spChg chg="add mod">
+          <ac:chgData name="Yoshiharu Hamaguchi" userId="470e288704938fe9" providerId="LiveId" clId="{C43607F1-232B-44DB-B3B2-14DEC55E9315}" dt="2024-09-25T12:22:51.936" v="6363" actId="1076"/>
+          <ac:spMkLst>
+            <pc:docMk/>
+            <pc:sldMk cId="840589698" sldId="268"/>
+            <ac:spMk id="53" creationId="{2EBDE60C-B3C7-8BCA-38EB-2B2EE296631D}"/>
+          </ac:spMkLst>
+        </pc:spChg>
+        <pc:spChg chg="add mod">
+          <ac:chgData name="Yoshiharu Hamaguchi" userId="470e288704938fe9" providerId="LiveId" clId="{C43607F1-232B-44DB-B3B2-14DEC55E9315}" dt="2024-09-25T11:29:12.246" v="4591" actId="571"/>
+          <ac:spMkLst>
+            <pc:docMk/>
+            <pc:sldMk cId="840589698" sldId="268"/>
+            <ac:spMk id="54" creationId="{64213D1F-62E0-6FE2-8DD0-98A0F7965A20}"/>
+          </ac:spMkLst>
+        </pc:spChg>
+        <pc:spChg chg="add mod">
+          <ac:chgData name="Yoshiharu Hamaguchi" userId="470e288704938fe9" providerId="LiveId" clId="{C43607F1-232B-44DB-B3B2-14DEC55E9315}" dt="2024-09-25T11:30:21.518" v="4611" actId="571"/>
+          <ac:spMkLst>
+            <pc:docMk/>
+            <pc:sldMk cId="840589698" sldId="268"/>
+            <ac:spMk id="69" creationId="{87F80CD8-AD9D-76E0-D20C-888BEB7DBF63}"/>
+          </ac:spMkLst>
+        </pc:spChg>
+        <pc:spChg chg="add mod">
+          <ac:chgData name="Yoshiharu Hamaguchi" userId="470e288704938fe9" providerId="LiveId" clId="{C43607F1-232B-44DB-B3B2-14DEC55E9315}" dt="2024-09-25T11:55:02.095" v="5109" actId="1035"/>
+          <ac:spMkLst>
+            <pc:docMk/>
+            <pc:sldMk cId="840589698" sldId="268"/>
+            <ac:spMk id="72" creationId="{741FC192-317D-477E-05E4-6AE0AEEE4091}"/>
+          </ac:spMkLst>
+        </pc:spChg>
+        <pc:spChg chg="add del mod ord">
+          <ac:chgData name="Yoshiharu Hamaguchi" userId="470e288704938fe9" providerId="LiveId" clId="{C43607F1-232B-44DB-B3B2-14DEC55E9315}" dt="2024-09-25T11:42:15.199" v="4772" actId="478"/>
+          <ac:spMkLst>
+            <pc:docMk/>
+            <pc:sldMk cId="840589698" sldId="268"/>
+            <ac:spMk id="73" creationId="{F290F820-E77D-22D6-2914-B8FF9F15771A}"/>
+          </ac:spMkLst>
+        </pc:spChg>
+        <pc:spChg chg="add del mod ord">
+          <ac:chgData name="Yoshiharu Hamaguchi" userId="470e288704938fe9" providerId="LiveId" clId="{C43607F1-232B-44DB-B3B2-14DEC55E9315}" dt="2024-09-25T11:42:39.516" v="4783" actId="478"/>
+          <ac:spMkLst>
+            <pc:docMk/>
+            <pc:sldMk cId="840589698" sldId="268"/>
+            <ac:spMk id="74" creationId="{773FC1F2-A6BB-000C-C4C6-25ED96C57065}"/>
+          </ac:spMkLst>
+        </pc:spChg>
+        <pc:spChg chg="add del mod ord">
+          <ac:chgData name="Yoshiharu Hamaguchi" userId="470e288704938fe9" providerId="LiveId" clId="{C43607F1-232B-44DB-B3B2-14DEC55E9315}" dt="2024-09-25T11:42:38.906" v="4782" actId="478"/>
+          <ac:spMkLst>
+            <pc:docMk/>
+            <pc:sldMk cId="840589698" sldId="268"/>
+            <ac:spMk id="76" creationId="{579EA042-E61D-672A-3ED1-E044253656A2}"/>
+          </ac:spMkLst>
+        </pc:spChg>
+        <pc:spChg chg="add mod ord">
+          <ac:chgData name="Yoshiharu Hamaguchi" userId="470e288704938fe9" providerId="LiveId" clId="{C43607F1-232B-44DB-B3B2-14DEC55E9315}" dt="2024-09-25T13:28:46.984" v="6464" actId="207"/>
+          <ac:spMkLst>
+            <pc:docMk/>
+            <pc:sldMk cId="840589698" sldId="268"/>
+            <ac:spMk id="77" creationId="{A8393CBC-1EA9-35DD-1457-F7D76951A781}"/>
+          </ac:spMkLst>
+        </pc:spChg>
+        <pc:spChg chg="add mod">
+          <ac:chgData name="Yoshiharu Hamaguchi" userId="470e288704938fe9" providerId="LiveId" clId="{C43607F1-232B-44DB-B3B2-14DEC55E9315}" dt="2024-09-25T11:55:02.095" v="5109" actId="1035"/>
+          <ac:spMkLst>
+            <pc:docMk/>
+            <pc:sldMk cId="840589698" sldId="268"/>
+            <ac:spMk id="83" creationId="{CCD52B30-82F7-87C0-989A-283F3DA60F6E}"/>
+          </ac:spMkLst>
+        </pc:spChg>
+        <pc:spChg chg="add mod">
+          <ac:chgData name="Yoshiharu Hamaguchi" userId="470e288704938fe9" providerId="LiveId" clId="{C43607F1-232B-44DB-B3B2-14DEC55E9315}" dt="2024-09-25T13:28:31.859" v="6463" actId="13822"/>
+          <ac:spMkLst>
+            <pc:docMk/>
+            <pc:sldMk cId="840589698" sldId="268"/>
+            <ac:spMk id="84" creationId="{A83C95F3-56CE-A8BE-4166-5101A47E4447}"/>
+          </ac:spMkLst>
+        </pc:spChg>
+        <pc:spChg chg="add mod">
+          <ac:chgData name="Yoshiharu Hamaguchi" userId="470e288704938fe9" providerId="LiveId" clId="{C43607F1-232B-44DB-B3B2-14DEC55E9315}" dt="2024-09-25T13:29:00.213" v="6471" actId="20577"/>
+          <ac:spMkLst>
+            <pc:docMk/>
+            <pc:sldMk cId="840589698" sldId="268"/>
+            <ac:spMk id="185" creationId="{130A0482-3284-7713-A99C-40E52448C831}"/>
+          </ac:spMkLst>
+        </pc:spChg>
+        <pc:spChg chg="add del">
+          <ac:chgData name="Yoshiharu Hamaguchi" userId="470e288704938fe9" providerId="LiveId" clId="{C43607F1-232B-44DB-B3B2-14DEC55E9315}" dt="2024-09-25T11:55:17.262" v="5111" actId="22"/>
+          <ac:spMkLst>
+            <pc:docMk/>
+            <pc:sldMk cId="840589698" sldId="268"/>
+            <ac:spMk id="187" creationId="{87941EAC-51C0-CC28-E79E-4F55F2887F3F}"/>
+          </ac:spMkLst>
+        </pc:spChg>
+        <pc:spChg chg="add mod">
+          <ac:chgData name="Yoshiharu Hamaguchi" userId="470e288704938fe9" providerId="LiveId" clId="{C43607F1-232B-44DB-B3B2-14DEC55E9315}" dt="2024-09-25T11:56:06.974" v="5238" actId="20577"/>
+          <ac:spMkLst>
+            <pc:docMk/>
+            <pc:sldMk cId="840589698" sldId="268"/>
+            <ac:spMk id="188" creationId="{11DC7CAE-5817-27B1-97A7-D38E5318A4A0}"/>
+          </ac:spMkLst>
+        </pc:spChg>
+        <pc:grpChg chg="add del mod">
+          <ac:chgData name="Yoshiharu Hamaguchi" userId="470e288704938fe9" providerId="LiveId" clId="{C43607F1-232B-44DB-B3B2-14DEC55E9315}" dt="2024-09-25T10:17:45.403" v="3466"/>
+          <ac:grpSpMkLst>
+            <pc:docMk/>
+            <pc:sldMk cId="840589698" sldId="268"/>
+            <ac:grpSpMk id="12" creationId="{D18CFD05-BBD4-36DD-DA7F-F09469CCC1B5}"/>
+          </ac:grpSpMkLst>
+        </pc:grpChg>
+        <pc:grpChg chg="mod">
+          <ac:chgData name="Yoshiharu Hamaguchi" userId="470e288704938fe9" providerId="LiveId" clId="{C43607F1-232B-44DB-B3B2-14DEC55E9315}" dt="2024-09-25T10:17:44.851" v="3464"/>
+          <ac:grpSpMkLst>
+            <pc:docMk/>
+            <pc:sldMk cId="840589698" sldId="268"/>
+            <ac:grpSpMk id="14" creationId="{A627047E-2A2A-4D8C-231E-9EB8FB591DA6}"/>
+          </ac:grpSpMkLst>
+        </pc:grpChg>
+        <pc:picChg chg="add mod">
+          <ac:chgData name="Yoshiharu Hamaguchi" userId="470e288704938fe9" providerId="LiveId" clId="{C43607F1-232B-44DB-B3B2-14DEC55E9315}" dt="2024-09-25T13:27:50.902" v="6461" actId="27349"/>
+          <ac:picMkLst>
+            <pc:docMk/>
+            <pc:sldMk cId="840589698" sldId="268"/>
+            <ac:picMk id="45" creationId="{59F021CE-0421-4999-5D7E-4689EC7A3063}"/>
+          </ac:picMkLst>
+        </pc:picChg>
+        <pc:inkChg chg="add del">
+          <ac:chgData name="Yoshiharu Hamaguchi" userId="470e288704938fe9" providerId="LiveId" clId="{C43607F1-232B-44DB-B3B2-14DEC55E9315}" dt="2024-09-25T10:16:57.865" v="3451" actId="9405"/>
+          <ac:inkMkLst>
+            <pc:docMk/>
+            <pc:sldMk cId="840589698" sldId="268"/>
+            <ac:inkMk id="6" creationId="{FAE79509-3D4A-0016-37ED-9DFA4CF740B5}"/>
+          </ac:inkMkLst>
+        </pc:inkChg>
+        <pc:inkChg chg="add del">
+          <ac:chgData name="Yoshiharu Hamaguchi" userId="470e288704938fe9" providerId="LiveId" clId="{C43607F1-232B-44DB-B3B2-14DEC55E9315}" dt="2024-09-25T10:16:57.597" v="3450" actId="9405"/>
+          <ac:inkMkLst>
+            <pc:docMk/>
+            <pc:sldMk cId="840589698" sldId="268"/>
+            <ac:inkMk id="7" creationId="{98E353E4-EBA4-9D1B-5CD1-850702D68DDF}"/>
+          </ac:inkMkLst>
+        </pc:inkChg>
+        <pc:inkChg chg="add del">
+          <ac:chgData name="Yoshiharu Hamaguchi" userId="470e288704938fe9" providerId="LiveId" clId="{C43607F1-232B-44DB-B3B2-14DEC55E9315}" dt="2024-09-25T10:17:10.699" v="3455" actId="9405"/>
+          <ac:inkMkLst>
+            <pc:docMk/>
+            <pc:sldMk cId="840589698" sldId="268"/>
+            <ac:inkMk id="8" creationId="{B4F14106-ED05-88B4-EAA5-FEB689F36E46}"/>
+          </ac:inkMkLst>
+        </pc:inkChg>
+        <pc:inkChg chg="add del">
+          <ac:chgData name="Yoshiharu Hamaguchi" userId="470e288704938fe9" providerId="LiveId" clId="{C43607F1-232B-44DB-B3B2-14DEC55E9315}" dt="2024-09-25T10:17:10.294" v="3454" actId="9405"/>
+          <ac:inkMkLst>
+            <pc:docMk/>
+            <pc:sldMk cId="840589698" sldId="268"/>
+            <ac:inkMk id="9" creationId="{639922C2-285F-57E3-FEDB-28FF36A73624}"/>
+          </ac:inkMkLst>
+        </pc:inkChg>
+        <pc:inkChg chg="add del mod">
+          <ac:chgData name="Yoshiharu Hamaguchi" userId="470e288704938fe9" providerId="LiveId" clId="{C43607F1-232B-44DB-B3B2-14DEC55E9315}" dt="2024-09-25T10:17:45.797" v="3467" actId="9405"/>
+          <ac:inkMkLst>
+            <pc:docMk/>
+            <pc:sldMk cId="840589698" sldId="268"/>
+            <ac:inkMk id="10" creationId="{A86EA2E0-B3D3-C193-7730-F1D3FD323FDF}"/>
+          </ac:inkMkLst>
+        </pc:inkChg>
+        <pc:inkChg chg="add del mod">
+          <ac:chgData name="Yoshiharu Hamaguchi" userId="470e288704938fe9" providerId="LiveId" clId="{C43607F1-232B-44DB-B3B2-14DEC55E9315}" dt="2024-09-25T10:17:45.403" v="3466"/>
+          <ac:inkMkLst>
+            <pc:docMk/>
+            <pc:sldMk cId="840589698" sldId="268"/>
+            <ac:inkMk id="11" creationId="{72C41B7C-67A6-DEEE-2985-21572EE01F2E}"/>
+          </ac:inkMkLst>
+        </pc:inkChg>
+        <pc:inkChg chg="add del mod">
+          <ac:chgData name="Yoshiharu Hamaguchi" userId="470e288704938fe9" providerId="LiveId" clId="{C43607F1-232B-44DB-B3B2-14DEC55E9315}" dt="2024-09-25T10:17:44.851" v="3464"/>
+          <ac:inkMkLst>
+            <pc:docMk/>
+            <pc:sldMk cId="840589698" sldId="268"/>
+            <ac:inkMk id="13" creationId="{C4D40D36-0343-45FA-6BF6-4981DF8A865E}"/>
+          </ac:inkMkLst>
+        </pc:inkChg>
+        <pc:inkChg chg="add del">
+          <ac:chgData name="Yoshiharu Hamaguchi" userId="470e288704938fe9" providerId="LiveId" clId="{C43607F1-232B-44DB-B3B2-14DEC55E9315}" dt="2024-09-25T10:18:06.916" v="3469" actId="34122"/>
+          <ac:inkMkLst>
+            <pc:docMk/>
+            <pc:sldMk cId="840589698" sldId="268"/>
+            <ac:inkMk id="15" creationId="{711A4B6F-C1B4-18D2-74EE-5C16BF14D5D2}"/>
+          </ac:inkMkLst>
+        </pc:inkChg>
+        <pc:inkChg chg="add del">
+          <ac:chgData name="Yoshiharu Hamaguchi" userId="470e288704938fe9" providerId="LiveId" clId="{C43607F1-232B-44DB-B3B2-14DEC55E9315}" dt="2024-09-25T10:18:28.771" v="3471" actId="34122"/>
+          <ac:inkMkLst>
+            <pc:docMk/>
+            <pc:sldMk cId="840589698" sldId="268"/>
+            <ac:inkMk id="16" creationId="{07121A24-52BE-CAEB-F368-C5D2ADAD134F}"/>
+          </ac:inkMkLst>
+        </pc:inkChg>
+        <pc:cxnChg chg="add mod">
+          <ac:chgData name="Yoshiharu Hamaguchi" userId="470e288704938fe9" providerId="LiveId" clId="{C43607F1-232B-44DB-B3B2-14DEC55E9315}" dt="2024-09-25T13:28:04.391" v="6462" actId="208"/>
+          <ac:cxnSpMkLst>
+            <pc:docMk/>
+            <pc:sldMk cId="840589698" sldId="268"/>
+            <ac:cxnSpMk id="48" creationId="{69393153-AEE1-5B4A-D68A-93D1FD0AFD62}"/>
+          </ac:cxnSpMkLst>
+        </pc:cxnChg>
+        <pc:cxnChg chg="add mod">
+          <ac:chgData name="Yoshiharu Hamaguchi" userId="470e288704938fe9" providerId="LiveId" clId="{C43607F1-232B-44DB-B3B2-14DEC55E9315}" dt="2024-09-25T11:55:02.095" v="5109" actId="1035"/>
+          <ac:cxnSpMkLst>
+            <pc:docMk/>
+            <pc:sldMk cId="840589698" sldId="268"/>
+            <ac:cxnSpMk id="50" creationId="{CFA5960C-E2FD-D6EE-A74A-8EFFBF3FA20C}"/>
+          </ac:cxnSpMkLst>
+        </pc:cxnChg>
+        <pc:cxnChg chg="add del mod">
+          <ac:chgData name="Yoshiharu Hamaguchi" userId="470e288704938fe9" providerId="LiveId" clId="{C43607F1-232B-44DB-B3B2-14DEC55E9315}" dt="2024-09-25T11:43:35.898" v="4811" actId="478"/>
+          <ac:cxnSpMkLst>
+            <pc:docMk/>
+            <pc:sldMk cId="840589698" sldId="268"/>
+            <ac:cxnSpMk id="55" creationId="{C1E6E371-5C9C-583E-BDC4-4013BC434683}"/>
+          </ac:cxnSpMkLst>
+        </pc:cxnChg>
+        <pc:cxnChg chg="add del mod">
+          <ac:chgData name="Yoshiharu Hamaguchi" userId="470e288704938fe9" providerId="LiveId" clId="{C43607F1-232B-44DB-B3B2-14DEC55E9315}" dt="2024-09-25T11:43:33.654" v="4810" actId="478"/>
+          <ac:cxnSpMkLst>
+            <pc:docMk/>
+            <pc:sldMk cId="840589698" sldId="268"/>
+            <ac:cxnSpMk id="58" creationId="{E3C02521-E9EC-676D-ACB2-046D85CADDFF}"/>
+          </ac:cxnSpMkLst>
+        </pc:cxnChg>
+        <pc:cxnChg chg="add mod">
+          <ac:chgData name="Yoshiharu Hamaguchi" userId="470e288704938fe9" providerId="LiveId" clId="{C43607F1-232B-44DB-B3B2-14DEC55E9315}" dt="2024-09-25T11:55:02.095" v="5109" actId="1035"/>
+          <ac:cxnSpMkLst>
+            <pc:docMk/>
+            <pc:sldMk cId="840589698" sldId="268"/>
+            <ac:cxnSpMk id="61" creationId="{97380F3F-B4EC-2F06-9E3A-119161B80E1D}"/>
+          </ac:cxnSpMkLst>
+        </pc:cxnChg>
+        <pc:cxnChg chg="add mod">
+          <ac:chgData name="Yoshiharu Hamaguchi" userId="470e288704938fe9" providerId="LiveId" clId="{C43607F1-232B-44DB-B3B2-14DEC55E9315}" dt="2024-09-25T11:55:02.095" v="5109" actId="1035"/>
+          <ac:cxnSpMkLst>
+            <pc:docMk/>
+            <pc:sldMk cId="840589698" sldId="268"/>
+            <ac:cxnSpMk id="64" creationId="{7A976978-6192-9393-1108-B2E4A3E176A2}"/>
+          </ac:cxnSpMkLst>
+        </pc:cxnChg>
+        <pc:cxnChg chg="add del mod ord">
+          <ac:chgData name="Yoshiharu Hamaguchi" userId="470e288704938fe9" providerId="LiveId" clId="{C43607F1-232B-44DB-B3B2-14DEC55E9315}" dt="2024-09-25T11:55:02.095" v="5109" actId="1035"/>
+          <ac:cxnSpMkLst>
+            <pc:docMk/>
+            <pc:sldMk cId="840589698" sldId="268"/>
+            <ac:cxnSpMk id="67" creationId="{E4B332FF-DA63-222D-60B0-8C1AFCA0A5CC}"/>
+          </ac:cxnSpMkLst>
+        </pc:cxnChg>
+        <pc:cxnChg chg="add del mod">
+          <ac:chgData name="Yoshiharu Hamaguchi" userId="470e288704938fe9" providerId="LiveId" clId="{C43607F1-232B-44DB-B3B2-14DEC55E9315}" dt="2024-09-25T11:42:51.712" v="4787" actId="478"/>
+          <ac:cxnSpMkLst>
+            <pc:docMk/>
+            <pc:sldMk cId="840589698" sldId="268"/>
+            <ac:cxnSpMk id="82" creationId="{CB0EA28D-6B41-BA92-5477-F870C9BF05C8}"/>
+          </ac:cxnSpMkLst>
+        </pc:cxnChg>
+        <pc:cxnChg chg="add mod">
+          <ac:chgData name="Yoshiharu Hamaguchi" userId="470e288704938fe9" providerId="LiveId" clId="{C43607F1-232B-44DB-B3B2-14DEC55E9315}" dt="2024-09-25T11:55:02.095" v="5109" actId="1035"/>
+          <ac:cxnSpMkLst>
+            <pc:docMk/>
+            <pc:sldMk cId="840589698" sldId="268"/>
+            <ac:cxnSpMk id="85" creationId="{5521CAAD-A1E8-0103-75E1-A6496D12E07F}"/>
+          </ac:cxnSpMkLst>
+        </pc:cxnChg>
+        <pc:cxnChg chg="add mod">
+          <ac:chgData name="Yoshiharu Hamaguchi" userId="470e288704938fe9" providerId="LiveId" clId="{C43607F1-232B-44DB-B3B2-14DEC55E9315}" dt="2024-09-25T11:55:02.095" v="5109" actId="1035"/>
+          <ac:cxnSpMkLst>
+            <pc:docMk/>
+            <pc:sldMk cId="840589698" sldId="268"/>
+            <ac:cxnSpMk id="88" creationId="{4B306A65-14F2-3593-3D31-60757CB57107}"/>
+          </ac:cxnSpMkLst>
+        </pc:cxnChg>
+        <pc:cxnChg chg="add del mod">
+          <ac:chgData name="Yoshiharu Hamaguchi" userId="470e288704938fe9" providerId="LiveId" clId="{C43607F1-232B-44DB-B3B2-14DEC55E9315}" dt="2024-09-25T11:45:01.527" v="4859" actId="478"/>
+          <ac:cxnSpMkLst>
+            <pc:docMk/>
+            <pc:sldMk cId="840589698" sldId="268"/>
+            <ac:cxnSpMk id="91" creationId="{00310F9F-3183-EBDA-F940-FACA4B25E9D1}"/>
+          </ac:cxnSpMkLst>
+        </pc:cxnChg>
+        <pc:cxnChg chg="add del mod">
+          <ac:chgData name="Yoshiharu Hamaguchi" userId="470e288704938fe9" providerId="LiveId" clId="{C43607F1-232B-44DB-B3B2-14DEC55E9315}" dt="2024-09-25T11:55:02.095" v="5109" actId="1035"/>
+          <ac:cxnSpMkLst>
+            <pc:docMk/>
+            <pc:sldMk cId="840589698" sldId="268"/>
+            <ac:cxnSpMk id="124" creationId="{D3A0DDA0-90A1-7E9A-338D-464A0AB369B6}"/>
+          </ac:cxnSpMkLst>
+        </pc:cxnChg>
+        <pc:cxnChg chg="add mod">
+          <ac:chgData name="Yoshiharu Hamaguchi" userId="470e288704938fe9" providerId="LiveId" clId="{C43607F1-232B-44DB-B3B2-14DEC55E9315}" dt="2024-09-25T11:55:02.095" v="5109" actId="1035"/>
+          <ac:cxnSpMkLst>
+            <pc:docMk/>
+            <pc:sldMk cId="840589698" sldId="268"/>
+            <ac:cxnSpMk id="127" creationId="{9EC78F66-EF39-54B3-AB98-E84927268771}"/>
+          </ac:cxnSpMkLst>
+        </pc:cxnChg>
+        <pc:cxnChg chg="add mod">
+          <ac:chgData name="Yoshiharu Hamaguchi" userId="470e288704938fe9" providerId="LiveId" clId="{C43607F1-232B-44DB-B3B2-14DEC55E9315}" dt="2024-09-25T11:55:02.095" v="5109" actId="1035"/>
+          <ac:cxnSpMkLst>
+            <pc:docMk/>
+            <pc:sldMk cId="840589698" sldId="268"/>
+            <ac:cxnSpMk id="170" creationId="{04B8B0AB-0A41-F5D9-4C41-10446EE21735}"/>
+          </ac:cxnSpMkLst>
+        </pc:cxnChg>
+        <pc:cxnChg chg="add mod">
+          <ac:chgData name="Yoshiharu Hamaguchi" userId="470e288704938fe9" providerId="LiveId" clId="{C43607F1-232B-44DB-B3B2-14DEC55E9315}" dt="2024-09-25T11:55:02.095" v="5109" actId="1035"/>
+          <ac:cxnSpMkLst>
+            <pc:docMk/>
+            <pc:sldMk cId="840589698" sldId="268"/>
+            <ac:cxnSpMk id="175" creationId="{152005CE-C530-4496-5760-AA3F6AA1AEE2}"/>
+          </ac:cxnSpMkLst>
+        </pc:cxnChg>
+        <pc:cxnChg chg="add mod">
+          <ac:chgData name="Yoshiharu Hamaguchi" userId="470e288704938fe9" providerId="LiveId" clId="{C43607F1-232B-44DB-B3B2-14DEC55E9315}" dt="2024-09-25T13:28:04.391" v="6462" actId="208"/>
+          <ac:cxnSpMkLst>
+            <pc:docMk/>
+            <pc:sldMk cId="840589698" sldId="268"/>
+            <ac:cxnSpMk id="179" creationId="{7A4A3A67-DD95-558D-CEE2-3908D3A834BF}"/>
+          </ac:cxnSpMkLst>
+        </pc:cxnChg>
+        <pc:cxnChg chg="add mod">
+          <ac:chgData name="Yoshiharu Hamaguchi" userId="470e288704938fe9" providerId="LiveId" clId="{C43607F1-232B-44DB-B3B2-14DEC55E9315}" dt="2024-09-25T13:28:04.391" v="6462" actId="208"/>
+          <ac:cxnSpMkLst>
+            <pc:docMk/>
+            <pc:sldMk cId="840589698" sldId="268"/>
+            <ac:cxnSpMk id="182" creationId="{82CC0E9E-8ADB-EC6E-7027-6781BBB288FA}"/>
+          </ac:cxnSpMkLst>
+        </pc:cxnChg>
+      </pc:sldChg>
+      <pc:sldChg chg="addSp delSp modSp add mod">
+        <pc:chgData name="Yoshiharu Hamaguchi" userId="470e288704938fe9" providerId="LiveId" clId="{C43607F1-232B-44DB-B3B2-14DEC55E9315}" dt="2024-09-25T15:27:25.266" v="6758" actId="20577"/>
+        <pc:sldMkLst>
+          <pc:docMk/>
+          <pc:sldMk cId="2142688305" sldId="269"/>
+        </pc:sldMkLst>
+        <pc:spChg chg="mod">
+          <ac:chgData name="Yoshiharu Hamaguchi" userId="470e288704938fe9" providerId="LiveId" clId="{C43607F1-232B-44DB-B3B2-14DEC55E9315}" dt="2024-09-25T15:24:31.506" v="6651" actId="14100"/>
+          <ac:spMkLst>
+            <pc:docMk/>
+            <pc:sldMk cId="2142688305" sldId="269"/>
+            <ac:spMk id="2" creationId="{9C784ACA-9376-15C6-DD93-68B5D582FADA}"/>
+          </ac:spMkLst>
+        </pc:spChg>
+        <pc:spChg chg="mod">
+          <ac:chgData name="Yoshiharu Hamaguchi" userId="470e288704938fe9" providerId="LiveId" clId="{C43607F1-232B-44DB-B3B2-14DEC55E9315}" dt="2024-09-25T15:27:25.266" v="6758" actId="20577"/>
+          <ac:spMkLst>
+            <pc:docMk/>
+            <pc:sldMk cId="2142688305" sldId="269"/>
+            <ac:spMk id="4" creationId="{8C13C9CE-666C-02A7-9EAA-106F1B50AE66}"/>
+          </ac:spMkLst>
+        </pc:spChg>
+        <pc:spChg chg="del">
+          <ac:chgData name="Yoshiharu Hamaguchi" userId="470e288704938fe9" providerId="LiveId" clId="{C43607F1-232B-44DB-B3B2-14DEC55E9315}" dt="2024-09-25T15:24:43.991" v="6652" actId="478"/>
+          <ac:spMkLst>
+            <pc:docMk/>
+            <pc:sldMk cId="2142688305" sldId="269"/>
+            <ac:spMk id="5" creationId="{38525753-506C-CF9E-DF2A-0368D654E503}"/>
+          </ac:spMkLst>
+        </pc:spChg>
+        <pc:picChg chg="add mod">
+          <ac:chgData name="Yoshiharu Hamaguchi" userId="470e288704938fe9" providerId="LiveId" clId="{C43607F1-232B-44DB-B3B2-14DEC55E9315}" dt="2024-09-25T15:27:23.110" v="6757" actId="1076"/>
+          <ac:picMkLst>
+            <pc:docMk/>
+            <pc:sldMk cId="2142688305" sldId="269"/>
+            <ac:picMk id="6" creationId="{48B13ABD-A7EC-8A70-7FC9-8BE6883BF949}"/>
+          </ac:picMkLst>
+        </pc:picChg>
+      </pc:sldChg>
+    </pc:docChg>
+  </pc:docChgLst>
+  <pc:docChgLst>
     <pc:chgData name="Yoshiharu Hamaguchi" userId="470e288704938fe9" providerId="LiveId" clId="{7FF04D8D-0E5C-4D85-91C7-38CEECAF421B}"/>
     <pc:docChg chg="delSld modSld">
       <pc:chgData name="Yoshiharu Hamaguchi" userId="470e288704938fe9" providerId="LiveId" clId="{7FF04D8D-0E5C-4D85-91C7-38CEECAF421B}" dt="2024-08-30T00:39:52.340" v="69" actId="47"/>
@@ -764,939 +1699,6 @@
       </pc:sldChg>
     </pc:docChg>
   </pc:docChgLst>
-  <pc:docChgLst>
-    <pc:chgData name="Yoshiharu Hamaguchi" userId="470e288704938fe9" providerId="LiveId" clId="{46C12E7F-E35C-42BF-B856-810C3AAE2138}"/>
-    <pc:docChg chg="custSel modSld">
-      <pc:chgData name="Yoshiharu Hamaguchi" userId="470e288704938fe9" providerId="LiveId" clId="{46C12E7F-E35C-42BF-B856-810C3AAE2138}" dt="2024-08-17T07:15:42.746" v="129" actId="20577"/>
-      <pc:docMkLst>
-        <pc:docMk/>
-      </pc:docMkLst>
-      <pc:sldChg chg="modSp mod">
-        <pc:chgData name="Yoshiharu Hamaguchi" userId="470e288704938fe9" providerId="LiveId" clId="{46C12E7F-E35C-42BF-B856-810C3AAE2138}" dt="2024-08-17T07:13:46.984" v="43" actId="20577"/>
-        <pc:sldMkLst>
-          <pc:docMk/>
-          <pc:sldMk cId="634982452" sldId="256"/>
-        </pc:sldMkLst>
-        <pc:spChg chg="mod">
-          <ac:chgData name="Yoshiharu Hamaguchi" userId="470e288704938fe9" providerId="LiveId" clId="{46C12E7F-E35C-42BF-B856-810C3AAE2138}" dt="2024-08-17T07:13:17.184" v="10" actId="20577"/>
-          <ac:spMkLst>
-            <pc:docMk/>
-            <pc:sldMk cId="634982452" sldId="256"/>
-            <ac:spMk id="2" creationId="{3F0D190A-A8DB-32F1-0D56-13F6D381B778}"/>
-          </ac:spMkLst>
-        </pc:spChg>
-        <pc:spChg chg="mod">
-          <ac:chgData name="Yoshiharu Hamaguchi" userId="470e288704938fe9" providerId="LiveId" clId="{46C12E7F-E35C-42BF-B856-810C3AAE2138}" dt="2024-08-17T07:13:46.984" v="43" actId="20577"/>
-          <ac:spMkLst>
-            <pc:docMk/>
-            <pc:sldMk cId="634982452" sldId="256"/>
-            <ac:spMk id="3" creationId="{BC817A74-920C-0926-7C76-24BA4993B9F3}"/>
-          </ac:spMkLst>
-        </pc:spChg>
-      </pc:sldChg>
-      <pc:sldChg chg="modSp mod">
-        <pc:chgData name="Yoshiharu Hamaguchi" userId="470e288704938fe9" providerId="LiveId" clId="{46C12E7F-E35C-42BF-B856-810C3AAE2138}" dt="2024-08-17T07:14:18.771" v="52" actId="20577"/>
-        <pc:sldMkLst>
-          <pc:docMk/>
-          <pc:sldMk cId="3586103662" sldId="259"/>
-        </pc:sldMkLst>
-        <pc:spChg chg="mod">
-          <ac:chgData name="Yoshiharu Hamaguchi" userId="470e288704938fe9" providerId="LiveId" clId="{46C12E7F-E35C-42BF-B856-810C3AAE2138}" dt="2024-08-17T07:14:18.771" v="52" actId="20577"/>
-          <ac:spMkLst>
-            <pc:docMk/>
-            <pc:sldMk cId="3586103662" sldId="259"/>
-            <ac:spMk id="3" creationId="{37025C41-8921-578C-16F8-6B5CF0A93AE0}"/>
-          </ac:spMkLst>
-        </pc:spChg>
-      </pc:sldChg>
-      <pc:sldChg chg="modSp mod">
-        <pc:chgData name="Yoshiharu Hamaguchi" userId="470e288704938fe9" providerId="LiveId" clId="{46C12E7F-E35C-42BF-B856-810C3AAE2138}" dt="2024-08-17T07:13:56.935" v="45" actId="27636"/>
-        <pc:sldMkLst>
-          <pc:docMk/>
-          <pc:sldMk cId="3422986759" sldId="260"/>
-        </pc:sldMkLst>
-        <pc:spChg chg="mod">
-          <ac:chgData name="Yoshiharu Hamaguchi" userId="470e288704938fe9" providerId="LiveId" clId="{46C12E7F-E35C-42BF-B856-810C3AAE2138}" dt="2024-08-17T07:13:56.935" v="45" actId="27636"/>
-          <ac:spMkLst>
-            <pc:docMk/>
-            <pc:sldMk cId="3422986759" sldId="260"/>
-            <ac:spMk id="3" creationId="{37025C41-8921-578C-16F8-6B5CF0A93AE0}"/>
-          </ac:spMkLst>
-        </pc:spChg>
-      </pc:sldChg>
-      <pc:sldChg chg="modSp mod">
-        <pc:chgData name="Yoshiharu Hamaguchi" userId="470e288704938fe9" providerId="LiveId" clId="{46C12E7F-E35C-42BF-B856-810C3AAE2138}" dt="2024-08-17T07:15:42.746" v="129" actId="20577"/>
-        <pc:sldMkLst>
-          <pc:docMk/>
-          <pc:sldMk cId="4019972730" sldId="262"/>
-        </pc:sldMkLst>
-        <pc:spChg chg="mod">
-          <ac:chgData name="Yoshiharu Hamaguchi" userId="470e288704938fe9" providerId="LiveId" clId="{46C12E7F-E35C-42BF-B856-810C3AAE2138}" dt="2024-08-17T07:15:42.746" v="129" actId="20577"/>
-          <ac:spMkLst>
-            <pc:docMk/>
-            <pc:sldMk cId="4019972730" sldId="262"/>
-            <ac:spMk id="3" creationId="{37025C41-8921-578C-16F8-6B5CF0A93AE0}"/>
-          </ac:spMkLst>
-        </pc:spChg>
-      </pc:sldChg>
-    </pc:docChg>
-  </pc:docChgLst>
-  <pc:docChgLst>
-    <pc:chgData name="Yoshiharu Hamaguchi" userId="470e288704938fe9" providerId="LiveId" clId="{C43607F1-232B-44DB-B3B2-14DEC55E9315}"/>
-    <pc:docChg chg="undo redo custSel addSld modSld sldOrd">
-      <pc:chgData name="Yoshiharu Hamaguchi" userId="470e288704938fe9" providerId="LiveId" clId="{C43607F1-232B-44DB-B3B2-14DEC55E9315}" dt="2024-09-25T15:29:14.834" v="6781" actId="20577"/>
-      <pc:docMkLst>
-        <pc:docMk/>
-      </pc:docMkLst>
-      <pc:sldChg chg="modSp mod">
-        <pc:chgData name="Yoshiharu Hamaguchi" userId="470e288704938fe9" providerId="LiveId" clId="{C43607F1-232B-44DB-B3B2-14DEC55E9315}" dt="2024-09-25T10:11:46.044" v="3377"/>
-        <pc:sldMkLst>
-          <pc:docMk/>
-          <pc:sldMk cId="634982452" sldId="256"/>
-        </pc:sldMkLst>
-        <pc:spChg chg="mod">
-          <ac:chgData name="Yoshiharu Hamaguchi" userId="470e288704938fe9" providerId="LiveId" clId="{C43607F1-232B-44DB-B3B2-14DEC55E9315}" dt="2024-09-25T10:11:46.044" v="3377"/>
-          <ac:spMkLst>
-            <pc:docMk/>
-            <pc:sldMk cId="634982452" sldId="256"/>
-            <ac:spMk id="2" creationId="{3F0D190A-A8DB-32F1-0D56-13F6D381B778}"/>
-          </ac:spMkLst>
-        </pc:spChg>
-        <pc:spChg chg="mod">
-          <ac:chgData name="Yoshiharu Hamaguchi" userId="470e288704938fe9" providerId="LiveId" clId="{C43607F1-232B-44DB-B3B2-14DEC55E9315}" dt="2024-09-25T10:11:46.044" v="3377"/>
-          <ac:spMkLst>
-            <pc:docMk/>
-            <pc:sldMk cId="634982452" sldId="256"/>
-            <ac:spMk id="3" creationId="{BC817A74-920C-0926-7C76-24BA4993B9F3}"/>
-          </ac:spMkLst>
-        </pc:spChg>
-      </pc:sldChg>
-      <pc:sldChg chg="modSp mod ord">
-        <pc:chgData name="Yoshiharu Hamaguchi" userId="470e288704938fe9" providerId="LiveId" clId="{C43607F1-232B-44DB-B3B2-14DEC55E9315}" dt="2024-09-25T15:29:14.834" v="6781" actId="20577"/>
-        <pc:sldMkLst>
-          <pc:docMk/>
-          <pc:sldMk cId="4019972730" sldId="262"/>
-        </pc:sldMkLst>
-        <pc:spChg chg="mod">
-          <ac:chgData name="Yoshiharu Hamaguchi" userId="470e288704938fe9" providerId="LiveId" clId="{C43607F1-232B-44DB-B3B2-14DEC55E9315}" dt="2024-09-25T10:11:46.044" v="3377"/>
-          <ac:spMkLst>
-            <pc:docMk/>
-            <pc:sldMk cId="4019972730" sldId="262"/>
-            <ac:spMk id="2" creationId="{9C784ACA-9376-15C6-DD93-68B5D582FADA}"/>
-          </ac:spMkLst>
-        </pc:spChg>
-        <pc:spChg chg="mod">
-          <ac:chgData name="Yoshiharu Hamaguchi" userId="470e288704938fe9" providerId="LiveId" clId="{C43607F1-232B-44DB-B3B2-14DEC55E9315}" dt="2024-09-25T15:29:14.834" v="6781" actId="20577"/>
-          <ac:spMkLst>
-            <pc:docMk/>
-            <pc:sldMk cId="4019972730" sldId="262"/>
-            <ac:spMk id="3" creationId="{37025C41-8921-578C-16F8-6B5CF0A93AE0}"/>
-          </ac:spMkLst>
-        </pc:spChg>
-      </pc:sldChg>
-      <pc:sldChg chg="modSp add mod">
-        <pc:chgData name="Yoshiharu Hamaguchi" userId="470e288704938fe9" providerId="LiveId" clId="{C43607F1-232B-44DB-B3B2-14DEC55E9315}" dt="2024-09-25T12:01:46.486" v="5502" actId="20577"/>
-        <pc:sldMkLst>
-          <pc:docMk/>
-          <pc:sldMk cId="958570635" sldId="263"/>
-        </pc:sldMkLst>
-        <pc:spChg chg="mod">
-          <ac:chgData name="Yoshiharu Hamaguchi" userId="470e288704938fe9" providerId="LiveId" clId="{C43607F1-232B-44DB-B3B2-14DEC55E9315}" dt="2024-09-25T12:01:46.486" v="5502" actId="20577"/>
-          <ac:spMkLst>
-            <pc:docMk/>
-            <pc:sldMk cId="958570635" sldId="263"/>
-            <ac:spMk id="2" creationId="{9C784ACA-9376-15C6-DD93-68B5D582FADA}"/>
-          </ac:spMkLst>
-        </pc:spChg>
-        <pc:spChg chg="mod">
-          <ac:chgData name="Yoshiharu Hamaguchi" userId="470e288704938fe9" providerId="LiveId" clId="{C43607F1-232B-44DB-B3B2-14DEC55E9315}" dt="2024-09-25T11:59:29.129" v="5429" actId="20577"/>
-          <ac:spMkLst>
-            <pc:docMk/>
-            <pc:sldMk cId="958570635" sldId="263"/>
-            <ac:spMk id="3" creationId="{37025C41-8921-578C-16F8-6B5CF0A93AE0}"/>
-          </ac:spMkLst>
-        </pc:spChg>
-      </pc:sldChg>
-      <pc:sldChg chg="modSp add mod">
-        <pc:chgData name="Yoshiharu Hamaguchi" userId="470e288704938fe9" providerId="LiveId" clId="{C43607F1-232B-44DB-B3B2-14DEC55E9315}" dt="2024-09-25T15:26:14.501" v="6687" actId="20577"/>
-        <pc:sldMkLst>
-          <pc:docMk/>
-          <pc:sldMk cId="3365730422" sldId="264"/>
-        </pc:sldMkLst>
-        <pc:spChg chg="mod">
-          <ac:chgData name="Yoshiharu Hamaguchi" userId="470e288704938fe9" providerId="LiveId" clId="{C43607F1-232B-44DB-B3B2-14DEC55E9315}" dt="2024-09-25T10:11:46.044" v="3377"/>
-          <ac:spMkLst>
-            <pc:docMk/>
-            <pc:sldMk cId="3365730422" sldId="264"/>
-            <ac:spMk id="2" creationId="{9C784ACA-9376-15C6-DD93-68B5D582FADA}"/>
-          </ac:spMkLst>
-        </pc:spChg>
-        <pc:spChg chg="mod">
-          <ac:chgData name="Yoshiharu Hamaguchi" userId="470e288704938fe9" providerId="LiveId" clId="{C43607F1-232B-44DB-B3B2-14DEC55E9315}" dt="2024-09-25T15:26:14.501" v="6687" actId="20577"/>
-          <ac:spMkLst>
-            <pc:docMk/>
-            <pc:sldMk cId="3365730422" sldId="264"/>
-            <ac:spMk id="3" creationId="{37025C41-8921-578C-16F8-6B5CF0A93AE0}"/>
-          </ac:spMkLst>
-        </pc:spChg>
-      </pc:sldChg>
-      <pc:sldChg chg="modSp add mod">
-        <pc:chgData name="Yoshiharu Hamaguchi" userId="470e288704938fe9" providerId="LiveId" clId="{C43607F1-232B-44DB-B3B2-14DEC55E9315}" dt="2024-09-25T12:17:14.612" v="6294" actId="20577"/>
-        <pc:sldMkLst>
-          <pc:docMk/>
-          <pc:sldMk cId="3485624740" sldId="265"/>
-        </pc:sldMkLst>
-        <pc:spChg chg="mod">
-          <ac:chgData name="Yoshiharu Hamaguchi" userId="470e288704938fe9" providerId="LiveId" clId="{C43607F1-232B-44DB-B3B2-14DEC55E9315}" dt="2024-09-25T12:01:42.167" v="5500" actId="20577"/>
-          <ac:spMkLst>
-            <pc:docMk/>
-            <pc:sldMk cId="3485624740" sldId="265"/>
-            <ac:spMk id="2" creationId="{9C784ACA-9376-15C6-DD93-68B5D582FADA}"/>
-          </ac:spMkLst>
-        </pc:spChg>
-        <pc:spChg chg="mod">
-          <ac:chgData name="Yoshiharu Hamaguchi" userId="470e288704938fe9" providerId="LiveId" clId="{C43607F1-232B-44DB-B3B2-14DEC55E9315}" dt="2024-09-25T12:17:14.612" v="6294" actId="20577"/>
-          <ac:spMkLst>
-            <pc:docMk/>
-            <pc:sldMk cId="3485624740" sldId="265"/>
-            <ac:spMk id="3" creationId="{37025C41-8921-578C-16F8-6B5CF0A93AE0}"/>
-          </ac:spMkLst>
-        </pc:spChg>
-      </pc:sldChg>
-      <pc:sldChg chg="addSp delSp modSp add mod ord">
-        <pc:chgData name="Yoshiharu Hamaguchi" userId="470e288704938fe9" providerId="LiveId" clId="{C43607F1-232B-44DB-B3B2-14DEC55E9315}" dt="2024-09-25T15:24:02.544" v="6637" actId="20577"/>
-        <pc:sldMkLst>
-          <pc:docMk/>
-          <pc:sldMk cId="3544669301" sldId="266"/>
-        </pc:sldMkLst>
-        <pc:spChg chg="mod">
-          <ac:chgData name="Yoshiharu Hamaguchi" userId="470e288704938fe9" providerId="LiveId" clId="{C43607F1-232B-44DB-B3B2-14DEC55E9315}" dt="2024-09-25T13:30:45.185" v="6550" actId="20577"/>
-          <ac:spMkLst>
-            <pc:docMk/>
-            <pc:sldMk cId="3544669301" sldId="266"/>
-            <ac:spMk id="2" creationId="{9C784ACA-9376-15C6-DD93-68B5D582FADA}"/>
-          </ac:spMkLst>
-        </pc:spChg>
-        <pc:spChg chg="del mod">
-          <ac:chgData name="Yoshiharu Hamaguchi" userId="470e288704938fe9" providerId="LiveId" clId="{C43607F1-232B-44DB-B3B2-14DEC55E9315}" dt="2024-09-25T12:13:58.063" v="6127" actId="478"/>
-          <ac:spMkLst>
-            <pc:docMk/>
-            <pc:sldMk cId="3544669301" sldId="266"/>
-            <ac:spMk id="3" creationId="{37025C41-8921-578C-16F8-6B5CF0A93AE0}"/>
-          </ac:spMkLst>
-        </pc:spChg>
-        <pc:spChg chg="add mod">
-          <ac:chgData name="Yoshiharu Hamaguchi" userId="470e288704938fe9" providerId="LiveId" clId="{C43607F1-232B-44DB-B3B2-14DEC55E9315}" dt="2024-09-25T15:24:02.544" v="6637" actId="20577"/>
-          <ac:spMkLst>
-            <pc:docMk/>
-            <pc:sldMk cId="3544669301" sldId="266"/>
-            <ac:spMk id="4" creationId="{8C13C9CE-666C-02A7-9EAA-106F1B50AE66}"/>
-          </ac:spMkLst>
-        </pc:spChg>
-        <pc:spChg chg="add mod">
-          <ac:chgData name="Yoshiharu Hamaguchi" userId="470e288704938fe9" providerId="LiveId" clId="{C43607F1-232B-44DB-B3B2-14DEC55E9315}" dt="2024-09-25T15:23:37.841" v="6553" actId="1076"/>
-          <ac:spMkLst>
-            <pc:docMk/>
-            <pc:sldMk cId="3544669301" sldId="266"/>
-            <ac:spMk id="5" creationId="{38525753-506C-CF9E-DF2A-0368D654E503}"/>
-          </ac:spMkLst>
-        </pc:spChg>
-        <pc:graphicFrameChg chg="add del mod">
-          <ac:chgData name="Yoshiharu Hamaguchi" userId="470e288704938fe9" providerId="LiveId" clId="{C43607F1-232B-44DB-B3B2-14DEC55E9315}" dt="2024-09-25T09:11:35.706" v="3118" actId="478"/>
-          <ac:graphicFrameMkLst>
-            <pc:docMk/>
-            <pc:sldMk cId="3544669301" sldId="266"/>
-            <ac:graphicFrameMk id="4" creationId="{9638860F-7C2B-CB75-3633-23A88AD1CFFF}"/>
-          </ac:graphicFrameMkLst>
-        </pc:graphicFrameChg>
-      </pc:sldChg>
-      <pc:sldChg chg="addSp delSp modSp add mod">
-        <pc:chgData name="Yoshiharu Hamaguchi" userId="470e288704938fe9" providerId="LiveId" clId="{C43607F1-232B-44DB-B3B2-14DEC55E9315}" dt="2024-09-25T12:39:33.816" v="6418" actId="20577"/>
-        <pc:sldMkLst>
-          <pc:docMk/>
-          <pc:sldMk cId="768576187" sldId="267"/>
-        </pc:sldMkLst>
-        <pc:spChg chg="mod">
-          <ac:chgData name="Yoshiharu Hamaguchi" userId="470e288704938fe9" providerId="LiveId" clId="{C43607F1-232B-44DB-B3B2-14DEC55E9315}" dt="2024-09-25T12:11:51.211" v="6042" actId="255"/>
-          <ac:spMkLst>
-            <pc:docMk/>
-            <pc:sldMk cId="768576187" sldId="267"/>
-            <ac:spMk id="2" creationId="{9C784ACA-9376-15C6-DD93-68B5D582FADA}"/>
-          </ac:spMkLst>
-        </pc:spChg>
-        <pc:spChg chg="mod">
-          <ac:chgData name="Yoshiharu Hamaguchi" userId="470e288704938fe9" providerId="LiveId" clId="{C43607F1-232B-44DB-B3B2-14DEC55E9315}" dt="2024-09-25T12:39:33.816" v="6418" actId="20577"/>
-          <ac:spMkLst>
-            <pc:docMk/>
-            <pc:sldMk cId="768576187" sldId="267"/>
-            <ac:spMk id="3" creationId="{37025C41-8921-578C-16F8-6B5CF0A93AE0}"/>
-          </ac:spMkLst>
-        </pc:spChg>
-        <pc:graphicFrameChg chg="add mod">
-          <ac:chgData name="Yoshiharu Hamaguchi" userId="470e288704938fe9" providerId="LiveId" clId="{C43607F1-232B-44DB-B3B2-14DEC55E9315}" dt="2024-09-25T12:12:56.408" v="6045" actId="1076"/>
-          <ac:graphicFrameMkLst>
-            <pc:docMk/>
-            <pc:sldMk cId="768576187" sldId="267"/>
-            <ac:graphicFrameMk id="4" creationId="{4E5D5511-B581-66FB-A2EC-FFB9111D8C73}"/>
-          </ac:graphicFrameMkLst>
-        </pc:graphicFrameChg>
-        <pc:graphicFrameChg chg="del">
-          <ac:chgData name="Yoshiharu Hamaguchi" userId="470e288704938fe9" providerId="LiveId" clId="{C43607F1-232B-44DB-B3B2-14DEC55E9315}" dt="2024-09-25T09:09:05.412" v="2871" actId="478"/>
-          <ac:graphicFrameMkLst>
-            <pc:docMk/>
-            <pc:sldMk cId="768576187" sldId="267"/>
-            <ac:graphicFrameMk id="4" creationId="{9638860F-7C2B-CB75-3633-23A88AD1CFFF}"/>
-          </ac:graphicFrameMkLst>
-        </pc:graphicFrameChg>
-      </pc:sldChg>
-      <pc:sldChg chg="addSp delSp modSp add mod">
-        <pc:chgData name="Yoshiharu Hamaguchi" userId="470e288704938fe9" providerId="LiveId" clId="{C43607F1-232B-44DB-B3B2-14DEC55E9315}" dt="2024-09-25T13:29:00.213" v="6471" actId="20577"/>
-        <pc:sldMkLst>
-          <pc:docMk/>
-          <pc:sldMk cId="840589698" sldId="268"/>
-        </pc:sldMkLst>
-        <pc:spChg chg="mod">
-          <ac:chgData name="Yoshiharu Hamaguchi" userId="470e288704938fe9" providerId="LiveId" clId="{C43607F1-232B-44DB-B3B2-14DEC55E9315}" dt="2024-09-25T11:54:23.312" v="5068" actId="20577"/>
-          <ac:spMkLst>
-            <pc:docMk/>
-            <pc:sldMk cId="840589698" sldId="268"/>
-            <ac:spMk id="2" creationId="{9C784ACA-9376-15C6-DD93-68B5D582FADA}"/>
-          </ac:spMkLst>
-        </pc:spChg>
-        <pc:spChg chg="mod">
-          <ac:chgData name="Yoshiharu Hamaguchi" userId="470e288704938fe9" providerId="LiveId" clId="{C43607F1-232B-44DB-B3B2-14DEC55E9315}" dt="2024-09-25T11:55:02.095" v="5109" actId="1035"/>
-          <ac:spMkLst>
-            <pc:docMk/>
-            <pc:sldMk cId="840589698" sldId="268"/>
-            <ac:spMk id="3" creationId="{37025C41-8921-578C-16F8-6B5CF0A93AE0}"/>
-          </ac:spMkLst>
-        </pc:spChg>
-        <pc:spChg chg="add del mod">
-          <ac:chgData name="Yoshiharu Hamaguchi" userId="470e288704938fe9" providerId="LiveId" clId="{C43607F1-232B-44DB-B3B2-14DEC55E9315}" dt="2024-09-25T10:16:39.785" v="3447" actId="11529"/>
-          <ac:spMkLst>
-            <pc:docMk/>
-            <pc:sldMk cId="840589698" sldId="268"/>
-            <ac:spMk id="4" creationId="{F98FC884-FBB8-61AD-34FB-0D85D813F28B}"/>
-          </ac:spMkLst>
-        </pc:spChg>
-        <pc:spChg chg="add mod">
-          <ac:chgData name="Yoshiharu Hamaguchi" userId="470e288704938fe9" providerId="LiveId" clId="{C43607F1-232B-44DB-B3B2-14DEC55E9315}" dt="2024-09-25T10:16:39.267" v="3446" actId="571"/>
-          <ac:spMkLst>
-            <pc:docMk/>
-            <pc:sldMk cId="840589698" sldId="268"/>
-            <ac:spMk id="5" creationId="{F23FD391-2473-6A83-F034-27A86E8878C2}"/>
-          </ac:spMkLst>
-        </pc:spChg>
-        <pc:spChg chg="add del">
-          <ac:chgData name="Yoshiharu Hamaguchi" userId="470e288704938fe9" providerId="LiveId" clId="{C43607F1-232B-44DB-B3B2-14DEC55E9315}" dt="2024-09-25T10:18:36.849" v="3472" actId="478"/>
-          <ac:spMkLst>
-            <pc:docMk/>
-            <pc:sldMk cId="840589698" sldId="268"/>
-            <ac:spMk id="12" creationId="{5320D42A-23DA-4C62-811E-03B9E5D4BC45}"/>
-          </ac:spMkLst>
-        </pc:spChg>
-        <pc:spChg chg="add mod">
-          <ac:chgData name="Yoshiharu Hamaguchi" userId="470e288704938fe9" providerId="LiveId" clId="{C43607F1-232B-44DB-B3B2-14DEC55E9315}" dt="2024-09-25T12:00:41.153" v="5465" actId="20577"/>
-          <ac:spMkLst>
-            <pc:docMk/>
-            <pc:sldMk cId="840589698" sldId="268"/>
-            <ac:spMk id="17" creationId="{22EFD490-063C-E600-DC74-E61C4AD29849}"/>
-          </ac:spMkLst>
-        </pc:spChg>
-        <pc:spChg chg="add del mod">
-          <ac:chgData name="Yoshiharu Hamaguchi" userId="470e288704938fe9" providerId="LiveId" clId="{C43607F1-232B-44DB-B3B2-14DEC55E9315}" dt="2024-09-25T10:21:45.687" v="3627"/>
-          <ac:spMkLst>
-            <pc:docMk/>
-            <pc:sldMk cId="840589698" sldId="268"/>
-            <ac:spMk id="18" creationId="{AFC52DAA-C20B-D63E-784B-8FAFBC832FAE}"/>
-          </ac:spMkLst>
-        </pc:spChg>
-        <pc:spChg chg="add mod">
-          <ac:chgData name="Yoshiharu Hamaguchi" userId="470e288704938fe9" providerId="LiveId" clId="{C43607F1-232B-44DB-B3B2-14DEC55E9315}" dt="2024-09-25T11:55:02.095" v="5109" actId="1035"/>
-          <ac:spMkLst>
-            <pc:docMk/>
-            <pc:sldMk cId="840589698" sldId="268"/>
-            <ac:spMk id="19" creationId="{2CDCB588-1E89-B1B4-BB6B-210B5ECD1361}"/>
-          </ac:spMkLst>
-        </pc:spChg>
-        <pc:spChg chg="add mod">
-          <ac:chgData name="Yoshiharu Hamaguchi" userId="470e288704938fe9" providerId="LiveId" clId="{C43607F1-232B-44DB-B3B2-14DEC55E9315}" dt="2024-09-25T11:55:02.095" v="5109" actId="1035"/>
-          <ac:spMkLst>
-            <pc:docMk/>
-            <pc:sldMk cId="840589698" sldId="268"/>
-            <ac:spMk id="20" creationId="{5D996A43-DC64-4070-A3C0-8AEBA9493CE6}"/>
-          </ac:spMkLst>
-        </pc:spChg>
-        <pc:spChg chg="add mod">
-          <ac:chgData name="Yoshiharu Hamaguchi" userId="470e288704938fe9" providerId="LiveId" clId="{C43607F1-232B-44DB-B3B2-14DEC55E9315}" dt="2024-09-25T12:01:51.040" v="5503" actId="20577"/>
-          <ac:spMkLst>
-            <pc:docMk/>
-            <pc:sldMk cId="840589698" sldId="268"/>
-            <ac:spMk id="21" creationId="{7EB19867-148A-D7FC-9274-4234BFD3440B}"/>
-          </ac:spMkLst>
-        </pc:spChg>
-        <pc:spChg chg="add mod">
-          <ac:chgData name="Yoshiharu Hamaguchi" userId="470e288704938fe9" providerId="LiveId" clId="{C43607F1-232B-44DB-B3B2-14DEC55E9315}" dt="2024-09-25T10:22:00.581" v="3631" actId="571"/>
-          <ac:spMkLst>
-            <pc:docMk/>
-            <pc:sldMk cId="840589698" sldId="268"/>
-            <ac:spMk id="22" creationId="{CBA24C83-4831-1386-386F-530CF522B95C}"/>
-          </ac:spMkLst>
-        </pc:spChg>
-        <pc:spChg chg="add mod">
-          <ac:chgData name="Yoshiharu Hamaguchi" userId="470e288704938fe9" providerId="LiveId" clId="{C43607F1-232B-44DB-B3B2-14DEC55E9315}" dt="2024-09-25T10:22:00.581" v="3631" actId="571"/>
-          <ac:spMkLst>
-            <pc:docMk/>
-            <pc:sldMk cId="840589698" sldId="268"/>
-            <ac:spMk id="23" creationId="{0D782016-83C1-6806-9341-108657EA9BA8}"/>
-          </ac:spMkLst>
-        </pc:spChg>
-        <pc:spChg chg="add mod ord">
-          <ac:chgData name="Yoshiharu Hamaguchi" userId="470e288704938fe9" providerId="LiveId" clId="{C43607F1-232B-44DB-B3B2-14DEC55E9315}" dt="2024-09-25T11:55:02.095" v="5109" actId="1035"/>
-          <ac:spMkLst>
-            <pc:docMk/>
-            <pc:sldMk cId="840589698" sldId="268"/>
-            <ac:spMk id="24" creationId="{2C710E95-554D-F235-C3F1-BF13E1AA1068}"/>
-          </ac:spMkLst>
-        </pc:spChg>
-        <pc:spChg chg="add mod ord">
-          <ac:chgData name="Yoshiharu Hamaguchi" userId="470e288704938fe9" providerId="LiveId" clId="{C43607F1-232B-44DB-B3B2-14DEC55E9315}" dt="2024-09-25T11:55:02.095" v="5109" actId="1035"/>
-          <ac:spMkLst>
-            <pc:docMk/>
-            <pc:sldMk cId="840589698" sldId="268"/>
-            <ac:spMk id="25" creationId="{432FD002-C3EC-95AB-E364-BC60A7440B0A}"/>
-          </ac:spMkLst>
-        </pc:spChg>
-        <pc:spChg chg="add mod ord">
-          <ac:chgData name="Yoshiharu Hamaguchi" userId="470e288704938fe9" providerId="LiveId" clId="{C43607F1-232B-44DB-B3B2-14DEC55E9315}" dt="2024-09-25T11:55:02.095" v="5109" actId="1035"/>
-          <ac:spMkLst>
-            <pc:docMk/>
-            <pc:sldMk cId="840589698" sldId="268"/>
-            <ac:spMk id="26" creationId="{0A5DCF7B-D5B4-2BE2-5871-8EED0BA9AE2C}"/>
-          </ac:spMkLst>
-        </pc:spChg>
-        <pc:spChg chg="add mod">
-          <ac:chgData name="Yoshiharu Hamaguchi" userId="470e288704938fe9" providerId="LiveId" clId="{C43607F1-232B-44DB-B3B2-14DEC55E9315}" dt="2024-09-25T12:03:08.078" v="5525" actId="1036"/>
-          <ac:spMkLst>
-            <pc:docMk/>
-            <pc:sldMk cId="840589698" sldId="268"/>
-            <ac:spMk id="27" creationId="{D7F52068-5699-1CBA-7FBA-D813809E2F1F}"/>
-          </ac:spMkLst>
-        </pc:spChg>
-        <pc:spChg chg="add mod">
-          <ac:chgData name="Yoshiharu Hamaguchi" userId="470e288704938fe9" providerId="LiveId" clId="{C43607F1-232B-44DB-B3B2-14DEC55E9315}" dt="2024-09-25T10:27:34.883" v="3851" actId="571"/>
-          <ac:spMkLst>
-            <pc:docMk/>
-            <pc:sldMk cId="840589698" sldId="268"/>
-            <ac:spMk id="28" creationId="{FD64C395-4E8A-6520-A2FE-4A7B5009B0AB}"/>
-          </ac:spMkLst>
-        </pc:spChg>
-        <pc:spChg chg="add mod">
-          <ac:chgData name="Yoshiharu Hamaguchi" userId="470e288704938fe9" providerId="LiveId" clId="{C43607F1-232B-44DB-B3B2-14DEC55E9315}" dt="2024-09-25T10:27:38.841" v="3853" actId="571"/>
-          <ac:spMkLst>
-            <pc:docMk/>
-            <pc:sldMk cId="840589698" sldId="268"/>
-            <ac:spMk id="29" creationId="{8D074A2A-D5C9-BBC7-E92D-C9565B37A9E9}"/>
-          </ac:spMkLst>
-        </pc:spChg>
-        <pc:spChg chg="add mod">
-          <ac:chgData name="Yoshiharu Hamaguchi" userId="470e288704938fe9" providerId="LiveId" clId="{C43607F1-232B-44DB-B3B2-14DEC55E9315}" dt="2024-09-25T11:55:02.095" v="5109" actId="1035"/>
-          <ac:spMkLst>
-            <pc:docMk/>
-            <pc:sldMk cId="840589698" sldId="268"/>
-            <ac:spMk id="30" creationId="{9F8A6BA6-9C05-8916-B855-7146EEBA1167}"/>
-          </ac:spMkLst>
-        </pc:spChg>
-        <pc:spChg chg="add mod">
-          <ac:chgData name="Yoshiharu Hamaguchi" userId="470e288704938fe9" providerId="LiveId" clId="{C43607F1-232B-44DB-B3B2-14DEC55E9315}" dt="2024-09-25T11:55:02.095" v="5109" actId="1035"/>
-          <ac:spMkLst>
-            <pc:docMk/>
-            <pc:sldMk cId="840589698" sldId="268"/>
-            <ac:spMk id="31" creationId="{84235BB5-BE18-15D2-8BB3-E9CB549D6AB3}"/>
-          </ac:spMkLst>
-        </pc:spChg>
-        <pc:spChg chg="add mod">
-          <ac:chgData name="Yoshiharu Hamaguchi" userId="470e288704938fe9" providerId="LiveId" clId="{C43607F1-232B-44DB-B3B2-14DEC55E9315}" dt="2024-09-25T11:55:02.095" v="5109" actId="1035"/>
-          <ac:spMkLst>
-            <pc:docMk/>
-            <pc:sldMk cId="840589698" sldId="268"/>
-            <ac:spMk id="32" creationId="{CD126C2D-904F-6F62-E142-CA8F1BBD0251}"/>
-          </ac:spMkLst>
-        </pc:spChg>
-        <pc:spChg chg="add mod">
-          <ac:chgData name="Yoshiharu Hamaguchi" userId="470e288704938fe9" providerId="LiveId" clId="{C43607F1-232B-44DB-B3B2-14DEC55E9315}" dt="2024-09-25T11:55:02.095" v="5109" actId="1035"/>
-          <ac:spMkLst>
-            <pc:docMk/>
-            <pc:sldMk cId="840589698" sldId="268"/>
-            <ac:spMk id="33" creationId="{0FB338FD-35EF-30D7-06A9-7A1B992B2830}"/>
-          </ac:spMkLst>
-        </pc:spChg>
-        <pc:spChg chg="add del mod">
-          <ac:chgData name="Yoshiharu Hamaguchi" userId="470e288704938fe9" providerId="LiveId" clId="{C43607F1-232B-44DB-B3B2-14DEC55E9315}" dt="2024-09-25T10:35:09.999" v="4180" actId="478"/>
-          <ac:spMkLst>
-            <pc:docMk/>
-            <pc:sldMk cId="840589698" sldId="268"/>
-            <ac:spMk id="34" creationId="{A50A472D-4099-8DAF-24F2-AF418F2F9C79}"/>
-          </ac:spMkLst>
-        </pc:spChg>
-        <pc:spChg chg="add mod">
-          <ac:chgData name="Yoshiharu Hamaguchi" userId="470e288704938fe9" providerId="LiveId" clId="{C43607F1-232B-44DB-B3B2-14DEC55E9315}" dt="2024-09-25T11:55:02.095" v="5109" actId="1035"/>
-          <ac:spMkLst>
-            <pc:docMk/>
-            <pc:sldMk cId="840589698" sldId="268"/>
-            <ac:spMk id="35" creationId="{1AFFE9F5-AE2D-EBB6-D84B-C52DD42E357B}"/>
-          </ac:spMkLst>
-        </pc:spChg>
-        <pc:spChg chg="add mod">
-          <ac:chgData name="Yoshiharu Hamaguchi" userId="470e288704938fe9" providerId="LiveId" clId="{C43607F1-232B-44DB-B3B2-14DEC55E9315}" dt="2024-09-25T10:39:29.891" v="4299" actId="571"/>
-          <ac:spMkLst>
-            <pc:docMk/>
-            <pc:sldMk cId="840589698" sldId="268"/>
-            <ac:spMk id="36" creationId="{24F56B13-3AC6-7FDD-8B46-EE30294A3D96}"/>
-          </ac:spMkLst>
-        </pc:spChg>
-        <pc:spChg chg="add mod ord">
-          <ac:chgData name="Yoshiharu Hamaguchi" userId="470e288704938fe9" providerId="LiveId" clId="{C43607F1-232B-44DB-B3B2-14DEC55E9315}" dt="2024-09-25T11:55:02.095" v="5109" actId="1035"/>
-          <ac:spMkLst>
-            <pc:docMk/>
-            <pc:sldMk cId="840589698" sldId="268"/>
-            <ac:spMk id="37" creationId="{D1058EA4-8932-1FDF-0C0E-3BD94FD33D65}"/>
-          </ac:spMkLst>
-        </pc:spChg>
-        <pc:spChg chg="add mod ord">
-          <ac:chgData name="Yoshiharu Hamaguchi" userId="470e288704938fe9" providerId="LiveId" clId="{C43607F1-232B-44DB-B3B2-14DEC55E9315}" dt="2024-09-25T11:55:02.095" v="5109" actId="1035"/>
-          <ac:spMkLst>
-            <pc:docMk/>
-            <pc:sldMk cId="840589698" sldId="268"/>
-            <ac:spMk id="38" creationId="{1A3E6AA3-18D3-7A9B-F0B1-B7633BF22430}"/>
-          </ac:spMkLst>
-        </pc:spChg>
-        <pc:spChg chg="add mod ord">
-          <ac:chgData name="Yoshiharu Hamaguchi" userId="470e288704938fe9" providerId="LiveId" clId="{C43607F1-232B-44DB-B3B2-14DEC55E9315}" dt="2024-09-25T11:55:02.095" v="5109" actId="1035"/>
-          <ac:spMkLst>
-            <pc:docMk/>
-            <pc:sldMk cId="840589698" sldId="268"/>
-            <ac:spMk id="39" creationId="{8A7149DE-6BB3-5177-C779-82DBB0881054}"/>
-          </ac:spMkLst>
-        </pc:spChg>
-        <pc:spChg chg="add mod">
-          <ac:chgData name="Yoshiharu Hamaguchi" userId="470e288704938fe9" providerId="LiveId" clId="{C43607F1-232B-44DB-B3B2-14DEC55E9315}" dt="2024-09-25T11:55:02.095" v="5109" actId="1035"/>
-          <ac:spMkLst>
-            <pc:docMk/>
-            <pc:sldMk cId="840589698" sldId="268"/>
-            <ac:spMk id="40" creationId="{AE3EDBDD-CC31-46D4-A001-B6C397E7D5A7}"/>
-          </ac:spMkLst>
-        </pc:spChg>
-        <pc:spChg chg="add mod">
-          <ac:chgData name="Yoshiharu Hamaguchi" userId="470e288704938fe9" providerId="LiveId" clId="{C43607F1-232B-44DB-B3B2-14DEC55E9315}" dt="2024-09-25T12:02:19.942" v="5505" actId="20577"/>
-          <ac:spMkLst>
-            <pc:docMk/>
-            <pc:sldMk cId="840589698" sldId="268"/>
-            <ac:spMk id="41" creationId="{78EB841D-7EEE-856E-2816-A546A25A6747}"/>
-          </ac:spMkLst>
-        </pc:spChg>
-        <pc:spChg chg="add mod">
-          <ac:chgData name="Yoshiharu Hamaguchi" userId="470e288704938fe9" providerId="LiveId" clId="{C43607F1-232B-44DB-B3B2-14DEC55E9315}" dt="2024-09-25T11:55:02.095" v="5109" actId="1035"/>
-          <ac:spMkLst>
-            <pc:docMk/>
-            <pc:sldMk cId="840589698" sldId="268"/>
-            <ac:spMk id="42" creationId="{25617D89-2A2A-DD7D-7316-1D4B0FFFD10C}"/>
-          </ac:spMkLst>
-        </pc:spChg>
-        <pc:spChg chg="add mod">
-          <ac:chgData name="Yoshiharu Hamaguchi" userId="470e288704938fe9" providerId="LiveId" clId="{C43607F1-232B-44DB-B3B2-14DEC55E9315}" dt="2024-09-25T11:55:02.095" v="5109" actId="1035"/>
-          <ac:spMkLst>
-            <pc:docMk/>
-            <pc:sldMk cId="840589698" sldId="268"/>
-            <ac:spMk id="43" creationId="{5FCB99EE-0845-55B5-25FB-9528EA5E62DB}"/>
-          </ac:spMkLst>
-        </pc:spChg>
-        <pc:spChg chg="add del">
-          <ac:chgData name="Yoshiharu Hamaguchi" userId="470e288704938fe9" providerId="LiveId" clId="{C43607F1-232B-44DB-B3B2-14DEC55E9315}" dt="2024-09-25T11:27:52.577" v="4545" actId="11529"/>
-          <ac:spMkLst>
-            <pc:docMk/>
-            <pc:sldMk cId="840589698" sldId="268"/>
-            <ac:spMk id="46" creationId="{864648D8-4C7D-49CB-AC03-A530324A6D1F}"/>
-          </ac:spMkLst>
-        </pc:spChg>
-        <pc:spChg chg="add mod">
-          <ac:chgData name="Yoshiharu Hamaguchi" userId="470e288704938fe9" providerId="LiveId" clId="{C43607F1-232B-44DB-B3B2-14DEC55E9315}" dt="2024-09-25T12:22:51.936" v="6363" actId="1076"/>
-          <ac:spMkLst>
-            <pc:docMk/>
-            <pc:sldMk cId="840589698" sldId="268"/>
-            <ac:spMk id="53" creationId="{2EBDE60C-B3C7-8BCA-38EB-2B2EE296631D}"/>
-          </ac:spMkLst>
-        </pc:spChg>
-        <pc:spChg chg="add mod">
-          <ac:chgData name="Yoshiharu Hamaguchi" userId="470e288704938fe9" providerId="LiveId" clId="{C43607F1-232B-44DB-B3B2-14DEC55E9315}" dt="2024-09-25T11:29:12.246" v="4591" actId="571"/>
-          <ac:spMkLst>
-            <pc:docMk/>
-            <pc:sldMk cId="840589698" sldId="268"/>
-            <ac:spMk id="54" creationId="{64213D1F-62E0-6FE2-8DD0-98A0F7965A20}"/>
-          </ac:spMkLst>
-        </pc:spChg>
-        <pc:spChg chg="add mod">
-          <ac:chgData name="Yoshiharu Hamaguchi" userId="470e288704938fe9" providerId="LiveId" clId="{C43607F1-232B-44DB-B3B2-14DEC55E9315}" dt="2024-09-25T11:30:21.518" v="4611" actId="571"/>
-          <ac:spMkLst>
-            <pc:docMk/>
-            <pc:sldMk cId="840589698" sldId="268"/>
-            <ac:spMk id="69" creationId="{87F80CD8-AD9D-76E0-D20C-888BEB7DBF63}"/>
-          </ac:spMkLst>
-        </pc:spChg>
-        <pc:spChg chg="add mod">
-          <ac:chgData name="Yoshiharu Hamaguchi" userId="470e288704938fe9" providerId="LiveId" clId="{C43607F1-232B-44DB-B3B2-14DEC55E9315}" dt="2024-09-25T11:55:02.095" v="5109" actId="1035"/>
-          <ac:spMkLst>
-            <pc:docMk/>
-            <pc:sldMk cId="840589698" sldId="268"/>
-            <ac:spMk id="72" creationId="{741FC192-317D-477E-05E4-6AE0AEEE4091}"/>
-          </ac:spMkLst>
-        </pc:spChg>
-        <pc:spChg chg="add del mod ord">
-          <ac:chgData name="Yoshiharu Hamaguchi" userId="470e288704938fe9" providerId="LiveId" clId="{C43607F1-232B-44DB-B3B2-14DEC55E9315}" dt="2024-09-25T11:42:15.199" v="4772" actId="478"/>
-          <ac:spMkLst>
-            <pc:docMk/>
-            <pc:sldMk cId="840589698" sldId="268"/>
-            <ac:spMk id="73" creationId="{F290F820-E77D-22D6-2914-B8FF9F15771A}"/>
-          </ac:spMkLst>
-        </pc:spChg>
-        <pc:spChg chg="add del mod ord">
-          <ac:chgData name="Yoshiharu Hamaguchi" userId="470e288704938fe9" providerId="LiveId" clId="{C43607F1-232B-44DB-B3B2-14DEC55E9315}" dt="2024-09-25T11:42:39.516" v="4783" actId="478"/>
-          <ac:spMkLst>
-            <pc:docMk/>
-            <pc:sldMk cId="840589698" sldId="268"/>
-            <ac:spMk id="74" creationId="{773FC1F2-A6BB-000C-C4C6-25ED96C57065}"/>
-          </ac:spMkLst>
-        </pc:spChg>
-        <pc:spChg chg="add del mod ord">
-          <ac:chgData name="Yoshiharu Hamaguchi" userId="470e288704938fe9" providerId="LiveId" clId="{C43607F1-232B-44DB-B3B2-14DEC55E9315}" dt="2024-09-25T11:42:38.906" v="4782" actId="478"/>
-          <ac:spMkLst>
-            <pc:docMk/>
-            <pc:sldMk cId="840589698" sldId="268"/>
-            <ac:spMk id="76" creationId="{579EA042-E61D-672A-3ED1-E044253656A2}"/>
-          </ac:spMkLst>
-        </pc:spChg>
-        <pc:spChg chg="add mod ord">
-          <ac:chgData name="Yoshiharu Hamaguchi" userId="470e288704938fe9" providerId="LiveId" clId="{C43607F1-232B-44DB-B3B2-14DEC55E9315}" dt="2024-09-25T13:28:46.984" v="6464" actId="207"/>
-          <ac:spMkLst>
-            <pc:docMk/>
-            <pc:sldMk cId="840589698" sldId="268"/>
-            <ac:spMk id="77" creationId="{A8393CBC-1EA9-35DD-1457-F7D76951A781}"/>
-          </ac:spMkLst>
-        </pc:spChg>
-        <pc:spChg chg="add mod">
-          <ac:chgData name="Yoshiharu Hamaguchi" userId="470e288704938fe9" providerId="LiveId" clId="{C43607F1-232B-44DB-B3B2-14DEC55E9315}" dt="2024-09-25T11:55:02.095" v="5109" actId="1035"/>
-          <ac:spMkLst>
-            <pc:docMk/>
-            <pc:sldMk cId="840589698" sldId="268"/>
-            <ac:spMk id="83" creationId="{CCD52B30-82F7-87C0-989A-283F3DA60F6E}"/>
-          </ac:spMkLst>
-        </pc:spChg>
-        <pc:spChg chg="add mod">
-          <ac:chgData name="Yoshiharu Hamaguchi" userId="470e288704938fe9" providerId="LiveId" clId="{C43607F1-232B-44DB-B3B2-14DEC55E9315}" dt="2024-09-25T13:28:31.859" v="6463" actId="13822"/>
-          <ac:spMkLst>
-            <pc:docMk/>
-            <pc:sldMk cId="840589698" sldId="268"/>
-            <ac:spMk id="84" creationId="{A83C95F3-56CE-A8BE-4166-5101A47E4447}"/>
-          </ac:spMkLst>
-        </pc:spChg>
-        <pc:spChg chg="add mod">
-          <ac:chgData name="Yoshiharu Hamaguchi" userId="470e288704938fe9" providerId="LiveId" clId="{C43607F1-232B-44DB-B3B2-14DEC55E9315}" dt="2024-09-25T13:29:00.213" v="6471" actId="20577"/>
-          <ac:spMkLst>
-            <pc:docMk/>
-            <pc:sldMk cId="840589698" sldId="268"/>
-            <ac:spMk id="185" creationId="{130A0482-3284-7713-A99C-40E52448C831}"/>
-          </ac:spMkLst>
-        </pc:spChg>
-        <pc:spChg chg="add del">
-          <ac:chgData name="Yoshiharu Hamaguchi" userId="470e288704938fe9" providerId="LiveId" clId="{C43607F1-232B-44DB-B3B2-14DEC55E9315}" dt="2024-09-25T11:55:17.262" v="5111" actId="22"/>
-          <ac:spMkLst>
-            <pc:docMk/>
-            <pc:sldMk cId="840589698" sldId="268"/>
-            <ac:spMk id="187" creationId="{87941EAC-51C0-CC28-E79E-4F55F2887F3F}"/>
-          </ac:spMkLst>
-        </pc:spChg>
-        <pc:spChg chg="add mod">
-          <ac:chgData name="Yoshiharu Hamaguchi" userId="470e288704938fe9" providerId="LiveId" clId="{C43607F1-232B-44DB-B3B2-14DEC55E9315}" dt="2024-09-25T11:56:06.974" v="5238" actId="20577"/>
-          <ac:spMkLst>
-            <pc:docMk/>
-            <pc:sldMk cId="840589698" sldId="268"/>
-            <ac:spMk id="188" creationId="{11DC7CAE-5817-27B1-97A7-D38E5318A4A0}"/>
-          </ac:spMkLst>
-        </pc:spChg>
-        <pc:grpChg chg="add del mod">
-          <ac:chgData name="Yoshiharu Hamaguchi" userId="470e288704938fe9" providerId="LiveId" clId="{C43607F1-232B-44DB-B3B2-14DEC55E9315}" dt="2024-09-25T10:17:45.403" v="3466"/>
-          <ac:grpSpMkLst>
-            <pc:docMk/>
-            <pc:sldMk cId="840589698" sldId="268"/>
-            <ac:grpSpMk id="12" creationId="{D18CFD05-BBD4-36DD-DA7F-F09469CCC1B5}"/>
-          </ac:grpSpMkLst>
-        </pc:grpChg>
-        <pc:grpChg chg="mod">
-          <ac:chgData name="Yoshiharu Hamaguchi" userId="470e288704938fe9" providerId="LiveId" clId="{C43607F1-232B-44DB-B3B2-14DEC55E9315}" dt="2024-09-25T10:17:44.851" v="3464"/>
-          <ac:grpSpMkLst>
-            <pc:docMk/>
-            <pc:sldMk cId="840589698" sldId="268"/>
-            <ac:grpSpMk id="14" creationId="{A627047E-2A2A-4D8C-231E-9EB8FB591DA6}"/>
-          </ac:grpSpMkLst>
-        </pc:grpChg>
-        <pc:picChg chg="add mod">
-          <ac:chgData name="Yoshiharu Hamaguchi" userId="470e288704938fe9" providerId="LiveId" clId="{C43607F1-232B-44DB-B3B2-14DEC55E9315}" dt="2024-09-25T13:27:50.902" v="6461" actId="27349"/>
-          <ac:picMkLst>
-            <pc:docMk/>
-            <pc:sldMk cId="840589698" sldId="268"/>
-            <ac:picMk id="45" creationId="{59F021CE-0421-4999-5D7E-4689EC7A3063}"/>
-          </ac:picMkLst>
-        </pc:picChg>
-        <pc:inkChg chg="add del">
-          <ac:chgData name="Yoshiharu Hamaguchi" userId="470e288704938fe9" providerId="LiveId" clId="{C43607F1-232B-44DB-B3B2-14DEC55E9315}" dt="2024-09-25T10:16:57.865" v="3451" actId="9405"/>
-          <ac:inkMkLst>
-            <pc:docMk/>
-            <pc:sldMk cId="840589698" sldId="268"/>
-            <ac:inkMk id="6" creationId="{FAE79509-3D4A-0016-37ED-9DFA4CF740B5}"/>
-          </ac:inkMkLst>
-        </pc:inkChg>
-        <pc:inkChg chg="add del">
-          <ac:chgData name="Yoshiharu Hamaguchi" userId="470e288704938fe9" providerId="LiveId" clId="{C43607F1-232B-44DB-B3B2-14DEC55E9315}" dt="2024-09-25T10:16:57.597" v="3450" actId="9405"/>
-          <ac:inkMkLst>
-            <pc:docMk/>
-            <pc:sldMk cId="840589698" sldId="268"/>
-            <ac:inkMk id="7" creationId="{98E353E4-EBA4-9D1B-5CD1-850702D68DDF}"/>
-          </ac:inkMkLst>
-        </pc:inkChg>
-        <pc:inkChg chg="add del">
-          <ac:chgData name="Yoshiharu Hamaguchi" userId="470e288704938fe9" providerId="LiveId" clId="{C43607F1-232B-44DB-B3B2-14DEC55E9315}" dt="2024-09-25T10:17:10.699" v="3455" actId="9405"/>
-          <ac:inkMkLst>
-            <pc:docMk/>
-            <pc:sldMk cId="840589698" sldId="268"/>
-            <ac:inkMk id="8" creationId="{B4F14106-ED05-88B4-EAA5-FEB689F36E46}"/>
-          </ac:inkMkLst>
-        </pc:inkChg>
-        <pc:inkChg chg="add del">
-          <ac:chgData name="Yoshiharu Hamaguchi" userId="470e288704938fe9" providerId="LiveId" clId="{C43607F1-232B-44DB-B3B2-14DEC55E9315}" dt="2024-09-25T10:17:10.294" v="3454" actId="9405"/>
-          <ac:inkMkLst>
-            <pc:docMk/>
-            <pc:sldMk cId="840589698" sldId="268"/>
-            <ac:inkMk id="9" creationId="{639922C2-285F-57E3-FEDB-28FF36A73624}"/>
-          </ac:inkMkLst>
-        </pc:inkChg>
-        <pc:inkChg chg="add del mod">
-          <ac:chgData name="Yoshiharu Hamaguchi" userId="470e288704938fe9" providerId="LiveId" clId="{C43607F1-232B-44DB-B3B2-14DEC55E9315}" dt="2024-09-25T10:17:45.797" v="3467" actId="9405"/>
-          <ac:inkMkLst>
-            <pc:docMk/>
-            <pc:sldMk cId="840589698" sldId="268"/>
-            <ac:inkMk id="10" creationId="{A86EA2E0-B3D3-C193-7730-F1D3FD323FDF}"/>
-          </ac:inkMkLst>
-        </pc:inkChg>
-        <pc:inkChg chg="add del mod">
-          <ac:chgData name="Yoshiharu Hamaguchi" userId="470e288704938fe9" providerId="LiveId" clId="{C43607F1-232B-44DB-B3B2-14DEC55E9315}" dt="2024-09-25T10:17:45.403" v="3466"/>
-          <ac:inkMkLst>
-            <pc:docMk/>
-            <pc:sldMk cId="840589698" sldId="268"/>
-            <ac:inkMk id="11" creationId="{72C41B7C-67A6-DEEE-2985-21572EE01F2E}"/>
-          </ac:inkMkLst>
-        </pc:inkChg>
-        <pc:inkChg chg="add del mod">
-          <ac:chgData name="Yoshiharu Hamaguchi" userId="470e288704938fe9" providerId="LiveId" clId="{C43607F1-232B-44DB-B3B2-14DEC55E9315}" dt="2024-09-25T10:17:44.851" v="3464"/>
-          <ac:inkMkLst>
-            <pc:docMk/>
-            <pc:sldMk cId="840589698" sldId="268"/>
-            <ac:inkMk id="13" creationId="{C4D40D36-0343-45FA-6BF6-4981DF8A865E}"/>
-          </ac:inkMkLst>
-        </pc:inkChg>
-        <pc:inkChg chg="add del">
-          <ac:chgData name="Yoshiharu Hamaguchi" userId="470e288704938fe9" providerId="LiveId" clId="{C43607F1-232B-44DB-B3B2-14DEC55E9315}" dt="2024-09-25T10:18:06.916" v="3469" actId="34122"/>
-          <ac:inkMkLst>
-            <pc:docMk/>
-            <pc:sldMk cId="840589698" sldId="268"/>
-            <ac:inkMk id="15" creationId="{711A4B6F-C1B4-18D2-74EE-5C16BF14D5D2}"/>
-          </ac:inkMkLst>
-        </pc:inkChg>
-        <pc:inkChg chg="add del">
-          <ac:chgData name="Yoshiharu Hamaguchi" userId="470e288704938fe9" providerId="LiveId" clId="{C43607F1-232B-44DB-B3B2-14DEC55E9315}" dt="2024-09-25T10:18:28.771" v="3471" actId="34122"/>
-          <ac:inkMkLst>
-            <pc:docMk/>
-            <pc:sldMk cId="840589698" sldId="268"/>
-            <ac:inkMk id="16" creationId="{07121A24-52BE-CAEB-F368-C5D2ADAD134F}"/>
-          </ac:inkMkLst>
-        </pc:inkChg>
-        <pc:cxnChg chg="add mod">
-          <ac:chgData name="Yoshiharu Hamaguchi" userId="470e288704938fe9" providerId="LiveId" clId="{C43607F1-232B-44DB-B3B2-14DEC55E9315}" dt="2024-09-25T13:28:04.391" v="6462" actId="208"/>
-          <ac:cxnSpMkLst>
-            <pc:docMk/>
-            <pc:sldMk cId="840589698" sldId="268"/>
-            <ac:cxnSpMk id="48" creationId="{69393153-AEE1-5B4A-D68A-93D1FD0AFD62}"/>
-          </ac:cxnSpMkLst>
-        </pc:cxnChg>
-        <pc:cxnChg chg="add mod">
-          <ac:chgData name="Yoshiharu Hamaguchi" userId="470e288704938fe9" providerId="LiveId" clId="{C43607F1-232B-44DB-B3B2-14DEC55E9315}" dt="2024-09-25T11:55:02.095" v="5109" actId="1035"/>
-          <ac:cxnSpMkLst>
-            <pc:docMk/>
-            <pc:sldMk cId="840589698" sldId="268"/>
-            <ac:cxnSpMk id="50" creationId="{CFA5960C-E2FD-D6EE-A74A-8EFFBF3FA20C}"/>
-          </ac:cxnSpMkLst>
-        </pc:cxnChg>
-        <pc:cxnChg chg="add del mod">
-          <ac:chgData name="Yoshiharu Hamaguchi" userId="470e288704938fe9" providerId="LiveId" clId="{C43607F1-232B-44DB-B3B2-14DEC55E9315}" dt="2024-09-25T11:43:35.898" v="4811" actId="478"/>
-          <ac:cxnSpMkLst>
-            <pc:docMk/>
-            <pc:sldMk cId="840589698" sldId="268"/>
-            <ac:cxnSpMk id="55" creationId="{C1E6E371-5C9C-583E-BDC4-4013BC434683}"/>
-          </ac:cxnSpMkLst>
-        </pc:cxnChg>
-        <pc:cxnChg chg="add del mod">
-          <ac:chgData name="Yoshiharu Hamaguchi" userId="470e288704938fe9" providerId="LiveId" clId="{C43607F1-232B-44DB-B3B2-14DEC55E9315}" dt="2024-09-25T11:43:33.654" v="4810" actId="478"/>
-          <ac:cxnSpMkLst>
-            <pc:docMk/>
-            <pc:sldMk cId="840589698" sldId="268"/>
-            <ac:cxnSpMk id="58" creationId="{E3C02521-E9EC-676D-ACB2-046D85CADDFF}"/>
-          </ac:cxnSpMkLst>
-        </pc:cxnChg>
-        <pc:cxnChg chg="add mod">
-          <ac:chgData name="Yoshiharu Hamaguchi" userId="470e288704938fe9" providerId="LiveId" clId="{C43607F1-232B-44DB-B3B2-14DEC55E9315}" dt="2024-09-25T11:55:02.095" v="5109" actId="1035"/>
-          <ac:cxnSpMkLst>
-            <pc:docMk/>
-            <pc:sldMk cId="840589698" sldId="268"/>
-            <ac:cxnSpMk id="61" creationId="{97380F3F-B4EC-2F06-9E3A-119161B80E1D}"/>
-          </ac:cxnSpMkLst>
-        </pc:cxnChg>
-        <pc:cxnChg chg="add mod">
-          <ac:chgData name="Yoshiharu Hamaguchi" userId="470e288704938fe9" providerId="LiveId" clId="{C43607F1-232B-44DB-B3B2-14DEC55E9315}" dt="2024-09-25T11:55:02.095" v="5109" actId="1035"/>
-          <ac:cxnSpMkLst>
-            <pc:docMk/>
-            <pc:sldMk cId="840589698" sldId="268"/>
-            <ac:cxnSpMk id="64" creationId="{7A976978-6192-9393-1108-B2E4A3E176A2}"/>
-          </ac:cxnSpMkLst>
-        </pc:cxnChg>
-        <pc:cxnChg chg="add del mod ord">
-          <ac:chgData name="Yoshiharu Hamaguchi" userId="470e288704938fe9" providerId="LiveId" clId="{C43607F1-232B-44DB-B3B2-14DEC55E9315}" dt="2024-09-25T11:55:02.095" v="5109" actId="1035"/>
-          <ac:cxnSpMkLst>
-            <pc:docMk/>
-            <pc:sldMk cId="840589698" sldId="268"/>
-            <ac:cxnSpMk id="67" creationId="{E4B332FF-DA63-222D-60B0-8C1AFCA0A5CC}"/>
-          </ac:cxnSpMkLst>
-        </pc:cxnChg>
-        <pc:cxnChg chg="add del mod">
-          <ac:chgData name="Yoshiharu Hamaguchi" userId="470e288704938fe9" providerId="LiveId" clId="{C43607F1-232B-44DB-B3B2-14DEC55E9315}" dt="2024-09-25T11:42:51.712" v="4787" actId="478"/>
-          <ac:cxnSpMkLst>
-            <pc:docMk/>
-            <pc:sldMk cId="840589698" sldId="268"/>
-            <ac:cxnSpMk id="82" creationId="{CB0EA28D-6B41-BA92-5477-F870C9BF05C8}"/>
-          </ac:cxnSpMkLst>
-        </pc:cxnChg>
-        <pc:cxnChg chg="add mod">
-          <ac:chgData name="Yoshiharu Hamaguchi" userId="470e288704938fe9" providerId="LiveId" clId="{C43607F1-232B-44DB-B3B2-14DEC55E9315}" dt="2024-09-25T11:55:02.095" v="5109" actId="1035"/>
-          <ac:cxnSpMkLst>
-            <pc:docMk/>
-            <pc:sldMk cId="840589698" sldId="268"/>
-            <ac:cxnSpMk id="85" creationId="{5521CAAD-A1E8-0103-75E1-A6496D12E07F}"/>
-          </ac:cxnSpMkLst>
-        </pc:cxnChg>
-        <pc:cxnChg chg="add mod">
-          <ac:chgData name="Yoshiharu Hamaguchi" userId="470e288704938fe9" providerId="LiveId" clId="{C43607F1-232B-44DB-B3B2-14DEC55E9315}" dt="2024-09-25T11:55:02.095" v="5109" actId="1035"/>
-          <ac:cxnSpMkLst>
-            <pc:docMk/>
-            <pc:sldMk cId="840589698" sldId="268"/>
-            <ac:cxnSpMk id="88" creationId="{4B306A65-14F2-3593-3D31-60757CB57107}"/>
-          </ac:cxnSpMkLst>
-        </pc:cxnChg>
-        <pc:cxnChg chg="add del mod">
-          <ac:chgData name="Yoshiharu Hamaguchi" userId="470e288704938fe9" providerId="LiveId" clId="{C43607F1-232B-44DB-B3B2-14DEC55E9315}" dt="2024-09-25T11:45:01.527" v="4859" actId="478"/>
-          <ac:cxnSpMkLst>
-            <pc:docMk/>
-            <pc:sldMk cId="840589698" sldId="268"/>
-            <ac:cxnSpMk id="91" creationId="{00310F9F-3183-EBDA-F940-FACA4B25E9D1}"/>
-          </ac:cxnSpMkLst>
-        </pc:cxnChg>
-        <pc:cxnChg chg="add del mod">
-          <ac:chgData name="Yoshiharu Hamaguchi" userId="470e288704938fe9" providerId="LiveId" clId="{C43607F1-232B-44DB-B3B2-14DEC55E9315}" dt="2024-09-25T11:55:02.095" v="5109" actId="1035"/>
-          <ac:cxnSpMkLst>
-            <pc:docMk/>
-            <pc:sldMk cId="840589698" sldId="268"/>
-            <ac:cxnSpMk id="124" creationId="{D3A0DDA0-90A1-7E9A-338D-464A0AB369B6}"/>
-          </ac:cxnSpMkLst>
-        </pc:cxnChg>
-        <pc:cxnChg chg="add mod">
-          <ac:chgData name="Yoshiharu Hamaguchi" userId="470e288704938fe9" providerId="LiveId" clId="{C43607F1-232B-44DB-B3B2-14DEC55E9315}" dt="2024-09-25T11:55:02.095" v="5109" actId="1035"/>
-          <ac:cxnSpMkLst>
-            <pc:docMk/>
-            <pc:sldMk cId="840589698" sldId="268"/>
-            <ac:cxnSpMk id="127" creationId="{9EC78F66-EF39-54B3-AB98-E84927268771}"/>
-          </ac:cxnSpMkLst>
-        </pc:cxnChg>
-        <pc:cxnChg chg="add mod">
-          <ac:chgData name="Yoshiharu Hamaguchi" userId="470e288704938fe9" providerId="LiveId" clId="{C43607F1-232B-44DB-B3B2-14DEC55E9315}" dt="2024-09-25T11:55:02.095" v="5109" actId="1035"/>
-          <ac:cxnSpMkLst>
-            <pc:docMk/>
-            <pc:sldMk cId="840589698" sldId="268"/>
-            <ac:cxnSpMk id="170" creationId="{04B8B0AB-0A41-F5D9-4C41-10446EE21735}"/>
-          </ac:cxnSpMkLst>
-        </pc:cxnChg>
-        <pc:cxnChg chg="add mod">
-          <ac:chgData name="Yoshiharu Hamaguchi" userId="470e288704938fe9" providerId="LiveId" clId="{C43607F1-232B-44DB-B3B2-14DEC55E9315}" dt="2024-09-25T11:55:02.095" v="5109" actId="1035"/>
-          <ac:cxnSpMkLst>
-            <pc:docMk/>
-            <pc:sldMk cId="840589698" sldId="268"/>
-            <ac:cxnSpMk id="175" creationId="{152005CE-C530-4496-5760-AA3F6AA1AEE2}"/>
-          </ac:cxnSpMkLst>
-        </pc:cxnChg>
-        <pc:cxnChg chg="add mod">
-          <ac:chgData name="Yoshiharu Hamaguchi" userId="470e288704938fe9" providerId="LiveId" clId="{C43607F1-232B-44DB-B3B2-14DEC55E9315}" dt="2024-09-25T13:28:04.391" v="6462" actId="208"/>
-          <ac:cxnSpMkLst>
-            <pc:docMk/>
-            <pc:sldMk cId="840589698" sldId="268"/>
-            <ac:cxnSpMk id="179" creationId="{7A4A3A67-DD95-558D-CEE2-3908D3A834BF}"/>
-          </ac:cxnSpMkLst>
-        </pc:cxnChg>
-        <pc:cxnChg chg="add mod">
-          <ac:chgData name="Yoshiharu Hamaguchi" userId="470e288704938fe9" providerId="LiveId" clId="{C43607F1-232B-44DB-B3B2-14DEC55E9315}" dt="2024-09-25T13:28:04.391" v="6462" actId="208"/>
-          <ac:cxnSpMkLst>
-            <pc:docMk/>
-            <pc:sldMk cId="840589698" sldId="268"/>
-            <ac:cxnSpMk id="182" creationId="{82CC0E9E-8ADB-EC6E-7027-6781BBB288FA}"/>
-          </ac:cxnSpMkLst>
-        </pc:cxnChg>
-      </pc:sldChg>
-      <pc:sldChg chg="addSp delSp modSp add mod">
-        <pc:chgData name="Yoshiharu Hamaguchi" userId="470e288704938fe9" providerId="LiveId" clId="{C43607F1-232B-44DB-B3B2-14DEC55E9315}" dt="2024-09-25T15:27:25.266" v="6758" actId="20577"/>
-        <pc:sldMkLst>
-          <pc:docMk/>
-          <pc:sldMk cId="2142688305" sldId="269"/>
-        </pc:sldMkLst>
-        <pc:spChg chg="mod">
-          <ac:chgData name="Yoshiharu Hamaguchi" userId="470e288704938fe9" providerId="LiveId" clId="{C43607F1-232B-44DB-B3B2-14DEC55E9315}" dt="2024-09-25T15:24:31.506" v="6651" actId="14100"/>
-          <ac:spMkLst>
-            <pc:docMk/>
-            <pc:sldMk cId="2142688305" sldId="269"/>
-            <ac:spMk id="2" creationId="{9C784ACA-9376-15C6-DD93-68B5D582FADA}"/>
-          </ac:spMkLst>
-        </pc:spChg>
-        <pc:spChg chg="mod">
-          <ac:chgData name="Yoshiharu Hamaguchi" userId="470e288704938fe9" providerId="LiveId" clId="{C43607F1-232B-44DB-B3B2-14DEC55E9315}" dt="2024-09-25T15:27:25.266" v="6758" actId="20577"/>
-          <ac:spMkLst>
-            <pc:docMk/>
-            <pc:sldMk cId="2142688305" sldId="269"/>
-            <ac:spMk id="4" creationId="{8C13C9CE-666C-02A7-9EAA-106F1B50AE66}"/>
-          </ac:spMkLst>
-        </pc:spChg>
-        <pc:spChg chg="del">
-          <ac:chgData name="Yoshiharu Hamaguchi" userId="470e288704938fe9" providerId="LiveId" clId="{C43607F1-232B-44DB-B3B2-14DEC55E9315}" dt="2024-09-25T15:24:43.991" v="6652" actId="478"/>
-          <ac:spMkLst>
-            <pc:docMk/>
-            <pc:sldMk cId="2142688305" sldId="269"/>
-            <ac:spMk id="5" creationId="{38525753-506C-CF9E-DF2A-0368D654E503}"/>
-          </ac:spMkLst>
-        </pc:spChg>
-        <pc:picChg chg="add mod">
-          <ac:chgData name="Yoshiharu Hamaguchi" userId="470e288704938fe9" providerId="LiveId" clId="{C43607F1-232B-44DB-B3B2-14DEC55E9315}" dt="2024-09-25T15:27:23.110" v="6757" actId="1076"/>
-          <ac:picMkLst>
-            <pc:docMk/>
-            <pc:sldMk cId="2142688305" sldId="269"/>
-            <ac:picMk id="6" creationId="{48B13ABD-A7EC-8A70-7FC9-8BE6883BF949}"/>
-          </ac:picMkLst>
-        </pc:picChg>
-      </pc:sldChg>
-    </pc:docChg>
-  </pc:docChgLst>
 </pc:chgInfo>
 </file>
 
@@ -1847,7 +1849,7 @@
           <a:p>
             <a:fld id="{9627246E-3903-4E01-B28D-BFF5567D65C3}" type="datetimeFigureOut">
               <a:rPr kumimoji="1" lang="ja-JP" altLang="en-US" smtClean="0"/>
-              <a:t>2024/9/26</a:t>
+              <a:t>2024/9/29</a:t>
             </a:fld>
             <a:endParaRPr kumimoji="1" lang="ja-JP" altLang="en-US"/>
           </a:p>
@@ -2077,7 +2079,7 @@
           <a:p>
             <a:fld id="{9627246E-3903-4E01-B28D-BFF5567D65C3}" type="datetimeFigureOut">
               <a:rPr kumimoji="1" lang="ja-JP" altLang="en-US" smtClean="0"/>
-              <a:t>2024/9/26</a:t>
+              <a:t>2024/9/29</a:t>
             </a:fld>
             <a:endParaRPr kumimoji="1" lang="ja-JP" altLang="en-US"/>
           </a:p>
@@ -2317,7 +2319,7 @@
           <a:p>
             <a:fld id="{9627246E-3903-4E01-B28D-BFF5567D65C3}" type="datetimeFigureOut">
               <a:rPr kumimoji="1" lang="ja-JP" altLang="en-US" smtClean="0"/>
-              <a:t>2024/9/26</a:t>
+              <a:t>2024/9/29</a:t>
             </a:fld>
             <a:endParaRPr kumimoji="1" lang="ja-JP" altLang="en-US"/>
           </a:p>
@@ -2547,7 +2549,7 @@
           <a:p>
             <a:fld id="{9627246E-3903-4E01-B28D-BFF5567D65C3}" type="datetimeFigureOut">
               <a:rPr kumimoji="1" lang="ja-JP" altLang="en-US" smtClean="0"/>
-              <a:t>2024/9/26</a:t>
+              <a:t>2024/9/29</a:t>
             </a:fld>
             <a:endParaRPr kumimoji="1" lang="ja-JP" altLang="en-US"/>
           </a:p>
@@ -2822,7 +2824,7 @@
           <a:p>
             <a:fld id="{9627246E-3903-4E01-B28D-BFF5567D65C3}" type="datetimeFigureOut">
               <a:rPr kumimoji="1" lang="ja-JP" altLang="en-US" smtClean="0"/>
-              <a:t>2024/9/26</a:t>
+              <a:t>2024/9/29</a:t>
             </a:fld>
             <a:endParaRPr kumimoji="1" lang="ja-JP" altLang="en-US"/>
           </a:p>
@@ -3151,7 +3153,7 @@
           <a:p>
             <a:fld id="{9627246E-3903-4E01-B28D-BFF5567D65C3}" type="datetimeFigureOut">
               <a:rPr kumimoji="1" lang="ja-JP" altLang="en-US" smtClean="0"/>
-              <a:t>2024/9/26</a:t>
+              <a:t>2024/9/29</a:t>
             </a:fld>
             <a:endParaRPr kumimoji="1" lang="ja-JP" altLang="en-US"/>
           </a:p>
@@ -3627,7 +3629,7 @@
           <a:p>
             <a:fld id="{9627246E-3903-4E01-B28D-BFF5567D65C3}" type="datetimeFigureOut">
               <a:rPr kumimoji="1" lang="ja-JP" altLang="en-US" smtClean="0"/>
-              <a:t>2024/9/26</a:t>
+              <a:t>2024/9/29</a:t>
             </a:fld>
             <a:endParaRPr kumimoji="1" lang="ja-JP" altLang="en-US"/>
           </a:p>
@@ -3768,7 +3770,7 @@
           <a:p>
             <a:fld id="{9627246E-3903-4E01-B28D-BFF5567D65C3}" type="datetimeFigureOut">
               <a:rPr kumimoji="1" lang="ja-JP" altLang="en-US" smtClean="0"/>
-              <a:t>2024/9/26</a:t>
+              <a:t>2024/9/29</a:t>
             </a:fld>
             <a:endParaRPr kumimoji="1" lang="ja-JP" altLang="en-US"/>
           </a:p>
@@ -3881,7 +3883,7 @@
           <a:p>
             <a:fld id="{9627246E-3903-4E01-B28D-BFF5567D65C3}" type="datetimeFigureOut">
               <a:rPr kumimoji="1" lang="ja-JP" altLang="en-US" smtClean="0"/>
-              <a:t>2024/9/26</a:t>
+              <a:t>2024/9/29</a:t>
             </a:fld>
             <a:endParaRPr kumimoji="1" lang="ja-JP" altLang="en-US"/>
           </a:p>
@@ -4224,7 +4226,7 @@
           <a:p>
             <a:fld id="{9627246E-3903-4E01-B28D-BFF5567D65C3}" type="datetimeFigureOut">
               <a:rPr kumimoji="1" lang="ja-JP" altLang="en-US" smtClean="0"/>
-              <a:t>2024/9/26</a:t>
+              <a:t>2024/9/29</a:t>
             </a:fld>
             <a:endParaRPr kumimoji="1" lang="ja-JP" altLang="en-US"/>
           </a:p>
@@ -4512,7 +4514,7 @@
           <a:p>
             <a:fld id="{9627246E-3903-4E01-B28D-BFF5567D65C3}" type="datetimeFigureOut">
               <a:rPr kumimoji="1" lang="ja-JP" altLang="en-US" smtClean="0"/>
-              <a:t>2024/9/26</a:t>
+              <a:t>2024/9/29</a:t>
             </a:fld>
             <a:endParaRPr kumimoji="1" lang="ja-JP" altLang="en-US"/>
           </a:p>
@@ -4785,7 +4787,7 @@
           <a:p>
             <a:fld id="{9627246E-3903-4E01-B28D-BFF5567D65C3}" type="datetimeFigureOut">
               <a:rPr kumimoji="1" lang="ja-JP" altLang="en-US" smtClean="0"/>
-              <a:t>2024/9/26</a:t>
+              <a:t>2024/9/29</a:t>
             </a:fld>
             <a:endParaRPr kumimoji="1" lang="ja-JP" altLang="en-US"/>
           </a:p>
@@ -5477,10 +5479,50 @@
       </p:grpSpPr>
       <p:sp>
         <p:nvSpPr>
-          <p:cNvPr id="3" name="コンテンツ プレースホルダー 2">
-            <a:extLst>
-              <a:ext uri="{FF2B5EF4-FFF2-40B4-BE49-F238E27FC236}">
-                <a16:creationId xmlns:a16="http://schemas.microsoft.com/office/drawing/2014/main" id="{37025C41-8921-578C-16F8-6B5CF0A93AE0}"/>
+          <p:cNvPr id="2" name="タイトル 1">
+            <a:extLst>
+              <a:ext uri="{FF2B5EF4-FFF2-40B4-BE49-F238E27FC236}">
+                <a16:creationId xmlns:a16="http://schemas.microsoft.com/office/drawing/2014/main" id="{9C784ACA-9376-15C6-DD93-68B5D582FADA}"/>
+              </a:ext>
+            </a:extLst>
+          </p:cNvPr>
+          <p:cNvSpPr>
+            <a:spLocks noGrp="1"/>
+          </p:cNvSpPr>
+          <p:nvPr>
+            <p:ph type="title"/>
+          </p:nvPr>
+        </p:nvSpPr>
+        <p:spPr>
+          <a:xfrm>
+            <a:off x="838200" y="365125"/>
+            <a:ext cx="10515600" cy="777875"/>
+          </a:xfrm>
+        </p:spPr>
+        <p:txBody>
+          <a:bodyPr>
+            <a:normAutofit/>
+          </a:bodyPr>
+          <a:lstStyle/>
+          <a:p>
+            <a:r>
+              <a:rPr lang="en-US" altLang="ja-JP" dirty="0"/>
+              <a:t>RAG</a:t>
+            </a:r>
+            <a:r>
+              <a:rPr lang="ja-JP" altLang="en-US" dirty="0"/>
+              <a:t>を体感するためのサンプル</a:t>
+            </a:r>
+            <a:endParaRPr kumimoji="1" lang="ja-JP" altLang="en-US" dirty="0"/>
+          </a:p>
+        </p:txBody>
+      </p:sp>
+      <p:sp>
+        <p:nvSpPr>
+          <p:cNvPr id="4" name="コンテンツ プレースホルダー 2">
+            <a:extLst>
+              <a:ext uri="{FF2B5EF4-FFF2-40B4-BE49-F238E27FC236}">
+                <a16:creationId xmlns:a16="http://schemas.microsoft.com/office/drawing/2014/main" id="{8C13C9CE-666C-02A7-9EAA-106F1B50AE66}"/>
               </a:ext>
             </a:extLst>
           </p:cNvPr>
@@ -5493,8 +5535,8 @@
         </p:nvSpPr>
         <p:spPr>
           <a:xfrm>
-            <a:off x="838200" y="1853334"/>
-            <a:ext cx="10515600" cy="4351338"/>
+            <a:off x="838200" y="1328421"/>
+            <a:ext cx="10515600" cy="3941762"/>
           </a:xfrm>
         </p:spPr>
         <p:txBody>
@@ -5507,84 +5549,55 @@
               <a:buNone/>
             </a:pPr>
             <a:r>
-              <a:rPr kumimoji="1" lang="ja-JP" altLang="en-US" dirty="0"/>
+              <a:rPr lang="en-US" altLang="ja-JP" dirty="0"/>
+              <a:t>【</a:t>
+            </a:r>
+            <a:r>
+              <a:rPr lang="ja-JP" altLang="en-US" dirty="0"/>
+              <a:t>内容</a:t>
+            </a:r>
+            <a:r>
+              <a:rPr lang="en-US" altLang="ja-JP" dirty="0"/>
+              <a:t>】</a:t>
+            </a:r>
+          </a:p>
+          <a:p>
+            <a:pPr marL="0" indent="0">
+              <a:buNone/>
+            </a:pPr>
+            <a:r>
+              <a:rPr lang="ja-JP" altLang="en-US" dirty="0"/>
               <a:t>・</a:t>
             </a:r>
-            <a:br>
+            <a:r>
               <a:rPr lang="en-US" altLang="ja-JP" dirty="0"/>
-            </a:br>
-            <a:endParaRPr kumimoji="1" lang="en-US" altLang="ja-JP" dirty="0"/>
+              <a:t>pdf</a:t>
+            </a:r>
+            <a:r>
+              <a:rPr lang="ja-JP" altLang="en-US" dirty="0"/>
+              <a:t>ファイルの内容を検索拡張生成してチャットで問い合わせ出来るようにする。</a:t>
+            </a:r>
+            <a:endParaRPr lang="en-US" altLang="ja-JP" dirty="0"/>
           </a:p>
           <a:p>
             <a:pPr marL="0" indent="0">
               <a:buNone/>
             </a:pPr>
-            <a:endParaRPr kumimoji="1" lang="en-US" altLang="ja-JP" dirty="0"/>
-          </a:p>
-        </p:txBody>
-      </p:sp>
-      <p:sp>
-        <p:nvSpPr>
-          <p:cNvPr id="6" name="タイトル 1">
-            <a:extLst>
-              <a:ext uri="{FF2B5EF4-FFF2-40B4-BE49-F238E27FC236}">
-                <a16:creationId xmlns:a16="http://schemas.microsoft.com/office/drawing/2014/main" id="{34FF66A4-5BCB-CEE2-BCDE-1006905C1554}"/>
-              </a:ext>
-            </a:extLst>
-          </p:cNvPr>
-          <p:cNvSpPr txBox="1">
-            <a:spLocks/>
-          </p:cNvSpPr>
-          <p:nvPr/>
-        </p:nvSpPr>
-        <p:spPr>
-          <a:xfrm>
-            <a:off x="838200" y="365126"/>
-            <a:ext cx="10515600" cy="891020"/>
-          </a:xfrm>
-          <a:prstGeom prst="rect">
-            <a:avLst/>
-          </a:prstGeom>
-        </p:spPr>
-        <p:txBody>
-          <a:bodyPr vert="horz" lIns="91440" tIns="45720" rIns="91440" bIns="45720" rtlCol="0" anchor="ctr">
-            <a:normAutofit/>
-          </a:bodyPr>
-          <a:lstStyle>
-            <a:lvl1pPr algn="l" defTabSz="914400" rtl="0" eaLnBrk="1" latinLnBrk="0" hangingPunct="1">
-              <a:lnSpc>
-                <a:spcPct val="90000"/>
-              </a:lnSpc>
-              <a:spcBef>
-                <a:spcPct val="0"/>
-              </a:spcBef>
-              <a:buNone/>
-              <a:defRPr kumimoji="1" sz="4400" kern="1200">
-                <a:solidFill>
-                  <a:schemeClr val="tx1"/>
-                </a:solidFill>
-                <a:latin typeface="+mj-lt"/>
-                <a:ea typeface="+mj-ea"/>
-                <a:cs typeface="+mj-cs"/>
-              </a:defRPr>
-            </a:lvl1pPr>
-          </a:lstStyle>
-          <a:p>
-            <a:r>
-              <a:rPr lang="en-US" altLang="ja-JP" dirty="0"/>
-              <a:t>RAG</a:t>
-            </a:r>
-            <a:r>
-              <a:rPr lang="ja-JP" altLang="en-US" dirty="0"/>
-              <a:t>の挙動を体感してみたい</a:t>
-            </a:r>
+            <a:endParaRPr lang="en-US" altLang="ja-JP" dirty="0">
+              <a:solidFill>
+                <a:schemeClr val="tx1">
+                  <a:lumMod val="65000"/>
+                  <a:lumOff val="35000"/>
+                </a:schemeClr>
+              </a:solidFill>
+            </a:endParaRPr>
           </a:p>
         </p:txBody>
       </p:sp>
     </p:spTree>
     <p:extLst>
       <p:ext uri="{BB962C8B-B14F-4D97-AF65-F5344CB8AC3E}">
-        <p14:creationId xmlns:p14="http://schemas.microsoft.com/office/powerpoint/2010/main" val="4019972730"/>
+        <p14:creationId xmlns:p14="http://schemas.microsoft.com/office/powerpoint/2010/main" val="3544669301"/>
       </p:ext>
     </p:extLst>
   </p:cSld>
@@ -5613,93 +5626,19 @@
       </p:grpSpPr>
       <p:sp>
         <p:nvSpPr>
-          <p:cNvPr id="2" name="タイトル 1">
-            <a:extLst>
-              <a:ext uri="{FF2B5EF4-FFF2-40B4-BE49-F238E27FC236}">
-                <a16:creationId xmlns:a16="http://schemas.microsoft.com/office/drawing/2014/main" id="{9C784ACA-9376-15C6-DD93-68B5D582FADA}"/>
-              </a:ext>
-            </a:extLst>
-          </p:cNvPr>
-          <p:cNvSpPr>
-            <a:spLocks noGrp="1"/>
-          </p:cNvSpPr>
-          <p:nvPr>
-            <p:ph type="title"/>
-          </p:nvPr>
-        </p:nvSpPr>
-        <p:spPr/>
-        <p:txBody>
-          <a:bodyPr>
-            <a:normAutofit/>
-          </a:bodyPr>
-          <a:lstStyle/>
-          <a:p>
-            <a:r>
-              <a:rPr kumimoji="1" lang="ja-JP" altLang="en-US" sz="3600" dirty="0"/>
-              <a:t>構成</a:t>
-            </a:r>
-          </a:p>
-        </p:txBody>
-      </p:sp>
-      <p:sp>
-        <p:nvSpPr>
-          <p:cNvPr id="3" name="コンテンツ プレースホルダー 2">
-            <a:extLst>
-              <a:ext uri="{FF2B5EF4-FFF2-40B4-BE49-F238E27FC236}">
-                <a16:creationId xmlns:a16="http://schemas.microsoft.com/office/drawing/2014/main" id="{37025C41-8921-578C-16F8-6B5CF0A93AE0}"/>
-              </a:ext>
-            </a:extLst>
-          </p:cNvPr>
-          <p:cNvSpPr>
-            <a:spLocks noGrp="1"/>
-          </p:cNvSpPr>
-          <p:nvPr>
-            <p:ph idx="1"/>
-          </p:nvPr>
+          <p:cNvPr id="20" name="矩形 19">
+            <a:extLst>
+              <a:ext uri="{FF2B5EF4-FFF2-40B4-BE49-F238E27FC236}">
+                <a16:creationId xmlns:a16="http://schemas.microsoft.com/office/drawing/2014/main" id="{5D996A43-DC64-4070-A3C0-8AEBA9493CE6}"/>
+              </a:ext>
+            </a:extLst>
+          </p:cNvPr>
+          <p:cNvSpPr/>
+          <p:nvPr/>
         </p:nvSpPr>
         <p:spPr>
           <a:xfrm>
-            <a:off x="838200" y="1865104"/>
-            <a:ext cx="10515600" cy="4773036"/>
-          </a:xfrm>
-        </p:spPr>
-        <p:txBody>
-          <a:bodyPr>
-            <a:normAutofit/>
-          </a:bodyPr>
-          <a:lstStyle/>
-          <a:p>
-            <a:pPr marL="0" indent="0">
-              <a:buNone/>
-            </a:pPr>
-            <a:br>
-              <a:rPr lang="en-US" altLang="ja-JP" dirty="0"/>
-            </a:br>
-            <a:endParaRPr kumimoji="1" lang="en-US" altLang="ja-JP" dirty="0"/>
-          </a:p>
-          <a:p>
-            <a:pPr marL="0" indent="0">
-              <a:buNone/>
-            </a:pPr>
-            <a:endParaRPr kumimoji="1" lang="en-US" altLang="ja-JP" dirty="0"/>
-          </a:p>
-        </p:txBody>
-      </p:sp>
-      <p:sp>
-        <p:nvSpPr>
-          <p:cNvPr id="20" name="矩形 19">
-            <a:extLst>
-              <a:ext uri="{FF2B5EF4-FFF2-40B4-BE49-F238E27FC236}">
-                <a16:creationId xmlns:a16="http://schemas.microsoft.com/office/drawing/2014/main" id="{5D996A43-DC64-4070-A3C0-8AEBA9493CE6}"/>
-              </a:ext>
-            </a:extLst>
-          </p:cNvPr>
-          <p:cNvSpPr/>
-          <p:nvPr/>
-        </p:nvSpPr>
-        <p:spPr>
-          <a:xfrm>
-            <a:off x="1145310" y="1713722"/>
+            <a:off x="1165946" y="1696754"/>
             <a:ext cx="10437090" cy="4916585"/>
           </a:xfrm>
           <a:prstGeom prst="rect">
@@ -5746,6 +5685,98 @@
       </p:sp>
       <p:sp>
         <p:nvSpPr>
+          <p:cNvPr id="33" name="矩形 19">
+            <a:extLst>
+              <a:ext uri="{FF2B5EF4-FFF2-40B4-BE49-F238E27FC236}">
+                <a16:creationId xmlns:a16="http://schemas.microsoft.com/office/drawing/2014/main" id="{0FB338FD-35EF-30D7-06A9-7A1B992B2830}"/>
+              </a:ext>
+            </a:extLst>
+          </p:cNvPr>
+          <p:cNvSpPr/>
+          <p:nvPr/>
+        </p:nvSpPr>
+        <p:spPr>
+          <a:xfrm>
+            <a:off x="5925582" y="1940120"/>
+            <a:ext cx="5535264" cy="4525343"/>
+          </a:xfrm>
+          <a:prstGeom prst="rect">
+            <a:avLst/>
+          </a:prstGeom>
+          <a:ln/>
+        </p:spPr>
+        <p:style>
+          <a:lnRef idx="1">
+            <a:schemeClr val="accent4"/>
+          </a:lnRef>
+          <a:fillRef idx="2">
+            <a:schemeClr val="accent4"/>
+          </a:fillRef>
+          <a:effectRef idx="1">
+            <a:schemeClr val="accent4"/>
+          </a:effectRef>
+          <a:fontRef idx="minor">
+            <a:schemeClr val="dk1"/>
+          </a:fontRef>
+        </p:style>
+        <p:txBody>
+          <a:bodyPr wrap="none" rtlCol="0" anchor="ctr" anchorCtr="1"/>
+          <a:lstStyle/>
+          <a:p>
+            <a:endParaRPr lang="en-US" dirty="0">
+              <a:solidFill>
+                <a:srgbClr val="000000"/>
+              </a:solidFill>
+            </a:endParaRPr>
+          </a:p>
+        </p:txBody>
+      </p:sp>
+      <p:sp>
+        <p:nvSpPr>
+          <p:cNvPr id="3" name="コンテンツ プレースホルダー 2">
+            <a:extLst>
+              <a:ext uri="{FF2B5EF4-FFF2-40B4-BE49-F238E27FC236}">
+                <a16:creationId xmlns:a16="http://schemas.microsoft.com/office/drawing/2014/main" id="{37025C41-8921-578C-16F8-6B5CF0A93AE0}"/>
+              </a:ext>
+            </a:extLst>
+          </p:cNvPr>
+          <p:cNvSpPr>
+            <a:spLocks noGrp="1"/>
+          </p:cNvSpPr>
+          <p:nvPr>
+            <p:ph idx="1"/>
+          </p:nvPr>
+        </p:nvSpPr>
+        <p:spPr>
+          <a:xfrm>
+            <a:off x="838200" y="1865104"/>
+            <a:ext cx="10515600" cy="4773036"/>
+          </a:xfrm>
+        </p:spPr>
+        <p:txBody>
+          <a:bodyPr>
+            <a:normAutofit/>
+          </a:bodyPr>
+          <a:lstStyle/>
+          <a:p>
+            <a:pPr marL="0" indent="0">
+              <a:buNone/>
+            </a:pPr>
+            <a:br>
+              <a:rPr lang="en-US" altLang="ja-JP" dirty="0"/>
+            </a:br>
+            <a:endParaRPr kumimoji="1" lang="en-US" altLang="ja-JP" dirty="0"/>
+          </a:p>
+          <a:p>
+            <a:pPr marL="0" indent="0">
+              <a:buNone/>
+            </a:pPr>
+            <a:endParaRPr kumimoji="1" lang="en-US" altLang="ja-JP" dirty="0"/>
+          </a:p>
+        </p:txBody>
+      </p:sp>
+      <p:sp>
+        <p:nvSpPr>
           <p:cNvPr id="17" name="テキスト ボックス 16">
             <a:extLst>
               <a:ext uri="{FF2B5EF4-FFF2-40B4-BE49-F238E27FC236}">
@@ -5759,7 +5790,7 @@
         <p:spPr>
           <a:xfrm>
             <a:off x="1145309" y="1782533"/>
-            <a:ext cx="2361581" cy="738664"/>
+            <a:ext cx="2361581" cy="369332"/>
           </a:xfrm>
           <a:prstGeom prst="rect">
             <a:avLst/>
@@ -5784,32 +5815,6 @@
               <a:rPr kumimoji="1" lang="ja-JP" altLang="en-US" dirty="0"/>
               <a:t>本体</a:t>
             </a:r>
-            <a:endParaRPr kumimoji="1" lang="en-US" altLang="ja-JP" dirty="0"/>
-          </a:p>
-          <a:p>
-            <a:endParaRPr lang="en-US" altLang="ja-JP" sz="1200" dirty="0">
-              <a:solidFill>
-                <a:schemeClr val="tx2"/>
-              </a:solidFill>
-            </a:endParaRPr>
-          </a:p>
-          <a:p>
-            <a:r>
-              <a:rPr lang="en-US" altLang="ja-JP" sz="1200" dirty="0">
-                <a:solidFill>
-                  <a:schemeClr val="tx2"/>
-                </a:solidFill>
-              </a:rPr>
-              <a:t>* Linux</a:t>
-            </a:r>
-            <a:r>
-              <a:rPr lang="ja-JP" altLang="en-US" sz="1200" dirty="0">
-                <a:solidFill>
-                  <a:schemeClr val="tx2"/>
-                </a:solidFill>
-              </a:rPr>
-              <a:t>ベースで共通の内容</a:t>
-            </a:r>
             <a:endParaRPr kumimoji="1" lang="ja-JP" altLang="en-US" sz="1200" dirty="0">
               <a:solidFill>
                 <a:schemeClr val="tx2"/>
@@ -5832,8 +5837,8 @@
         </p:nvSpPr>
         <p:spPr>
           <a:xfrm>
-            <a:off x="1376219" y="3824579"/>
-            <a:ext cx="4343255" cy="2603289"/>
+            <a:off x="1376220" y="3824579"/>
+            <a:ext cx="2417599" cy="2603289"/>
           </a:xfrm>
           <a:prstGeom prst="rect">
             <a:avLst/>
@@ -5880,8 +5885,8 @@
         </p:nvSpPr>
         <p:spPr>
           <a:xfrm>
-            <a:off x="1420600" y="3888590"/>
-            <a:ext cx="2344991" cy="738664"/>
+            <a:off x="1339401" y="3799208"/>
+            <a:ext cx="1513186" cy="553998"/>
           </a:xfrm>
           <a:prstGeom prst="rect">
             <a:avLst/>
@@ -5910,14 +5915,6 @@
               <a:t>※</a:t>
             </a:r>
             <a:r>
-              <a:rPr lang="ja-JP" altLang="en-US" sz="1200" dirty="0">
-                <a:solidFill>
-                  <a:schemeClr val="tx2"/>
-                </a:solidFill>
-              </a:rPr>
-              <a:t>今回は</a:t>
-            </a:r>
-            <a:r>
               <a:rPr kumimoji="1" lang="en-US" altLang="ja-JP" sz="1200" dirty="0">
                 <a:solidFill>
                   <a:schemeClr val="tx2"/>
@@ -5931,40 +5928,17 @@
                   <a:schemeClr val="tx2"/>
                 </a:solidFill>
               </a:rPr>
-              <a:t>コンテナで</a:t>
-            </a:r>
-            <a:endParaRPr kumimoji="1" lang="en-US" altLang="ja-JP" sz="1200" dirty="0">
-              <a:solidFill>
-                <a:schemeClr val="tx2"/>
-              </a:solidFill>
-            </a:endParaRPr>
-          </a:p>
-          <a:p>
-            <a:r>
-              <a:rPr lang="ja-JP" altLang="en-US" sz="1200" dirty="0">
-                <a:solidFill>
-                  <a:schemeClr val="tx2"/>
-                </a:solidFill>
-              </a:rPr>
-              <a:t>　</a:t>
-            </a:r>
-            <a:r>
-              <a:rPr kumimoji="1" lang="ja-JP" altLang="en-US" sz="1200" dirty="0">
-                <a:solidFill>
-                  <a:schemeClr val="tx2"/>
-                </a:solidFill>
-              </a:rPr>
-              <a:t>動かすタイプのものを使用</a:t>
-            </a:r>
-          </a:p>
-        </p:txBody>
-      </p:sp>
-      <p:sp>
-        <p:nvSpPr>
-          <p:cNvPr id="27" name="矩形 19">
-            <a:extLst>
-              <a:ext uri="{FF2B5EF4-FFF2-40B4-BE49-F238E27FC236}">
-                <a16:creationId xmlns:a16="http://schemas.microsoft.com/office/drawing/2014/main" id="{D7F52068-5699-1CBA-7FBA-D813809E2F1F}"/>
+              <a:t>コンテナ</a:t>
+            </a:r>
+          </a:p>
+        </p:txBody>
+      </p:sp>
+      <p:sp>
+        <p:nvSpPr>
+          <p:cNvPr id="30" name="矩形 19">
+            <a:extLst>
+              <a:ext uri="{FF2B5EF4-FFF2-40B4-BE49-F238E27FC236}">
+                <a16:creationId xmlns:a16="http://schemas.microsoft.com/office/drawing/2014/main" id="{9F8A6BA6-9C05-8916-B855-7146EEBA1167}"/>
               </a:ext>
             </a:extLst>
           </p:cNvPr>
@@ -5973,8 +5947,8 @@
         </p:nvSpPr>
         <p:spPr>
           <a:xfrm>
-            <a:off x="3737025" y="4047613"/>
-            <a:ext cx="1330036" cy="684220"/>
+            <a:off x="1458666" y="4579899"/>
+            <a:ext cx="2213034" cy="1775197"/>
           </a:xfrm>
           <a:prstGeom prst="rect">
             <a:avLst/>
@@ -5999,49 +5973,292 @@
           <a:bodyPr wrap="none" rtlCol="0" anchor="ctr" anchorCtr="1"/>
           <a:lstStyle/>
           <a:p>
+            <a:endParaRPr lang="en-US" dirty="0">
+              <a:solidFill>
+                <a:srgbClr val="000000"/>
+              </a:solidFill>
+            </a:endParaRPr>
+          </a:p>
+        </p:txBody>
+      </p:sp>
+      <p:sp>
+        <p:nvSpPr>
+          <p:cNvPr id="25" name="矩形 19">
+            <a:extLst>
+              <a:ext uri="{FF2B5EF4-FFF2-40B4-BE49-F238E27FC236}">
+                <a16:creationId xmlns:a16="http://schemas.microsoft.com/office/drawing/2014/main" id="{432FD002-C3EC-95AB-E364-BC60A7440B0A}"/>
+              </a:ext>
+            </a:extLst>
+          </p:cNvPr>
+          <p:cNvSpPr/>
+          <p:nvPr/>
+        </p:nvSpPr>
+        <p:spPr>
+          <a:xfrm>
+            <a:off x="1580406" y="4863986"/>
+            <a:ext cx="1984248" cy="1372830"/>
+          </a:xfrm>
+          <a:prstGeom prst="rect">
+            <a:avLst/>
+          </a:prstGeom>
+          <a:ln/>
+        </p:spPr>
+        <p:style>
+          <a:lnRef idx="2">
+            <a:schemeClr val="accent6"/>
+          </a:lnRef>
+          <a:fillRef idx="1">
+            <a:schemeClr val="lt1"/>
+          </a:fillRef>
+          <a:effectRef idx="0">
+            <a:schemeClr val="accent6"/>
+          </a:effectRef>
+          <a:fontRef idx="minor">
+            <a:schemeClr val="dk1"/>
+          </a:fontRef>
+        </p:style>
+        <p:txBody>
+          <a:bodyPr wrap="none" rtlCol="0" anchor="ctr" anchorCtr="1"/>
+          <a:lstStyle/>
+          <a:p>
+            <a:endParaRPr lang="en-US" dirty="0">
+              <a:solidFill>
+                <a:srgbClr val="000000"/>
+              </a:solidFill>
+            </a:endParaRPr>
+          </a:p>
+        </p:txBody>
+      </p:sp>
+      <p:sp>
+        <p:nvSpPr>
+          <p:cNvPr id="24" name="矩形 19">
+            <a:extLst>
+              <a:ext uri="{FF2B5EF4-FFF2-40B4-BE49-F238E27FC236}">
+                <a16:creationId xmlns:a16="http://schemas.microsoft.com/office/drawing/2014/main" id="{2C710E95-554D-F235-C3F1-BF13E1AA1068}"/>
+              </a:ext>
+            </a:extLst>
+          </p:cNvPr>
+          <p:cNvSpPr/>
+          <p:nvPr/>
+        </p:nvSpPr>
+        <p:spPr>
+          <a:xfrm>
+            <a:off x="1740990" y="5217059"/>
+            <a:ext cx="1668159" cy="288726"/>
+          </a:xfrm>
+          <a:prstGeom prst="rect">
+            <a:avLst/>
+          </a:prstGeom>
+          <a:ln/>
+        </p:spPr>
+        <p:style>
+          <a:lnRef idx="1">
+            <a:schemeClr val="accent6"/>
+          </a:lnRef>
+          <a:fillRef idx="2">
+            <a:schemeClr val="accent6"/>
+          </a:fillRef>
+          <a:effectRef idx="1">
+            <a:schemeClr val="accent6"/>
+          </a:effectRef>
+          <a:fontRef idx="minor">
+            <a:schemeClr val="dk1"/>
+          </a:fontRef>
+        </p:style>
+        <p:txBody>
+          <a:bodyPr wrap="none" rtlCol="0" anchor="ctr" anchorCtr="1"/>
+          <a:lstStyle/>
+          <a:p>
+            <a:r>
+              <a:rPr lang="en-US" sz="1400" dirty="0">
+                <a:solidFill>
+                  <a:srgbClr val="000000"/>
+                </a:solidFill>
+              </a:rPr>
+              <a:t>gemma2:2b</a:t>
+            </a:r>
+          </a:p>
+        </p:txBody>
+      </p:sp>
+      <p:sp>
+        <p:nvSpPr>
+          <p:cNvPr id="26" name="テキスト ボックス 25">
+            <a:extLst>
+              <a:ext uri="{FF2B5EF4-FFF2-40B4-BE49-F238E27FC236}">
+                <a16:creationId xmlns:a16="http://schemas.microsoft.com/office/drawing/2014/main" id="{0A5DCF7B-D5B4-2BE2-5871-8EED0BA9AE2C}"/>
+              </a:ext>
+            </a:extLst>
+          </p:cNvPr>
+          <p:cNvSpPr txBox="1"/>
+          <p:nvPr/>
+        </p:nvSpPr>
+        <p:spPr>
+          <a:xfrm>
+            <a:off x="1580406" y="4885595"/>
+            <a:ext cx="1452101" cy="369332"/>
+          </a:xfrm>
+          <a:prstGeom prst="rect">
+            <a:avLst/>
+          </a:prstGeom>
+          <a:noFill/>
+        </p:spPr>
+        <p:txBody>
+          <a:bodyPr wrap="square" rtlCol="0">
+            <a:spAutoFit/>
+          </a:bodyPr>
+          <a:lstStyle/>
+          <a:p>
+            <a:r>
+              <a:rPr lang="en-US" altLang="ja-JP" dirty="0"/>
+              <a:t>Models</a:t>
+            </a:r>
+            <a:endParaRPr kumimoji="1" lang="ja-JP" altLang="en-US" dirty="0"/>
+          </a:p>
+        </p:txBody>
+      </p:sp>
+      <p:sp>
+        <p:nvSpPr>
+          <p:cNvPr id="31" name="テキスト ボックス 30">
+            <a:extLst>
+              <a:ext uri="{FF2B5EF4-FFF2-40B4-BE49-F238E27FC236}">
+                <a16:creationId xmlns:a16="http://schemas.microsoft.com/office/drawing/2014/main" id="{84235BB5-BE18-15D2-8BB3-E9CB549D6AB3}"/>
+              </a:ext>
+            </a:extLst>
+          </p:cNvPr>
+          <p:cNvSpPr txBox="1"/>
+          <p:nvPr/>
+        </p:nvSpPr>
+        <p:spPr>
+          <a:xfrm>
+            <a:off x="1423874" y="4581629"/>
+            <a:ext cx="1143003" cy="369332"/>
+          </a:xfrm>
+          <a:prstGeom prst="rect">
+            <a:avLst/>
+          </a:prstGeom>
+          <a:noFill/>
+        </p:spPr>
+        <p:txBody>
+          <a:bodyPr wrap="square" rtlCol="0">
+            <a:spAutoFit/>
+          </a:bodyPr>
+          <a:lstStyle>
+            <a:defPPr>
+              <a:defRPr lang="ja-JP"/>
+            </a:defPPr>
+            <a:lvl1pPr>
+              <a:defRPr/>
+            </a:lvl1pPr>
+          </a:lstStyle>
+          <a:p>
+            <a:r>
+              <a:rPr lang="en-US" altLang="ja-JP" dirty="0"/>
+              <a:t>Server</a:t>
+            </a:r>
+            <a:endParaRPr lang="ja-JP" altLang="en-US" dirty="0"/>
+          </a:p>
+        </p:txBody>
+      </p:sp>
+      <p:sp>
+        <p:nvSpPr>
+          <p:cNvPr id="32" name="矩形 19">
+            <a:extLst>
+              <a:ext uri="{FF2B5EF4-FFF2-40B4-BE49-F238E27FC236}">
+                <a16:creationId xmlns:a16="http://schemas.microsoft.com/office/drawing/2014/main" id="{CD126C2D-904F-6F62-E142-CA8F1BBD0251}"/>
+              </a:ext>
+            </a:extLst>
+          </p:cNvPr>
+          <p:cNvSpPr/>
+          <p:nvPr/>
+        </p:nvSpPr>
+        <p:spPr>
+          <a:xfrm>
+            <a:off x="1277097" y="2405620"/>
+            <a:ext cx="4450821" cy="894913"/>
+          </a:xfrm>
+          <a:prstGeom prst="rect">
+            <a:avLst/>
+          </a:prstGeom>
+          <a:ln/>
+        </p:spPr>
+        <p:style>
+          <a:lnRef idx="1">
+            <a:schemeClr val="accent4"/>
+          </a:lnRef>
+          <a:fillRef idx="3">
+            <a:schemeClr val="accent4"/>
+          </a:fillRef>
+          <a:effectRef idx="2">
+            <a:schemeClr val="accent4"/>
+          </a:effectRef>
+          <a:fontRef idx="minor">
+            <a:schemeClr val="lt1"/>
+          </a:fontRef>
+        </p:style>
+        <p:txBody>
+          <a:bodyPr wrap="none" rtlCol="0" anchor="ctr" anchorCtr="1"/>
+          <a:lstStyle/>
+          <a:p>
             <a:r>
               <a:rPr lang="en-US" dirty="0">
                 <a:solidFill>
                   <a:srgbClr val="000000"/>
                 </a:solidFill>
               </a:rPr>
-              <a:t>CUI</a:t>
-            </a:r>
-          </a:p>
-          <a:p>
-            <a:r>
-              <a:rPr lang="en-US" dirty="0">
-                <a:solidFill>
-                  <a:srgbClr val="000000"/>
-                </a:solidFill>
-              </a:rPr>
-              <a:t>(</a:t>
-            </a:r>
-            <a:r>
-              <a:rPr lang="en-US" dirty="0" err="1">
-                <a:solidFill>
-                  <a:srgbClr val="000000"/>
-                </a:solidFill>
-              </a:rPr>
-              <a:t>ollama</a:t>
-            </a:r>
-            <a:r>
-              <a:rPr lang="en-US" dirty="0">
-                <a:solidFill>
-                  <a:srgbClr val="000000"/>
-                </a:solidFill>
-              </a:rPr>
-              <a:t>)</a:t>
-            </a:r>
-          </a:p>
-        </p:txBody>
-      </p:sp>
-      <p:sp>
-        <p:nvSpPr>
-          <p:cNvPr id="30" name="矩形 19">
-            <a:extLst>
-              <a:ext uri="{FF2B5EF4-FFF2-40B4-BE49-F238E27FC236}">
-                <a16:creationId xmlns:a16="http://schemas.microsoft.com/office/drawing/2014/main" id="{9F8A6BA6-9C05-8916-B855-7146EEBA1167}"/>
+              <a:t>Terminal(bash)</a:t>
+            </a:r>
+          </a:p>
+        </p:txBody>
+      </p:sp>
+      <p:sp>
+        <p:nvSpPr>
+          <p:cNvPr id="35" name="テキスト ボックス 34">
+            <a:extLst>
+              <a:ext uri="{FF2B5EF4-FFF2-40B4-BE49-F238E27FC236}">
+                <a16:creationId xmlns:a16="http://schemas.microsoft.com/office/drawing/2014/main" id="{1AFFE9F5-AE2D-EBB6-D84B-C52DD42E357B}"/>
+              </a:ext>
+            </a:extLst>
+          </p:cNvPr>
+          <p:cNvSpPr txBox="1"/>
+          <p:nvPr/>
+        </p:nvSpPr>
+        <p:spPr>
+          <a:xfrm>
+            <a:off x="5925582" y="1947939"/>
+            <a:ext cx="1143003" cy="369332"/>
+          </a:xfrm>
+          <a:prstGeom prst="rect">
+            <a:avLst/>
+          </a:prstGeom>
+          <a:noFill/>
+        </p:spPr>
+        <p:txBody>
+          <a:bodyPr wrap="square" rtlCol="0">
+            <a:spAutoFit/>
+          </a:bodyPr>
+          <a:lstStyle>
+            <a:defPPr>
+              <a:defRPr lang="ja-JP"/>
+            </a:defPPr>
+            <a:lvl1pPr>
+              <a:defRPr/>
+            </a:lvl1pPr>
+          </a:lstStyle>
+          <a:p>
+            <a:r>
+              <a:rPr lang="en-US" altLang="ja-JP" dirty="0"/>
+              <a:t>Python</a:t>
+            </a:r>
+            <a:endParaRPr lang="ja-JP" altLang="en-US" dirty="0"/>
+          </a:p>
+        </p:txBody>
+      </p:sp>
+      <p:sp>
+        <p:nvSpPr>
+          <p:cNvPr id="40" name="矩形 19">
+            <a:extLst>
+              <a:ext uri="{FF2B5EF4-FFF2-40B4-BE49-F238E27FC236}">
+                <a16:creationId xmlns:a16="http://schemas.microsoft.com/office/drawing/2014/main" id="{AE3EDBDD-CC31-46D4-A001-B6C397E7D5A7}"/>
               </a:ext>
             </a:extLst>
           </p:cNvPr>
@@ -6050,8 +6267,56 @@
         </p:nvSpPr>
         <p:spPr>
           <a:xfrm>
-            <a:off x="1458664" y="5053549"/>
-            <a:ext cx="3991939" cy="1301547"/>
+            <a:off x="7530059" y="3777838"/>
+            <a:ext cx="3833627" cy="2146798"/>
+          </a:xfrm>
+          <a:prstGeom prst="rect">
+            <a:avLst/>
+          </a:prstGeom>
+          <a:ln/>
+        </p:spPr>
+        <p:style>
+          <a:lnRef idx="1">
+            <a:schemeClr val="accent6"/>
+          </a:lnRef>
+          <a:fillRef idx="2">
+            <a:schemeClr val="accent6"/>
+          </a:fillRef>
+          <a:effectRef idx="1">
+            <a:schemeClr val="accent6"/>
+          </a:effectRef>
+          <a:fontRef idx="minor">
+            <a:schemeClr val="dk1"/>
+          </a:fontRef>
+        </p:style>
+        <p:txBody>
+          <a:bodyPr wrap="none" rtlCol="0" anchor="ctr" anchorCtr="1"/>
+          <a:lstStyle/>
+          <a:p>
+            <a:endParaRPr lang="en-US" dirty="0">
+              <a:solidFill>
+                <a:srgbClr val="000000"/>
+              </a:solidFill>
+            </a:endParaRPr>
+          </a:p>
+        </p:txBody>
+      </p:sp>
+      <p:sp>
+        <p:nvSpPr>
+          <p:cNvPr id="39" name="矩形 19">
+            <a:extLst>
+              <a:ext uri="{FF2B5EF4-FFF2-40B4-BE49-F238E27FC236}">
+                <a16:creationId xmlns:a16="http://schemas.microsoft.com/office/drawing/2014/main" id="{8A7149DE-6BB3-5177-C779-82DBB0881054}"/>
+              </a:ext>
+            </a:extLst>
+          </p:cNvPr>
+          <p:cNvSpPr/>
+          <p:nvPr/>
+        </p:nvSpPr>
+        <p:spPr>
+          <a:xfrm>
+            <a:off x="7618586" y="4660529"/>
+            <a:ext cx="1767642" cy="298684"/>
           </a:xfrm>
           <a:prstGeom prst="rect">
             <a:avLst/>
@@ -6076,7 +6341,15 @@
           <a:bodyPr wrap="none" rtlCol="0" anchor="ctr" anchorCtr="1"/>
           <a:lstStyle/>
           <a:p>
-            <a:endParaRPr lang="en-US" dirty="0">
+            <a:r>
+              <a:rPr lang="en-US" sz="1200" dirty="0" err="1">
+                <a:solidFill>
+                  <a:srgbClr val="000000"/>
+                </a:solidFill>
+              </a:rPr>
+              <a:t>QdrantVectorStore</a:t>
+            </a:r>
+            <a:endParaRPr lang="en-US" sz="1200" dirty="0">
               <a:solidFill>
                 <a:srgbClr val="000000"/>
               </a:solidFill>
@@ -6086,167 +6359,20 @@
       </p:sp>
       <p:sp>
         <p:nvSpPr>
-          <p:cNvPr id="25" name="矩形 19">
-            <a:extLst>
-              <a:ext uri="{FF2B5EF4-FFF2-40B4-BE49-F238E27FC236}">
-                <a16:creationId xmlns:a16="http://schemas.microsoft.com/office/drawing/2014/main" id="{432FD002-C3EC-95AB-E364-BC60A7440B0A}"/>
-              </a:ext>
-            </a:extLst>
-          </p:cNvPr>
-          <p:cNvSpPr/>
+          <p:cNvPr id="41" name="テキスト ボックス 40">
+            <a:extLst>
+              <a:ext uri="{FF2B5EF4-FFF2-40B4-BE49-F238E27FC236}">
+                <a16:creationId xmlns:a16="http://schemas.microsoft.com/office/drawing/2014/main" id="{78EB841D-7EEE-856E-2816-A546A25A6747}"/>
+              </a:ext>
+            </a:extLst>
+          </p:cNvPr>
+          <p:cNvSpPr txBox="1"/>
           <p:nvPr/>
         </p:nvSpPr>
         <p:spPr>
           <a:xfrm>
-            <a:off x="1709476" y="5372348"/>
-            <a:ext cx="3390438" cy="864468"/>
-          </a:xfrm>
-          <a:prstGeom prst="rect">
-            <a:avLst/>
-          </a:prstGeom>
-          <a:ln/>
-        </p:spPr>
-        <p:style>
-          <a:lnRef idx="2">
-            <a:schemeClr val="accent6"/>
-          </a:lnRef>
-          <a:fillRef idx="1">
-            <a:schemeClr val="lt1"/>
-          </a:fillRef>
-          <a:effectRef idx="0">
-            <a:schemeClr val="accent6"/>
-          </a:effectRef>
-          <a:fontRef idx="minor">
-            <a:schemeClr val="dk1"/>
-          </a:fontRef>
-        </p:style>
-        <p:txBody>
-          <a:bodyPr wrap="none" rtlCol="0" anchor="ctr" anchorCtr="1"/>
-          <a:lstStyle/>
-          <a:p>
-            <a:endParaRPr lang="en-US" dirty="0">
-              <a:solidFill>
-                <a:srgbClr val="000000"/>
-              </a:solidFill>
-            </a:endParaRPr>
-          </a:p>
-        </p:txBody>
-      </p:sp>
-      <p:sp>
-        <p:nvSpPr>
-          <p:cNvPr id="24" name="矩形 19">
-            <a:extLst>
-              <a:ext uri="{FF2B5EF4-FFF2-40B4-BE49-F238E27FC236}">
-                <a16:creationId xmlns:a16="http://schemas.microsoft.com/office/drawing/2014/main" id="{2C710E95-554D-F235-C3F1-BF13E1AA1068}"/>
-              </a:ext>
-            </a:extLst>
-          </p:cNvPr>
-          <p:cNvSpPr/>
-          <p:nvPr/>
-        </p:nvSpPr>
-        <p:spPr>
-          <a:xfrm>
-            <a:off x="3047772" y="5508833"/>
-            <a:ext cx="1668159" cy="539749"/>
-          </a:xfrm>
-          <a:prstGeom prst="rect">
-            <a:avLst/>
-          </a:prstGeom>
-          <a:ln/>
-        </p:spPr>
-        <p:style>
-          <a:lnRef idx="1">
-            <a:schemeClr val="accent6"/>
-          </a:lnRef>
-          <a:fillRef idx="2">
-            <a:schemeClr val="accent6"/>
-          </a:fillRef>
-          <a:effectRef idx="1">
-            <a:schemeClr val="accent6"/>
-          </a:effectRef>
-          <a:fontRef idx="minor">
-            <a:schemeClr val="dk1"/>
-          </a:fontRef>
-        </p:style>
-        <p:txBody>
-          <a:bodyPr wrap="none" rtlCol="0" anchor="ctr" anchorCtr="1"/>
-          <a:lstStyle/>
-          <a:p>
-            <a:r>
-              <a:rPr lang="en-US" dirty="0">
-                <a:solidFill>
-                  <a:srgbClr val="000000"/>
-                </a:solidFill>
-              </a:rPr>
-              <a:t>gemma2(</a:t>
-            </a:r>
-            <a:r>
-              <a:rPr lang="en-US" altLang="ja-JP" dirty="0">
-                <a:solidFill>
-                  <a:srgbClr val="000000"/>
-                </a:solidFill>
-              </a:rPr>
-              <a:t>2B)</a:t>
-            </a:r>
-            <a:endParaRPr lang="en-US" dirty="0">
-              <a:solidFill>
-                <a:srgbClr val="000000"/>
-              </a:solidFill>
-            </a:endParaRPr>
-          </a:p>
-        </p:txBody>
-      </p:sp>
-      <p:sp>
-        <p:nvSpPr>
-          <p:cNvPr id="26" name="テキスト ボックス 25">
-            <a:extLst>
-              <a:ext uri="{FF2B5EF4-FFF2-40B4-BE49-F238E27FC236}">
-                <a16:creationId xmlns:a16="http://schemas.microsoft.com/office/drawing/2014/main" id="{0A5DCF7B-D5B4-2BE2-5871-8EED0BA9AE2C}"/>
-              </a:ext>
-            </a:extLst>
-          </p:cNvPr>
-          <p:cNvSpPr txBox="1"/>
-          <p:nvPr/>
-        </p:nvSpPr>
-        <p:spPr>
-          <a:xfrm>
-            <a:off x="1717402" y="5360451"/>
-            <a:ext cx="1452101" cy="369332"/>
-          </a:xfrm>
-          <a:prstGeom prst="rect">
-            <a:avLst/>
-          </a:prstGeom>
-          <a:noFill/>
-        </p:spPr>
-        <p:txBody>
-          <a:bodyPr wrap="square" rtlCol="0">
-            <a:spAutoFit/>
-          </a:bodyPr>
-          <a:lstStyle/>
-          <a:p>
-            <a:r>
-              <a:rPr kumimoji="1" lang="ja-JP" altLang="en-US" dirty="0"/>
-              <a:t>モデル群</a:t>
-            </a:r>
-          </a:p>
-        </p:txBody>
-      </p:sp>
-      <p:sp>
-        <p:nvSpPr>
-          <p:cNvPr id="31" name="テキスト ボックス 30">
-            <a:extLst>
-              <a:ext uri="{FF2B5EF4-FFF2-40B4-BE49-F238E27FC236}">
-                <a16:creationId xmlns:a16="http://schemas.microsoft.com/office/drawing/2014/main" id="{84235BB5-BE18-15D2-8BB3-E9CB549D6AB3}"/>
-              </a:ext>
-            </a:extLst>
-          </p:cNvPr>
-          <p:cNvSpPr txBox="1"/>
-          <p:nvPr/>
-        </p:nvSpPr>
-        <p:spPr>
-          <a:xfrm>
-            <a:off x="1592577" y="5065803"/>
-            <a:ext cx="1143003" cy="369332"/>
+            <a:off x="7527895" y="3770006"/>
+            <a:ext cx="1647074" cy="369332"/>
           </a:xfrm>
           <a:prstGeom prst="rect">
             <a:avLst/>
@@ -6267,128 +6393,65 @@
           </a:lstStyle>
           <a:p>
             <a:r>
-              <a:rPr lang="en-US" altLang="ja-JP" dirty="0"/>
-              <a:t>Server</a:t>
+              <a:rPr lang="en-US" altLang="ja-JP" dirty="0" err="1"/>
+              <a:t>llama_index</a:t>
             </a:r>
             <a:endParaRPr lang="ja-JP" altLang="en-US" dirty="0"/>
           </a:p>
         </p:txBody>
       </p:sp>
-      <p:sp>
-        <p:nvSpPr>
-          <p:cNvPr id="32" name="矩形 19">
-            <a:extLst>
-              <a:ext uri="{FF2B5EF4-FFF2-40B4-BE49-F238E27FC236}">
-                <a16:creationId xmlns:a16="http://schemas.microsoft.com/office/drawing/2014/main" id="{CD126C2D-904F-6F62-E142-CA8F1BBD0251}"/>
-              </a:ext>
-            </a:extLst>
-          </p:cNvPr>
-          <p:cNvSpPr/>
+      <p:pic>
+        <p:nvPicPr>
+          <p:cNvPr id="45" name="グラフィックス 44" descr="男性 単色塗りつぶし">
+            <a:extLst>
+              <a:ext uri="{FF2B5EF4-FFF2-40B4-BE49-F238E27FC236}">
+                <a16:creationId xmlns:a16="http://schemas.microsoft.com/office/drawing/2014/main" id="{59F021CE-0421-4999-5D7E-4689EC7A3063}"/>
+              </a:ext>
+            </a:extLst>
+          </p:cNvPr>
+          <p:cNvPicPr>
+            <a:picLocks noChangeAspect="1"/>
+          </p:cNvPicPr>
           <p:nvPr/>
-        </p:nvSpPr>
+        </p:nvPicPr>
+        <p:blipFill>
+          <a:blip r:embed="rId2">
+            <a:extLst>
+              <a:ext uri="{96DAC541-7B7A-43D3-8B79-37D633B846F1}">
+                <asvg:svgBlip xmlns:asvg="http://schemas.microsoft.com/office/drawing/2016/SVG/main" r:embed="rId3"/>
+              </a:ext>
+            </a:extLst>
+          </a:blip>
+          <a:stretch>
+            <a:fillRect/>
+          </a:stretch>
+        </p:blipFill>
         <p:spPr>
           <a:xfrm>
-            <a:off x="1376219" y="2902731"/>
-            <a:ext cx="4343254" cy="703401"/>
+            <a:off x="425001" y="1942206"/>
+            <a:ext cx="914400" cy="914400"/>
           </a:xfrm>
           <a:prstGeom prst="rect">
             <a:avLst/>
           </a:prstGeom>
-          <a:ln/>
         </p:spPr>
-        <p:style>
-          <a:lnRef idx="1">
-            <a:schemeClr val="accent4"/>
-          </a:lnRef>
-          <a:fillRef idx="3">
-            <a:schemeClr val="accent4"/>
-          </a:fillRef>
-          <a:effectRef idx="2">
-            <a:schemeClr val="accent4"/>
-          </a:effectRef>
-          <a:fontRef idx="minor">
-            <a:schemeClr val="lt1"/>
-          </a:fontRef>
-        </p:style>
-        <p:txBody>
-          <a:bodyPr wrap="none" rtlCol="0" anchor="ctr" anchorCtr="1"/>
-          <a:lstStyle/>
-          <a:p>
-            <a:r>
-              <a:rPr lang="en-US" dirty="0">
-                <a:solidFill>
-                  <a:srgbClr val="000000"/>
-                </a:solidFill>
-              </a:rPr>
-              <a:t>Terminal(bash)</a:t>
-            </a:r>
-          </a:p>
-        </p:txBody>
-      </p:sp>
-      <p:sp>
-        <p:nvSpPr>
-          <p:cNvPr id="33" name="矩形 19">
-            <a:extLst>
-              <a:ext uri="{FF2B5EF4-FFF2-40B4-BE49-F238E27FC236}">
-                <a16:creationId xmlns:a16="http://schemas.microsoft.com/office/drawing/2014/main" id="{0FB338FD-35EF-30D7-06A9-7A1B992B2830}"/>
-              </a:ext>
-            </a:extLst>
-          </p:cNvPr>
-          <p:cNvSpPr/>
+      </p:pic>
+      <p:sp>
+        <p:nvSpPr>
+          <p:cNvPr id="53" name="テキスト ボックス 52">
+            <a:extLst>
+              <a:ext uri="{FF2B5EF4-FFF2-40B4-BE49-F238E27FC236}">
+                <a16:creationId xmlns:a16="http://schemas.microsoft.com/office/drawing/2014/main" id="{2EBDE60C-B3C7-8BCA-38EB-2B2EE296631D}"/>
+              </a:ext>
+            </a:extLst>
+          </p:cNvPr>
+          <p:cNvSpPr txBox="1"/>
           <p:nvPr/>
         </p:nvSpPr>
         <p:spPr>
           <a:xfrm>
-            <a:off x="6017942" y="1940120"/>
-            <a:ext cx="5422861" cy="4525343"/>
-          </a:xfrm>
-          <a:prstGeom prst="rect">
-            <a:avLst/>
-          </a:prstGeom>
-          <a:ln/>
-        </p:spPr>
-        <p:style>
-          <a:lnRef idx="1">
-            <a:schemeClr val="accent4"/>
-          </a:lnRef>
-          <a:fillRef idx="2">
-            <a:schemeClr val="accent4"/>
-          </a:fillRef>
-          <a:effectRef idx="1">
-            <a:schemeClr val="accent4"/>
-          </a:effectRef>
-          <a:fontRef idx="minor">
-            <a:schemeClr val="dk1"/>
-          </a:fontRef>
-        </p:style>
-        <p:txBody>
-          <a:bodyPr wrap="none" rtlCol="0" anchor="ctr" anchorCtr="1"/>
-          <a:lstStyle/>
-          <a:p>
-            <a:endParaRPr lang="en-US" dirty="0">
-              <a:solidFill>
-                <a:srgbClr val="000000"/>
-              </a:solidFill>
-            </a:endParaRPr>
-          </a:p>
-        </p:txBody>
-      </p:sp>
-      <p:sp>
-        <p:nvSpPr>
-          <p:cNvPr id="35" name="テキスト ボックス 34">
-            <a:extLst>
-              <a:ext uri="{FF2B5EF4-FFF2-40B4-BE49-F238E27FC236}">
-                <a16:creationId xmlns:a16="http://schemas.microsoft.com/office/drawing/2014/main" id="{1AFFE9F5-AE2D-EBB6-D84B-C52DD42E357B}"/>
-              </a:ext>
-            </a:extLst>
-          </p:cNvPr>
-          <p:cNvSpPr txBox="1"/>
-          <p:nvPr/>
-        </p:nvSpPr>
-        <p:spPr>
-          <a:xfrm>
-            <a:off x="6017942" y="1947939"/>
-            <a:ext cx="1143003" cy="369332"/>
+            <a:off x="1388800" y="4331597"/>
+            <a:ext cx="2491723" cy="276999"/>
           </a:xfrm>
           <a:prstGeom prst="rect">
             <a:avLst/>
@@ -6399,29 +6462,38 @@
           <a:bodyPr wrap="square" rtlCol="0">
             <a:spAutoFit/>
           </a:bodyPr>
-          <a:lstStyle>
-            <a:defPPr>
-              <a:defRPr lang="ja-JP"/>
-            </a:defPPr>
-            <a:lvl1pPr>
-              <a:defRPr/>
-            </a:lvl1pPr>
-          </a:lstStyle>
-          <a:p>
-            <a:r>
-              <a:rPr lang="en-US" altLang="ja-JP" dirty="0"/>
-              <a:t>Python</a:t>
-            </a:r>
-            <a:endParaRPr lang="ja-JP" altLang="en-US" dirty="0"/>
-          </a:p>
-        </p:txBody>
-      </p:sp>
-      <p:sp>
-        <p:nvSpPr>
-          <p:cNvPr id="40" name="矩形 19">
-            <a:extLst>
-              <a:ext uri="{FF2B5EF4-FFF2-40B4-BE49-F238E27FC236}">
-                <a16:creationId xmlns:a16="http://schemas.microsoft.com/office/drawing/2014/main" id="{AE3EDBDD-CC31-46D4-A001-B6C397E7D5A7}"/>
+          <a:lstStyle/>
+          <a:p>
+            <a:r>
+              <a:rPr kumimoji="1" lang="en-US" altLang="ja-JP" sz="1200" dirty="0">
+                <a:solidFill>
+                  <a:schemeClr val="tx2"/>
+                </a:solidFill>
+              </a:rPr>
+              <a:t>Localhost:11434</a:t>
+            </a:r>
+            <a:r>
+              <a:rPr lang="ja-JP" altLang="en-US" sz="1200" dirty="0">
+                <a:solidFill>
+                  <a:schemeClr val="tx2"/>
+                </a:solidFill>
+              </a:rPr>
+              <a:t>で起動</a:t>
+            </a:r>
+            <a:endParaRPr kumimoji="1" lang="ja-JP" altLang="en-US" sz="1200" dirty="0">
+              <a:solidFill>
+                <a:schemeClr val="tx2"/>
+              </a:solidFill>
+            </a:endParaRPr>
+          </a:p>
+        </p:txBody>
+      </p:sp>
+      <p:sp>
+        <p:nvSpPr>
+          <p:cNvPr id="72" name="矩形 19">
+            <a:extLst>
+              <a:ext uri="{FF2B5EF4-FFF2-40B4-BE49-F238E27FC236}">
+                <a16:creationId xmlns:a16="http://schemas.microsoft.com/office/drawing/2014/main" id="{741FC192-317D-477E-05E4-6AE0AEEE4091}"/>
               </a:ext>
             </a:extLst>
           </p:cNvPr>
@@ -6430,56 +6502,8 @@
         </p:nvSpPr>
         <p:spPr>
           <a:xfrm>
-            <a:off x="6151471" y="4194205"/>
-            <a:ext cx="3734072" cy="2168841"/>
-          </a:xfrm>
-          <a:prstGeom prst="rect">
-            <a:avLst/>
-          </a:prstGeom>
-          <a:ln/>
-        </p:spPr>
-        <p:style>
-          <a:lnRef idx="1">
-            <a:schemeClr val="accent6"/>
-          </a:lnRef>
-          <a:fillRef idx="2">
-            <a:schemeClr val="accent6"/>
-          </a:fillRef>
-          <a:effectRef idx="1">
-            <a:schemeClr val="accent6"/>
-          </a:effectRef>
-          <a:fontRef idx="minor">
-            <a:schemeClr val="dk1"/>
-          </a:fontRef>
-        </p:style>
-        <p:txBody>
-          <a:bodyPr wrap="none" rtlCol="0" anchor="ctr" anchorCtr="1"/>
-          <a:lstStyle/>
-          <a:p>
-            <a:endParaRPr lang="en-US" dirty="0">
-              <a:solidFill>
-                <a:srgbClr val="000000"/>
-              </a:solidFill>
-            </a:endParaRPr>
-          </a:p>
-        </p:txBody>
-      </p:sp>
-      <p:sp>
-        <p:nvSpPr>
-          <p:cNvPr id="37" name="矩形 19">
-            <a:extLst>
-              <a:ext uri="{FF2B5EF4-FFF2-40B4-BE49-F238E27FC236}">
-                <a16:creationId xmlns:a16="http://schemas.microsoft.com/office/drawing/2014/main" id="{D1058EA4-8932-1FDF-0C0E-3BD94FD33D65}"/>
-              </a:ext>
-            </a:extLst>
-          </p:cNvPr>
-          <p:cNvSpPr/>
-          <p:nvPr/>
-        </p:nvSpPr>
-        <p:spPr>
-          <a:xfrm>
-            <a:off x="6228541" y="5242378"/>
-            <a:ext cx="1257204" cy="927513"/>
+            <a:off x="10222472" y="6072512"/>
+            <a:ext cx="1038968" cy="328608"/>
           </a:xfrm>
           <a:prstGeom prst="rect">
             <a:avLst/>
@@ -6505,12 +6529,12 @@
           <a:lstStyle/>
           <a:p>
             <a:r>
-              <a:rPr lang="en-US" dirty="0" err="1">
+              <a:rPr lang="en-US" sz="1200" dirty="0" err="1">
                 <a:solidFill>
                   <a:srgbClr val="000000"/>
                 </a:solidFill>
               </a:rPr>
-              <a:t>Ollama</a:t>
+              <a:t>pypdf</a:t>
             </a:r>
             <a:endParaRPr lang="en-US" sz="1200" dirty="0">
               <a:solidFill>
@@ -6518,42 +6542,14 @@
               </a:solidFill>
             </a:endParaRPr>
           </a:p>
-          <a:p>
-            <a:pPr marL="285750" indent="-285750">
-              <a:buFontTx/>
-              <a:buChar char="-"/>
-            </a:pPr>
-            <a:r>
-              <a:rPr lang="en-US" sz="1200" dirty="0">
-                <a:solidFill>
-                  <a:srgbClr val="000000"/>
-                </a:solidFill>
-              </a:rPr>
-              <a:t>LLM</a:t>
-            </a:r>
-          </a:p>
-          <a:p>
-            <a:pPr marL="285750" indent="-285750">
-              <a:buFontTx/>
-              <a:buChar char="-"/>
-            </a:pPr>
-            <a:r>
-              <a:rPr lang="en-US" sz="1200" dirty="0">
-                <a:solidFill>
-                  <a:srgbClr val="000000"/>
-                </a:solidFill>
-              </a:rPr>
-              <a:t>Embedding</a:t>
-            </a:r>
-          </a:p>
-        </p:txBody>
-      </p:sp>
-      <p:sp>
-        <p:nvSpPr>
-          <p:cNvPr id="38" name="矩形 19">
-            <a:extLst>
-              <a:ext uri="{FF2B5EF4-FFF2-40B4-BE49-F238E27FC236}">
-                <a16:creationId xmlns:a16="http://schemas.microsoft.com/office/drawing/2014/main" id="{1A3E6AA3-18D3-7A9B-F0B1-B7633BF22430}"/>
+        </p:txBody>
+      </p:sp>
+      <p:sp>
+        <p:nvSpPr>
+          <p:cNvPr id="83" name="矩形 19">
+            <a:extLst>
+              <a:ext uri="{FF2B5EF4-FFF2-40B4-BE49-F238E27FC236}">
+                <a16:creationId xmlns:a16="http://schemas.microsoft.com/office/drawing/2014/main" id="{CCD52B30-82F7-87C0-989A-283F3DA60F6E}"/>
               </a:ext>
             </a:extLst>
           </p:cNvPr>
@@ -6562,526 +6558,8 @@
         </p:nvSpPr>
         <p:spPr>
           <a:xfrm>
-            <a:off x="7530388" y="5639680"/>
-            <a:ext cx="997777" cy="464048"/>
-          </a:xfrm>
-          <a:prstGeom prst="rect">
-            <a:avLst/>
-          </a:prstGeom>
-          <a:ln/>
-        </p:spPr>
-        <p:style>
-          <a:lnRef idx="1">
-            <a:schemeClr val="accent6"/>
-          </a:lnRef>
-          <a:fillRef idx="3">
-            <a:schemeClr val="accent6"/>
-          </a:fillRef>
-          <a:effectRef idx="2">
-            <a:schemeClr val="accent6"/>
-          </a:effectRef>
-          <a:fontRef idx="minor">
-            <a:schemeClr val="lt1"/>
-          </a:fontRef>
-        </p:style>
-        <p:txBody>
-          <a:bodyPr wrap="none" rtlCol="0" anchor="ctr" anchorCtr="1"/>
-          <a:lstStyle/>
-          <a:p>
-            <a:r>
-              <a:rPr lang="en-US" dirty="0">
-                <a:solidFill>
-                  <a:srgbClr val="000000"/>
-                </a:solidFill>
-              </a:rPr>
-              <a:t>chroma</a:t>
-            </a:r>
-          </a:p>
-        </p:txBody>
-      </p:sp>
-      <p:sp>
-        <p:nvSpPr>
-          <p:cNvPr id="39" name="矩形 19">
-            <a:extLst>
-              <a:ext uri="{FF2B5EF4-FFF2-40B4-BE49-F238E27FC236}">
-                <a16:creationId xmlns:a16="http://schemas.microsoft.com/office/drawing/2014/main" id="{8A7149DE-6BB3-5177-C779-82DBB0881054}"/>
-              </a:ext>
-            </a:extLst>
-          </p:cNvPr>
-          <p:cNvSpPr/>
-          <p:nvPr/>
-        </p:nvSpPr>
-        <p:spPr>
-          <a:xfrm>
-            <a:off x="8607694" y="4332173"/>
-            <a:ext cx="1230845" cy="555901"/>
-          </a:xfrm>
-          <a:prstGeom prst="rect">
-            <a:avLst/>
-          </a:prstGeom>
-          <a:ln/>
-        </p:spPr>
-        <p:style>
-          <a:lnRef idx="1">
-            <a:schemeClr val="accent6"/>
-          </a:lnRef>
-          <a:fillRef idx="3">
-            <a:schemeClr val="accent6"/>
-          </a:fillRef>
-          <a:effectRef idx="2">
-            <a:schemeClr val="accent6"/>
-          </a:effectRef>
-          <a:fontRef idx="minor">
-            <a:schemeClr val="lt1"/>
-          </a:fontRef>
-        </p:style>
-        <p:txBody>
-          <a:bodyPr wrap="none" rtlCol="0" anchor="ctr" anchorCtr="1"/>
-          <a:lstStyle/>
-          <a:p>
-            <a:r>
-              <a:rPr lang="en-US" dirty="0">
-                <a:solidFill>
-                  <a:srgbClr val="000000"/>
-                </a:solidFill>
-              </a:rPr>
-              <a:t>community</a:t>
-            </a:r>
-          </a:p>
-        </p:txBody>
-      </p:sp>
-      <p:sp>
-        <p:nvSpPr>
-          <p:cNvPr id="41" name="テキスト ボックス 40">
-            <a:extLst>
-              <a:ext uri="{FF2B5EF4-FFF2-40B4-BE49-F238E27FC236}">
-                <a16:creationId xmlns:a16="http://schemas.microsoft.com/office/drawing/2014/main" id="{78EB841D-7EEE-856E-2816-A546A25A6747}"/>
-              </a:ext>
-            </a:extLst>
-          </p:cNvPr>
-          <p:cNvSpPr txBox="1"/>
-          <p:nvPr/>
-        </p:nvSpPr>
-        <p:spPr>
-          <a:xfrm>
-            <a:off x="6131558" y="4210567"/>
-            <a:ext cx="1647074" cy="369332"/>
-          </a:xfrm>
-          <a:prstGeom prst="rect">
-            <a:avLst/>
-          </a:prstGeom>
-          <a:noFill/>
-        </p:spPr>
-        <p:txBody>
-          <a:bodyPr wrap="square" rtlCol="0">
-            <a:spAutoFit/>
-          </a:bodyPr>
-          <a:lstStyle>
-            <a:defPPr>
-              <a:defRPr lang="ja-JP"/>
-            </a:defPPr>
-            <a:lvl1pPr>
-              <a:defRPr/>
-            </a:lvl1pPr>
-          </a:lstStyle>
-          <a:p>
-            <a:r>
-              <a:rPr lang="en-US" altLang="ja-JP" dirty="0" err="1"/>
-              <a:t>LangChain</a:t>
-            </a:r>
-            <a:endParaRPr lang="ja-JP" altLang="en-US" dirty="0"/>
-          </a:p>
-        </p:txBody>
-      </p:sp>
-      <p:sp>
-        <p:nvSpPr>
-          <p:cNvPr id="42" name="矩形 19">
-            <a:extLst>
-              <a:ext uri="{FF2B5EF4-FFF2-40B4-BE49-F238E27FC236}">
-                <a16:creationId xmlns:a16="http://schemas.microsoft.com/office/drawing/2014/main" id="{25617D89-2A2A-DD7D-7316-1D4B0FFFD10C}"/>
-              </a:ext>
-            </a:extLst>
-          </p:cNvPr>
-          <p:cNvSpPr/>
-          <p:nvPr/>
-        </p:nvSpPr>
-        <p:spPr>
-          <a:xfrm>
-            <a:off x="9972546" y="5851813"/>
-            <a:ext cx="1297216" cy="464048"/>
-          </a:xfrm>
-          <a:prstGeom prst="rect">
-            <a:avLst/>
-          </a:prstGeom>
-          <a:ln/>
-        </p:spPr>
-        <p:style>
-          <a:lnRef idx="1">
-            <a:schemeClr val="accent6"/>
-          </a:lnRef>
-          <a:fillRef idx="3">
-            <a:schemeClr val="accent6"/>
-          </a:fillRef>
-          <a:effectRef idx="2">
-            <a:schemeClr val="accent6"/>
-          </a:effectRef>
-          <a:fontRef idx="minor">
-            <a:schemeClr val="lt1"/>
-          </a:fontRef>
-        </p:style>
-        <p:txBody>
-          <a:bodyPr wrap="none" rtlCol="0" anchor="ctr" anchorCtr="1"/>
-          <a:lstStyle/>
-          <a:p>
-            <a:r>
-              <a:rPr lang="en-US" dirty="0" err="1">
-                <a:solidFill>
-                  <a:srgbClr val="000000"/>
-                </a:solidFill>
-              </a:rPr>
-              <a:t>chromadb</a:t>
-            </a:r>
-            <a:endParaRPr lang="en-US" dirty="0">
-              <a:solidFill>
-                <a:srgbClr val="000000"/>
-              </a:solidFill>
-            </a:endParaRPr>
-          </a:p>
-        </p:txBody>
-      </p:sp>
-      <p:pic>
-        <p:nvPicPr>
-          <p:cNvPr id="45" name="グラフィックス 44" descr="男性 単色塗りつぶし">
-            <a:extLst>
-              <a:ext uri="{FF2B5EF4-FFF2-40B4-BE49-F238E27FC236}">
-                <a16:creationId xmlns:a16="http://schemas.microsoft.com/office/drawing/2014/main" id="{59F021CE-0421-4999-5D7E-4689EC7A3063}"/>
-              </a:ext>
-            </a:extLst>
-          </p:cNvPr>
-          <p:cNvPicPr>
-            <a:picLocks noChangeAspect="1"/>
-          </p:cNvPicPr>
-          <p:nvPr/>
-        </p:nvPicPr>
-        <p:blipFill>
-          <a:blip r:embed="rId2">
-            <a:extLst>
-              <a:ext uri="{96DAC541-7B7A-43D3-8B79-37D633B846F1}">
-                <asvg:svgBlip xmlns:asvg="http://schemas.microsoft.com/office/drawing/2016/SVG/main" r:embed="rId3"/>
-              </a:ext>
-            </a:extLst>
-          </a:blip>
-          <a:stretch>
-            <a:fillRect/>
-          </a:stretch>
-        </p:blipFill>
-        <p:spPr>
-          <a:xfrm>
-            <a:off x="3944843" y="1862564"/>
-            <a:ext cx="914400" cy="914400"/>
-          </a:xfrm>
-          <a:prstGeom prst="rect">
-            <a:avLst/>
-          </a:prstGeom>
-        </p:spPr>
-      </p:pic>
-      <p:cxnSp>
-        <p:nvCxnSpPr>
-          <p:cNvPr id="48" name="直線矢印コネクタ 47">
-            <a:extLst>
-              <a:ext uri="{FF2B5EF4-FFF2-40B4-BE49-F238E27FC236}">
-                <a16:creationId xmlns:a16="http://schemas.microsoft.com/office/drawing/2014/main" id="{69393153-AEE1-5B4A-D68A-93D1FD0AFD62}"/>
-              </a:ext>
-            </a:extLst>
-          </p:cNvPr>
-          <p:cNvCxnSpPr>
-            <a:cxnSpLocks/>
-            <a:stCxn id="45" idx="2"/>
-            <a:endCxn id="27" idx="0"/>
-          </p:cNvCxnSpPr>
-          <p:nvPr/>
-        </p:nvCxnSpPr>
-        <p:spPr>
-          <a:xfrm>
-            <a:off x="4402043" y="2776964"/>
-            <a:ext cx="0" cy="1270649"/>
-          </a:xfrm>
-          <a:prstGeom prst="straightConnector1">
-            <a:avLst/>
-          </a:prstGeom>
-          <a:ln>
-            <a:solidFill>
-              <a:schemeClr val="accent5"/>
-            </a:solidFill>
-            <a:tailEnd type="triangle"/>
-          </a:ln>
-        </p:spPr>
-        <p:style>
-          <a:lnRef idx="2">
-            <a:schemeClr val="accent2"/>
-          </a:lnRef>
-          <a:fillRef idx="0">
-            <a:schemeClr val="accent2"/>
-          </a:fillRef>
-          <a:effectRef idx="1">
-            <a:schemeClr val="accent2"/>
-          </a:effectRef>
-          <a:fontRef idx="minor">
-            <a:schemeClr val="tx1"/>
-          </a:fontRef>
-        </p:style>
-      </p:cxnSp>
-      <p:cxnSp>
-        <p:nvCxnSpPr>
-          <p:cNvPr id="50" name="直線矢印コネクタ 49">
-            <a:extLst>
-              <a:ext uri="{FF2B5EF4-FFF2-40B4-BE49-F238E27FC236}">
-                <a16:creationId xmlns:a16="http://schemas.microsoft.com/office/drawing/2014/main" id="{CFA5960C-E2FD-D6EE-A74A-8EFFBF3FA20C}"/>
-              </a:ext>
-            </a:extLst>
-          </p:cNvPr>
-          <p:cNvCxnSpPr>
-            <a:cxnSpLocks/>
-          </p:cNvCxnSpPr>
-          <p:nvPr/>
-        </p:nvCxnSpPr>
-        <p:spPr>
-          <a:xfrm>
-            <a:off x="4402043" y="4572811"/>
-            <a:ext cx="0" cy="492992"/>
-          </a:xfrm>
-          <a:prstGeom prst="straightConnector1">
-            <a:avLst/>
-          </a:prstGeom>
-          <a:ln>
-            <a:tailEnd type="triangle"/>
-          </a:ln>
-        </p:spPr>
-        <p:style>
-          <a:lnRef idx="2">
-            <a:schemeClr val="accent1"/>
-          </a:lnRef>
-          <a:fillRef idx="0">
-            <a:schemeClr val="accent1"/>
-          </a:fillRef>
-          <a:effectRef idx="1">
-            <a:schemeClr val="accent1"/>
-          </a:effectRef>
-          <a:fontRef idx="minor">
-            <a:schemeClr val="tx1"/>
-          </a:fontRef>
-        </p:style>
-      </p:cxnSp>
-      <p:sp>
-        <p:nvSpPr>
-          <p:cNvPr id="53" name="テキスト ボックス 52">
-            <a:extLst>
-              <a:ext uri="{FF2B5EF4-FFF2-40B4-BE49-F238E27FC236}">
-                <a16:creationId xmlns:a16="http://schemas.microsoft.com/office/drawing/2014/main" id="{2EBDE60C-B3C7-8BCA-38EB-2B2EE296631D}"/>
-              </a:ext>
-            </a:extLst>
-          </p:cNvPr>
-          <p:cNvSpPr txBox="1"/>
-          <p:nvPr/>
-        </p:nvSpPr>
-        <p:spPr>
-          <a:xfrm>
-            <a:off x="2004870" y="4794937"/>
-            <a:ext cx="2491723" cy="276999"/>
-          </a:xfrm>
-          <a:prstGeom prst="rect">
-            <a:avLst/>
-          </a:prstGeom>
-          <a:noFill/>
-        </p:spPr>
-        <p:txBody>
-          <a:bodyPr wrap="square" rtlCol="0">
-            <a:spAutoFit/>
-          </a:bodyPr>
-          <a:lstStyle/>
-          <a:p>
-            <a:r>
-              <a:rPr kumimoji="1" lang="en-US" altLang="ja-JP" sz="1200" dirty="0">
-                <a:solidFill>
-                  <a:schemeClr val="tx2"/>
-                </a:solidFill>
-              </a:rPr>
-              <a:t>Localhost:11434</a:t>
-            </a:r>
-            <a:r>
-              <a:rPr lang="ja-JP" altLang="en-US" sz="1200" dirty="0">
-                <a:solidFill>
-                  <a:schemeClr val="tx2"/>
-                </a:solidFill>
-              </a:rPr>
-              <a:t>でサーバが起動</a:t>
-            </a:r>
-            <a:endParaRPr kumimoji="1" lang="ja-JP" altLang="en-US" sz="1200" dirty="0">
-              <a:solidFill>
-                <a:schemeClr val="tx2"/>
-              </a:solidFill>
-            </a:endParaRPr>
-          </a:p>
-        </p:txBody>
-      </p:sp>
-      <p:cxnSp>
-        <p:nvCxnSpPr>
-          <p:cNvPr id="61" name="直線矢印コネクタ 60">
-            <a:extLst>
-              <a:ext uri="{FF2B5EF4-FFF2-40B4-BE49-F238E27FC236}">
-                <a16:creationId xmlns:a16="http://schemas.microsoft.com/office/drawing/2014/main" id="{97380F3F-B4EC-2F06-9E3A-119161B80E1D}"/>
-              </a:ext>
-            </a:extLst>
-          </p:cNvPr>
-          <p:cNvCxnSpPr>
-            <a:cxnSpLocks/>
-            <a:stCxn id="39" idx="3"/>
-            <a:endCxn id="72" idx="1"/>
-          </p:cNvCxnSpPr>
-          <p:nvPr/>
-        </p:nvCxnSpPr>
-        <p:spPr>
-          <a:xfrm flipV="1">
-            <a:off x="9838539" y="4594176"/>
-            <a:ext cx="199466" cy="15948"/>
-          </a:xfrm>
-          <a:prstGeom prst="straightConnector1">
-            <a:avLst/>
-          </a:prstGeom>
-          <a:ln>
-            <a:tailEnd type="triangle"/>
-          </a:ln>
-        </p:spPr>
-        <p:style>
-          <a:lnRef idx="2">
-            <a:schemeClr val="accent1"/>
-          </a:lnRef>
-          <a:fillRef idx="0">
-            <a:schemeClr val="accent1"/>
-          </a:fillRef>
-          <a:effectRef idx="1">
-            <a:schemeClr val="accent1"/>
-          </a:effectRef>
-          <a:fontRef idx="minor">
-            <a:schemeClr val="tx1"/>
-          </a:fontRef>
-        </p:style>
-      </p:cxnSp>
-      <p:cxnSp>
-        <p:nvCxnSpPr>
-          <p:cNvPr id="64" name="直線矢印コネクタ 63">
-            <a:extLst>
-              <a:ext uri="{FF2B5EF4-FFF2-40B4-BE49-F238E27FC236}">
-                <a16:creationId xmlns:a16="http://schemas.microsoft.com/office/drawing/2014/main" id="{7A976978-6192-9393-1108-B2E4A3E176A2}"/>
-              </a:ext>
-            </a:extLst>
-          </p:cNvPr>
-          <p:cNvCxnSpPr>
-            <a:cxnSpLocks/>
-            <a:stCxn id="38" idx="3"/>
-            <a:endCxn id="42" idx="1"/>
-          </p:cNvCxnSpPr>
-          <p:nvPr/>
-        </p:nvCxnSpPr>
-        <p:spPr>
-          <a:xfrm>
-            <a:off x="8528165" y="5871704"/>
-            <a:ext cx="1444381" cy="212133"/>
-          </a:xfrm>
-          <a:prstGeom prst="straightConnector1">
-            <a:avLst/>
-          </a:prstGeom>
-          <a:ln>
-            <a:tailEnd type="triangle"/>
-          </a:ln>
-        </p:spPr>
-        <p:style>
-          <a:lnRef idx="2">
-            <a:schemeClr val="accent1"/>
-          </a:lnRef>
-          <a:fillRef idx="0">
-            <a:schemeClr val="accent1"/>
-          </a:fillRef>
-          <a:effectRef idx="1">
-            <a:schemeClr val="accent1"/>
-          </a:effectRef>
-          <a:fontRef idx="minor">
-            <a:schemeClr val="tx1"/>
-          </a:fontRef>
-        </p:style>
-      </p:cxnSp>
-      <p:sp>
-        <p:nvSpPr>
-          <p:cNvPr id="72" name="矩形 19">
-            <a:extLst>
-              <a:ext uri="{FF2B5EF4-FFF2-40B4-BE49-F238E27FC236}">
-                <a16:creationId xmlns:a16="http://schemas.microsoft.com/office/drawing/2014/main" id="{741FC192-317D-477E-05E4-6AE0AEEE4091}"/>
-              </a:ext>
-            </a:extLst>
-          </p:cNvPr>
-          <p:cNvSpPr/>
-          <p:nvPr/>
-        </p:nvSpPr>
-        <p:spPr>
-          <a:xfrm>
-            <a:off x="10038005" y="4362152"/>
-            <a:ext cx="1297216" cy="464048"/>
-          </a:xfrm>
-          <a:prstGeom prst="rect">
-            <a:avLst/>
-          </a:prstGeom>
-          <a:ln/>
-        </p:spPr>
-        <p:style>
-          <a:lnRef idx="1">
-            <a:schemeClr val="accent6"/>
-          </a:lnRef>
-          <a:fillRef idx="3">
-            <a:schemeClr val="accent6"/>
-          </a:fillRef>
-          <a:effectRef idx="2">
-            <a:schemeClr val="accent6"/>
-          </a:effectRef>
-          <a:fontRef idx="minor">
-            <a:schemeClr val="lt1"/>
-          </a:fontRef>
-        </p:style>
-        <p:txBody>
-          <a:bodyPr wrap="none" rtlCol="0" anchor="ctr" anchorCtr="1"/>
-          <a:lstStyle/>
-          <a:p>
-            <a:r>
-              <a:rPr lang="en-US" dirty="0" err="1">
-                <a:solidFill>
-                  <a:srgbClr val="000000"/>
-                </a:solidFill>
-              </a:rPr>
-              <a:t>pypdf</a:t>
-            </a:r>
-            <a:endParaRPr lang="en-US" dirty="0">
-              <a:solidFill>
-                <a:srgbClr val="000000"/>
-              </a:solidFill>
-            </a:endParaRPr>
-          </a:p>
-        </p:txBody>
-      </p:sp>
-      <p:sp>
-        <p:nvSpPr>
-          <p:cNvPr id="83" name="矩形 19">
-            <a:extLst>
-              <a:ext uri="{FF2B5EF4-FFF2-40B4-BE49-F238E27FC236}">
-                <a16:creationId xmlns:a16="http://schemas.microsoft.com/office/drawing/2014/main" id="{CCD52B30-82F7-87C0-989A-283F3DA60F6E}"/>
-              </a:ext>
-            </a:extLst>
-          </p:cNvPr>
-          <p:cNvSpPr/>
-          <p:nvPr/>
-        </p:nvSpPr>
-        <p:spPr>
-          <a:xfrm>
-            <a:off x="6151470" y="2234436"/>
-            <a:ext cx="5091610" cy="1787093"/>
+            <a:off x="6059110" y="2234437"/>
+            <a:ext cx="5218534" cy="1368388"/>
           </a:xfrm>
           <a:prstGeom prst="rect">
             <a:avLst/>
@@ -7128,7 +6606,7 @@
         </p:nvSpPr>
         <p:spPr>
           <a:xfrm>
-            <a:off x="6375283" y="2757509"/>
+            <a:off x="6282923" y="2757509"/>
             <a:ext cx="4126578" cy="605273"/>
           </a:xfrm>
           <a:prstGeom prst="rect">
@@ -7138,13 +6616,13 @@
         </p:spPr>
         <p:style>
           <a:lnRef idx="1">
-            <a:schemeClr val="accent5"/>
+            <a:schemeClr val="accent2"/>
           </a:lnRef>
           <a:fillRef idx="3">
-            <a:schemeClr val="accent5"/>
+            <a:schemeClr val="accent2"/>
           </a:fillRef>
           <a:effectRef idx="2">
-            <a:schemeClr val="accent5"/>
+            <a:schemeClr val="accent2"/>
           </a:effectRef>
           <a:fontRef idx="minor">
             <a:schemeClr val="lt1"/>
@@ -7224,35 +6702,10 @@
             <a:r>
               <a:rPr lang="en-US" altLang="ja-JP" dirty="0">
                 <a:solidFill>
-                  <a:schemeClr val="tx1">
-                    <a:lumMod val="75000"/>
-                    <a:lumOff val="25000"/>
-                  </a:schemeClr>
+                  <a:schemeClr val="tx1"/>
                 </a:solidFill>
               </a:rPr>
-              <a:t>gemma2_rag_test(</a:t>
-            </a:r>
-            <a:r>
-              <a:rPr lang="ja-JP" altLang="en-US" dirty="0">
-                <a:solidFill>
-                  <a:schemeClr val="tx1">
-                    <a:lumMod val="75000"/>
-                    <a:lumOff val="25000"/>
-                  </a:schemeClr>
-                </a:solidFill>
-              </a:rPr>
-              <a:t>調査中</a:t>
-            </a:r>
-            <a:r>
-              <a:rPr lang="en-US" altLang="ja-JP" dirty="0">
-                <a:solidFill>
-                  <a:schemeClr val="tx1">
-                    <a:lumMod val="75000"/>
-                    <a:lumOff val="25000"/>
-                  </a:schemeClr>
-                </a:solidFill>
-              </a:rPr>
-              <a:t>)</a:t>
+              <a:t>gemma2_qdrant_rag_test</a:t>
             </a:r>
           </a:p>
         </p:txBody>
@@ -7268,15 +6721,15 @@
           </p:cNvPr>
           <p:cNvCxnSpPr>
             <a:cxnSpLocks/>
-            <a:stCxn id="37" idx="1"/>
-            <a:endCxn id="30" idx="3"/>
+            <a:stCxn id="90" idx="1"/>
+            <a:endCxn id="43" idx="3"/>
           </p:cNvCxnSpPr>
           <p:nvPr/>
         </p:nvCxnSpPr>
         <p:spPr>
           <a:xfrm flipH="1" flipV="1">
-            <a:off x="5450603" y="5704323"/>
-            <a:ext cx="777938" cy="1812"/>
+            <a:off x="5614303" y="4791820"/>
+            <a:ext cx="467633" cy="20695"/>
           </a:xfrm>
           <a:prstGeom prst="straightConnector1">
             <a:avLst/>
@@ -7302,232 +6755,67 @@
       </p:cxnSp>
       <p:cxnSp>
         <p:nvCxnSpPr>
-          <p:cNvPr id="127" name="直線矢印コネクタ 126">
-            <a:extLst>
-              <a:ext uri="{FF2B5EF4-FFF2-40B4-BE49-F238E27FC236}">
-                <a16:creationId xmlns:a16="http://schemas.microsoft.com/office/drawing/2014/main" id="{9EC78F66-EF39-54B3-AB98-E84927268771}"/>
+          <p:cNvPr id="182" name="直線矢印コネクタ 181">
+            <a:extLst>
+              <a:ext uri="{FF2B5EF4-FFF2-40B4-BE49-F238E27FC236}">
+                <a16:creationId xmlns:a16="http://schemas.microsoft.com/office/drawing/2014/main" id="{82CC0E9E-8ADB-EC6E-7027-6781BBB288FA}"/>
               </a:ext>
             </a:extLst>
           </p:cNvPr>
           <p:cNvCxnSpPr>
             <a:cxnSpLocks/>
+            <a:endCxn id="77" idx="1"/>
           </p:cNvCxnSpPr>
           <p:nvPr/>
         </p:nvCxnSpPr>
         <p:spPr>
-          <a:xfrm flipH="1">
-            <a:off x="6777105" y="3377052"/>
-            <a:ext cx="956884" cy="1894914"/>
+          <a:xfrm>
+            <a:off x="1064389" y="2405620"/>
+            <a:ext cx="5218534" cy="654526"/>
           </a:xfrm>
           <a:prstGeom prst="straightConnector1">
             <a:avLst/>
           </a:prstGeom>
-          <a:ln>
-            <a:tailEnd type="triangle"/>
+          <a:ln w="19050" cap="flat" cmpd="sng" algn="ctr">
+            <a:solidFill>
+              <a:schemeClr val="accent2"/>
+            </a:solidFill>
+            <a:prstDash val="solid"/>
+            <a:round/>
+            <a:headEnd type="none" w="med" len="med"/>
+            <a:tailEnd type="arrow" w="med" len="med"/>
           </a:ln>
         </p:spPr>
         <p:style>
-          <a:lnRef idx="2">
-            <a:schemeClr val="accent1"/>
+          <a:lnRef idx="0">
+            <a:scrgbClr r="0" g="0" b="0"/>
           </a:lnRef>
           <a:fillRef idx="0">
-            <a:schemeClr val="accent1"/>
+            <a:scrgbClr r="0" g="0" b="0"/>
           </a:fillRef>
-          <a:effectRef idx="1">
-            <a:schemeClr val="accent1"/>
+          <a:effectRef idx="0">
+            <a:scrgbClr r="0" g="0" b="0"/>
           </a:effectRef>
           <a:fontRef idx="minor">
             <a:schemeClr val="tx1"/>
           </a:fontRef>
         </p:style>
       </p:cxnSp>
-      <p:cxnSp>
-        <p:nvCxnSpPr>
-          <p:cNvPr id="170" name="直線矢印コネクタ 169">
-            <a:extLst>
-              <a:ext uri="{FF2B5EF4-FFF2-40B4-BE49-F238E27FC236}">
-                <a16:creationId xmlns:a16="http://schemas.microsoft.com/office/drawing/2014/main" id="{04B8B0AB-0A41-F5D9-4C41-10446EE21735}"/>
-              </a:ext>
-            </a:extLst>
-          </p:cNvPr>
-          <p:cNvCxnSpPr>
-            <a:cxnSpLocks/>
-            <a:endCxn id="38" idx="0"/>
-          </p:cNvCxnSpPr>
+      <p:sp>
+        <p:nvSpPr>
+          <p:cNvPr id="185" name="テキスト ボックス 184">
+            <a:extLst>
+              <a:ext uri="{FF2B5EF4-FFF2-40B4-BE49-F238E27FC236}">
+                <a16:creationId xmlns:a16="http://schemas.microsoft.com/office/drawing/2014/main" id="{130A0482-3284-7713-A99C-40E52448C831}"/>
+              </a:ext>
+            </a:extLst>
+          </p:cNvPr>
+          <p:cNvSpPr txBox="1"/>
           <p:nvPr/>
-        </p:nvCxnSpPr>
-        <p:spPr>
-          <a:xfrm flipH="1">
-            <a:off x="8029277" y="3344333"/>
-            <a:ext cx="95249" cy="2295347"/>
-          </a:xfrm>
-          <a:prstGeom prst="straightConnector1">
-            <a:avLst/>
-          </a:prstGeom>
-          <a:ln>
-            <a:tailEnd type="triangle"/>
-          </a:ln>
-        </p:spPr>
-        <p:style>
-          <a:lnRef idx="2">
-            <a:schemeClr val="accent1"/>
-          </a:lnRef>
-          <a:fillRef idx="0">
-            <a:schemeClr val="accent1"/>
-          </a:fillRef>
-          <a:effectRef idx="1">
-            <a:schemeClr val="accent1"/>
-          </a:effectRef>
-          <a:fontRef idx="minor">
-            <a:schemeClr val="tx1"/>
-          </a:fontRef>
-        </p:style>
-      </p:cxnSp>
-      <p:cxnSp>
-        <p:nvCxnSpPr>
-          <p:cNvPr id="175" name="直線矢印コネクタ 174">
-            <a:extLst>
-              <a:ext uri="{FF2B5EF4-FFF2-40B4-BE49-F238E27FC236}">
-                <a16:creationId xmlns:a16="http://schemas.microsoft.com/office/drawing/2014/main" id="{152005CE-C530-4496-5760-AA3F6AA1AEE2}"/>
-              </a:ext>
-            </a:extLst>
-          </p:cNvPr>
-          <p:cNvCxnSpPr>
-            <a:cxnSpLocks/>
-            <a:endCxn id="39" idx="0"/>
-          </p:cNvCxnSpPr>
-          <p:nvPr/>
-        </p:nvCxnSpPr>
+        </p:nvSpPr>
         <p:spPr>
           <a:xfrm>
-            <a:off x="9223117" y="3362782"/>
-            <a:ext cx="0" cy="969391"/>
-          </a:xfrm>
-          <a:prstGeom prst="straightConnector1">
-            <a:avLst/>
-          </a:prstGeom>
-          <a:ln>
-            <a:tailEnd type="triangle"/>
-          </a:ln>
-        </p:spPr>
-        <p:style>
-          <a:lnRef idx="2">
-            <a:schemeClr val="accent1"/>
-          </a:lnRef>
-          <a:fillRef idx="0">
-            <a:schemeClr val="accent1"/>
-          </a:fillRef>
-          <a:effectRef idx="1">
-            <a:schemeClr val="accent1"/>
-          </a:effectRef>
-          <a:fontRef idx="minor">
-            <a:schemeClr val="tx1"/>
-          </a:fontRef>
-        </p:style>
-      </p:cxnSp>
-      <p:cxnSp>
-        <p:nvCxnSpPr>
-          <p:cNvPr id="179" name="直線矢印コネクタ 178">
-            <a:extLst>
-              <a:ext uri="{FF2B5EF4-FFF2-40B4-BE49-F238E27FC236}">
-                <a16:creationId xmlns:a16="http://schemas.microsoft.com/office/drawing/2014/main" id="{7A4A3A67-DD95-558D-CEE2-3908D3A834BF}"/>
-              </a:ext>
-            </a:extLst>
-          </p:cNvPr>
-          <p:cNvCxnSpPr>
-            <a:cxnSpLocks/>
-          </p:cNvCxnSpPr>
-          <p:nvPr/>
-        </p:nvCxnSpPr>
-        <p:spPr>
-          <a:xfrm>
-            <a:off x="4859243" y="2330844"/>
-            <a:ext cx="1525248" cy="458017"/>
-          </a:xfrm>
-          <a:prstGeom prst="straightConnector1">
-            <a:avLst/>
-          </a:prstGeom>
-          <a:ln>
-            <a:solidFill>
-              <a:schemeClr val="accent5"/>
-            </a:solidFill>
-            <a:tailEnd type="triangle"/>
-          </a:ln>
-        </p:spPr>
-        <p:style>
-          <a:lnRef idx="2">
-            <a:schemeClr val="accent2"/>
-          </a:lnRef>
-          <a:fillRef idx="0">
-            <a:schemeClr val="accent2"/>
-          </a:fillRef>
-          <a:effectRef idx="1">
-            <a:schemeClr val="accent2"/>
-          </a:effectRef>
-          <a:fontRef idx="minor">
-            <a:schemeClr val="tx1"/>
-          </a:fontRef>
-        </p:style>
-      </p:cxnSp>
-      <p:cxnSp>
-        <p:nvCxnSpPr>
-          <p:cNvPr id="182" name="直線矢印コネクタ 181">
-            <a:extLst>
-              <a:ext uri="{FF2B5EF4-FFF2-40B4-BE49-F238E27FC236}">
-                <a16:creationId xmlns:a16="http://schemas.microsoft.com/office/drawing/2014/main" id="{82CC0E9E-8ADB-EC6E-7027-6781BBB288FA}"/>
-              </a:ext>
-            </a:extLst>
-          </p:cNvPr>
-          <p:cNvCxnSpPr>
-            <a:cxnSpLocks/>
-          </p:cNvCxnSpPr>
-          <p:nvPr/>
-        </p:nvCxnSpPr>
-        <p:spPr>
-          <a:xfrm>
-            <a:off x="4843039" y="2322200"/>
-            <a:ext cx="3902258" cy="434238"/>
-          </a:xfrm>
-          <a:prstGeom prst="straightConnector1">
-            <a:avLst/>
-          </a:prstGeom>
-          <a:ln>
-            <a:solidFill>
-              <a:schemeClr val="accent5"/>
-            </a:solidFill>
-            <a:tailEnd type="triangle"/>
-          </a:ln>
-        </p:spPr>
-        <p:style>
-          <a:lnRef idx="2">
-            <a:schemeClr val="accent2"/>
-          </a:lnRef>
-          <a:fillRef idx="0">
-            <a:schemeClr val="accent2"/>
-          </a:fillRef>
-          <a:effectRef idx="1">
-            <a:schemeClr val="accent2"/>
-          </a:effectRef>
-          <a:fontRef idx="minor">
-            <a:schemeClr val="tx1"/>
-          </a:fontRef>
-        </p:style>
-      </p:cxnSp>
-      <p:sp>
-        <p:nvSpPr>
-          <p:cNvPr id="185" name="テキスト ボックス 184">
-            <a:extLst>
-              <a:ext uri="{FF2B5EF4-FFF2-40B4-BE49-F238E27FC236}">
-                <a16:creationId xmlns:a16="http://schemas.microsoft.com/office/drawing/2014/main" id="{130A0482-3284-7713-A99C-40E52448C831}"/>
-              </a:ext>
-            </a:extLst>
-          </p:cNvPr>
-          <p:cNvSpPr txBox="1"/>
-          <p:nvPr/>
-        </p:nvSpPr>
-        <p:spPr>
-          <a:xfrm>
-            <a:off x="8513297" y="2250743"/>
+            <a:off x="8420937" y="2250743"/>
             <a:ext cx="2911301" cy="369332"/>
           </a:xfrm>
           <a:prstGeom prst="rect">
@@ -7754,7 +7042,7 @@
             </a:pPr>
             <a:r>
               <a:rPr lang="ja-JP" altLang="en-US" dirty="0"/>
-              <a:t>・今回の説明に含まれる構成内容を図示します</a:t>
+              <a:t>・このサンプルの構成内容を図示します</a:t>
             </a:r>
             <a:endParaRPr lang="en-US" altLang="ja-JP" dirty="0"/>
           </a:p>
@@ -7762,10 +7050,10 @@
       </p:sp>
       <p:sp>
         <p:nvSpPr>
-          <p:cNvPr id="56" name="矩形 19">
-            <a:extLst>
-              <a:ext uri="{FF2B5EF4-FFF2-40B4-BE49-F238E27FC236}">
-                <a16:creationId xmlns:a16="http://schemas.microsoft.com/office/drawing/2014/main" id="{9D1CA7D5-E060-4B64-C6C5-A45B16671033}"/>
+          <p:cNvPr id="4" name="矩形 19">
+            <a:extLst>
+              <a:ext uri="{FF2B5EF4-FFF2-40B4-BE49-F238E27FC236}">
+                <a16:creationId xmlns:a16="http://schemas.microsoft.com/office/drawing/2014/main" id="{FDD6759A-FDF3-0423-6C85-705A1DA819A6}"/>
               </a:ext>
             </a:extLst>
           </p:cNvPr>
@@ -7774,8 +7062,169 @@
         </p:nvSpPr>
         <p:spPr>
           <a:xfrm>
-            <a:off x="8134483" y="4947313"/>
-            <a:ext cx="997776" cy="555901"/>
+            <a:off x="1731103" y="5786748"/>
+            <a:ext cx="1668159" cy="292329"/>
+          </a:xfrm>
+          <a:prstGeom prst="rect">
+            <a:avLst/>
+          </a:prstGeom>
+          <a:ln/>
+        </p:spPr>
+        <p:style>
+          <a:lnRef idx="1">
+            <a:schemeClr val="accent6"/>
+          </a:lnRef>
+          <a:fillRef idx="2">
+            <a:schemeClr val="accent6"/>
+          </a:fillRef>
+          <a:effectRef idx="1">
+            <a:schemeClr val="accent6"/>
+          </a:effectRef>
+          <a:fontRef idx="minor">
+            <a:schemeClr val="dk1"/>
+          </a:fontRef>
+        </p:style>
+        <p:txBody>
+          <a:bodyPr wrap="none" rtlCol="0" anchor="ctr" anchorCtr="1"/>
+          <a:lstStyle/>
+          <a:p>
+            <a:r>
+              <a:rPr lang="en-US" sz="1400" dirty="0">
+                <a:solidFill>
+                  <a:srgbClr val="000000"/>
+                </a:solidFill>
+              </a:rPr>
+              <a:t>nomic-embed-text</a:t>
+            </a:r>
+          </a:p>
+        </p:txBody>
+      </p:sp>
+      <p:sp>
+        <p:nvSpPr>
+          <p:cNvPr id="16" name="矩形 19">
+            <a:extLst>
+              <a:ext uri="{FF2B5EF4-FFF2-40B4-BE49-F238E27FC236}">
+                <a16:creationId xmlns:a16="http://schemas.microsoft.com/office/drawing/2014/main" id="{4CFF779C-D966-3395-3D59-FF37CC26F67D}"/>
+              </a:ext>
+            </a:extLst>
+          </p:cNvPr>
+          <p:cNvSpPr/>
+          <p:nvPr/>
+        </p:nvSpPr>
+        <p:spPr>
+          <a:xfrm>
+            <a:off x="3859942" y="3824580"/>
+            <a:ext cx="1867977" cy="1286672"/>
+          </a:xfrm>
+          <a:prstGeom prst="rect">
+            <a:avLst/>
+          </a:prstGeom>
+          <a:ln/>
+        </p:spPr>
+        <p:style>
+          <a:lnRef idx="1">
+            <a:schemeClr val="accent6"/>
+          </a:lnRef>
+          <a:fillRef idx="2">
+            <a:schemeClr val="accent6"/>
+          </a:fillRef>
+          <a:effectRef idx="1">
+            <a:schemeClr val="accent6"/>
+          </a:effectRef>
+          <a:fontRef idx="minor">
+            <a:schemeClr val="dk1"/>
+          </a:fontRef>
+        </p:style>
+        <p:txBody>
+          <a:bodyPr wrap="none" rtlCol="0" anchor="ctr" anchorCtr="1"/>
+          <a:lstStyle/>
+          <a:p>
+            <a:endParaRPr lang="en-US" dirty="0">
+              <a:solidFill>
+                <a:srgbClr val="000000"/>
+              </a:solidFill>
+            </a:endParaRPr>
+          </a:p>
+        </p:txBody>
+      </p:sp>
+      <p:sp>
+        <p:nvSpPr>
+          <p:cNvPr id="34" name="テキスト ボックス 33">
+            <a:extLst>
+              <a:ext uri="{FF2B5EF4-FFF2-40B4-BE49-F238E27FC236}">
+                <a16:creationId xmlns:a16="http://schemas.microsoft.com/office/drawing/2014/main" id="{ABC64249-DB21-5285-0422-CB73EAA74F2C}"/>
+              </a:ext>
+            </a:extLst>
+          </p:cNvPr>
+          <p:cNvSpPr txBox="1"/>
+          <p:nvPr/>
+        </p:nvSpPr>
+        <p:spPr>
+          <a:xfrm>
+            <a:off x="3836477" y="3803355"/>
+            <a:ext cx="1513186" cy="553998"/>
+          </a:xfrm>
+          <a:prstGeom prst="rect">
+            <a:avLst/>
+          </a:prstGeom>
+          <a:noFill/>
+        </p:spPr>
+        <p:txBody>
+          <a:bodyPr wrap="square" rtlCol="0">
+            <a:spAutoFit/>
+          </a:bodyPr>
+          <a:lstStyle/>
+          <a:p>
+            <a:r>
+              <a:rPr kumimoji="1" lang="en-US" altLang="ja-JP" dirty="0" err="1"/>
+              <a:t>qdrant</a:t>
+            </a:r>
+            <a:endParaRPr kumimoji="1" lang="en-US" altLang="ja-JP" dirty="0"/>
+          </a:p>
+          <a:p>
+            <a:r>
+              <a:rPr lang="en-US" altLang="ja-JP" sz="1200" dirty="0">
+                <a:solidFill>
+                  <a:schemeClr val="tx2"/>
+                </a:solidFill>
+              </a:rPr>
+              <a:t>※Doc</a:t>
+            </a:r>
+            <a:r>
+              <a:rPr kumimoji="1" lang="en-US" altLang="ja-JP" sz="1200" dirty="0">
+                <a:solidFill>
+                  <a:schemeClr val="tx2"/>
+                </a:solidFill>
+              </a:rPr>
+              <a:t>ker</a:t>
+            </a:r>
+            <a:r>
+              <a:rPr kumimoji="1" lang="ja-JP" altLang="en-US" sz="1200" dirty="0">
+                <a:solidFill>
+                  <a:schemeClr val="tx2"/>
+                </a:solidFill>
+              </a:rPr>
+              <a:t>コンテナ</a:t>
+            </a:r>
+          </a:p>
+        </p:txBody>
+      </p:sp>
+      <p:sp>
+        <p:nvSpPr>
+          <p:cNvPr id="43" name="矩形 19">
+            <a:extLst>
+              <a:ext uri="{FF2B5EF4-FFF2-40B4-BE49-F238E27FC236}">
+                <a16:creationId xmlns:a16="http://schemas.microsoft.com/office/drawing/2014/main" id="{C767A4BE-F066-D3F6-0A69-36E0CFD30D65}"/>
+              </a:ext>
+            </a:extLst>
+          </p:cNvPr>
+          <p:cNvSpPr/>
+          <p:nvPr/>
+        </p:nvSpPr>
+        <p:spPr>
+          <a:xfrm>
+            <a:off x="3973905" y="4579898"/>
+            <a:ext cx="1640398" cy="423843"/>
           </a:xfrm>
           <a:prstGeom prst="rect">
             <a:avLst/>
@@ -7800,36 +7249,193 @@
           <a:bodyPr wrap="none" rtlCol="0" anchor="ctr" anchorCtr="1"/>
           <a:lstStyle/>
           <a:p>
-            <a:r>
-              <a:rPr lang="en-US" dirty="0">
+            <a:endParaRPr lang="en-US" dirty="0">
+              <a:solidFill>
+                <a:srgbClr val="000000"/>
+              </a:solidFill>
+            </a:endParaRPr>
+          </a:p>
+        </p:txBody>
+      </p:sp>
+      <p:sp>
+        <p:nvSpPr>
+          <p:cNvPr id="44" name="テキスト ボックス 43">
+            <a:extLst>
+              <a:ext uri="{FF2B5EF4-FFF2-40B4-BE49-F238E27FC236}">
+                <a16:creationId xmlns:a16="http://schemas.microsoft.com/office/drawing/2014/main" id="{9A4E5209-B811-09F6-9F3B-8B219615ADC3}"/>
+              </a:ext>
+            </a:extLst>
+          </p:cNvPr>
+          <p:cNvSpPr txBox="1"/>
+          <p:nvPr/>
+        </p:nvSpPr>
+        <p:spPr>
+          <a:xfrm>
+            <a:off x="3968365" y="4550847"/>
+            <a:ext cx="1143003" cy="369332"/>
+          </a:xfrm>
+          <a:prstGeom prst="rect">
+            <a:avLst/>
+          </a:prstGeom>
+          <a:noFill/>
+        </p:spPr>
+        <p:txBody>
+          <a:bodyPr wrap="square" rtlCol="0">
+            <a:spAutoFit/>
+          </a:bodyPr>
+          <a:lstStyle>
+            <a:defPPr>
+              <a:defRPr lang="ja-JP"/>
+            </a:defPPr>
+            <a:lvl1pPr>
+              <a:defRPr/>
+            </a:lvl1pPr>
+          </a:lstStyle>
+          <a:p>
+            <a:r>
+              <a:rPr lang="en-US" altLang="ja-JP" dirty="0"/>
+              <a:t>Server</a:t>
+            </a:r>
+            <a:endParaRPr lang="ja-JP" altLang="en-US" dirty="0"/>
+          </a:p>
+        </p:txBody>
+      </p:sp>
+      <p:sp>
+        <p:nvSpPr>
+          <p:cNvPr id="46" name="テキスト ボックス 45">
+            <a:extLst>
+              <a:ext uri="{FF2B5EF4-FFF2-40B4-BE49-F238E27FC236}">
+                <a16:creationId xmlns:a16="http://schemas.microsoft.com/office/drawing/2014/main" id="{929B0DCD-63E2-9E01-75C7-F045B3948ACA}"/>
+              </a:ext>
+            </a:extLst>
+          </p:cNvPr>
+          <p:cNvSpPr txBox="1"/>
+          <p:nvPr/>
+        </p:nvSpPr>
+        <p:spPr>
+          <a:xfrm>
+            <a:off x="3926847" y="4310207"/>
+            <a:ext cx="1824574" cy="276999"/>
+          </a:xfrm>
+          <a:prstGeom prst="rect">
+            <a:avLst/>
+          </a:prstGeom>
+          <a:noFill/>
+        </p:spPr>
+        <p:txBody>
+          <a:bodyPr wrap="square" rtlCol="0">
+            <a:spAutoFit/>
+          </a:bodyPr>
+          <a:lstStyle/>
+          <a:p>
+            <a:r>
+              <a:rPr kumimoji="1" lang="en-US" altLang="ja-JP" sz="1200" dirty="0">
+                <a:solidFill>
+                  <a:schemeClr val="tx2"/>
+                </a:solidFill>
+              </a:rPr>
+              <a:t>Localhost:</a:t>
+            </a:r>
+            <a:r>
+              <a:rPr lang="en-US" altLang="ja-JP" sz="1200" dirty="0">
+                <a:solidFill>
+                  <a:schemeClr val="tx2"/>
+                </a:solidFill>
+              </a:rPr>
+              <a:t>6333</a:t>
+            </a:r>
+            <a:r>
+              <a:rPr lang="ja-JP" altLang="en-US" sz="1200" dirty="0">
+                <a:solidFill>
+                  <a:schemeClr val="tx2"/>
+                </a:solidFill>
+              </a:rPr>
+              <a:t>で起動</a:t>
+            </a:r>
+            <a:endParaRPr kumimoji="1" lang="ja-JP" altLang="en-US" sz="1200" dirty="0">
+              <a:solidFill>
+                <a:schemeClr val="tx2"/>
+              </a:solidFill>
+            </a:endParaRPr>
+          </a:p>
+        </p:txBody>
+      </p:sp>
+      <p:sp>
+        <p:nvSpPr>
+          <p:cNvPr id="75" name="矩形 19">
+            <a:extLst>
+              <a:ext uri="{FF2B5EF4-FFF2-40B4-BE49-F238E27FC236}">
+                <a16:creationId xmlns:a16="http://schemas.microsoft.com/office/drawing/2014/main" id="{774403B4-499F-6B05-F1D5-13B32E783911}"/>
+              </a:ext>
+            </a:extLst>
+          </p:cNvPr>
+          <p:cNvSpPr/>
+          <p:nvPr/>
+        </p:nvSpPr>
+        <p:spPr>
+          <a:xfrm>
+            <a:off x="9462433" y="5521275"/>
+            <a:ext cx="1770321" cy="298684"/>
+          </a:xfrm>
+          <a:prstGeom prst="rect">
+            <a:avLst/>
+          </a:prstGeom>
+          <a:ln/>
+        </p:spPr>
+        <p:style>
+          <a:lnRef idx="1">
+            <a:schemeClr val="accent6"/>
+          </a:lnRef>
+          <a:fillRef idx="3">
+            <a:schemeClr val="accent6"/>
+          </a:fillRef>
+          <a:effectRef idx="2">
+            <a:schemeClr val="accent6"/>
+          </a:effectRef>
+          <a:fontRef idx="minor">
+            <a:schemeClr val="lt1"/>
+          </a:fontRef>
+        </p:style>
+        <p:txBody>
+          <a:bodyPr wrap="none" rtlCol="0" anchor="ctr" anchorCtr="1"/>
+          <a:lstStyle/>
+          <a:p>
+            <a:r>
+              <a:rPr lang="en-US" sz="1200" dirty="0" err="1">
                 <a:solidFill>
                   <a:srgbClr val="000000"/>
                 </a:solidFill>
               </a:rPr>
-              <a:t>indexing</a:t>
-            </a:r>
+              <a:t>SimpleDirectoryReader</a:t>
+            </a:r>
+            <a:endParaRPr lang="en-US" sz="1200" dirty="0">
+              <a:solidFill>
+                <a:srgbClr val="000000"/>
+              </a:solidFill>
+            </a:endParaRPr>
           </a:p>
         </p:txBody>
       </p:sp>
       <p:cxnSp>
         <p:nvCxnSpPr>
-          <p:cNvPr id="58" name="直線矢印コネクタ 57">
-            <a:extLst>
-              <a:ext uri="{FF2B5EF4-FFF2-40B4-BE49-F238E27FC236}">
-                <a16:creationId xmlns:a16="http://schemas.microsoft.com/office/drawing/2014/main" id="{1B77DAC1-207A-8EFA-9F2F-570EBE56138B}"/>
+          <p:cNvPr id="79" name="直線矢印コネクタ 78">
+            <a:extLst>
+              <a:ext uri="{FF2B5EF4-FFF2-40B4-BE49-F238E27FC236}">
+                <a16:creationId xmlns:a16="http://schemas.microsoft.com/office/drawing/2014/main" id="{DB4DA965-7E2D-BF88-16E7-B32DF21F5AE4}"/>
               </a:ext>
             </a:extLst>
           </p:cNvPr>
           <p:cNvCxnSpPr>
             <a:cxnSpLocks/>
-            <a:stCxn id="77" idx="2"/>
+            <a:stCxn id="75" idx="2"/>
+            <a:endCxn id="72" idx="0"/>
           </p:cNvCxnSpPr>
           <p:nvPr/>
         </p:nvCxnSpPr>
         <p:spPr>
-          <a:xfrm flipH="1">
-            <a:off x="8419814" y="3362782"/>
-            <a:ext cx="18758" cy="1584531"/>
+          <a:xfrm>
+            <a:off x="10347594" y="5819959"/>
+            <a:ext cx="394362" cy="252553"/>
           </a:xfrm>
           <a:prstGeom prst="straightConnector1">
             <a:avLst/>
@@ -7853,6 +7459,799 @@
           </a:fontRef>
         </p:style>
       </p:cxnSp>
+      <p:sp>
+        <p:nvSpPr>
+          <p:cNvPr id="89" name="矩形 19">
+            <a:extLst>
+              <a:ext uri="{FF2B5EF4-FFF2-40B4-BE49-F238E27FC236}">
+                <a16:creationId xmlns:a16="http://schemas.microsoft.com/office/drawing/2014/main" id="{82EB70F9-8118-B089-9875-3396617A6F10}"/>
+              </a:ext>
+            </a:extLst>
+          </p:cNvPr>
+          <p:cNvSpPr/>
+          <p:nvPr/>
+        </p:nvSpPr>
+        <p:spPr>
+          <a:xfrm>
+            <a:off x="7627975" y="5096205"/>
+            <a:ext cx="1767642" cy="306756"/>
+          </a:xfrm>
+          <a:prstGeom prst="rect">
+            <a:avLst/>
+          </a:prstGeom>
+          <a:ln/>
+        </p:spPr>
+        <p:style>
+          <a:lnRef idx="1">
+            <a:schemeClr val="accent6"/>
+          </a:lnRef>
+          <a:fillRef idx="3">
+            <a:schemeClr val="accent6"/>
+          </a:fillRef>
+          <a:effectRef idx="2">
+            <a:schemeClr val="accent6"/>
+          </a:effectRef>
+          <a:fontRef idx="minor">
+            <a:schemeClr val="lt1"/>
+          </a:fontRef>
+        </p:style>
+        <p:txBody>
+          <a:bodyPr wrap="none" rtlCol="0" anchor="ctr" anchorCtr="1"/>
+          <a:lstStyle/>
+          <a:p>
+            <a:r>
+              <a:rPr lang="en-US" sz="1200" dirty="0" err="1">
+                <a:solidFill>
+                  <a:srgbClr val="000000"/>
+                </a:solidFill>
+              </a:rPr>
+              <a:t>llms.ollama.Ollama</a:t>
+            </a:r>
+            <a:endParaRPr lang="en-US" sz="1200" dirty="0">
+              <a:solidFill>
+                <a:srgbClr val="000000"/>
+              </a:solidFill>
+            </a:endParaRPr>
+          </a:p>
+        </p:txBody>
+      </p:sp>
+      <p:sp>
+        <p:nvSpPr>
+          <p:cNvPr id="90" name="矩形 19">
+            <a:extLst>
+              <a:ext uri="{FF2B5EF4-FFF2-40B4-BE49-F238E27FC236}">
+                <a16:creationId xmlns:a16="http://schemas.microsoft.com/office/drawing/2014/main" id="{E523E30D-2971-963D-98E6-624D0E328795}"/>
+              </a:ext>
+            </a:extLst>
+          </p:cNvPr>
+          <p:cNvSpPr/>
+          <p:nvPr/>
+        </p:nvSpPr>
+        <p:spPr>
+          <a:xfrm>
+            <a:off x="6081936" y="4676897"/>
+            <a:ext cx="1320092" cy="271235"/>
+          </a:xfrm>
+          <a:prstGeom prst="rect">
+            <a:avLst/>
+          </a:prstGeom>
+          <a:ln/>
+        </p:spPr>
+        <p:style>
+          <a:lnRef idx="1">
+            <a:schemeClr val="accent6"/>
+          </a:lnRef>
+          <a:fillRef idx="3">
+            <a:schemeClr val="accent6"/>
+          </a:fillRef>
+          <a:effectRef idx="2">
+            <a:schemeClr val="accent6"/>
+          </a:effectRef>
+          <a:fontRef idx="minor">
+            <a:schemeClr val="lt1"/>
+          </a:fontRef>
+        </p:style>
+        <p:txBody>
+          <a:bodyPr wrap="none" rtlCol="0" anchor="ctr" anchorCtr="1"/>
+          <a:lstStyle/>
+          <a:p>
+            <a:r>
+              <a:rPr lang="en-US" sz="1200" dirty="0" err="1">
+                <a:solidFill>
+                  <a:srgbClr val="000000"/>
+                </a:solidFill>
+              </a:rPr>
+              <a:t>QdrantCrient</a:t>
+            </a:r>
+            <a:endParaRPr lang="en-US" sz="1200" dirty="0">
+              <a:solidFill>
+                <a:srgbClr val="000000"/>
+              </a:solidFill>
+            </a:endParaRPr>
+          </a:p>
+        </p:txBody>
+      </p:sp>
+      <p:cxnSp>
+        <p:nvCxnSpPr>
+          <p:cNvPr id="93" name="直線矢印コネクタ 92">
+            <a:extLst>
+              <a:ext uri="{FF2B5EF4-FFF2-40B4-BE49-F238E27FC236}">
+                <a16:creationId xmlns:a16="http://schemas.microsoft.com/office/drawing/2014/main" id="{6CBA973A-AE76-992F-BB4E-FB140D64C7C3}"/>
+              </a:ext>
+            </a:extLst>
+          </p:cNvPr>
+          <p:cNvCxnSpPr>
+            <a:cxnSpLocks/>
+            <a:endCxn id="90" idx="0"/>
+          </p:cNvCxnSpPr>
+          <p:nvPr/>
+        </p:nvCxnSpPr>
+        <p:spPr>
+          <a:xfrm>
+            <a:off x="6741982" y="3359401"/>
+            <a:ext cx="0" cy="1317496"/>
+          </a:xfrm>
+          <a:prstGeom prst="straightConnector1">
+            <a:avLst/>
+          </a:prstGeom>
+          <a:ln>
+            <a:tailEnd type="triangle"/>
+          </a:ln>
+        </p:spPr>
+        <p:style>
+          <a:lnRef idx="2">
+            <a:schemeClr val="accent1"/>
+          </a:lnRef>
+          <a:fillRef idx="0">
+            <a:schemeClr val="accent1"/>
+          </a:fillRef>
+          <a:effectRef idx="1">
+            <a:schemeClr val="accent1"/>
+          </a:effectRef>
+          <a:fontRef idx="minor">
+            <a:schemeClr val="tx1"/>
+          </a:fontRef>
+        </p:style>
+      </p:cxnSp>
+      <p:cxnSp>
+        <p:nvCxnSpPr>
+          <p:cNvPr id="100" name="直線矢印コネクタ 99">
+            <a:extLst>
+              <a:ext uri="{FF2B5EF4-FFF2-40B4-BE49-F238E27FC236}">
+                <a16:creationId xmlns:a16="http://schemas.microsoft.com/office/drawing/2014/main" id="{1D91C33B-20DB-4CF4-88C4-3F23E40961DD}"/>
+              </a:ext>
+            </a:extLst>
+          </p:cNvPr>
+          <p:cNvCxnSpPr>
+            <a:cxnSpLocks/>
+            <a:stCxn id="39" idx="1"/>
+            <a:endCxn id="90" idx="3"/>
+          </p:cNvCxnSpPr>
+          <p:nvPr/>
+        </p:nvCxnSpPr>
+        <p:spPr>
+          <a:xfrm flipH="1">
+            <a:off x="7402028" y="4809871"/>
+            <a:ext cx="216558" cy="2644"/>
+          </a:xfrm>
+          <a:prstGeom prst="straightConnector1">
+            <a:avLst/>
+          </a:prstGeom>
+          <a:ln>
+            <a:tailEnd type="triangle"/>
+          </a:ln>
+        </p:spPr>
+        <p:style>
+          <a:lnRef idx="2">
+            <a:schemeClr val="accent1"/>
+          </a:lnRef>
+          <a:fillRef idx="0">
+            <a:schemeClr val="accent1"/>
+          </a:fillRef>
+          <a:effectRef idx="1">
+            <a:schemeClr val="accent1"/>
+          </a:effectRef>
+          <a:fontRef idx="minor">
+            <a:schemeClr val="tx1"/>
+          </a:fontRef>
+        </p:style>
+      </p:cxnSp>
+      <p:sp>
+        <p:nvSpPr>
+          <p:cNvPr id="106" name="矩形 19">
+            <a:extLst>
+              <a:ext uri="{FF2B5EF4-FFF2-40B4-BE49-F238E27FC236}">
+                <a16:creationId xmlns:a16="http://schemas.microsoft.com/office/drawing/2014/main" id="{4D46227D-4FDE-5B23-7C72-75ACF9729AD5}"/>
+              </a:ext>
+            </a:extLst>
+          </p:cNvPr>
+          <p:cNvSpPr/>
+          <p:nvPr/>
+        </p:nvSpPr>
+        <p:spPr>
+          <a:xfrm>
+            <a:off x="6059110" y="5318749"/>
+            <a:ext cx="1320092" cy="298684"/>
+          </a:xfrm>
+          <a:prstGeom prst="rect">
+            <a:avLst/>
+          </a:prstGeom>
+          <a:ln/>
+        </p:spPr>
+        <p:style>
+          <a:lnRef idx="1">
+            <a:schemeClr val="accent6"/>
+          </a:lnRef>
+          <a:fillRef idx="3">
+            <a:schemeClr val="accent6"/>
+          </a:fillRef>
+          <a:effectRef idx="2">
+            <a:schemeClr val="accent6"/>
+          </a:effectRef>
+          <a:fontRef idx="minor">
+            <a:schemeClr val="lt1"/>
+          </a:fontRef>
+        </p:style>
+        <p:txBody>
+          <a:bodyPr wrap="none" rtlCol="0" anchor="ctr" anchorCtr="1"/>
+          <a:lstStyle/>
+          <a:p>
+            <a:r>
+              <a:rPr lang="en-US" sz="1200" dirty="0" err="1">
+                <a:solidFill>
+                  <a:srgbClr val="000000"/>
+                </a:solidFill>
+              </a:rPr>
+              <a:t>ollama</a:t>
+            </a:r>
+            <a:endParaRPr lang="en-US" sz="1200" dirty="0">
+              <a:solidFill>
+                <a:srgbClr val="000000"/>
+              </a:solidFill>
+            </a:endParaRPr>
+          </a:p>
+        </p:txBody>
+      </p:sp>
+      <p:cxnSp>
+        <p:nvCxnSpPr>
+          <p:cNvPr id="107" name="直線矢印コネクタ 106">
+            <a:extLst>
+              <a:ext uri="{FF2B5EF4-FFF2-40B4-BE49-F238E27FC236}">
+                <a16:creationId xmlns:a16="http://schemas.microsoft.com/office/drawing/2014/main" id="{3994CB28-1F13-2C9B-50B7-F041E3983678}"/>
+              </a:ext>
+            </a:extLst>
+          </p:cNvPr>
+          <p:cNvCxnSpPr>
+            <a:cxnSpLocks/>
+            <a:stCxn id="106" idx="1"/>
+            <a:endCxn id="30" idx="3"/>
+          </p:cNvCxnSpPr>
+          <p:nvPr/>
+        </p:nvCxnSpPr>
+        <p:spPr>
+          <a:xfrm flipH="1" flipV="1">
+            <a:off x="3671700" y="5467498"/>
+            <a:ext cx="2387410" cy="593"/>
+          </a:xfrm>
+          <a:prstGeom prst="straightConnector1">
+            <a:avLst/>
+          </a:prstGeom>
+          <a:ln>
+            <a:tailEnd type="triangle"/>
+          </a:ln>
+        </p:spPr>
+        <p:style>
+          <a:lnRef idx="2">
+            <a:schemeClr val="accent1"/>
+          </a:lnRef>
+          <a:fillRef idx="0">
+            <a:schemeClr val="accent1"/>
+          </a:fillRef>
+          <a:effectRef idx="1">
+            <a:schemeClr val="accent1"/>
+          </a:effectRef>
+          <a:fontRef idx="minor">
+            <a:schemeClr val="tx1"/>
+          </a:fontRef>
+        </p:style>
+      </p:cxnSp>
+      <p:cxnSp>
+        <p:nvCxnSpPr>
+          <p:cNvPr id="119" name="直線矢印コネクタ 118">
+            <a:extLst>
+              <a:ext uri="{FF2B5EF4-FFF2-40B4-BE49-F238E27FC236}">
+                <a16:creationId xmlns:a16="http://schemas.microsoft.com/office/drawing/2014/main" id="{E78CF1E8-4FF5-B587-63D8-482D25E6405B}"/>
+              </a:ext>
+            </a:extLst>
+          </p:cNvPr>
+          <p:cNvCxnSpPr>
+            <a:cxnSpLocks/>
+            <a:stCxn id="30" idx="3"/>
+            <a:endCxn id="24" idx="3"/>
+          </p:cNvCxnSpPr>
+          <p:nvPr/>
+        </p:nvCxnSpPr>
+        <p:spPr>
+          <a:xfrm flipH="1" flipV="1">
+            <a:off x="3409149" y="5361422"/>
+            <a:ext cx="262551" cy="106076"/>
+          </a:xfrm>
+          <a:prstGeom prst="straightConnector1">
+            <a:avLst/>
+          </a:prstGeom>
+          <a:ln>
+            <a:tailEnd type="triangle"/>
+          </a:ln>
+        </p:spPr>
+        <p:style>
+          <a:lnRef idx="2">
+            <a:schemeClr val="accent1"/>
+          </a:lnRef>
+          <a:fillRef idx="0">
+            <a:schemeClr val="accent1"/>
+          </a:fillRef>
+          <a:effectRef idx="1">
+            <a:schemeClr val="accent1"/>
+          </a:effectRef>
+          <a:fontRef idx="minor">
+            <a:schemeClr val="tx1"/>
+          </a:fontRef>
+        </p:style>
+      </p:cxnSp>
+      <p:sp>
+        <p:nvSpPr>
+          <p:cNvPr id="120" name="矩形 19">
+            <a:extLst>
+              <a:ext uri="{FF2B5EF4-FFF2-40B4-BE49-F238E27FC236}">
+                <a16:creationId xmlns:a16="http://schemas.microsoft.com/office/drawing/2014/main" id="{AF2BC0CA-0E4C-084F-C3A2-D11EA0F7035F}"/>
+              </a:ext>
+            </a:extLst>
+          </p:cNvPr>
+          <p:cNvSpPr/>
+          <p:nvPr/>
+        </p:nvSpPr>
+        <p:spPr>
+          <a:xfrm>
+            <a:off x="7627974" y="5530314"/>
+            <a:ext cx="1767643" cy="306756"/>
+          </a:xfrm>
+          <a:prstGeom prst="rect">
+            <a:avLst/>
+          </a:prstGeom>
+          <a:ln/>
+        </p:spPr>
+        <p:style>
+          <a:lnRef idx="1">
+            <a:schemeClr val="accent6"/>
+          </a:lnRef>
+          <a:fillRef idx="3">
+            <a:schemeClr val="accent6"/>
+          </a:fillRef>
+          <a:effectRef idx="2">
+            <a:schemeClr val="accent6"/>
+          </a:effectRef>
+          <a:fontRef idx="minor">
+            <a:schemeClr val="lt1"/>
+          </a:fontRef>
+        </p:style>
+        <p:txBody>
+          <a:bodyPr wrap="none" rtlCol="0" anchor="ctr" anchorCtr="1"/>
+          <a:lstStyle/>
+          <a:p>
+            <a:r>
+              <a:rPr lang="en-US" sz="1200" dirty="0" err="1">
+                <a:solidFill>
+                  <a:srgbClr val="000000"/>
+                </a:solidFill>
+              </a:rPr>
+              <a:t>OllamaEmbedding</a:t>
+            </a:r>
+            <a:endParaRPr lang="en-US" sz="1200" dirty="0">
+              <a:solidFill>
+                <a:srgbClr val="000000"/>
+              </a:solidFill>
+            </a:endParaRPr>
+          </a:p>
+        </p:txBody>
+      </p:sp>
+      <p:cxnSp>
+        <p:nvCxnSpPr>
+          <p:cNvPr id="121" name="直線矢印コネクタ 120">
+            <a:extLst>
+              <a:ext uri="{FF2B5EF4-FFF2-40B4-BE49-F238E27FC236}">
+                <a16:creationId xmlns:a16="http://schemas.microsoft.com/office/drawing/2014/main" id="{5D1A2B63-DD08-140D-8D64-4A511F21AD95}"/>
+              </a:ext>
+            </a:extLst>
+          </p:cNvPr>
+          <p:cNvCxnSpPr>
+            <a:cxnSpLocks/>
+            <a:stCxn id="89" idx="1"/>
+            <a:endCxn id="106" idx="3"/>
+          </p:cNvCxnSpPr>
+          <p:nvPr/>
+        </p:nvCxnSpPr>
+        <p:spPr>
+          <a:xfrm flipH="1">
+            <a:off x="7379202" y="5249583"/>
+            <a:ext cx="248773" cy="218508"/>
+          </a:xfrm>
+          <a:prstGeom prst="straightConnector1">
+            <a:avLst/>
+          </a:prstGeom>
+          <a:ln>
+            <a:tailEnd type="triangle"/>
+          </a:ln>
+        </p:spPr>
+        <p:style>
+          <a:lnRef idx="2">
+            <a:schemeClr val="accent1"/>
+          </a:lnRef>
+          <a:fillRef idx="0">
+            <a:schemeClr val="accent1"/>
+          </a:fillRef>
+          <a:effectRef idx="1">
+            <a:schemeClr val="accent1"/>
+          </a:effectRef>
+          <a:fontRef idx="minor">
+            <a:schemeClr val="tx1"/>
+          </a:fontRef>
+        </p:style>
+      </p:cxnSp>
+      <p:cxnSp>
+        <p:nvCxnSpPr>
+          <p:cNvPr id="124" name="直線矢印コネクタ 123">
+            <a:extLst>
+              <a:ext uri="{FF2B5EF4-FFF2-40B4-BE49-F238E27FC236}">
+                <a16:creationId xmlns:a16="http://schemas.microsoft.com/office/drawing/2014/main" id="{156B6083-785B-DBDB-4512-432220D3F102}"/>
+              </a:ext>
+            </a:extLst>
+          </p:cNvPr>
+          <p:cNvCxnSpPr>
+            <a:cxnSpLocks/>
+            <a:stCxn id="120" idx="1"/>
+            <a:endCxn id="106" idx="3"/>
+          </p:cNvCxnSpPr>
+          <p:nvPr/>
+        </p:nvCxnSpPr>
+        <p:spPr>
+          <a:xfrm flipH="1" flipV="1">
+            <a:off x="7379202" y="5468091"/>
+            <a:ext cx="248772" cy="215601"/>
+          </a:xfrm>
+          <a:prstGeom prst="straightConnector1">
+            <a:avLst/>
+          </a:prstGeom>
+          <a:ln>
+            <a:tailEnd type="triangle"/>
+          </a:ln>
+        </p:spPr>
+        <p:style>
+          <a:lnRef idx="2">
+            <a:schemeClr val="accent1"/>
+          </a:lnRef>
+          <a:fillRef idx="0">
+            <a:schemeClr val="accent1"/>
+          </a:fillRef>
+          <a:effectRef idx="1">
+            <a:schemeClr val="accent1"/>
+          </a:effectRef>
+          <a:fontRef idx="minor">
+            <a:schemeClr val="tx1"/>
+          </a:fontRef>
+        </p:style>
+      </p:cxnSp>
+      <p:cxnSp>
+        <p:nvCxnSpPr>
+          <p:cNvPr id="130" name="直線矢印コネクタ 129">
+            <a:extLst>
+              <a:ext uri="{FF2B5EF4-FFF2-40B4-BE49-F238E27FC236}">
+                <a16:creationId xmlns:a16="http://schemas.microsoft.com/office/drawing/2014/main" id="{61BBE573-077B-9419-183F-FA0A3EAB758C}"/>
+              </a:ext>
+            </a:extLst>
+          </p:cNvPr>
+          <p:cNvCxnSpPr>
+            <a:cxnSpLocks/>
+            <a:stCxn id="30" idx="3"/>
+            <a:endCxn id="4" idx="3"/>
+          </p:cNvCxnSpPr>
+          <p:nvPr/>
+        </p:nvCxnSpPr>
+        <p:spPr>
+          <a:xfrm flipH="1">
+            <a:off x="3399262" y="5467498"/>
+            <a:ext cx="272438" cy="465415"/>
+          </a:xfrm>
+          <a:prstGeom prst="straightConnector1">
+            <a:avLst/>
+          </a:prstGeom>
+          <a:ln>
+            <a:tailEnd type="triangle"/>
+          </a:ln>
+        </p:spPr>
+        <p:style>
+          <a:lnRef idx="2">
+            <a:schemeClr val="accent1"/>
+          </a:lnRef>
+          <a:fillRef idx="0">
+            <a:schemeClr val="accent1"/>
+          </a:fillRef>
+          <a:effectRef idx="1">
+            <a:schemeClr val="accent1"/>
+          </a:effectRef>
+          <a:fontRef idx="minor">
+            <a:schemeClr val="tx1"/>
+          </a:fontRef>
+        </p:style>
+      </p:cxnSp>
+      <p:sp>
+        <p:nvSpPr>
+          <p:cNvPr id="149" name="矩形 19">
+            <a:extLst>
+              <a:ext uri="{FF2B5EF4-FFF2-40B4-BE49-F238E27FC236}">
+                <a16:creationId xmlns:a16="http://schemas.microsoft.com/office/drawing/2014/main" id="{B7DB77AD-8F69-1590-8615-88FBB8B10279}"/>
+              </a:ext>
+            </a:extLst>
+          </p:cNvPr>
+          <p:cNvSpPr/>
+          <p:nvPr/>
+        </p:nvSpPr>
+        <p:spPr>
+          <a:xfrm>
+            <a:off x="9461990" y="4248326"/>
+            <a:ext cx="1767642" cy="298684"/>
+          </a:xfrm>
+          <a:prstGeom prst="rect">
+            <a:avLst/>
+          </a:prstGeom>
+          <a:ln/>
+        </p:spPr>
+        <p:style>
+          <a:lnRef idx="1">
+            <a:schemeClr val="accent6"/>
+          </a:lnRef>
+          <a:fillRef idx="3">
+            <a:schemeClr val="accent6"/>
+          </a:fillRef>
+          <a:effectRef idx="2">
+            <a:schemeClr val="accent6"/>
+          </a:effectRef>
+          <a:fontRef idx="minor">
+            <a:schemeClr val="lt1"/>
+          </a:fontRef>
+        </p:style>
+        <p:txBody>
+          <a:bodyPr wrap="none" rtlCol="0" anchor="ctr" anchorCtr="1"/>
+          <a:lstStyle/>
+          <a:p>
+            <a:r>
+              <a:rPr lang="en-US" sz="1200" dirty="0" err="1">
+                <a:solidFill>
+                  <a:srgbClr val="000000"/>
+                </a:solidFill>
+              </a:rPr>
+              <a:t>RetrieverQueryEngine</a:t>
+            </a:r>
+            <a:endParaRPr lang="en-US" sz="1200" dirty="0">
+              <a:solidFill>
+                <a:srgbClr val="000000"/>
+              </a:solidFill>
+            </a:endParaRPr>
+          </a:p>
+        </p:txBody>
+      </p:sp>
+      <p:sp>
+        <p:nvSpPr>
+          <p:cNvPr id="165" name="矩形 19">
+            <a:extLst>
+              <a:ext uri="{FF2B5EF4-FFF2-40B4-BE49-F238E27FC236}">
+                <a16:creationId xmlns:a16="http://schemas.microsoft.com/office/drawing/2014/main" id="{F69A8A6A-0BF4-D8D6-3D3F-6F542D19C940}"/>
+              </a:ext>
+            </a:extLst>
+          </p:cNvPr>
+          <p:cNvSpPr/>
+          <p:nvPr/>
+        </p:nvSpPr>
+        <p:spPr>
+          <a:xfrm>
+            <a:off x="9462433" y="5095425"/>
+            <a:ext cx="1770321" cy="298684"/>
+          </a:xfrm>
+          <a:prstGeom prst="rect">
+            <a:avLst/>
+          </a:prstGeom>
+          <a:ln/>
+        </p:spPr>
+        <p:style>
+          <a:lnRef idx="1">
+            <a:schemeClr val="accent6"/>
+          </a:lnRef>
+          <a:fillRef idx="3">
+            <a:schemeClr val="accent6"/>
+          </a:fillRef>
+          <a:effectRef idx="2">
+            <a:schemeClr val="accent6"/>
+          </a:effectRef>
+          <a:fontRef idx="minor">
+            <a:schemeClr val="lt1"/>
+          </a:fontRef>
+        </p:style>
+        <p:txBody>
+          <a:bodyPr wrap="none" rtlCol="0" anchor="ctr" anchorCtr="1"/>
+          <a:lstStyle/>
+          <a:p>
+            <a:r>
+              <a:rPr lang="en-US" altLang="ja-JP" sz="1200" dirty="0" err="1">
+                <a:solidFill>
+                  <a:srgbClr val="000000"/>
+                </a:solidFill>
+              </a:rPr>
+              <a:t>SentenceSplitter</a:t>
+            </a:r>
+            <a:endParaRPr lang="en-US" sz="1200" dirty="0">
+              <a:solidFill>
+                <a:srgbClr val="000000"/>
+              </a:solidFill>
+            </a:endParaRPr>
+          </a:p>
+        </p:txBody>
+      </p:sp>
+      <p:sp>
+        <p:nvSpPr>
+          <p:cNvPr id="166" name="矩形 19">
+            <a:extLst>
+              <a:ext uri="{FF2B5EF4-FFF2-40B4-BE49-F238E27FC236}">
+                <a16:creationId xmlns:a16="http://schemas.microsoft.com/office/drawing/2014/main" id="{DC7C9EFF-A4EC-EE68-D610-1163779440CB}"/>
+              </a:ext>
+            </a:extLst>
+          </p:cNvPr>
+          <p:cNvSpPr/>
+          <p:nvPr/>
+        </p:nvSpPr>
+        <p:spPr>
+          <a:xfrm>
+            <a:off x="9462433" y="4672291"/>
+            <a:ext cx="1770321" cy="298684"/>
+          </a:xfrm>
+          <a:prstGeom prst="rect">
+            <a:avLst/>
+          </a:prstGeom>
+          <a:ln/>
+        </p:spPr>
+        <p:style>
+          <a:lnRef idx="1">
+            <a:schemeClr val="accent6"/>
+          </a:lnRef>
+          <a:fillRef idx="3">
+            <a:schemeClr val="accent6"/>
+          </a:fillRef>
+          <a:effectRef idx="2">
+            <a:schemeClr val="accent6"/>
+          </a:effectRef>
+          <a:fontRef idx="minor">
+            <a:schemeClr val="lt1"/>
+          </a:fontRef>
+        </p:style>
+        <p:txBody>
+          <a:bodyPr wrap="none" rtlCol="0" anchor="ctr" anchorCtr="1"/>
+          <a:lstStyle/>
+          <a:p>
+            <a:r>
+              <a:rPr lang="en-US" altLang="ja-JP" sz="1200" dirty="0" err="1">
+                <a:solidFill>
+                  <a:srgbClr val="000000"/>
+                </a:solidFill>
+              </a:rPr>
+              <a:t>VectorStoreIndex</a:t>
+            </a:r>
+            <a:endParaRPr lang="en-US" sz="1200" dirty="0">
+              <a:solidFill>
+                <a:srgbClr val="000000"/>
+              </a:solidFill>
+            </a:endParaRPr>
+          </a:p>
+        </p:txBody>
+      </p:sp>
+      <p:cxnSp>
+        <p:nvCxnSpPr>
+          <p:cNvPr id="167" name="直線矢印コネクタ 166">
+            <a:extLst>
+              <a:ext uri="{FF2B5EF4-FFF2-40B4-BE49-F238E27FC236}">
+                <a16:creationId xmlns:a16="http://schemas.microsoft.com/office/drawing/2014/main" id="{23759954-4DA3-9C61-B8A1-764A011A208C}"/>
+              </a:ext>
+            </a:extLst>
+          </p:cNvPr>
+          <p:cNvCxnSpPr>
+            <a:cxnSpLocks/>
+            <a:endCxn id="40" idx="0"/>
+          </p:cNvCxnSpPr>
+          <p:nvPr/>
+        </p:nvCxnSpPr>
+        <p:spPr>
+          <a:xfrm>
+            <a:off x="9413526" y="3359401"/>
+            <a:ext cx="33347" cy="418437"/>
+          </a:xfrm>
+          <a:prstGeom prst="straightConnector1">
+            <a:avLst/>
+          </a:prstGeom>
+          <a:ln>
+            <a:tailEnd type="triangle"/>
+          </a:ln>
+        </p:spPr>
+        <p:style>
+          <a:lnRef idx="2">
+            <a:schemeClr val="accent1"/>
+          </a:lnRef>
+          <a:fillRef idx="0">
+            <a:schemeClr val="accent1"/>
+          </a:fillRef>
+          <a:effectRef idx="1">
+            <a:schemeClr val="accent1"/>
+          </a:effectRef>
+          <a:fontRef idx="minor">
+            <a:schemeClr val="tx1"/>
+          </a:fontRef>
+        </p:style>
+      </p:cxnSp>
+      <p:sp>
+        <p:nvSpPr>
+          <p:cNvPr id="180" name="タイトル 1">
+            <a:extLst>
+              <a:ext uri="{FF2B5EF4-FFF2-40B4-BE49-F238E27FC236}">
+                <a16:creationId xmlns:a16="http://schemas.microsoft.com/office/drawing/2014/main" id="{BF99B4D1-9F13-5797-C04A-AE9AA6390A94}"/>
+              </a:ext>
+            </a:extLst>
+          </p:cNvPr>
+          <p:cNvSpPr txBox="1">
+            <a:spLocks/>
+          </p:cNvSpPr>
+          <p:nvPr/>
+        </p:nvSpPr>
+        <p:spPr>
+          <a:xfrm>
+            <a:off x="838200" y="365125"/>
+            <a:ext cx="10515600" cy="777875"/>
+          </a:xfrm>
+          <a:prstGeom prst="rect">
+            <a:avLst/>
+          </a:prstGeom>
+        </p:spPr>
+        <p:txBody>
+          <a:bodyPr vert="horz" lIns="91440" tIns="45720" rIns="91440" bIns="45720" rtlCol="0" anchor="ctr">
+            <a:normAutofit/>
+          </a:bodyPr>
+          <a:lstStyle>
+            <a:lvl1pPr algn="l" defTabSz="914400" rtl="0" eaLnBrk="1" latinLnBrk="0" hangingPunct="1">
+              <a:lnSpc>
+                <a:spcPct val="90000"/>
+              </a:lnSpc>
+              <a:spcBef>
+                <a:spcPct val="0"/>
+              </a:spcBef>
+              <a:buNone/>
+              <a:defRPr kumimoji="1" sz="4400" kern="1200">
+                <a:solidFill>
+                  <a:schemeClr val="tx1"/>
+                </a:solidFill>
+                <a:latin typeface="+mj-lt"/>
+                <a:ea typeface="+mj-ea"/>
+                <a:cs typeface="+mj-cs"/>
+              </a:defRPr>
+            </a:lvl1pPr>
+          </a:lstStyle>
+          <a:p>
+            <a:r>
+              <a:rPr lang="en-US" altLang="ja-JP"/>
+              <a:t>RAG</a:t>
+            </a:r>
+            <a:r>
+              <a:rPr lang="ja-JP" altLang="en-US"/>
+              <a:t>を体感するためのサンプル</a:t>
+            </a:r>
+            <a:endParaRPr lang="ja-JP" altLang="en-US" dirty="0"/>
+          </a:p>
+        </p:txBody>
+      </p:sp>
     </p:spTree>
     <p:extLst>
       <p:ext uri="{BB962C8B-B14F-4D97-AF65-F5344CB8AC3E}">
@@ -7901,36 +8300,34 @@
         </p:nvSpPr>
         <p:spPr/>
         <p:txBody>
-          <a:bodyPr>
-            <a:normAutofit/>
-          </a:bodyPr>
+          <a:bodyPr/>
           <a:lstStyle/>
           <a:p>
             <a:r>
-              <a:rPr lang="en-US" altLang="ja-JP" dirty="0"/>
-              <a:t>RAG</a:t>
-            </a:r>
-            <a:r>
               <a:rPr lang="ja-JP" altLang="en-US" dirty="0"/>
-              <a:t>を体感するためのサンプル</a:t>
-            </a:r>
-            <a:br>
-              <a:rPr lang="en-US" altLang="ja-JP" dirty="0"/>
-            </a:br>
-            <a:r>
-              <a:rPr lang="ja-JP" altLang="en-US" dirty="0"/>
-              <a:t>（調査中）</a:t>
-            </a:r>
-            <a:endParaRPr kumimoji="1" lang="ja-JP" altLang="en-US" dirty="0"/>
-          </a:p>
-        </p:txBody>
-      </p:sp>
-      <p:sp>
-        <p:nvSpPr>
-          <p:cNvPr id="4" name="コンテンツ プレースホルダー 2">
-            <a:extLst>
-              <a:ext uri="{FF2B5EF4-FFF2-40B4-BE49-F238E27FC236}">
-                <a16:creationId xmlns:a16="http://schemas.microsoft.com/office/drawing/2014/main" id="{8C13C9CE-666C-02A7-9EAA-106F1B50AE66}"/>
+              <a:t>環境</a:t>
+            </a:r>
+            <a:r>
+              <a:rPr kumimoji="1" lang="ja-JP" altLang="en-US" dirty="0"/>
+              <a:t>インストール手順（１</a:t>
+            </a:r>
+            <a:r>
+              <a:rPr kumimoji="1" lang="en-US" altLang="ja-JP" dirty="0"/>
+              <a:t>/</a:t>
+            </a:r>
+            <a:r>
+              <a:rPr kumimoji="1" lang="ja-JP" altLang="en-US" dirty="0"/>
+              <a:t>２）</a:t>
+            </a:r>
+          </a:p>
+        </p:txBody>
+      </p:sp>
+      <p:sp>
+        <p:nvSpPr>
+          <p:cNvPr id="3" name="コンテンツ プレースホルダー 2">
+            <a:extLst>
+              <a:ext uri="{FF2B5EF4-FFF2-40B4-BE49-F238E27FC236}">
+                <a16:creationId xmlns:a16="http://schemas.microsoft.com/office/drawing/2014/main" id="{37025C41-8921-578C-16F8-6B5CF0A93AE0}"/>
               </a:ext>
             </a:extLst>
           </p:cNvPr>
@@ -7941,15 +8338,10 @@
             <p:ph idx="1"/>
           </p:nvPr>
         </p:nvSpPr>
-        <p:spPr>
-          <a:xfrm>
-            <a:off x="838200" y="2235201"/>
-            <a:ext cx="10515600" cy="3941762"/>
-          </a:xfrm>
-        </p:spPr>
+        <p:spPr/>
         <p:txBody>
           <a:bodyPr>
-            <a:normAutofit fontScale="92500" lnSpcReduction="20000"/>
+            <a:normAutofit lnSpcReduction="10000"/>
           </a:bodyPr>
           <a:lstStyle/>
           <a:p>
@@ -7957,82 +8349,158 @@
               <a:buNone/>
             </a:pPr>
             <a:r>
-              <a:rPr lang="en-US" altLang="ja-JP" dirty="0">
+              <a:rPr lang="ja-JP" altLang="en-US" dirty="0"/>
+              <a:t>①</a:t>
+            </a:r>
+            <a:r>
+              <a:rPr lang="en-US" altLang="ja-JP" dirty="0"/>
+              <a:t>Docker</a:t>
+            </a:r>
+            <a:r>
+              <a:rPr lang="ja-JP" altLang="en-US" dirty="0"/>
+              <a:t>のインストール</a:t>
+            </a:r>
+            <a:endParaRPr lang="en-US" altLang="ja-JP" dirty="0"/>
+          </a:p>
+          <a:p>
+            <a:pPr marL="0" indent="0">
+              <a:buNone/>
+            </a:pPr>
+            <a:r>
+              <a:rPr lang="en-US" altLang="ja-JP" sz="1600" dirty="0"/>
+              <a:t>$ curl -</a:t>
+            </a:r>
+            <a:r>
+              <a:rPr lang="en-US" altLang="ja-JP" sz="1600" dirty="0" err="1"/>
+              <a:t>fsSL</a:t>
+            </a:r>
+            <a:r>
+              <a:rPr lang="en-US" altLang="ja-JP" sz="1600" dirty="0"/>
+              <a:t> https://get.docker.com -o get-docker.sh</a:t>
+            </a:r>
+          </a:p>
+          <a:p>
+            <a:pPr marL="0" indent="0">
+              <a:buNone/>
+            </a:pPr>
+            <a:r>
+              <a:rPr lang="en-US" altLang="ja-JP" sz="1600" dirty="0"/>
+              <a:t>$ </a:t>
+            </a:r>
+            <a:r>
+              <a:rPr lang="en-US" altLang="ja-JP" sz="1600" dirty="0" err="1"/>
+              <a:t>sudo</a:t>
+            </a:r>
+            <a:r>
+              <a:rPr lang="en-US" altLang="ja-JP" sz="1600" dirty="0"/>
+              <a:t> </a:t>
+            </a:r>
+            <a:r>
+              <a:rPr lang="en-US" altLang="ja-JP" sz="1600" dirty="0" err="1"/>
+              <a:t>sh</a:t>
+            </a:r>
+            <a:r>
+              <a:rPr lang="en-US" altLang="ja-JP" sz="1600" dirty="0"/>
+              <a:t> get-docker.sh</a:t>
+            </a:r>
+          </a:p>
+          <a:p>
+            <a:pPr marL="0" indent="0">
+              <a:buNone/>
+            </a:pPr>
+            <a:r>
+              <a:rPr lang="en-US" altLang="ja-JP" sz="1600" dirty="0"/>
+              <a:t>$ </a:t>
+            </a:r>
+            <a:r>
+              <a:rPr lang="en-US" altLang="ja-JP" sz="1600" dirty="0" err="1"/>
+              <a:t>sudo</a:t>
+            </a:r>
+            <a:r>
+              <a:rPr lang="en-US" altLang="ja-JP" sz="1600" dirty="0"/>
+              <a:t> </a:t>
+            </a:r>
+            <a:r>
+              <a:rPr lang="en-US" altLang="ja-JP" sz="1600" dirty="0" err="1"/>
+              <a:t>gpasswd</a:t>
+            </a:r>
+            <a:r>
+              <a:rPr lang="en-US" altLang="ja-JP" sz="1600" dirty="0"/>
+              <a:t> -a $USER docker</a:t>
+            </a:r>
+          </a:p>
+          <a:p>
+            <a:pPr marL="0" indent="0">
+              <a:buNone/>
+            </a:pPr>
+            <a:r>
+              <a:rPr lang="en-US" altLang="ja-JP" sz="1600" dirty="0"/>
+              <a:t>$ </a:t>
+            </a:r>
+            <a:r>
+              <a:rPr lang="en-US" altLang="ja-JP" sz="1600" dirty="0" err="1"/>
+              <a:t>newgrp</a:t>
+            </a:r>
+            <a:r>
+              <a:rPr lang="en-US" altLang="ja-JP" sz="1600" dirty="0"/>
+              <a:t> docker</a:t>
+            </a:r>
+          </a:p>
+          <a:p>
+            <a:pPr marL="0" indent="0">
+              <a:buNone/>
+            </a:pPr>
+            <a:r>
+              <a:rPr lang="en-US" altLang="ja-JP" sz="1500" dirty="0">
                 <a:solidFill>
-                  <a:schemeClr val="tx1">
-                    <a:lumMod val="65000"/>
-                    <a:lumOff val="35000"/>
-                  </a:schemeClr>
+                  <a:srgbClr val="0070C0"/>
                 </a:solidFill>
               </a:rPr>
-              <a:t>【</a:t>
-            </a:r>
-            <a:r>
-              <a:rPr lang="ja-JP" altLang="en-US" dirty="0">
+              <a:t>※</a:t>
+            </a:r>
+            <a:r>
+              <a:rPr lang="ja-JP" altLang="en-US" sz="1500" dirty="0">
                 <a:solidFill>
-                  <a:schemeClr val="tx1">
-                    <a:lumMod val="65000"/>
-                    <a:lumOff val="35000"/>
-                  </a:schemeClr>
+                  <a:srgbClr val="0070C0"/>
                 </a:solidFill>
               </a:rPr>
-              <a:t>内容</a:t>
-            </a:r>
-            <a:r>
-              <a:rPr lang="en-US" altLang="ja-JP" dirty="0">
+              <a:t>インストール後、</a:t>
+            </a:r>
+            <a:r>
+              <a:rPr lang="en-US" altLang="ja-JP" sz="1500" dirty="0">
                 <a:solidFill>
-                  <a:schemeClr val="tx1">
-                    <a:lumMod val="65000"/>
-                    <a:lumOff val="35000"/>
-                  </a:schemeClr>
+                  <a:srgbClr val="0070C0"/>
                 </a:solidFill>
               </a:rPr>
-              <a:t>】</a:t>
-            </a:r>
-          </a:p>
-          <a:p>
-            <a:pPr marL="0" indent="0">
-              <a:buNone/>
-            </a:pPr>
-            <a:r>
-              <a:rPr lang="ja-JP" altLang="en-US" dirty="0">
+              <a:t> ”docker run --rm hello-world” </a:t>
+            </a:r>
+            <a:r>
+              <a:rPr lang="ja-JP" altLang="en-US" sz="1500" dirty="0">
                 <a:solidFill>
-                  <a:schemeClr val="tx1">
-                    <a:lumMod val="65000"/>
-                    <a:lumOff val="35000"/>
-                  </a:schemeClr>
+                  <a:srgbClr val="0070C0"/>
                 </a:solidFill>
               </a:rPr>
-              <a:t>・ある</a:t>
-            </a:r>
-            <a:r>
-              <a:rPr lang="en-US" altLang="ja-JP" dirty="0">
+              <a:t>を実行して、</a:t>
+            </a:r>
+            <a:r>
+              <a:rPr lang="en-US" altLang="ja-JP" sz="1500" dirty="0">
                 <a:solidFill>
-                  <a:schemeClr val="tx1">
-                    <a:lumMod val="65000"/>
-                    <a:lumOff val="35000"/>
-                  </a:schemeClr>
+                  <a:srgbClr val="0070C0"/>
                 </a:solidFill>
               </a:rPr>
-              <a:t>pdf</a:t>
-            </a:r>
-            <a:r>
-              <a:rPr lang="ja-JP" altLang="en-US" dirty="0">
+              <a:t>”Hello from Docker!”</a:t>
+            </a:r>
+            <a:r>
+              <a:rPr lang="ja-JP" altLang="en-US" sz="1500" dirty="0">
                 <a:solidFill>
-                  <a:schemeClr val="tx1">
-                    <a:lumMod val="65000"/>
-                    <a:lumOff val="35000"/>
-                  </a:schemeClr>
+                  <a:srgbClr val="0070C0"/>
                 </a:solidFill>
               </a:rPr>
-              <a:t>ファイルの内容を検索拡張させて</a:t>
-            </a:r>
-            <a:endParaRPr lang="en-US" altLang="ja-JP" dirty="0">
+              <a:t>が表示されたらインストール成功です。</a:t>
+            </a:r>
+            <a:endParaRPr lang="en-US" altLang="ja-JP" sz="1500" dirty="0">
               <a:solidFill>
-                <a:schemeClr val="tx1">
-                  <a:lumMod val="65000"/>
-                  <a:lumOff val="35000"/>
-                </a:schemeClr>
+                <a:srgbClr val="0070C0"/>
               </a:solidFill>
             </a:endParaRPr>
           </a:p>
@@ -8041,402 +8509,109 @@
               <a:buNone/>
             </a:pPr>
             <a:r>
-              <a:rPr lang="en-US" altLang="ja-JP" dirty="0">
-                <a:solidFill>
-                  <a:schemeClr val="tx1">
-                    <a:lumMod val="65000"/>
-                    <a:lumOff val="35000"/>
-                  </a:schemeClr>
-                </a:solidFill>
-              </a:rPr>
-              <a:t>【</a:t>
-            </a:r>
-            <a:r>
-              <a:rPr lang="ja-JP" altLang="en-US" dirty="0">
-                <a:solidFill>
-                  <a:schemeClr val="tx1">
-                    <a:lumMod val="65000"/>
-                    <a:lumOff val="35000"/>
-                  </a:schemeClr>
-                </a:solidFill>
-              </a:rPr>
-              <a:t>手順</a:t>
-            </a:r>
-            <a:r>
-              <a:rPr lang="en-US" altLang="ja-JP" dirty="0">
-                <a:solidFill>
-                  <a:schemeClr val="tx1">
-                    <a:lumMod val="65000"/>
-                    <a:lumOff val="35000"/>
-                  </a:schemeClr>
-                </a:solidFill>
-              </a:rPr>
-              <a:t>】</a:t>
-            </a:r>
+              <a:rPr kumimoji="1" lang="ja-JP" altLang="en-US" dirty="0"/>
+              <a:t>②</a:t>
+            </a:r>
+            <a:r>
+              <a:rPr kumimoji="1" lang="en-US" altLang="ja-JP" dirty="0" err="1"/>
+              <a:t>Ollama</a:t>
+            </a:r>
+            <a:r>
+              <a:rPr lang="ja-JP" altLang="en-US" dirty="0"/>
+              <a:t>のダウンロード・サーバー起動</a:t>
+            </a:r>
+            <a:endParaRPr lang="en-US" altLang="ja-JP" dirty="0"/>
           </a:p>
           <a:p>
             <a:pPr marL="0" indent="0">
               <a:buNone/>
             </a:pPr>
             <a:r>
-              <a:rPr lang="ja-JP" altLang="en-US" dirty="0">
-                <a:solidFill>
-                  <a:schemeClr val="tx1">
-                    <a:lumMod val="65000"/>
-                    <a:lumOff val="35000"/>
-                  </a:schemeClr>
-                </a:solidFill>
-              </a:rPr>
-              <a:t>①必要モジュールのインストール（最初だけ）</a:t>
-            </a:r>
-            <a:endParaRPr lang="en-US" altLang="ja-JP" dirty="0">
-              <a:solidFill>
-                <a:schemeClr val="tx1">
-                  <a:lumMod val="65000"/>
-                  <a:lumOff val="35000"/>
-                </a:schemeClr>
-              </a:solidFill>
-            </a:endParaRPr>
+              <a:rPr kumimoji="1" lang="fi-FI" altLang="ja-JP" sz="1600" dirty="0"/>
+              <a:t>$ docker run -d -v ollama:/root/.ollama -p 11434:11434 --name ollama ollama/ollama</a:t>
+            </a:r>
           </a:p>
           <a:p>
             <a:pPr marL="0" indent="0">
               <a:buNone/>
             </a:pPr>
-            <a:r>
-              <a:rPr lang="ja-JP" altLang="en-US" sz="1600" dirty="0">
-                <a:solidFill>
-                  <a:schemeClr val="tx1">
-                    <a:lumMod val="65000"/>
-                    <a:lumOff val="35000"/>
-                  </a:schemeClr>
-                </a:solidFill>
-              </a:rPr>
-              <a:t>　　</a:t>
-            </a:r>
-            <a:r>
-              <a:rPr lang="en-US" altLang="ja-JP" sz="1600" dirty="0">
-                <a:solidFill>
-                  <a:schemeClr val="tx1">
-                    <a:lumMod val="65000"/>
-                    <a:lumOff val="35000"/>
-                  </a:schemeClr>
-                </a:solidFill>
-              </a:rPr>
-              <a:t>$ pip install </a:t>
-            </a:r>
-            <a:r>
-              <a:rPr lang="en-US" altLang="ja-JP" sz="1600" dirty="0" err="1">
-                <a:solidFill>
-                  <a:schemeClr val="tx1">
-                    <a:lumMod val="65000"/>
-                    <a:lumOff val="35000"/>
-                  </a:schemeClr>
-                </a:solidFill>
-              </a:rPr>
-              <a:t>langchain_community</a:t>
-            </a:r>
-            <a:r>
-              <a:rPr lang="en-US" altLang="ja-JP" sz="1600" dirty="0">
-                <a:solidFill>
-                  <a:schemeClr val="tx1">
-                    <a:lumMod val="65000"/>
-                    <a:lumOff val="35000"/>
-                  </a:schemeClr>
-                </a:solidFill>
-              </a:rPr>
-              <a:t> --break-system-packages</a:t>
-            </a:r>
+            <a:endParaRPr lang="en-US" altLang="ja-JP" dirty="0"/>
           </a:p>
           <a:p>
             <a:pPr marL="0" indent="0">
               <a:buNone/>
             </a:pPr>
             <a:r>
-              <a:rPr lang="ja-JP" altLang="en-US" sz="1600" dirty="0">
-                <a:solidFill>
-                  <a:schemeClr val="tx1">
-                    <a:lumMod val="65000"/>
-                    <a:lumOff val="35000"/>
-                  </a:schemeClr>
-                </a:solidFill>
-              </a:rPr>
-              <a:t>　　</a:t>
-            </a:r>
-            <a:r>
-              <a:rPr lang="en-US" altLang="ja-JP" sz="1600" dirty="0">
-                <a:solidFill>
-                  <a:schemeClr val="tx1">
-                    <a:lumMod val="65000"/>
-                    <a:lumOff val="35000"/>
-                  </a:schemeClr>
-                </a:solidFill>
-              </a:rPr>
-              <a:t>$ pip install </a:t>
-            </a:r>
-            <a:r>
-              <a:rPr lang="en-US" altLang="ja-JP" sz="1600" dirty="0" err="1">
-                <a:solidFill>
-                  <a:schemeClr val="tx1">
-                    <a:lumMod val="65000"/>
-                    <a:lumOff val="35000"/>
-                  </a:schemeClr>
-                </a:solidFill>
-              </a:rPr>
-              <a:t>langchain_chroma</a:t>
-            </a:r>
-            <a:r>
-              <a:rPr lang="en-US" altLang="ja-JP" sz="1600" dirty="0">
-                <a:solidFill>
-                  <a:schemeClr val="tx1">
-                    <a:lumMod val="65000"/>
-                    <a:lumOff val="35000"/>
-                  </a:schemeClr>
-                </a:solidFill>
-              </a:rPr>
-              <a:t> --break-system-packages</a:t>
-            </a:r>
+              <a:rPr lang="ja-JP" altLang="en-US" dirty="0"/>
+              <a:t>③</a:t>
+            </a:r>
+            <a:r>
+              <a:rPr lang="en-US" altLang="ja-JP" dirty="0"/>
+              <a:t>LLM</a:t>
+            </a:r>
+            <a:r>
+              <a:rPr lang="ja-JP" altLang="en-US" dirty="0"/>
+              <a:t>の</a:t>
+            </a:r>
+            <a:r>
+              <a:rPr lang="en-US" altLang="ja-JP" dirty="0"/>
+              <a:t>gemma2:2b</a:t>
+            </a:r>
+            <a:r>
+              <a:rPr lang="ja-JP" altLang="en-US" dirty="0"/>
+              <a:t>モデルのダウンロード</a:t>
+            </a:r>
+            <a:endParaRPr lang="en-US" altLang="ja-JP" dirty="0"/>
           </a:p>
           <a:p>
             <a:pPr marL="0" indent="0">
               <a:buNone/>
             </a:pPr>
             <a:r>
-              <a:rPr lang="ja-JP" altLang="en-US" sz="1600" dirty="0">
-                <a:solidFill>
-                  <a:schemeClr val="tx1">
-                    <a:lumMod val="65000"/>
-                    <a:lumOff val="35000"/>
-                  </a:schemeClr>
-                </a:solidFill>
-              </a:rPr>
-              <a:t>　　</a:t>
-            </a:r>
-            <a:r>
-              <a:rPr lang="en-US" altLang="ja-JP" sz="1600" dirty="0">
-                <a:solidFill>
-                  <a:schemeClr val="tx1">
-                    <a:lumMod val="65000"/>
-                    <a:lumOff val="35000"/>
-                  </a:schemeClr>
-                </a:solidFill>
-              </a:rPr>
-              <a:t>$ pip install </a:t>
-            </a:r>
-            <a:r>
-              <a:rPr lang="en-US" altLang="ja-JP" sz="1600" dirty="0" err="1">
-                <a:solidFill>
-                  <a:schemeClr val="tx1">
-                    <a:lumMod val="65000"/>
-                    <a:lumOff val="35000"/>
-                  </a:schemeClr>
-                </a:solidFill>
-              </a:rPr>
-              <a:t>langchain_ollama</a:t>
-            </a:r>
-            <a:r>
-              <a:rPr lang="en-US" altLang="ja-JP" sz="1600" dirty="0">
-                <a:solidFill>
-                  <a:schemeClr val="tx1">
-                    <a:lumMod val="65000"/>
-                    <a:lumOff val="35000"/>
-                  </a:schemeClr>
-                </a:solidFill>
-              </a:rPr>
-              <a:t> --break-system-packages</a:t>
+              <a:rPr lang="en-US" altLang="ja-JP" sz="1600" dirty="0"/>
+              <a:t>$ docker exec -it </a:t>
+            </a:r>
+            <a:r>
+              <a:rPr lang="en-US" altLang="ja-JP" sz="1600" dirty="0" err="1"/>
+              <a:t>ollama</a:t>
+            </a:r>
+            <a:r>
+              <a:rPr lang="en-US" altLang="ja-JP" sz="1600" dirty="0"/>
+              <a:t> </a:t>
+            </a:r>
+            <a:r>
+              <a:rPr lang="en-US" altLang="ja-JP" sz="1600" dirty="0" err="1"/>
+              <a:t>ollama</a:t>
+            </a:r>
+            <a:r>
+              <a:rPr lang="en-US" altLang="ja-JP" sz="1600" dirty="0"/>
+              <a:t> pull gemma2:2b</a:t>
             </a:r>
           </a:p>
           <a:p>
             <a:pPr marL="0" indent="0">
               <a:buNone/>
             </a:pPr>
-            <a:r>
-              <a:rPr lang="ja-JP" altLang="en-US" sz="1600" dirty="0">
-                <a:solidFill>
-                  <a:schemeClr val="tx1">
-                    <a:lumMod val="65000"/>
-                    <a:lumOff val="35000"/>
-                  </a:schemeClr>
-                </a:solidFill>
-              </a:rPr>
-              <a:t>　　</a:t>
-            </a:r>
-            <a:r>
-              <a:rPr lang="en-US" altLang="ja-JP" sz="1600" dirty="0">
-                <a:solidFill>
-                  <a:schemeClr val="tx1">
-                    <a:lumMod val="65000"/>
-                    <a:lumOff val="35000"/>
-                  </a:schemeClr>
-                </a:solidFill>
-              </a:rPr>
-              <a:t>$ pip install </a:t>
-            </a:r>
-            <a:r>
-              <a:rPr lang="en-US" altLang="ja-JP" sz="1600" dirty="0" err="1">
-                <a:solidFill>
-                  <a:schemeClr val="tx1">
-                    <a:lumMod val="65000"/>
-                    <a:lumOff val="35000"/>
-                  </a:schemeClr>
-                </a:solidFill>
-              </a:rPr>
-              <a:t>pypdf</a:t>
-            </a:r>
-            <a:r>
-              <a:rPr lang="en-US" altLang="ja-JP" sz="1600" dirty="0">
-                <a:solidFill>
-                  <a:schemeClr val="tx1">
-                    <a:lumMod val="65000"/>
-                    <a:lumOff val="35000"/>
-                  </a:schemeClr>
-                </a:solidFill>
-              </a:rPr>
-              <a:t> --break-system-packages</a:t>
-            </a:r>
+            <a:endParaRPr lang="en-US" altLang="ja-JP" sz="1600" dirty="0"/>
           </a:p>
           <a:p>
             <a:pPr marL="0" indent="0">
               <a:buNone/>
             </a:pPr>
-            <a:r>
-              <a:rPr lang="ja-JP" altLang="en-US" sz="1600" dirty="0">
-                <a:solidFill>
-                  <a:schemeClr val="tx1">
-                    <a:lumMod val="65000"/>
-                    <a:lumOff val="35000"/>
-                  </a:schemeClr>
-                </a:solidFill>
-              </a:rPr>
-              <a:t>　　</a:t>
-            </a:r>
-            <a:r>
-              <a:rPr lang="en-US" altLang="ja-JP" sz="1600" dirty="0">
-                <a:solidFill>
-                  <a:schemeClr val="tx1">
-                    <a:lumMod val="65000"/>
-                    <a:lumOff val="35000"/>
-                  </a:schemeClr>
-                </a:solidFill>
-              </a:rPr>
-              <a:t>$ pip install </a:t>
-            </a:r>
-            <a:r>
-              <a:rPr lang="en-US" altLang="ja-JP" sz="1600" dirty="0" err="1">
-                <a:solidFill>
-                  <a:schemeClr val="tx1">
-                    <a:lumMod val="65000"/>
-                    <a:lumOff val="35000"/>
-                  </a:schemeClr>
-                </a:solidFill>
-              </a:rPr>
-              <a:t>chromadb</a:t>
-            </a:r>
-            <a:r>
-              <a:rPr lang="en-US" altLang="ja-JP" sz="1600" dirty="0">
-                <a:solidFill>
-                  <a:schemeClr val="tx1">
-                    <a:lumMod val="65000"/>
-                    <a:lumOff val="35000"/>
-                  </a:schemeClr>
-                </a:solidFill>
-              </a:rPr>
-              <a:t> --break-system-packages</a:t>
-            </a:r>
+            <a:endParaRPr kumimoji="1" lang="fi-FI" altLang="ja-JP" dirty="0"/>
           </a:p>
           <a:p>
             <a:pPr marL="0" indent="0">
               <a:buNone/>
             </a:pPr>
-            <a:r>
-              <a:rPr kumimoji="1" lang="ja-JP" altLang="en-US" dirty="0">
-                <a:solidFill>
-                  <a:schemeClr val="tx1">
-                    <a:lumMod val="65000"/>
-                    <a:lumOff val="35000"/>
-                  </a:schemeClr>
-                </a:solidFill>
-              </a:rPr>
-              <a:t>②</a:t>
-            </a:r>
-            <a:r>
-              <a:rPr lang="ja-JP" altLang="en-US" dirty="0">
-                <a:solidFill>
-                  <a:schemeClr val="tx1">
-                    <a:lumMod val="65000"/>
-                    <a:lumOff val="35000"/>
-                  </a:schemeClr>
-                </a:solidFill>
-              </a:rPr>
-              <a:t>機能実行</a:t>
-            </a:r>
-            <a:endParaRPr lang="en-US" altLang="ja-JP" dirty="0">
-              <a:solidFill>
-                <a:schemeClr val="tx1">
-                  <a:lumMod val="65000"/>
-                  <a:lumOff val="35000"/>
-                </a:schemeClr>
-              </a:solidFill>
-            </a:endParaRPr>
-          </a:p>
-          <a:p>
-            <a:pPr marL="0" indent="0">
-              <a:buNone/>
-            </a:pPr>
-            <a:r>
-              <a:rPr lang="ja-JP" altLang="en-US" sz="1600" dirty="0">
-                <a:solidFill>
-                  <a:schemeClr val="tx1">
-                    <a:lumMod val="65000"/>
-                    <a:lumOff val="35000"/>
-                  </a:schemeClr>
-                </a:solidFill>
-              </a:rPr>
-              <a:t>　　</a:t>
-            </a:r>
-            <a:r>
-              <a:rPr lang="en-US" altLang="ja-JP" sz="1600" dirty="0">
-                <a:solidFill>
-                  <a:schemeClr val="tx1">
-                    <a:lumMod val="65000"/>
-                    <a:lumOff val="35000"/>
-                  </a:schemeClr>
-                </a:solidFill>
-              </a:rPr>
-              <a:t>$ python3 gemma_rag_test.py</a:t>
-            </a:r>
-          </a:p>
-          <a:p>
-            <a:pPr marL="0" indent="0">
-              <a:buNone/>
-            </a:pPr>
-            <a:endParaRPr lang="en-US" altLang="ja-JP" sz="1600" dirty="0">
-              <a:solidFill>
-                <a:schemeClr val="tx1">
-                  <a:lumMod val="65000"/>
-                  <a:lumOff val="35000"/>
-                </a:schemeClr>
-              </a:solidFill>
-            </a:endParaRPr>
-          </a:p>
-          <a:p>
-            <a:pPr marL="0" indent="0">
-              <a:buNone/>
-            </a:pPr>
-            <a:endParaRPr kumimoji="1" lang="en-US" altLang="ja-JP" dirty="0">
-              <a:solidFill>
-                <a:schemeClr val="tx1">
-                  <a:lumMod val="65000"/>
-                  <a:lumOff val="35000"/>
-                </a:schemeClr>
-              </a:solidFill>
-            </a:endParaRPr>
+            <a:endParaRPr kumimoji="1" lang="en-US" altLang="ja-JP" dirty="0"/>
           </a:p>
         </p:txBody>
       </p:sp>
     </p:spTree>
     <p:extLst>
       <p:ext uri="{BB962C8B-B14F-4D97-AF65-F5344CB8AC3E}">
-        <p14:creationId xmlns:p14="http://schemas.microsoft.com/office/powerpoint/2010/main" val="3544669301"/>
+        <p14:creationId xmlns:p14="http://schemas.microsoft.com/office/powerpoint/2010/main" val="958570635"/>
       </p:ext>
     </p:extLst>
   </p:cSld>
@@ -8486,7 +8661,7 @@
           <a:p>
             <a:r>
               <a:rPr kumimoji="1" lang="ja-JP" altLang="en-US" dirty="0"/>
-              <a:t>引用サイト</a:t>
+              <a:t>環境インストール手順（２／２）</a:t>
             </a:r>
           </a:p>
         </p:txBody>
@@ -8507,6 +8682,324 @@
             <p:ph idx="1"/>
           </p:nvPr>
         </p:nvSpPr>
+        <p:spPr>
+          <a:xfrm>
+            <a:off x="847725" y="1825625"/>
+            <a:ext cx="10515600" cy="4351338"/>
+          </a:xfrm>
+        </p:spPr>
+        <p:txBody>
+          <a:bodyPr>
+            <a:normAutofit fontScale="92500" lnSpcReduction="10000"/>
+          </a:bodyPr>
+          <a:lstStyle/>
+          <a:p>
+            <a:pPr marL="0" indent="0">
+              <a:buNone/>
+            </a:pPr>
+            <a:r>
+              <a:rPr lang="ja-JP" altLang="en-US" dirty="0"/>
+              <a:t>④</a:t>
+            </a:r>
+            <a:r>
+              <a:rPr lang="en-US" altLang="ja-JP" dirty="0"/>
+              <a:t>Embedding</a:t>
+            </a:r>
+            <a:r>
+              <a:rPr lang="ja-JP" altLang="en-US" dirty="0"/>
+              <a:t>の</a:t>
+            </a:r>
+            <a:r>
+              <a:rPr lang="en-US" altLang="ja-JP" dirty="0"/>
+              <a:t>gemma2:2b</a:t>
+            </a:r>
+            <a:r>
+              <a:rPr lang="ja-JP" altLang="en-US" dirty="0"/>
+              <a:t>モデルのダウンロード</a:t>
+            </a:r>
+            <a:endParaRPr lang="en-US" altLang="ja-JP" dirty="0"/>
+          </a:p>
+          <a:p>
+            <a:pPr marL="0" indent="0">
+              <a:buNone/>
+            </a:pPr>
+            <a:r>
+              <a:rPr lang="en-US" altLang="ja-JP" sz="1600" dirty="0"/>
+              <a:t>$ docker exec -it </a:t>
+            </a:r>
+            <a:r>
+              <a:rPr lang="en-US" altLang="ja-JP" sz="1600" dirty="0" err="1"/>
+              <a:t>ollama</a:t>
+            </a:r>
+            <a:r>
+              <a:rPr lang="en-US" altLang="ja-JP" sz="1600" dirty="0"/>
+              <a:t> </a:t>
+            </a:r>
+            <a:r>
+              <a:rPr lang="en-US" altLang="ja-JP" sz="1600" dirty="0" err="1"/>
+              <a:t>ollama</a:t>
+            </a:r>
+            <a:r>
+              <a:rPr lang="en-US" altLang="ja-JP" sz="1600" dirty="0"/>
+              <a:t> pull gemma2:2b</a:t>
+            </a:r>
+          </a:p>
+          <a:p>
+            <a:pPr marL="0" indent="0">
+              <a:buNone/>
+            </a:pPr>
+            <a:endParaRPr lang="en-US" altLang="ja-JP" sz="1600" dirty="0"/>
+          </a:p>
+          <a:p>
+            <a:pPr marL="0" indent="0">
+              <a:buNone/>
+            </a:pPr>
+            <a:r>
+              <a:rPr lang="ja-JP" altLang="en-US" dirty="0"/>
+              <a:t>⑤</a:t>
+            </a:r>
+            <a:r>
+              <a:rPr lang="en-US" altLang="ja-JP" dirty="0" err="1"/>
+              <a:t>qdrant</a:t>
+            </a:r>
+            <a:r>
+              <a:rPr lang="ja-JP" altLang="en-US" dirty="0"/>
+              <a:t>ローカルサーバのダウンロード・起動</a:t>
+            </a:r>
+            <a:endParaRPr lang="en-US" altLang="ja-JP" dirty="0"/>
+          </a:p>
+          <a:p>
+            <a:pPr marL="0" indent="0">
+              <a:buNone/>
+            </a:pPr>
+            <a:r>
+              <a:rPr kumimoji="1" lang="fi-FI" altLang="ja-JP" sz="1600" dirty="0"/>
+              <a:t>$docker run –d -p 6333:6333 -p 6334:6334 -v $(pwd)/qdrant_storage:/qdrant/storage:z --name qdrant qdrant/qdrant</a:t>
+            </a:r>
+          </a:p>
+          <a:p>
+            <a:pPr marL="0" indent="0">
+              <a:buNone/>
+            </a:pPr>
+            <a:endParaRPr lang="en-US" altLang="ja-JP" dirty="0"/>
+          </a:p>
+          <a:p>
+            <a:pPr marL="0" indent="0">
+              <a:buNone/>
+            </a:pPr>
+            <a:r>
+              <a:rPr lang="ja-JP" altLang="en-US" dirty="0"/>
+              <a:t>⑥</a:t>
+            </a:r>
+            <a:r>
+              <a:rPr lang="en-US" altLang="ja-JP" dirty="0"/>
+              <a:t>Python</a:t>
+            </a:r>
+            <a:r>
+              <a:rPr lang="ja-JP" altLang="en-US" dirty="0"/>
+              <a:t>の必要モジュールのインストール</a:t>
+            </a:r>
+            <a:endParaRPr lang="en-US" altLang="ja-JP" dirty="0"/>
+          </a:p>
+          <a:p>
+            <a:pPr marL="0" indent="0">
+              <a:buNone/>
+            </a:pPr>
+            <a:r>
+              <a:rPr lang="en-US" altLang="ja-JP" sz="1600" dirty="0"/>
+              <a:t>$ pip install </a:t>
+            </a:r>
+            <a:r>
+              <a:rPr lang="en-US" altLang="ja-JP" sz="1600" dirty="0" err="1"/>
+              <a:t>llama_index</a:t>
+            </a:r>
+            <a:endParaRPr lang="en-US" altLang="ja-JP" sz="1600" dirty="0"/>
+          </a:p>
+          <a:p>
+            <a:pPr marL="0" indent="0">
+              <a:buNone/>
+            </a:pPr>
+            <a:r>
+              <a:rPr lang="en-US" altLang="ja-JP" sz="1600" dirty="0"/>
+              <a:t>$ pip install </a:t>
+            </a:r>
+            <a:r>
+              <a:rPr lang="en-US" altLang="ja-JP" sz="1600" dirty="0" err="1"/>
+              <a:t>llama_index-vector_stores-qdrant</a:t>
+            </a:r>
+            <a:r>
+              <a:rPr lang="en-US" altLang="ja-JP" sz="1600" dirty="0"/>
+              <a:t> </a:t>
+            </a:r>
+          </a:p>
+          <a:p>
+            <a:pPr marL="0" indent="0">
+              <a:buNone/>
+            </a:pPr>
+            <a:r>
+              <a:rPr lang="en-US" altLang="ja-JP" sz="1600" dirty="0"/>
+              <a:t>$ pip install </a:t>
+            </a:r>
+            <a:r>
+              <a:rPr lang="en-US" altLang="ja-JP" sz="1600" dirty="0" err="1"/>
+              <a:t>llama_index</a:t>
+            </a:r>
+            <a:r>
+              <a:rPr lang="en-US" altLang="ja-JP" sz="1600" dirty="0"/>
+              <a:t>-embeddings-</a:t>
+            </a:r>
+            <a:r>
+              <a:rPr lang="en-US" altLang="ja-JP" sz="1600" dirty="0" err="1"/>
+              <a:t>ollama</a:t>
+            </a:r>
+            <a:endParaRPr lang="en-US" altLang="ja-JP" sz="1600" dirty="0"/>
+          </a:p>
+          <a:p>
+            <a:pPr marL="0" indent="0">
+              <a:buNone/>
+            </a:pPr>
+            <a:r>
+              <a:rPr lang="en-US" altLang="ja-JP" sz="1600" dirty="0"/>
+              <a:t>$ pip install </a:t>
+            </a:r>
+            <a:r>
+              <a:rPr lang="en-US" altLang="ja-JP" sz="1600" dirty="0" err="1"/>
+              <a:t>llama_index-llms-ollama</a:t>
+            </a:r>
+            <a:endParaRPr lang="en-US" altLang="ja-JP" sz="1600" dirty="0"/>
+          </a:p>
+          <a:p>
+            <a:pPr marL="0" indent="0">
+              <a:buNone/>
+            </a:pPr>
+            <a:r>
+              <a:rPr lang="en-US" altLang="ja-JP" sz="1600" dirty="0"/>
+              <a:t>$ pip install </a:t>
+            </a:r>
+            <a:r>
+              <a:rPr lang="en-US" altLang="ja-JP" sz="1600" dirty="0" err="1"/>
+              <a:t>qdrant_client</a:t>
+            </a:r>
+            <a:endParaRPr lang="en-US" altLang="ja-JP" sz="1600" dirty="0"/>
+          </a:p>
+          <a:p>
+            <a:pPr marL="0" indent="0">
+              <a:buNone/>
+            </a:pPr>
+            <a:endParaRPr kumimoji="1" lang="fi-FI" altLang="ja-JP" sz="1600" dirty="0"/>
+          </a:p>
+          <a:p>
+            <a:pPr marL="0" indent="0">
+              <a:buNone/>
+            </a:pPr>
+            <a:endParaRPr lang="en-US" altLang="ja-JP" sz="1600" dirty="0"/>
+          </a:p>
+          <a:p>
+            <a:pPr marL="0" indent="0">
+              <a:buNone/>
+            </a:pPr>
+            <a:endParaRPr lang="en-US" altLang="ja-JP" sz="1600" dirty="0"/>
+          </a:p>
+          <a:p>
+            <a:pPr marL="0" indent="0">
+              <a:buNone/>
+            </a:pPr>
+            <a:endParaRPr lang="en-US" altLang="ja-JP" sz="1600" dirty="0"/>
+          </a:p>
+          <a:p>
+            <a:pPr marL="0" indent="0">
+              <a:buNone/>
+            </a:pPr>
+            <a:endParaRPr lang="en-US" altLang="ja-JP" sz="1600" dirty="0"/>
+          </a:p>
+          <a:p>
+            <a:pPr marL="0" indent="0">
+              <a:buNone/>
+            </a:pPr>
+            <a:endParaRPr kumimoji="1" lang="fi-FI" altLang="ja-JP" dirty="0"/>
+          </a:p>
+          <a:p>
+            <a:pPr marL="0" indent="0">
+              <a:buNone/>
+            </a:pPr>
+            <a:endParaRPr kumimoji="1" lang="en-US" altLang="ja-JP" dirty="0"/>
+          </a:p>
+        </p:txBody>
+      </p:sp>
+    </p:spTree>
+    <p:extLst>
+      <p:ext uri="{BB962C8B-B14F-4D97-AF65-F5344CB8AC3E}">
+        <p14:creationId xmlns:p14="http://schemas.microsoft.com/office/powerpoint/2010/main" val="3824521246"/>
+      </p:ext>
+    </p:extLst>
+  </p:cSld>
+  <p:clrMapOvr>
+    <a:masterClrMapping/>
+  </p:clrMapOvr>
+</p:sld>
+</file>
+
+<file path=ppt/slides/slide7.xml><?xml version="1.0" encoding="utf-8"?>
+<p:sld xmlns:a="http://schemas.openxmlformats.org/drawingml/2006/main" xmlns:r="http://schemas.openxmlformats.org/officeDocument/2006/relationships" xmlns:p="http://schemas.openxmlformats.org/presentationml/2006/main">
+  <p:cSld>
+    <p:spTree>
+      <p:nvGrpSpPr>
+        <p:cNvPr id="1" name=""/>
+        <p:cNvGrpSpPr/>
+        <p:nvPr/>
+      </p:nvGrpSpPr>
+      <p:grpSpPr>
+        <a:xfrm>
+          <a:off x="0" y="0"/>
+          <a:ext cx="0" cy="0"/>
+          <a:chOff x="0" y="0"/>
+          <a:chExt cx="0" cy="0"/>
+        </a:xfrm>
+      </p:grpSpPr>
+      <p:sp>
+        <p:nvSpPr>
+          <p:cNvPr id="2" name="タイトル 1">
+            <a:extLst>
+              <a:ext uri="{FF2B5EF4-FFF2-40B4-BE49-F238E27FC236}">
+                <a16:creationId xmlns:a16="http://schemas.microsoft.com/office/drawing/2014/main" id="{9C784ACA-9376-15C6-DD93-68B5D582FADA}"/>
+              </a:ext>
+            </a:extLst>
+          </p:cNvPr>
+          <p:cNvSpPr>
+            <a:spLocks noGrp="1"/>
+          </p:cNvSpPr>
+          <p:nvPr>
+            <p:ph type="title"/>
+          </p:nvPr>
+        </p:nvSpPr>
+        <p:spPr/>
+        <p:txBody>
+          <a:bodyPr/>
+          <a:lstStyle/>
+          <a:p>
+            <a:r>
+              <a:rPr kumimoji="1" lang="ja-JP" altLang="en-US" dirty="0"/>
+              <a:t>機能実行手順</a:t>
+            </a:r>
+          </a:p>
+        </p:txBody>
+      </p:sp>
+      <p:sp>
+        <p:nvSpPr>
+          <p:cNvPr id="3" name="コンテンツ プレースホルダー 2">
+            <a:extLst>
+              <a:ext uri="{FF2B5EF4-FFF2-40B4-BE49-F238E27FC236}">
+                <a16:creationId xmlns:a16="http://schemas.microsoft.com/office/drawing/2014/main" id="{37025C41-8921-578C-16F8-6B5CF0A93AE0}"/>
+              </a:ext>
+            </a:extLst>
+          </p:cNvPr>
+          <p:cNvSpPr>
+            <a:spLocks noGrp="1"/>
+          </p:cNvSpPr>
+          <p:nvPr>
+            <p:ph idx="1"/>
+          </p:nvPr>
+        </p:nvSpPr>
         <p:spPr/>
         <p:txBody>
           <a:bodyPr>
@@ -8518,71 +9011,186 @@
               <a:buNone/>
             </a:pPr>
             <a:r>
-              <a:rPr lang="en-US" altLang="ja-JP">
-                <a:hlinkClick r:id="rId2"/>
-              </a:rPr>
-              <a:t>(1</a:t>
-            </a:r>
-            <a:r>
-              <a:rPr lang="en-US" altLang="ja-JP" dirty="0">
-                <a:hlinkClick r:id="rId2"/>
-              </a:rPr>
-              <a:t>)</a:t>
-            </a:r>
-            <a:r>
-              <a:rPr lang="ja-JP" altLang="en-US">
-                <a:hlinkClick r:id="rId2"/>
-              </a:rPr>
-              <a:t> </a:t>
-            </a:r>
-            <a:r>
-              <a:rPr lang="ja-JP" altLang="en-US" dirty="0">
-                <a:hlinkClick r:id="rId2"/>
-              </a:rPr>
-              <a:t>🦜️🔗 </a:t>
-            </a:r>
-            <a:r>
-              <a:rPr lang="en-US" altLang="ja-JP" dirty="0" err="1">
-                <a:hlinkClick r:id="rId2"/>
-              </a:rPr>
-              <a:t>LangChain</a:t>
-            </a:r>
-            <a:r>
-              <a:rPr lang="ja-JP" altLang="en-US" dirty="0">
-                <a:hlinkClick r:id="rId2"/>
-              </a:rPr>
-              <a:t>と</a:t>
-            </a:r>
-            <a:r>
-              <a:rPr lang="en-US" altLang="ja-JP" dirty="0">
-                <a:hlinkClick r:id="rId2"/>
-              </a:rPr>
-              <a:t>RAG: Embedding</a:t>
-            </a:r>
-            <a:r>
-              <a:rPr lang="ja-JP" altLang="en-US" dirty="0">
-                <a:hlinkClick r:id="rId2"/>
-              </a:rPr>
-              <a:t>で外部データを利用する </a:t>
-            </a:r>
-            <a:r>
-              <a:rPr lang="en-US" altLang="ja-JP" dirty="0">
-                <a:hlinkClick r:id="rId2"/>
-              </a:rPr>
-              <a:t>| </a:t>
-            </a:r>
-            <a:r>
-              <a:rPr lang="en-US" altLang="ja-JP" dirty="0" err="1">
-                <a:hlinkClick r:id="rId2"/>
-              </a:rPr>
-              <a:t>CyberAgent</a:t>
-            </a:r>
-            <a:r>
-              <a:rPr lang="en-US" altLang="ja-JP" dirty="0">
-                <a:hlinkClick r:id="rId2"/>
-              </a:rPr>
-              <a:t> Developers Blog</a:t>
-            </a:r>
+              <a:rPr lang="ja-JP" altLang="en-US" dirty="0"/>
+              <a:t>・</a:t>
+            </a:r>
+            <a:r>
+              <a:rPr lang="en-US" altLang="ja-JP" dirty="0"/>
+              <a:t>CUI</a:t>
+            </a:r>
+            <a:r>
+              <a:rPr lang="ja-JP" altLang="en-US" dirty="0"/>
+              <a:t>上で以下のコマンドを実行します</a:t>
+            </a:r>
+            <a:endParaRPr lang="en-US" altLang="ja-JP" dirty="0"/>
+          </a:p>
+          <a:p>
+            <a:pPr marL="0" indent="0">
+              <a:buNone/>
+            </a:pPr>
+            <a:r>
+              <a:rPr lang="en-US" altLang="ja-JP" sz="1600" dirty="0"/>
+              <a:t>$ python gemma2_qdrant_rag_test.py </a:t>
+            </a:r>
+          </a:p>
+          <a:p>
+            <a:pPr marL="0" indent="0">
+              <a:buNone/>
+            </a:pPr>
+            <a:endParaRPr lang="en-US" altLang="ja-JP" dirty="0"/>
+          </a:p>
+          <a:p>
+            <a:pPr marL="0" indent="0">
+              <a:buNone/>
+            </a:pPr>
+            <a:endParaRPr lang="en-US" altLang="ja-JP" dirty="0"/>
+          </a:p>
+          <a:p>
+            <a:pPr marL="0" indent="0">
+              <a:buNone/>
+            </a:pPr>
+            <a:r>
+              <a:rPr lang="en-US" altLang="ja-JP" dirty="0"/>
+              <a:t>※</a:t>
+            </a:r>
+            <a:r>
+              <a:rPr lang="ja-JP" altLang="en-US" dirty="0"/>
+              <a:t>補足：ラズパイ再起動したときのサーバー再起動手順</a:t>
+            </a:r>
+            <a:endParaRPr lang="en-US" altLang="ja-JP" dirty="0"/>
+          </a:p>
+          <a:p>
+            <a:pPr marL="0" indent="0">
+              <a:buNone/>
+            </a:pPr>
+            <a:r>
+              <a:rPr kumimoji="1" lang="en-US" altLang="ja-JP" sz="1800" dirty="0"/>
+              <a:t>$ docker start </a:t>
+            </a:r>
+            <a:r>
+              <a:rPr kumimoji="1" lang="en-US" altLang="ja-JP" sz="1800" dirty="0" err="1"/>
+              <a:t>ollama</a:t>
+            </a:r>
+            <a:endParaRPr kumimoji="1" lang="en-US" altLang="ja-JP" sz="1800" dirty="0"/>
+          </a:p>
+          <a:p>
+            <a:pPr marL="0" indent="0">
+              <a:buNone/>
+            </a:pPr>
+            <a:r>
+              <a:rPr kumimoji="1" lang="en-US" altLang="ja-JP" sz="1800" dirty="0"/>
+              <a:t>$ docker start </a:t>
+            </a:r>
+            <a:r>
+              <a:rPr kumimoji="1" lang="en-US" altLang="ja-JP" sz="1800" dirty="0" err="1"/>
+              <a:t>qdrant</a:t>
+            </a:r>
+            <a:endParaRPr kumimoji="1" lang="en-US" altLang="ja-JP" sz="1800" dirty="0"/>
+          </a:p>
+          <a:p>
+            <a:pPr marL="0" indent="0">
+              <a:buNone/>
+            </a:pPr>
+            <a:endParaRPr lang="en-US" altLang="ja-JP" sz="1600" dirty="0"/>
+          </a:p>
+          <a:p>
+            <a:pPr marL="0" indent="0">
+              <a:buNone/>
+            </a:pPr>
+            <a:endParaRPr lang="en-US" altLang="ja-JP" sz="2800" dirty="0"/>
+          </a:p>
+          <a:p>
+            <a:pPr marL="0" indent="0">
+              <a:buNone/>
+            </a:pPr>
+            <a:endParaRPr kumimoji="1" lang="en-US" altLang="ja-JP" dirty="0"/>
+          </a:p>
+        </p:txBody>
+      </p:sp>
+    </p:spTree>
+    <p:extLst>
+      <p:ext uri="{BB962C8B-B14F-4D97-AF65-F5344CB8AC3E}">
+        <p14:creationId xmlns:p14="http://schemas.microsoft.com/office/powerpoint/2010/main" val="3485624740"/>
+      </p:ext>
+    </p:extLst>
+  </p:cSld>
+  <p:clrMapOvr>
+    <a:masterClrMapping/>
+  </p:clrMapOvr>
+</p:sld>
+</file>
+
+<file path=ppt/slides/slide8.xml><?xml version="1.0" encoding="utf-8"?>
+<p:sld xmlns:a="http://schemas.openxmlformats.org/drawingml/2006/main" xmlns:r="http://schemas.openxmlformats.org/officeDocument/2006/relationships" xmlns:p="http://schemas.openxmlformats.org/presentationml/2006/main">
+  <p:cSld>
+    <p:spTree>
+      <p:nvGrpSpPr>
+        <p:cNvPr id="1" name=""/>
+        <p:cNvGrpSpPr/>
+        <p:nvPr/>
+      </p:nvGrpSpPr>
+      <p:grpSpPr>
+        <a:xfrm>
+          <a:off x="0" y="0"/>
+          <a:ext cx="0" cy="0"/>
+          <a:chOff x="0" y="0"/>
+          <a:chExt cx="0" cy="0"/>
+        </a:xfrm>
+      </p:grpSpPr>
+      <p:sp>
+        <p:nvSpPr>
+          <p:cNvPr id="2" name="タイトル 1">
+            <a:extLst>
+              <a:ext uri="{FF2B5EF4-FFF2-40B4-BE49-F238E27FC236}">
+                <a16:creationId xmlns:a16="http://schemas.microsoft.com/office/drawing/2014/main" id="{9C784ACA-9376-15C6-DD93-68B5D582FADA}"/>
+              </a:ext>
+            </a:extLst>
+          </p:cNvPr>
+          <p:cNvSpPr>
+            <a:spLocks noGrp="1"/>
+          </p:cNvSpPr>
+          <p:nvPr>
+            <p:ph type="title"/>
+          </p:nvPr>
+        </p:nvSpPr>
+        <p:spPr/>
+        <p:txBody>
+          <a:bodyPr/>
+          <a:lstStyle/>
+          <a:p>
+            <a:r>
+              <a:rPr kumimoji="1" lang="ja-JP" altLang="en-US" dirty="0"/>
+              <a:t>引用サイト</a:t>
+            </a:r>
+          </a:p>
+        </p:txBody>
+      </p:sp>
+      <p:sp>
+        <p:nvSpPr>
+          <p:cNvPr id="3" name="コンテンツ プレースホルダー 2">
+            <a:extLst>
+              <a:ext uri="{FF2B5EF4-FFF2-40B4-BE49-F238E27FC236}">
+                <a16:creationId xmlns:a16="http://schemas.microsoft.com/office/drawing/2014/main" id="{37025C41-8921-578C-16F8-6B5CF0A93AE0}"/>
+              </a:ext>
+            </a:extLst>
+          </p:cNvPr>
+          <p:cNvSpPr>
+            <a:spLocks noGrp="1"/>
+          </p:cNvSpPr>
+          <p:nvPr>
+            <p:ph idx="1"/>
+          </p:nvPr>
+        </p:nvSpPr>
+        <p:spPr/>
+        <p:txBody>
+          <a:bodyPr>
+            <a:normAutofit/>
+          </a:bodyPr>
+          <a:lstStyle/>
+          <a:p>
+            <a:pPr marL="0" indent="0">
+              <a:buNone/>
+            </a:pPr>
             <a:endParaRPr kumimoji="1" lang="en-US" altLang="ja-JP" dirty="0"/>
           </a:p>
           <a:p>

--- a/raspberry-pi-report/RAGの検証.pptx
+++ b/raspberry-pi-report/RAGの検証.pptx
@@ -123,946 +123,12 @@
 <p1510:revInfo xmlns:a="http://schemas.openxmlformats.org/drawingml/2006/main" xmlns:r="http://schemas.openxmlformats.org/officeDocument/2006/relationships" xmlns:p1510="http://schemas.microsoft.com/office/powerpoint/2015/10/main">
   <p1510:revLst>
     <p1510:client id="{08F20566-51F3-49C8-9CDF-DEA9540ACD2F}" v="8" dt="2024-09-25T15:51:05.787"/>
-    <p1510:client id="{C43607F1-232B-44DB-B3B2-14DEC55E9315}" v="80" dt="2024-09-25T15:24:18.172"/>
   </p1510:revLst>
 </p1510:revInfo>
 </file>
 
 <file path=ppt/changesInfos/changesInfo1.xml><?xml version="1.0" encoding="utf-8"?>
 <pc:chgInfo xmlns:a="http://schemas.openxmlformats.org/drawingml/2006/main" xmlns:r="http://schemas.openxmlformats.org/officeDocument/2006/relationships" xmlns:ac="http://schemas.microsoft.com/office/drawing/2013/main/command" xmlns:pc="http://schemas.microsoft.com/office/powerpoint/2013/main/command">
-  <pc:docChgLst>
-    <pc:chgData name="Yoshiharu Hamaguchi" userId="470e288704938fe9" providerId="LiveId" clId="{46C12E7F-E35C-42BF-B856-810C3AAE2138}"/>
-    <pc:docChg chg="custSel modSld">
-      <pc:chgData name="Yoshiharu Hamaguchi" userId="470e288704938fe9" providerId="LiveId" clId="{46C12E7F-E35C-42BF-B856-810C3AAE2138}" dt="2024-08-17T07:15:42.746" v="129" actId="20577"/>
-      <pc:docMkLst>
-        <pc:docMk/>
-      </pc:docMkLst>
-      <pc:sldChg chg="modSp mod">
-        <pc:chgData name="Yoshiharu Hamaguchi" userId="470e288704938fe9" providerId="LiveId" clId="{46C12E7F-E35C-42BF-B856-810C3AAE2138}" dt="2024-08-17T07:13:46.984" v="43" actId="20577"/>
-        <pc:sldMkLst>
-          <pc:docMk/>
-          <pc:sldMk cId="634982452" sldId="256"/>
-        </pc:sldMkLst>
-        <pc:spChg chg="mod">
-          <ac:chgData name="Yoshiharu Hamaguchi" userId="470e288704938fe9" providerId="LiveId" clId="{46C12E7F-E35C-42BF-B856-810C3AAE2138}" dt="2024-08-17T07:13:17.184" v="10" actId="20577"/>
-          <ac:spMkLst>
-            <pc:docMk/>
-            <pc:sldMk cId="634982452" sldId="256"/>
-            <ac:spMk id="2" creationId="{3F0D190A-A8DB-32F1-0D56-13F6D381B778}"/>
-          </ac:spMkLst>
-        </pc:spChg>
-        <pc:spChg chg="mod">
-          <ac:chgData name="Yoshiharu Hamaguchi" userId="470e288704938fe9" providerId="LiveId" clId="{46C12E7F-E35C-42BF-B856-810C3AAE2138}" dt="2024-08-17T07:13:46.984" v="43" actId="20577"/>
-          <ac:spMkLst>
-            <pc:docMk/>
-            <pc:sldMk cId="634982452" sldId="256"/>
-            <ac:spMk id="3" creationId="{BC817A74-920C-0926-7C76-24BA4993B9F3}"/>
-          </ac:spMkLst>
-        </pc:spChg>
-      </pc:sldChg>
-      <pc:sldChg chg="modSp mod">
-        <pc:chgData name="Yoshiharu Hamaguchi" userId="470e288704938fe9" providerId="LiveId" clId="{46C12E7F-E35C-42BF-B856-810C3AAE2138}" dt="2024-08-17T07:14:18.771" v="52" actId="20577"/>
-        <pc:sldMkLst>
-          <pc:docMk/>
-          <pc:sldMk cId="3586103662" sldId="259"/>
-        </pc:sldMkLst>
-        <pc:spChg chg="mod">
-          <ac:chgData name="Yoshiharu Hamaguchi" userId="470e288704938fe9" providerId="LiveId" clId="{46C12E7F-E35C-42BF-B856-810C3AAE2138}" dt="2024-08-17T07:14:18.771" v="52" actId="20577"/>
-          <ac:spMkLst>
-            <pc:docMk/>
-            <pc:sldMk cId="3586103662" sldId="259"/>
-            <ac:spMk id="3" creationId="{37025C41-8921-578C-16F8-6B5CF0A93AE0}"/>
-          </ac:spMkLst>
-        </pc:spChg>
-      </pc:sldChg>
-      <pc:sldChg chg="modSp mod">
-        <pc:chgData name="Yoshiharu Hamaguchi" userId="470e288704938fe9" providerId="LiveId" clId="{46C12E7F-E35C-42BF-B856-810C3AAE2138}" dt="2024-08-17T07:13:56.935" v="45" actId="27636"/>
-        <pc:sldMkLst>
-          <pc:docMk/>
-          <pc:sldMk cId="3422986759" sldId="260"/>
-        </pc:sldMkLst>
-        <pc:spChg chg="mod">
-          <ac:chgData name="Yoshiharu Hamaguchi" userId="470e288704938fe9" providerId="LiveId" clId="{46C12E7F-E35C-42BF-B856-810C3AAE2138}" dt="2024-08-17T07:13:56.935" v="45" actId="27636"/>
-          <ac:spMkLst>
-            <pc:docMk/>
-            <pc:sldMk cId="3422986759" sldId="260"/>
-            <ac:spMk id="3" creationId="{37025C41-8921-578C-16F8-6B5CF0A93AE0}"/>
-          </ac:spMkLst>
-        </pc:spChg>
-      </pc:sldChg>
-      <pc:sldChg chg="modSp mod">
-        <pc:chgData name="Yoshiharu Hamaguchi" userId="470e288704938fe9" providerId="LiveId" clId="{46C12E7F-E35C-42BF-B856-810C3AAE2138}" dt="2024-08-17T07:15:42.746" v="129" actId="20577"/>
-        <pc:sldMkLst>
-          <pc:docMk/>
-          <pc:sldMk cId="4019972730" sldId="262"/>
-        </pc:sldMkLst>
-        <pc:spChg chg="mod">
-          <ac:chgData name="Yoshiharu Hamaguchi" userId="470e288704938fe9" providerId="LiveId" clId="{46C12E7F-E35C-42BF-B856-810C3AAE2138}" dt="2024-08-17T07:15:42.746" v="129" actId="20577"/>
-          <ac:spMkLst>
-            <pc:docMk/>
-            <pc:sldMk cId="4019972730" sldId="262"/>
-            <ac:spMk id="3" creationId="{37025C41-8921-578C-16F8-6B5CF0A93AE0}"/>
-          </ac:spMkLst>
-        </pc:spChg>
-      </pc:sldChg>
-    </pc:docChg>
-  </pc:docChgLst>
-  <pc:docChgLst>
-    <pc:chgData name="Yoshiharu Hamaguchi" userId="470e288704938fe9" providerId="LiveId" clId="{C43607F1-232B-44DB-B3B2-14DEC55E9315}"/>
-    <pc:docChg chg="undo redo custSel addSld modSld sldOrd">
-      <pc:chgData name="Yoshiharu Hamaguchi" userId="470e288704938fe9" providerId="LiveId" clId="{C43607F1-232B-44DB-B3B2-14DEC55E9315}" dt="2024-09-25T15:29:14.834" v="6781" actId="20577"/>
-      <pc:docMkLst>
-        <pc:docMk/>
-      </pc:docMkLst>
-      <pc:sldChg chg="modSp mod">
-        <pc:chgData name="Yoshiharu Hamaguchi" userId="470e288704938fe9" providerId="LiveId" clId="{C43607F1-232B-44DB-B3B2-14DEC55E9315}" dt="2024-09-25T10:11:46.044" v="3377"/>
-        <pc:sldMkLst>
-          <pc:docMk/>
-          <pc:sldMk cId="634982452" sldId="256"/>
-        </pc:sldMkLst>
-        <pc:spChg chg="mod">
-          <ac:chgData name="Yoshiharu Hamaguchi" userId="470e288704938fe9" providerId="LiveId" clId="{C43607F1-232B-44DB-B3B2-14DEC55E9315}" dt="2024-09-25T10:11:46.044" v="3377"/>
-          <ac:spMkLst>
-            <pc:docMk/>
-            <pc:sldMk cId="634982452" sldId="256"/>
-            <ac:spMk id="2" creationId="{3F0D190A-A8DB-32F1-0D56-13F6D381B778}"/>
-          </ac:spMkLst>
-        </pc:spChg>
-        <pc:spChg chg="mod">
-          <ac:chgData name="Yoshiharu Hamaguchi" userId="470e288704938fe9" providerId="LiveId" clId="{C43607F1-232B-44DB-B3B2-14DEC55E9315}" dt="2024-09-25T10:11:46.044" v="3377"/>
-          <ac:spMkLst>
-            <pc:docMk/>
-            <pc:sldMk cId="634982452" sldId="256"/>
-            <ac:spMk id="3" creationId="{BC817A74-920C-0926-7C76-24BA4993B9F3}"/>
-          </ac:spMkLst>
-        </pc:spChg>
-      </pc:sldChg>
-      <pc:sldChg chg="modSp mod ord">
-        <pc:chgData name="Yoshiharu Hamaguchi" userId="470e288704938fe9" providerId="LiveId" clId="{C43607F1-232B-44DB-B3B2-14DEC55E9315}" dt="2024-09-25T15:29:14.834" v="6781" actId="20577"/>
-        <pc:sldMkLst>
-          <pc:docMk/>
-          <pc:sldMk cId="4019972730" sldId="262"/>
-        </pc:sldMkLst>
-        <pc:spChg chg="mod">
-          <ac:chgData name="Yoshiharu Hamaguchi" userId="470e288704938fe9" providerId="LiveId" clId="{C43607F1-232B-44DB-B3B2-14DEC55E9315}" dt="2024-09-25T10:11:46.044" v="3377"/>
-          <ac:spMkLst>
-            <pc:docMk/>
-            <pc:sldMk cId="4019972730" sldId="262"/>
-            <ac:spMk id="2" creationId="{9C784ACA-9376-15C6-DD93-68B5D582FADA}"/>
-          </ac:spMkLst>
-        </pc:spChg>
-        <pc:spChg chg="mod">
-          <ac:chgData name="Yoshiharu Hamaguchi" userId="470e288704938fe9" providerId="LiveId" clId="{C43607F1-232B-44DB-B3B2-14DEC55E9315}" dt="2024-09-25T15:29:14.834" v="6781" actId="20577"/>
-          <ac:spMkLst>
-            <pc:docMk/>
-            <pc:sldMk cId="4019972730" sldId="262"/>
-            <ac:spMk id="3" creationId="{37025C41-8921-578C-16F8-6B5CF0A93AE0}"/>
-          </ac:spMkLst>
-        </pc:spChg>
-      </pc:sldChg>
-      <pc:sldChg chg="modSp add mod">
-        <pc:chgData name="Yoshiharu Hamaguchi" userId="470e288704938fe9" providerId="LiveId" clId="{C43607F1-232B-44DB-B3B2-14DEC55E9315}" dt="2024-09-25T12:01:46.486" v="5502" actId="20577"/>
-        <pc:sldMkLst>
-          <pc:docMk/>
-          <pc:sldMk cId="958570635" sldId="263"/>
-        </pc:sldMkLst>
-        <pc:spChg chg="mod">
-          <ac:chgData name="Yoshiharu Hamaguchi" userId="470e288704938fe9" providerId="LiveId" clId="{C43607F1-232B-44DB-B3B2-14DEC55E9315}" dt="2024-09-25T12:01:46.486" v="5502" actId="20577"/>
-          <ac:spMkLst>
-            <pc:docMk/>
-            <pc:sldMk cId="958570635" sldId="263"/>
-            <ac:spMk id="2" creationId="{9C784ACA-9376-15C6-DD93-68B5D582FADA}"/>
-          </ac:spMkLst>
-        </pc:spChg>
-        <pc:spChg chg="mod">
-          <ac:chgData name="Yoshiharu Hamaguchi" userId="470e288704938fe9" providerId="LiveId" clId="{C43607F1-232B-44DB-B3B2-14DEC55E9315}" dt="2024-09-25T11:59:29.129" v="5429" actId="20577"/>
-          <ac:spMkLst>
-            <pc:docMk/>
-            <pc:sldMk cId="958570635" sldId="263"/>
-            <ac:spMk id="3" creationId="{37025C41-8921-578C-16F8-6B5CF0A93AE0}"/>
-          </ac:spMkLst>
-        </pc:spChg>
-      </pc:sldChg>
-      <pc:sldChg chg="modSp add mod">
-        <pc:chgData name="Yoshiharu Hamaguchi" userId="470e288704938fe9" providerId="LiveId" clId="{C43607F1-232B-44DB-B3B2-14DEC55E9315}" dt="2024-09-25T15:26:14.501" v="6687" actId="20577"/>
-        <pc:sldMkLst>
-          <pc:docMk/>
-          <pc:sldMk cId="3365730422" sldId="264"/>
-        </pc:sldMkLst>
-        <pc:spChg chg="mod">
-          <ac:chgData name="Yoshiharu Hamaguchi" userId="470e288704938fe9" providerId="LiveId" clId="{C43607F1-232B-44DB-B3B2-14DEC55E9315}" dt="2024-09-25T10:11:46.044" v="3377"/>
-          <ac:spMkLst>
-            <pc:docMk/>
-            <pc:sldMk cId="3365730422" sldId="264"/>
-            <ac:spMk id="2" creationId="{9C784ACA-9376-15C6-DD93-68B5D582FADA}"/>
-          </ac:spMkLst>
-        </pc:spChg>
-        <pc:spChg chg="mod">
-          <ac:chgData name="Yoshiharu Hamaguchi" userId="470e288704938fe9" providerId="LiveId" clId="{C43607F1-232B-44DB-B3B2-14DEC55E9315}" dt="2024-09-25T15:26:14.501" v="6687" actId="20577"/>
-          <ac:spMkLst>
-            <pc:docMk/>
-            <pc:sldMk cId="3365730422" sldId="264"/>
-            <ac:spMk id="3" creationId="{37025C41-8921-578C-16F8-6B5CF0A93AE0}"/>
-          </ac:spMkLst>
-        </pc:spChg>
-      </pc:sldChg>
-      <pc:sldChg chg="modSp add mod">
-        <pc:chgData name="Yoshiharu Hamaguchi" userId="470e288704938fe9" providerId="LiveId" clId="{C43607F1-232B-44DB-B3B2-14DEC55E9315}" dt="2024-09-25T12:17:14.612" v="6294" actId="20577"/>
-        <pc:sldMkLst>
-          <pc:docMk/>
-          <pc:sldMk cId="3485624740" sldId="265"/>
-        </pc:sldMkLst>
-        <pc:spChg chg="mod">
-          <ac:chgData name="Yoshiharu Hamaguchi" userId="470e288704938fe9" providerId="LiveId" clId="{C43607F1-232B-44DB-B3B2-14DEC55E9315}" dt="2024-09-25T12:01:42.167" v="5500" actId="20577"/>
-          <ac:spMkLst>
-            <pc:docMk/>
-            <pc:sldMk cId="3485624740" sldId="265"/>
-            <ac:spMk id="2" creationId="{9C784ACA-9376-15C6-DD93-68B5D582FADA}"/>
-          </ac:spMkLst>
-        </pc:spChg>
-        <pc:spChg chg="mod">
-          <ac:chgData name="Yoshiharu Hamaguchi" userId="470e288704938fe9" providerId="LiveId" clId="{C43607F1-232B-44DB-B3B2-14DEC55E9315}" dt="2024-09-25T12:17:14.612" v="6294" actId="20577"/>
-          <ac:spMkLst>
-            <pc:docMk/>
-            <pc:sldMk cId="3485624740" sldId="265"/>
-            <ac:spMk id="3" creationId="{37025C41-8921-578C-16F8-6B5CF0A93AE0}"/>
-          </ac:spMkLst>
-        </pc:spChg>
-      </pc:sldChg>
-      <pc:sldChg chg="addSp delSp modSp add mod ord">
-        <pc:chgData name="Yoshiharu Hamaguchi" userId="470e288704938fe9" providerId="LiveId" clId="{C43607F1-232B-44DB-B3B2-14DEC55E9315}" dt="2024-09-25T15:24:02.544" v="6637" actId="20577"/>
-        <pc:sldMkLst>
-          <pc:docMk/>
-          <pc:sldMk cId="3544669301" sldId="266"/>
-        </pc:sldMkLst>
-        <pc:spChg chg="mod">
-          <ac:chgData name="Yoshiharu Hamaguchi" userId="470e288704938fe9" providerId="LiveId" clId="{C43607F1-232B-44DB-B3B2-14DEC55E9315}" dt="2024-09-25T13:30:45.185" v="6550" actId="20577"/>
-          <ac:spMkLst>
-            <pc:docMk/>
-            <pc:sldMk cId="3544669301" sldId="266"/>
-            <ac:spMk id="2" creationId="{9C784ACA-9376-15C6-DD93-68B5D582FADA}"/>
-          </ac:spMkLst>
-        </pc:spChg>
-        <pc:spChg chg="del mod">
-          <ac:chgData name="Yoshiharu Hamaguchi" userId="470e288704938fe9" providerId="LiveId" clId="{C43607F1-232B-44DB-B3B2-14DEC55E9315}" dt="2024-09-25T12:13:58.063" v="6127" actId="478"/>
-          <ac:spMkLst>
-            <pc:docMk/>
-            <pc:sldMk cId="3544669301" sldId="266"/>
-            <ac:spMk id="3" creationId="{37025C41-8921-578C-16F8-6B5CF0A93AE0}"/>
-          </ac:spMkLst>
-        </pc:spChg>
-        <pc:spChg chg="add mod">
-          <ac:chgData name="Yoshiharu Hamaguchi" userId="470e288704938fe9" providerId="LiveId" clId="{C43607F1-232B-44DB-B3B2-14DEC55E9315}" dt="2024-09-25T15:24:02.544" v="6637" actId="20577"/>
-          <ac:spMkLst>
-            <pc:docMk/>
-            <pc:sldMk cId="3544669301" sldId="266"/>
-            <ac:spMk id="4" creationId="{8C13C9CE-666C-02A7-9EAA-106F1B50AE66}"/>
-          </ac:spMkLst>
-        </pc:spChg>
-        <pc:spChg chg="add mod">
-          <ac:chgData name="Yoshiharu Hamaguchi" userId="470e288704938fe9" providerId="LiveId" clId="{C43607F1-232B-44DB-B3B2-14DEC55E9315}" dt="2024-09-25T15:23:37.841" v="6553" actId="1076"/>
-          <ac:spMkLst>
-            <pc:docMk/>
-            <pc:sldMk cId="3544669301" sldId="266"/>
-            <ac:spMk id="5" creationId="{38525753-506C-CF9E-DF2A-0368D654E503}"/>
-          </ac:spMkLst>
-        </pc:spChg>
-        <pc:graphicFrameChg chg="add del mod">
-          <ac:chgData name="Yoshiharu Hamaguchi" userId="470e288704938fe9" providerId="LiveId" clId="{C43607F1-232B-44DB-B3B2-14DEC55E9315}" dt="2024-09-25T09:11:35.706" v="3118" actId="478"/>
-          <ac:graphicFrameMkLst>
-            <pc:docMk/>
-            <pc:sldMk cId="3544669301" sldId="266"/>
-            <ac:graphicFrameMk id="4" creationId="{9638860F-7C2B-CB75-3633-23A88AD1CFFF}"/>
-          </ac:graphicFrameMkLst>
-        </pc:graphicFrameChg>
-      </pc:sldChg>
-      <pc:sldChg chg="addSp delSp modSp add mod">
-        <pc:chgData name="Yoshiharu Hamaguchi" userId="470e288704938fe9" providerId="LiveId" clId="{C43607F1-232B-44DB-B3B2-14DEC55E9315}" dt="2024-09-25T12:39:33.816" v="6418" actId="20577"/>
-        <pc:sldMkLst>
-          <pc:docMk/>
-          <pc:sldMk cId="768576187" sldId="267"/>
-        </pc:sldMkLst>
-        <pc:spChg chg="mod">
-          <ac:chgData name="Yoshiharu Hamaguchi" userId="470e288704938fe9" providerId="LiveId" clId="{C43607F1-232B-44DB-B3B2-14DEC55E9315}" dt="2024-09-25T12:11:51.211" v="6042" actId="255"/>
-          <ac:spMkLst>
-            <pc:docMk/>
-            <pc:sldMk cId="768576187" sldId="267"/>
-            <ac:spMk id="2" creationId="{9C784ACA-9376-15C6-DD93-68B5D582FADA}"/>
-          </ac:spMkLst>
-        </pc:spChg>
-        <pc:spChg chg="mod">
-          <ac:chgData name="Yoshiharu Hamaguchi" userId="470e288704938fe9" providerId="LiveId" clId="{C43607F1-232B-44DB-B3B2-14DEC55E9315}" dt="2024-09-25T12:39:33.816" v="6418" actId="20577"/>
-          <ac:spMkLst>
-            <pc:docMk/>
-            <pc:sldMk cId="768576187" sldId="267"/>
-            <ac:spMk id="3" creationId="{37025C41-8921-578C-16F8-6B5CF0A93AE0}"/>
-          </ac:spMkLst>
-        </pc:spChg>
-        <pc:graphicFrameChg chg="add mod">
-          <ac:chgData name="Yoshiharu Hamaguchi" userId="470e288704938fe9" providerId="LiveId" clId="{C43607F1-232B-44DB-B3B2-14DEC55E9315}" dt="2024-09-25T12:12:56.408" v="6045" actId="1076"/>
-          <ac:graphicFrameMkLst>
-            <pc:docMk/>
-            <pc:sldMk cId="768576187" sldId="267"/>
-            <ac:graphicFrameMk id="4" creationId="{4E5D5511-B581-66FB-A2EC-FFB9111D8C73}"/>
-          </ac:graphicFrameMkLst>
-        </pc:graphicFrameChg>
-        <pc:graphicFrameChg chg="del">
-          <ac:chgData name="Yoshiharu Hamaguchi" userId="470e288704938fe9" providerId="LiveId" clId="{C43607F1-232B-44DB-B3B2-14DEC55E9315}" dt="2024-09-25T09:09:05.412" v="2871" actId="478"/>
-          <ac:graphicFrameMkLst>
-            <pc:docMk/>
-            <pc:sldMk cId="768576187" sldId="267"/>
-            <ac:graphicFrameMk id="4" creationId="{9638860F-7C2B-CB75-3633-23A88AD1CFFF}"/>
-          </ac:graphicFrameMkLst>
-        </pc:graphicFrameChg>
-      </pc:sldChg>
-      <pc:sldChg chg="addSp delSp modSp add mod">
-        <pc:chgData name="Yoshiharu Hamaguchi" userId="470e288704938fe9" providerId="LiveId" clId="{C43607F1-232B-44DB-B3B2-14DEC55E9315}" dt="2024-09-25T13:29:00.213" v="6471" actId="20577"/>
-        <pc:sldMkLst>
-          <pc:docMk/>
-          <pc:sldMk cId="840589698" sldId="268"/>
-        </pc:sldMkLst>
-        <pc:spChg chg="mod">
-          <ac:chgData name="Yoshiharu Hamaguchi" userId="470e288704938fe9" providerId="LiveId" clId="{C43607F1-232B-44DB-B3B2-14DEC55E9315}" dt="2024-09-25T11:54:23.312" v="5068" actId="20577"/>
-          <ac:spMkLst>
-            <pc:docMk/>
-            <pc:sldMk cId="840589698" sldId="268"/>
-            <ac:spMk id="2" creationId="{9C784ACA-9376-15C6-DD93-68B5D582FADA}"/>
-          </ac:spMkLst>
-        </pc:spChg>
-        <pc:spChg chg="mod">
-          <ac:chgData name="Yoshiharu Hamaguchi" userId="470e288704938fe9" providerId="LiveId" clId="{C43607F1-232B-44DB-B3B2-14DEC55E9315}" dt="2024-09-25T11:55:02.095" v="5109" actId="1035"/>
-          <ac:spMkLst>
-            <pc:docMk/>
-            <pc:sldMk cId="840589698" sldId="268"/>
-            <ac:spMk id="3" creationId="{37025C41-8921-578C-16F8-6B5CF0A93AE0}"/>
-          </ac:spMkLst>
-        </pc:spChg>
-        <pc:spChg chg="add del mod">
-          <ac:chgData name="Yoshiharu Hamaguchi" userId="470e288704938fe9" providerId="LiveId" clId="{C43607F1-232B-44DB-B3B2-14DEC55E9315}" dt="2024-09-25T10:16:39.785" v="3447" actId="11529"/>
-          <ac:spMkLst>
-            <pc:docMk/>
-            <pc:sldMk cId="840589698" sldId="268"/>
-            <ac:spMk id="4" creationId="{F98FC884-FBB8-61AD-34FB-0D85D813F28B}"/>
-          </ac:spMkLst>
-        </pc:spChg>
-        <pc:spChg chg="add mod">
-          <ac:chgData name="Yoshiharu Hamaguchi" userId="470e288704938fe9" providerId="LiveId" clId="{C43607F1-232B-44DB-B3B2-14DEC55E9315}" dt="2024-09-25T10:16:39.267" v="3446" actId="571"/>
-          <ac:spMkLst>
-            <pc:docMk/>
-            <pc:sldMk cId="840589698" sldId="268"/>
-            <ac:spMk id="5" creationId="{F23FD391-2473-6A83-F034-27A86E8878C2}"/>
-          </ac:spMkLst>
-        </pc:spChg>
-        <pc:spChg chg="add del">
-          <ac:chgData name="Yoshiharu Hamaguchi" userId="470e288704938fe9" providerId="LiveId" clId="{C43607F1-232B-44DB-B3B2-14DEC55E9315}" dt="2024-09-25T10:18:36.849" v="3472" actId="478"/>
-          <ac:spMkLst>
-            <pc:docMk/>
-            <pc:sldMk cId="840589698" sldId="268"/>
-            <ac:spMk id="12" creationId="{5320D42A-23DA-4C62-811E-03B9E5D4BC45}"/>
-          </ac:spMkLst>
-        </pc:spChg>
-        <pc:spChg chg="add mod">
-          <ac:chgData name="Yoshiharu Hamaguchi" userId="470e288704938fe9" providerId="LiveId" clId="{C43607F1-232B-44DB-B3B2-14DEC55E9315}" dt="2024-09-25T12:00:41.153" v="5465" actId="20577"/>
-          <ac:spMkLst>
-            <pc:docMk/>
-            <pc:sldMk cId="840589698" sldId="268"/>
-            <ac:spMk id="17" creationId="{22EFD490-063C-E600-DC74-E61C4AD29849}"/>
-          </ac:spMkLst>
-        </pc:spChg>
-        <pc:spChg chg="add del mod">
-          <ac:chgData name="Yoshiharu Hamaguchi" userId="470e288704938fe9" providerId="LiveId" clId="{C43607F1-232B-44DB-B3B2-14DEC55E9315}" dt="2024-09-25T10:21:45.687" v="3627"/>
-          <ac:spMkLst>
-            <pc:docMk/>
-            <pc:sldMk cId="840589698" sldId="268"/>
-            <ac:spMk id="18" creationId="{AFC52DAA-C20B-D63E-784B-8FAFBC832FAE}"/>
-          </ac:spMkLst>
-        </pc:spChg>
-        <pc:spChg chg="add mod">
-          <ac:chgData name="Yoshiharu Hamaguchi" userId="470e288704938fe9" providerId="LiveId" clId="{C43607F1-232B-44DB-B3B2-14DEC55E9315}" dt="2024-09-25T11:55:02.095" v="5109" actId="1035"/>
-          <ac:spMkLst>
-            <pc:docMk/>
-            <pc:sldMk cId="840589698" sldId="268"/>
-            <ac:spMk id="19" creationId="{2CDCB588-1E89-B1B4-BB6B-210B5ECD1361}"/>
-          </ac:spMkLst>
-        </pc:spChg>
-        <pc:spChg chg="add mod">
-          <ac:chgData name="Yoshiharu Hamaguchi" userId="470e288704938fe9" providerId="LiveId" clId="{C43607F1-232B-44DB-B3B2-14DEC55E9315}" dt="2024-09-25T11:55:02.095" v="5109" actId="1035"/>
-          <ac:spMkLst>
-            <pc:docMk/>
-            <pc:sldMk cId="840589698" sldId="268"/>
-            <ac:spMk id="20" creationId="{5D996A43-DC64-4070-A3C0-8AEBA9493CE6}"/>
-          </ac:spMkLst>
-        </pc:spChg>
-        <pc:spChg chg="add mod">
-          <ac:chgData name="Yoshiharu Hamaguchi" userId="470e288704938fe9" providerId="LiveId" clId="{C43607F1-232B-44DB-B3B2-14DEC55E9315}" dt="2024-09-25T12:01:51.040" v="5503" actId="20577"/>
-          <ac:spMkLst>
-            <pc:docMk/>
-            <pc:sldMk cId="840589698" sldId="268"/>
-            <ac:spMk id="21" creationId="{7EB19867-148A-D7FC-9274-4234BFD3440B}"/>
-          </ac:spMkLst>
-        </pc:spChg>
-        <pc:spChg chg="add mod">
-          <ac:chgData name="Yoshiharu Hamaguchi" userId="470e288704938fe9" providerId="LiveId" clId="{C43607F1-232B-44DB-B3B2-14DEC55E9315}" dt="2024-09-25T10:22:00.581" v="3631" actId="571"/>
-          <ac:spMkLst>
-            <pc:docMk/>
-            <pc:sldMk cId="840589698" sldId="268"/>
-            <ac:spMk id="22" creationId="{CBA24C83-4831-1386-386F-530CF522B95C}"/>
-          </ac:spMkLst>
-        </pc:spChg>
-        <pc:spChg chg="add mod">
-          <ac:chgData name="Yoshiharu Hamaguchi" userId="470e288704938fe9" providerId="LiveId" clId="{C43607F1-232B-44DB-B3B2-14DEC55E9315}" dt="2024-09-25T10:22:00.581" v="3631" actId="571"/>
-          <ac:spMkLst>
-            <pc:docMk/>
-            <pc:sldMk cId="840589698" sldId="268"/>
-            <ac:spMk id="23" creationId="{0D782016-83C1-6806-9341-108657EA9BA8}"/>
-          </ac:spMkLst>
-        </pc:spChg>
-        <pc:spChg chg="add mod ord">
-          <ac:chgData name="Yoshiharu Hamaguchi" userId="470e288704938fe9" providerId="LiveId" clId="{C43607F1-232B-44DB-B3B2-14DEC55E9315}" dt="2024-09-25T11:55:02.095" v="5109" actId="1035"/>
-          <ac:spMkLst>
-            <pc:docMk/>
-            <pc:sldMk cId="840589698" sldId="268"/>
-            <ac:spMk id="24" creationId="{2C710E95-554D-F235-C3F1-BF13E1AA1068}"/>
-          </ac:spMkLst>
-        </pc:spChg>
-        <pc:spChg chg="add mod ord">
-          <ac:chgData name="Yoshiharu Hamaguchi" userId="470e288704938fe9" providerId="LiveId" clId="{C43607F1-232B-44DB-B3B2-14DEC55E9315}" dt="2024-09-25T11:55:02.095" v="5109" actId="1035"/>
-          <ac:spMkLst>
-            <pc:docMk/>
-            <pc:sldMk cId="840589698" sldId="268"/>
-            <ac:spMk id="25" creationId="{432FD002-C3EC-95AB-E364-BC60A7440B0A}"/>
-          </ac:spMkLst>
-        </pc:spChg>
-        <pc:spChg chg="add mod ord">
-          <ac:chgData name="Yoshiharu Hamaguchi" userId="470e288704938fe9" providerId="LiveId" clId="{C43607F1-232B-44DB-B3B2-14DEC55E9315}" dt="2024-09-25T11:55:02.095" v="5109" actId="1035"/>
-          <ac:spMkLst>
-            <pc:docMk/>
-            <pc:sldMk cId="840589698" sldId="268"/>
-            <ac:spMk id="26" creationId="{0A5DCF7B-D5B4-2BE2-5871-8EED0BA9AE2C}"/>
-          </ac:spMkLst>
-        </pc:spChg>
-        <pc:spChg chg="add mod">
-          <ac:chgData name="Yoshiharu Hamaguchi" userId="470e288704938fe9" providerId="LiveId" clId="{C43607F1-232B-44DB-B3B2-14DEC55E9315}" dt="2024-09-25T12:03:08.078" v="5525" actId="1036"/>
-          <ac:spMkLst>
-            <pc:docMk/>
-            <pc:sldMk cId="840589698" sldId="268"/>
-            <ac:spMk id="27" creationId="{D7F52068-5699-1CBA-7FBA-D813809E2F1F}"/>
-          </ac:spMkLst>
-        </pc:spChg>
-        <pc:spChg chg="add mod">
-          <ac:chgData name="Yoshiharu Hamaguchi" userId="470e288704938fe9" providerId="LiveId" clId="{C43607F1-232B-44DB-B3B2-14DEC55E9315}" dt="2024-09-25T10:27:34.883" v="3851" actId="571"/>
-          <ac:spMkLst>
-            <pc:docMk/>
-            <pc:sldMk cId="840589698" sldId="268"/>
-            <ac:spMk id="28" creationId="{FD64C395-4E8A-6520-A2FE-4A7B5009B0AB}"/>
-          </ac:spMkLst>
-        </pc:spChg>
-        <pc:spChg chg="add mod">
-          <ac:chgData name="Yoshiharu Hamaguchi" userId="470e288704938fe9" providerId="LiveId" clId="{C43607F1-232B-44DB-B3B2-14DEC55E9315}" dt="2024-09-25T10:27:38.841" v="3853" actId="571"/>
-          <ac:spMkLst>
-            <pc:docMk/>
-            <pc:sldMk cId="840589698" sldId="268"/>
-            <ac:spMk id="29" creationId="{8D074A2A-D5C9-BBC7-E92D-C9565B37A9E9}"/>
-          </ac:spMkLst>
-        </pc:spChg>
-        <pc:spChg chg="add mod">
-          <ac:chgData name="Yoshiharu Hamaguchi" userId="470e288704938fe9" providerId="LiveId" clId="{C43607F1-232B-44DB-B3B2-14DEC55E9315}" dt="2024-09-25T11:55:02.095" v="5109" actId="1035"/>
-          <ac:spMkLst>
-            <pc:docMk/>
-            <pc:sldMk cId="840589698" sldId="268"/>
-            <ac:spMk id="30" creationId="{9F8A6BA6-9C05-8916-B855-7146EEBA1167}"/>
-          </ac:spMkLst>
-        </pc:spChg>
-        <pc:spChg chg="add mod">
-          <ac:chgData name="Yoshiharu Hamaguchi" userId="470e288704938fe9" providerId="LiveId" clId="{C43607F1-232B-44DB-B3B2-14DEC55E9315}" dt="2024-09-25T11:55:02.095" v="5109" actId="1035"/>
-          <ac:spMkLst>
-            <pc:docMk/>
-            <pc:sldMk cId="840589698" sldId="268"/>
-            <ac:spMk id="31" creationId="{84235BB5-BE18-15D2-8BB3-E9CB549D6AB3}"/>
-          </ac:spMkLst>
-        </pc:spChg>
-        <pc:spChg chg="add mod">
-          <ac:chgData name="Yoshiharu Hamaguchi" userId="470e288704938fe9" providerId="LiveId" clId="{C43607F1-232B-44DB-B3B2-14DEC55E9315}" dt="2024-09-25T11:55:02.095" v="5109" actId="1035"/>
-          <ac:spMkLst>
-            <pc:docMk/>
-            <pc:sldMk cId="840589698" sldId="268"/>
-            <ac:spMk id="32" creationId="{CD126C2D-904F-6F62-E142-CA8F1BBD0251}"/>
-          </ac:spMkLst>
-        </pc:spChg>
-        <pc:spChg chg="add mod">
-          <ac:chgData name="Yoshiharu Hamaguchi" userId="470e288704938fe9" providerId="LiveId" clId="{C43607F1-232B-44DB-B3B2-14DEC55E9315}" dt="2024-09-25T11:55:02.095" v="5109" actId="1035"/>
-          <ac:spMkLst>
-            <pc:docMk/>
-            <pc:sldMk cId="840589698" sldId="268"/>
-            <ac:spMk id="33" creationId="{0FB338FD-35EF-30D7-06A9-7A1B992B2830}"/>
-          </ac:spMkLst>
-        </pc:spChg>
-        <pc:spChg chg="add del mod">
-          <ac:chgData name="Yoshiharu Hamaguchi" userId="470e288704938fe9" providerId="LiveId" clId="{C43607F1-232B-44DB-B3B2-14DEC55E9315}" dt="2024-09-25T10:35:09.999" v="4180" actId="478"/>
-          <ac:spMkLst>
-            <pc:docMk/>
-            <pc:sldMk cId="840589698" sldId="268"/>
-            <ac:spMk id="34" creationId="{A50A472D-4099-8DAF-24F2-AF418F2F9C79}"/>
-          </ac:spMkLst>
-        </pc:spChg>
-        <pc:spChg chg="add mod">
-          <ac:chgData name="Yoshiharu Hamaguchi" userId="470e288704938fe9" providerId="LiveId" clId="{C43607F1-232B-44DB-B3B2-14DEC55E9315}" dt="2024-09-25T11:55:02.095" v="5109" actId="1035"/>
-          <ac:spMkLst>
-            <pc:docMk/>
-            <pc:sldMk cId="840589698" sldId="268"/>
-            <ac:spMk id="35" creationId="{1AFFE9F5-AE2D-EBB6-D84B-C52DD42E357B}"/>
-          </ac:spMkLst>
-        </pc:spChg>
-        <pc:spChg chg="add mod">
-          <ac:chgData name="Yoshiharu Hamaguchi" userId="470e288704938fe9" providerId="LiveId" clId="{C43607F1-232B-44DB-B3B2-14DEC55E9315}" dt="2024-09-25T10:39:29.891" v="4299" actId="571"/>
-          <ac:spMkLst>
-            <pc:docMk/>
-            <pc:sldMk cId="840589698" sldId="268"/>
-            <ac:spMk id="36" creationId="{24F56B13-3AC6-7FDD-8B46-EE30294A3D96}"/>
-          </ac:spMkLst>
-        </pc:spChg>
-        <pc:spChg chg="add mod ord">
-          <ac:chgData name="Yoshiharu Hamaguchi" userId="470e288704938fe9" providerId="LiveId" clId="{C43607F1-232B-44DB-B3B2-14DEC55E9315}" dt="2024-09-25T11:55:02.095" v="5109" actId="1035"/>
-          <ac:spMkLst>
-            <pc:docMk/>
-            <pc:sldMk cId="840589698" sldId="268"/>
-            <ac:spMk id="37" creationId="{D1058EA4-8932-1FDF-0C0E-3BD94FD33D65}"/>
-          </ac:spMkLst>
-        </pc:spChg>
-        <pc:spChg chg="add mod ord">
-          <ac:chgData name="Yoshiharu Hamaguchi" userId="470e288704938fe9" providerId="LiveId" clId="{C43607F1-232B-44DB-B3B2-14DEC55E9315}" dt="2024-09-25T11:55:02.095" v="5109" actId="1035"/>
-          <ac:spMkLst>
-            <pc:docMk/>
-            <pc:sldMk cId="840589698" sldId="268"/>
-            <ac:spMk id="38" creationId="{1A3E6AA3-18D3-7A9B-F0B1-B7633BF22430}"/>
-          </ac:spMkLst>
-        </pc:spChg>
-        <pc:spChg chg="add mod ord">
-          <ac:chgData name="Yoshiharu Hamaguchi" userId="470e288704938fe9" providerId="LiveId" clId="{C43607F1-232B-44DB-B3B2-14DEC55E9315}" dt="2024-09-25T11:55:02.095" v="5109" actId="1035"/>
-          <ac:spMkLst>
-            <pc:docMk/>
-            <pc:sldMk cId="840589698" sldId="268"/>
-            <ac:spMk id="39" creationId="{8A7149DE-6BB3-5177-C779-82DBB0881054}"/>
-          </ac:spMkLst>
-        </pc:spChg>
-        <pc:spChg chg="add mod">
-          <ac:chgData name="Yoshiharu Hamaguchi" userId="470e288704938fe9" providerId="LiveId" clId="{C43607F1-232B-44DB-B3B2-14DEC55E9315}" dt="2024-09-25T11:55:02.095" v="5109" actId="1035"/>
-          <ac:spMkLst>
-            <pc:docMk/>
-            <pc:sldMk cId="840589698" sldId="268"/>
-            <ac:spMk id="40" creationId="{AE3EDBDD-CC31-46D4-A001-B6C397E7D5A7}"/>
-          </ac:spMkLst>
-        </pc:spChg>
-        <pc:spChg chg="add mod">
-          <ac:chgData name="Yoshiharu Hamaguchi" userId="470e288704938fe9" providerId="LiveId" clId="{C43607F1-232B-44DB-B3B2-14DEC55E9315}" dt="2024-09-25T12:02:19.942" v="5505" actId="20577"/>
-          <ac:spMkLst>
-            <pc:docMk/>
-            <pc:sldMk cId="840589698" sldId="268"/>
-            <ac:spMk id="41" creationId="{78EB841D-7EEE-856E-2816-A546A25A6747}"/>
-          </ac:spMkLst>
-        </pc:spChg>
-        <pc:spChg chg="add mod">
-          <ac:chgData name="Yoshiharu Hamaguchi" userId="470e288704938fe9" providerId="LiveId" clId="{C43607F1-232B-44DB-B3B2-14DEC55E9315}" dt="2024-09-25T11:55:02.095" v="5109" actId="1035"/>
-          <ac:spMkLst>
-            <pc:docMk/>
-            <pc:sldMk cId="840589698" sldId="268"/>
-            <ac:spMk id="42" creationId="{25617D89-2A2A-DD7D-7316-1D4B0FFFD10C}"/>
-          </ac:spMkLst>
-        </pc:spChg>
-        <pc:spChg chg="add mod">
-          <ac:chgData name="Yoshiharu Hamaguchi" userId="470e288704938fe9" providerId="LiveId" clId="{C43607F1-232B-44DB-B3B2-14DEC55E9315}" dt="2024-09-25T11:55:02.095" v="5109" actId="1035"/>
-          <ac:spMkLst>
-            <pc:docMk/>
-            <pc:sldMk cId="840589698" sldId="268"/>
-            <ac:spMk id="43" creationId="{5FCB99EE-0845-55B5-25FB-9528EA5E62DB}"/>
-          </ac:spMkLst>
-        </pc:spChg>
-        <pc:spChg chg="add del">
-          <ac:chgData name="Yoshiharu Hamaguchi" userId="470e288704938fe9" providerId="LiveId" clId="{C43607F1-232B-44DB-B3B2-14DEC55E9315}" dt="2024-09-25T11:27:52.577" v="4545" actId="11529"/>
-          <ac:spMkLst>
-            <pc:docMk/>
-            <pc:sldMk cId="840589698" sldId="268"/>
-            <ac:spMk id="46" creationId="{864648D8-4C7D-49CB-AC03-A530324A6D1F}"/>
-          </ac:spMkLst>
-        </pc:spChg>
-        <pc:spChg chg="add mod">
-          <ac:chgData name="Yoshiharu Hamaguchi" userId="470e288704938fe9" providerId="LiveId" clId="{C43607F1-232B-44DB-B3B2-14DEC55E9315}" dt="2024-09-25T12:22:51.936" v="6363" actId="1076"/>
-          <ac:spMkLst>
-            <pc:docMk/>
-            <pc:sldMk cId="840589698" sldId="268"/>
-            <ac:spMk id="53" creationId="{2EBDE60C-B3C7-8BCA-38EB-2B2EE296631D}"/>
-          </ac:spMkLst>
-        </pc:spChg>
-        <pc:spChg chg="add mod">
-          <ac:chgData name="Yoshiharu Hamaguchi" userId="470e288704938fe9" providerId="LiveId" clId="{C43607F1-232B-44DB-B3B2-14DEC55E9315}" dt="2024-09-25T11:29:12.246" v="4591" actId="571"/>
-          <ac:spMkLst>
-            <pc:docMk/>
-            <pc:sldMk cId="840589698" sldId="268"/>
-            <ac:spMk id="54" creationId="{64213D1F-62E0-6FE2-8DD0-98A0F7965A20}"/>
-          </ac:spMkLst>
-        </pc:spChg>
-        <pc:spChg chg="add mod">
-          <ac:chgData name="Yoshiharu Hamaguchi" userId="470e288704938fe9" providerId="LiveId" clId="{C43607F1-232B-44DB-B3B2-14DEC55E9315}" dt="2024-09-25T11:30:21.518" v="4611" actId="571"/>
-          <ac:spMkLst>
-            <pc:docMk/>
-            <pc:sldMk cId="840589698" sldId="268"/>
-            <ac:spMk id="69" creationId="{87F80CD8-AD9D-76E0-D20C-888BEB7DBF63}"/>
-          </ac:spMkLst>
-        </pc:spChg>
-        <pc:spChg chg="add mod">
-          <ac:chgData name="Yoshiharu Hamaguchi" userId="470e288704938fe9" providerId="LiveId" clId="{C43607F1-232B-44DB-B3B2-14DEC55E9315}" dt="2024-09-25T11:55:02.095" v="5109" actId="1035"/>
-          <ac:spMkLst>
-            <pc:docMk/>
-            <pc:sldMk cId="840589698" sldId="268"/>
-            <ac:spMk id="72" creationId="{741FC192-317D-477E-05E4-6AE0AEEE4091}"/>
-          </ac:spMkLst>
-        </pc:spChg>
-        <pc:spChg chg="add del mod ord">
-          <ac:chgData name="Yoshiharu Hamaguchi" userId="470e288704938fe9" providerId="LiveId" clId="{C43607F1-232B-44DB-B3B2-14DEC55E9315}" dt="2024-09-25T11:42:15.199" v="4772" actId="478"/>
-          <ac:spMkLst>
-            <pc:docMk/>
-            <pc:sldMk cId="840589698" sldId="268"/>
-            <ac:spMk id="73" creationId="{F290F820-E77D-22D6-2914-B8FF9F15771A}"/>
-          </ac:spMkLst>
-        </pc:spChg>
-        <pc:spChg chg="add del mod ord">
-          <ac:chgData name="Yoshiharu Hamaguchi" userId="470e288704938fe9" providerId="LiveId" clId="{C43607F1-232B-44DB-B3B2-14DEC55E9315}" dt="2024-09-25T11:42:39.516" v="4783" actId="478"/>
-          <ac:spMkLst>
-            <pc:docMk/>
-            <pc:sldMk cId="840589698" sldId="268"/>
-            <ac:spMk id="74" creationId="{773FC1F2-A6BB-000C-C4C6-25ED96C57065}"/>
-          </ac:spMkLst>
-        </pc:spChg>
-        <pc:spChg chg="add del mod ord">
-          <ac:chgData name="Yoshiharu Hamaguchi" userId="470e288704938fe9" providerId="LiveId" clId="{C43607F1-232B-44DB-B3B2-14DEC55E9315}" dt="2024-09-25T11:42:38.906" v="4782" actId="478"/>
-          <ac:spMkLst>
-            <pc:docMk/>
-            <pc:sldMk cId="840589698" sldId="268"/>
-            <ac:spMk id="76" creationId="{579EA042-E61D-672A-3ED1-E044253656A2}"/>
-          </ac:spMkLst>
-        </pc:spChg>
-        <pc:spChg chg="add mod ord">
-          <ac:chgData name="Yoshiharu Hamaguchi" userId="470e288704938fe9" providerId="LiveId" clId="{C43607F1-232B-44DB-B3B2-14DEC55E9315}" dt="2024-09-25T13:28:46.984" v="6464" actId="207"/>
-          <ac:spMkLst>
-            <pc:docMk/>
-            <pc:sldMk cId="840589698" sldId="268"/>
-            <ac:spMk id="77" creationId="{A8393CBC-1EA9-35DD-1457-F7D76951A781}"/>
-          </ac:spMkLst>
-        </pc:spChg>
-        <pc:spChg chg="add mod">
-          <ac:chgData name="Yoshiharu Hamaguchi" userId="470e288704938fe9" providerId="LiveId" clId="{C43607F1-232B-44DB-B3B2-14DEC55E9315}" dt="2024-09-25T11:55:02.095" v="5109" actId="1035"/>
-          <ac:spMkLst>
-            <pc:docMk/>
-            <pc:sldMk cId="840589698" sldId="268"/>
-            <ac:spMk id="83" creationId="{CCD52B30-82F7-87C0-989A-283F3DA60F6E}"/>
-          </ac:spMkLst>
-        </pc:spChg>
-        <pc:spChg chg="add mod">
-          <ac:chgData name="Yoshiharu Hamaguchi" userId="470e288704938fe9" providerId="LiveId" clId="{C43607F1-232B-44DB-B3B2-14DEC55E9315}" dt="2024-09-25T13:28:31.859" v="6463" actId="13822"/>
-          <ac:spMkLst>
-            <pc:docMk/>
-            <pc:sldMk cId="840589698" sldId="268"/>
-            <ac:spMk id="84" creationId="{A83C95F3-56CE-A8BE-4166-5101A47E4447}"/>
-          </ac:spMkLst>
-        </pc:spChg>
-        <pc:spChg chg="add mod">
-          <ac:chgData name="Yoshiharu Hamaguchi" userId="470e288704938fe9" providerId="LiveId" clId="{C43607F1-232B-44DB-B3B2-14DEC55E9315}" dt="2024-09-25T13:29:00.213" v="6471" actId="20577"/>
-          <ac:spMkLst>
-            <pc:docMk/>
-            <pc:sldMk cId="840589698" sldId="268"/>
-            <ac:spMk id="185" creationId="{130A0482-3284-7713-A99C-40E52448C831}"/>
-          </ac:spMkLst>
-        </pc:spChg>
-        <pc:spChg chg="add del">
-          <ac:chgData name="Yoshiharu Hamaguchi" userId="470e288704938fe9" providerId="LiveId" clId="{C43607F1-232B-44DB-B3B2-14DEC55E9315}" dt="2024-09-25T11:55:17.262" v="5111" actId="22"/>
-          <ac:spMkLst>
-            <pc:docMk/>
-            <pc:sldMk cId="840589698" sldId="268"/>
-            <ac:spMk id="187" creationId="{87941EAC-51C0-CC28-E79E-4F55F2887F3F}"/>
-          </ac:spMkLst>
-        </pc:spChg>
-        <pc:spChg chg="add mod">
-          <ac:chgData name="Yoshiharu Hamaguchi" userId="470e288704938fe9" providerId="LiveId" clId="{C43607F1-232B-44DB-B3B2-14DEC55E9315}" dt="2024-09-25T11:56:06.974" v="5238" actId="20577"/>
-          <ac:spMkLst>
-            <pc:docMk/>
-            <pc:sldMk cId="840589698" sldId="268"/>
-            <ac:spMk id="188" creationId="{11DC7CAE-5817-27B1-97A7-D38E5318A4A0}"/>
-          </ac:spMkLst>
-        </pc:spChg>
-        <pc:grpChg chg="add del mod">
-          <ac:chgData name="Yoshiharu Hamaguchi" userId="470e288704938fe9" providerId="LiveId" clId="{C43607F1-232B-44DB-B3B2-14DEC55E9315}" dt="2024-09-25T10:17:45.403" v="3466"/>
-          <ac:grpSpMkLst>
-            <pc:docMk/>
-            <pc:sldMk cId="840589698" sldId="268"/>
-            <ac:grpSpMk id="12" creationId="{D18CFD05-BBD4-36DD-DA7F-F09469CCC1B5}"/>
-          </ac:grpSpMkLst>
-        </pc:grpChg>
-        <pc:grpChg chg="mod">
-          <ac:chgData name="Yoshiharu Hamaguchi" userId="470e288704938fe9" providerId="LiveId" clId="{C43607F1-232B-44DB-B3B2-14DEC55E9315}" dt="2024-09-25T10:17:44.851" v="3464"/>
-          <ac:grpSpMkLst>
-            <pc:docMk/>
-            <pc:sldMk cId="840589698" sldId="268"/>
-            <ac:grpSpMk id="14" creationId="{A627047E-2A2A-4D8C-231E-9EB8FB591DA6}"/>
-          </ac:grpSpMkLst>
-        </pc:grpChg>
-        <pc:picChg chg="add mod">
-          <ac:chgData name="Yoshiharu Hamaguchi" userId="470e288704938fe9" providerId="LiveId" clId="{C43607F1-232B-44DB-B3B2-14DEC55E9315}" dt="2024-09-25T13:27:50.902" v="6461" actId="27349"/>
-          <ac:picMkLst>
-            <pc:docMk/>
-            <pc:sldMk cId="840589698" sldId="268"/>
-            <ac:picMk id="45" creationId="{59F021CE-0421-4999-5D7E-4689EC7A3063}"/>
-          </ac:picMkLst>
-        </pc:picChg>
-        <pc:inkChg chg="add del">
-          <ac:chgData name="Yoshiharu Hamaguchi" userId="470e288704938fe9" providerId="LiveId" clId="{C43607F1-232B-44DB-B3B2-14DEC55E9315}" dt="2024-09-25T10:16:57.865" v="3451" actId="9405"/>
-          <ac:inkMkLst>
-            <pc:docMk/>
-            <pc:sldMk cId="840589698" sldId="268"/>
-            <ac:inkMk id="6" creationId="{FAE79509-3D4A-0016-37ED-9DFA4CF740B5}"/>
-          </ac:inkMkLst>
-        </pc:inkChg>
-        <pc:inkChg chg="add del">
-          <ac:chgData name="Yoshiharu Hamaguchi" userId="470e288704938fe9" providerId="LiveId" clId="{C43607F1-232B-44DB-B3B2-14DEC55E9315}" dt="2024-09-25T10:16:57.597" v="3450" actId="9405"/>
-          <ac:inkMkLst>
-            <pc:docMk/>
-            <pc:sldMk cId="840589698" sldId="268"/>
-            <ac:inkMk id="7" creationId="{98E353E4-EBA4-9D1B-5CD1-850702D68DDF}"/>
-          </ac:inkMkLst>
-        </pc:inkChg>
-        <pc:inkChg chg="add del">
-          <ac:chgData name="Yoshiharu Hamaguchi" userId="470e288704938fe9" providerId="LiveId" clId="{C43607F1-232B-44DB-B3B2-14DEC55E9315}" dt="2024-09-25T10:17:10.699" v="3455" actId="9405"/>
-          <ac:inkMkLst>
-            <pc:docMk/>
-            <pc:sldMk cId="840589698" sldId="268"/>
-            <ac:inkMk id="8" creationId="{B4F14106-ED05-88B4-EAA5-FEB689F36E46}"/>
-          </ac:inkMkLst>
-        </pc:inkChg>
-        <pc:inkChg chg="add del">
-          <ac:chgData name="Yoshiharu Hamaguchi" userId="470e288704938fe9" providerId="LiveId" clId="{C43607F1-232B-44DB-B3B2-14DEC55E9315}" dt="2024-09-25T10:17:10.294" v="3454" actId="9405"/>
-          <ac:inkMkLst>
-            <pc:docMk/>
-            <pc:sldMk cId="840589698" sldId="268"/>
-            <ac:inkMk id="9" creationId="{639922C2-285F-57E3-FEDB-28FF36A73624}"/>
-          </ac:inkMkLst>
-        </pc:inkChg>
-        <pc:inkChg chg="add del mod">
-          <ac:chgData name="Yoshiharu Hamaguchi" userId="470e288704938fe9" providerId="LiveId" clId="{C43607F1-232B-44DB-B3B2-14DEC55E9315}" dt="2024-09-25T10:17:45.797" v="3467" actId="9405"/>
-          <ac:inkMkLst>
-            <pc:docMk/>
-            <pc:sldMk cId="840589698" sldId="268"/>
-            <ac:inkMk id="10" creationId="{A86EA2E0-B3D3-C193-7730-F1D3FD323FDF}"/>
-          </ac:inkMkLst>
-        </pc:inkChg>
-        <pc:inkChg chg="add del mod">
-          <ac:chgData name="Yoshiharu Hamaguchi" userId="470e288704938fe9" providerId="LiveId" clId="{C43607F1-232B-44DB-B3B2-14DEC55E9315}" dt="2024-09-25T10:17:45.403" v="3466"/>
-          <ac:inkMkLst>
-            <pc:docMk/>
-            <pc:sldMk cId="840589698" sldId="268"/>
-            <ac:inkMk id="11" creationId="{72C41B7C-67A6-DEEE-2985-21572EE01F2E}"/>
-          </ac:inkMkLst>
-        </pc:inkChg>
-        <pc:inkChg chg="add del mod">
-          <ac:chgData name="Yoshiharu Hamaguchi" userId="470e288704938fe9" providerId="LiveId" clId="{C43607F1-232B-44DB-B3B2-14DEC55E9315}" dt="2024-09-25T10:17:44.851" v="3464"/>
-          <ac:inkMkLst>
-            <pc:docMk/>
-            <pc:sldMk cId="840589698" sldId="268"/>
-            <ac:inkMk id="13" creationId="{C4D40D36-0343-45FA-6BF6-4981DF8A865E}"/>
-          </ac:inkMkLst>
-        </pc:inkChg>
-        <pc:inkChg chg="add del">
-          <ac:chgData name="Yoshiharu Hamaguchi" userId="470e288704938fe9" providerId="LiveId" clId="{C43607F1-232B-44DB-B3B2-14DEC55E9315}" dt="2024-09-25T10:18:06.916" v="3469" actId="34122"/>
-          <ac:inkMkLst>
-            <pc:docMk/>
-            <pc:sldMk cId="840589698" sldId="268"/>
-            <ac:inkMk id="15" creationId="{711A4B6F-C1B4-18D2-74EE-5C16BF14D5D2}"/>
-          </ac:inkMkLst>
-        </pc:inkChg>
-        <pc:inkChg chg="add del">
-          <ac:chgData name="Yoshiharu Hamaguchi" userId="470e288704938fe9" providerId="LiveId" clId="{C43607F1-232B-44DB-B3B2-14DEC55E9315}" dt="2024-09-25T10:18:28.771" v="3471" actId="34122"/>
-          <ac:inkMkLst>
-            <pc:docMk/>
-            <pc:sldMk cId="840589698" sldId="268"/>
-            <ac:inkMk id="16" creationId="{07121A24-52BE-CAEB-F368-C5D2ADAD134F}"/>
-          </ac:inkMkLst>
-        </pc:inkChg>
-        <pc:cxnChg chg="add mod">
-          <ac:chgData name="Yoshiharu Hamaguchi" userId="470e288704938fe9" providerId="LiveId" clId="{C43607F1-232B-44DB-B3B2-14DEC55E9315}" dt="2024-09-25T13:28:04.391" v="6462" actId="208"/>
-          <ac:cxnSpMkLst>
-            <pc:docMk/>
-            <pc:sldMk cId="840589698" sldId="268"/>
-            <ac:cxnSpMk id="48" creationId="{69393153-AEE1-5B4A-D68A-93D1FD0AFD62}"/>
-          </ac:cxnSpMkLst>
-        </pc:cxnChg>
-        <pc:cxnChg chg="add mod">
-          <ac:chgData name="Yoshiharu Hamaguchi" userId="470e288704938fe9" providerId="LiveId" clId="{C43607F1-232B-44DB-B3B2-14DEC55E9315}" dt="2024-09-25T11:55:02.095" v="5109" actId="1035"/>
-          <ac:cxnSpMkLst>
-            <pc:docMk/>
-            <pc:sldMk cId="840589698" sldId="268"/>
-            <ac:cxnSpMk id="50" creationId="{CFA5960C-E2FD-D6EE-A74A-8EFFBF3FA20C}"/>
-          </ac:cxnSpMkLst>
-        </pc:cxnChg>
-        <pc:cxnChg chg="add del mod">
-          <ac:chgData name="Yoshiharu Hamaguchi" userId="470e288704938fe9" providerId="LiveId" clId="{C43607F1-232B-44DB-B3B2-14DEC55E9315}" dt="2024-09-25T11:43:35.898" v="4811" actId="478"/>
-          <ac:cxnSpMkLst>
-            <pc:docMk/>
-            <pc:sldMk cId="840589698" sldId="268"/>
-            <ac:cxnSpMk id="55" creationId="{C1E6E371-5C9C-583E-BDC4-4013BC434683}"/>
-          </ac:cxnSpMkLst>
-        </pc:cxnChg>
-        <pc:cxnChg chg="add del mod">
-          <ac:chgData name="Yoshiharu Hamaguchi" userId="470e288704938fe9" providerId="LiveId" clId="{C43607F1-232B-44DB-B3B2-14DEC55E9315}" dt="2024-09-25T11:43:33.654" v="4810" actId="478"/>
-          <ac:cxnSpMkLst>
-            <pc:docMk/>
-            <pc:sldMk cId="840589698" sldId="268"/>
-            <ac:cxnSpMk id="58" creationId="{E3C02521-E9EC-676D-ACB2-046D85CADDFF}"/>
-          </ac:cxnSpMkLst>
-        </pc:cxnChg>
-        <pc:cxnChg chg="add mod">
-          <ac:chgData name="Yoshiharu Hamaguchi" userId="470e288704938fe9" providerId="LiveId" clId="{C43607F1-232B-44DB-B3B2-14DEC55E9315}" dt="2024-09-25T11:55:02.095" v="5109" actId="1035"/>
-          <ac:cxnSpMkLst>
-            <pc:docMk/>
-            <pc:sldMk cId="840589698" sldId="268"/>
-            <ac:cxnSpMk id="61" creationId="{97380F3F-B4EC-2F06-9E3A-119161B80E1D}"/>
-          </ac:cxnSpMkLst>
-        </pc:cxnChg>
-        <pc:cxnChg chg="add mod">
-          <ac:chgData name="Yoshiharu Hamaguchi" userId="470e288704938fe9" providerId="LiveId" clId="{C43607F1-232B-44DB-B3B2-14DEC55E9315}" dt="2024-09-25T11:55:02.095" v="5109" actId="1035"/>
-          <ac:cxnSpMkLst>
-            <pc:docMk/>
-            <pc:sldMk cId="840589698" sldId="268"/>
-            <ac:cxnSpMk id="64" creationId="{7A976978-6192-9393-1108-B2E4A3E176A2}"/>
-          </ac:cxnSpMkLst>
-        </pc:cxnChg>
-        <pc:cxnChg chg="add del mod ord">
-          <ac:chgData name="Yoshiharu Hamaguchi" userId="470e288704938fe9" providerId="LiveId" clId="{C43607F1-232B-44DB-B3B2-14DEC55E9315}" dt="2024-09-25T11:55:02.095" v="5109" actId="1035"/>
-          <ac:cxnSpMkLst>
-            <pc:docMk/>
-            <pc:sldMk cId="840589698" sldId="268"/>
-            <ac:cxnSpMk id="67" creationId="{E4B332FF-DA63-222D-60B0-8C1AFCA0A5CC}"/>
-          </ac:cxnSpMkLst>
-        </pc:cxnChg>
-        <pc:cxnChg chg="add del mod">
-          <ac:chgData name="Yoshiharu Hamaguchi" userId="470e288704938fe9" providerId="LiveId" clId="{C43607F1-232B-44DB-B3B2-14DEC55E9315}" dt="2024-09-25T11:42:51.712" v="4787" actId="478"/>
-          <ac:cxnSpMkLst>
-            <pc:docMk/>
-            <pc:sldMk cId="840589698" sldId="268"/>
-            <ac:cxnSpMk id="82" creationId="{CB0EA28D-6B41-BA92-5477-F870C9BF05C8}"/>
-          </ac:cxnSpMkLst>
-        </pc:cxnChg>
-        <pc:cxnChg chg="add mod">
-          <ac:chgData name="Yoshiharu Hamaguchi" userId="470e288704938fe9" providerId="LiveId" clId="{C43607F1-232B-44DB-B3B2-14DEC55E9315}" dt="2024-09-25T11:55:02.095" v="5109" actId="1035"/>
-          <ac:cxnSpMkLst>
-            <pc:docMk/>
-            <pc:sldMk cId="840589698" sldId="268"/>
-            <ac:cxnSpMk id="85" creationId="{5521CAAD-A1E8-0103-75E1-A6496D12E07F}"/>
-          </ac:cxnSpMkLst>
-        </pc:cxnChg>
-        <pc:cxnChg chg="add mod">
-          <ac:chgData name="Yoshiharu Hamaguchi" userId="470e288704938fe9" providerId="LiveId" clId="{C43607F1-232B-44DB-B3B2-14DEC55E9315}" dt="2024-09-25T11:55:02.095" v="5109" actId="1035"/>
-          <ac:cxnSpMkLst>
-            <pc:docMk/>
-            <pc:sldMk cId="840589698" sldId="268"/>
-            <ac:cxnSpMk id="88" creationId="{4B306A65-14F2-3593-3D31-60757CB57107}"/>
-          </ac:cxnSpMkLst>
-        </pc:cxnChg>
-        <pc:cxnChg chg="add del mod">
-          <ac:chgData name="Yoshiharu Hamaguchi" userId="470e288704938fe9" providerId="LiveId" clId="{C43607F1-232B-44DB-B3B2-14DEC55E9315}" dt="2024-09-25T11:45:01.527" v="4859" actId="478"/>
-          <ac:cxnSpMkLst>
-            <pc:docMk/>
-            <pc:sldMk cId="840589698" sldId="268"/>
-            <ac:cxnSpMk id="91" creationId="{00310F9F-3183-EBDA-F940-FACA4B25E9D1}"/>
-          </ac:cxnSpMkLst>
-        </pc:cxnChg>
-        <pc:cxnChg chg="add del mod">
-          <ac:chgData name="Yoshiharu Hamaguchi" userId="470e288704938fe9" providerId="LiveId" clId="{C43607F1-232B-44DB-B3B2-14DEC55E9315}" dt="2024-09-25T11:55:02.095" v="5109" actId="1035"/>
-          <ac:cxnSpMkLst>
-            <pc:docMk/>
-            <pc:sldMk cId="840589698" sldId="268"/>
-            <ac:cxnSpMk id="124" creationId="{D3A0DDA0-90A1-7E9A-338D-464A0AB369B6}"/>
-          </ac:cxnSpMkLst>
-        </pc:cxnChg>
-        <pc:cxnChg chg="add mod">
-          <ac:chgData name="Yoshiharu Hamaguchi" userId="470e288704938fe9" providerId="LiveId" clId="{C43607F1-232B-44DB-B3B2-14DEC55E9315}" dt="2024-09-25T11:55:02.095" v="5109" actId="1035"/>
-          <ac:cxnSpMkLst>
-            <pc:docMk/>
-            <pc:sldMk cId="840589698" sldId="268"/>
-            <ac:cxnSpMk id="127" creationId="{9EC78F66-EF39-54B3-AB98-E84927268771}"/>
-          </ac:cxnSpMkLst>
-        </pc:cxnChg>
-        <pc:cxnChg chg="add mod">
-          <ac:chgData name="Yoshiharu Hamaguchi" userId="470e288704938fe9" providerId="LiveId" clId="{C43607F1-232B-44DB-B3B2-14DEC55E9315}" dt="2024-09-25T11:55:02.095" v="5109" actId="1035"/>
-          <ac:cxnSpMkLst>
-            <pc:docMk/>
-            <pc:sldMk cId="840589698" sldId="268"/>
-            <ac:cxnSpMk id="170" creationId="{04B8B0AB-0A41-F5D9-4C41-10446EE21735}"/>
-          </ac:cxnSpMkLst>
-        </pc:cxnChg>
-        <pc:cxnChg chg="add mod">
-          <ac:chgData name="Yoshiharu Hamaguchi" userId="470e288704938fe9" providerId="LiveId" clId="{C43607F1-232B-44DB-B3B2-14DEC55E9315}" dt="2024-09-25T11:55:02.095" v="5109" actId="1035"/>
-          <ac:cxnSpMkLst>
-            <pc:docMk/>
-            <pc:sldMk cId="840589698" sldId="268"/>
-            <ac:cxnSpMk id="175" creationId="{152005CE-C530-4496-5760-AA3F6AA1AEE2}"/>
-          </ac:cxnSpMkLst>
-        </pc:cxnChg>
-        <pc:cxnChg chg="add mod">
-          <ac:chgData name="Yoshiharu Hamaguchi" userId="470e288704938fe9" providerId="LiveId" clId="{C43607F1-232B-44DB-B3B2-14DEC55E9315}" dt="2024-09-25T13:28:04.391" v="6462" actId="208"/>
-          <ac:cxnSpMkLst>
-            <pc:docMk/>
-            <pc:sldMk cId="840589698" sldId="268"/>
-            <ac:cxnSpMk id="179" creationId="{7A4A3A67-DD95-558D-CEE2-3908D3A834BF}"/>
-          </ac:cxnSpMkLst>
-        </pc:cxnChg>
-        <pc:cxnChg chg="add mod">
-          <ac:chgData name="Yoshiharu Hamaguchi" userId="470e288704938fe9" providerId="LiveId" clId="{C43607F1-232B-44DB-B3B2-14DEC55E9315}" dt="2024-09-25T13:28:04.391" v="6462" actId="208"/>
-          <ac:cxnSpMkLst>
-            <pc:docMk/>
-            <pc:sldMk cId="840589698" sldId="268"/>
-            <ac:cxnSpMk id="182" creationId="{82CC0E9E-8ADB-EC6E-7027-6781BBB288FA}"/>
-          </ac:cxnSpMkLst>
-        </pc:cxnChg>
-      </pc:sldChg>
-      <pc:sldChg chg="addSp delSp modSp add mod">
-        <pc:chgData name="Yoshiharu Hamaguchi" userId="470e288704938fe9" providerId="LiveId" clId="{C43607F1-232B-44DB-B3B2-14DEC55E9315}" dt="2024-09-25T15:27:25.266" v="6758" actId="20577"/>
-        <pc:sldMkLst>
-          <pc:docMk/>
-          <pc:sldMk cId="2142688305" sldId="269"/>
-        </pc:sldMkLst>
-        <pc:spChg chg="mod">
-          <ac:chgData name="Yoshiharu Hamaguchi" userId="470e288704938fe9" providerId="LiveId" clId="{C43607F1-232B-44DB-B3B2-14DEC55E9315}" dt="2024-09-25T15:24:31.506" v="6651" actId="14100"/>
-          <ac:spMkLst>
-            <pc:docMk/>
-            <pc:sldMk cId="2142688305" sldId="269"/>
-            <ac:spMk id="2" creationId="{9C784ACA-9376-15C6-DD93-68B5D582FADA}"/>
-          </ac:spMkLst>
-        </pc:spChg>
-        <pc:spChg chg="mod">
-          <ac:chgData name="Yoshiharu Hamaguchi" userId="470e288704938fe9" providerId="LiveId" clId="{C43607F1-232B-44DB-B3B2-14DEC55E9315}" dt="2024-09-25T15:27:25.266" v="6758" actId="20577"/>
-          <ac:spMkLst>
-            <pc:docMk/>
-            <pc:sldMk cId="2142688305" sldId="269"/>
-            <ac:spMk id="4" creationId="{8C13C9CE-666C-02A7-9EAA-106F1B50AE66}"/>
-          </ac:spMkLst>
-        </pc:spChg>
-        <pc:spChg chg="del">
-          <ac:chgData name="Yoshiharu Hamaguchi" userId="470e288704938fe9" providerId="LiveId" clId="{C43607F1-232B-44DB-B3B2-14DEC55E9315}" dt="2024-09-25T15:24:43.991" v="6652" actId="478"/>
-          <ac:spMkLst>
-            <pc:docMk/>
-            <pc:sldMk cId="2142688305" sldId="269"/>
-            <ac:spMk id="5" creationId="{38525753-506C-CF9E-DF2A-0368D654E503}"/>
-          </ac:spMkLst>
-        </pc:spChg>
-        <pc:picChg chg="add mod">
-          <ac:chgData name="Yoshiharu Hamaguchi" userId="470e288704938fe9" providerId="LiveId" clId="{C43607F1-232B-44DB-B3B2-14DEC55E9315}" dt="2024-09-25T15:27:23.110" v="6757" actId="1076"/>
-          <ac:picMkLst>
-            <pc:docMk/>
-            <pc:sldMk cId="2142688305" sldId="269"/>
-            <ac:picMk id="6" creationId="{48B13ABD-A7EC-8A70-7FC9-8BE6883BF949}"/>
-          </ac:picMkLst>
-        </pc:picChg>
-      </pc:sldChg>
-    </pc:docChg>
-  </pc:docChgLst>
   <pc:docChgLst>
     <pc:chgData name="Yoshiharu Hamaguchi" userId="470e288704938fe9" providerId="LiveId" clId="{7FF04D8D-0E5C-4D85-91C7-38CEECAF421B}"/>
     <pc:docChg chg="delSld modSld">
@@ -1119,7 +185,7 @@
   <pc:docChgLst>
     <pc:chgData name="Yoshiharu Hamaguchi" userId="470e288704938fe9" providerId="LiveId" clId="{08F20566-51F3-49C8-9CDF-DEA9540ACD2F}"/>
     <pc:docChg chg="undo custSel addSld delSld modSld sldOrd">
-      <pc:chgData name="Yoshiharu Hamaguchi" userId="470e288704938fe9" providerId="LiveId" clId="{08F20566-51F3-49C8-9CDF-DEA9540ACD2F}" dt="2024-09-25T15:53:03.646" v="474" actId="20577"/>
+      <pc:chgData name="Yoshiharu Hamaguchi" userId="470e288704938fe9" providerId="LiveId" clId="{08F20566-51F3-49C8-9CDF-DEA9540ACD2F}" dt="2024-09-30T23:04:21.318" v="653" actId="255"/>
       <pc:docMkLst>
         <pc:docMk/>
       </pc:docMkLst>
@@ -1696,6 +762,954 @@
             <ac:cxnSpMk id="175" creationId="{152005CE-C530-4496-5760-AA3F6AA1AEE2}"/>
           </ac:cxnSpMkLst>
         </pc:cxnChg>
+      </pc:sldChg>
+      <pc:sldChg chg="modSp mod">
+        <pc:chgData name="Yoshiharu Hamaguchi" userId="470e288704938fe9" providerId="LiveId" clId="{08F20566-51F3-49C8-9CDF-DEA9540ACD2F}" dt="2024-09-30T23:04:21.318" v="653" actId="255"/>
+        <pc:sldMkLst>
+          <pc:docMk/>
+          <pc:sldMk cId="3824521246" sldId="271"/>
+        </pc:sldMkLst>
+        <pc:spChg chg="mod">
+          <ac:chgData name="Yoshiharu Hamaguchi" userId="470e288704938fe9" providerId="LiveId" clId="{08F20566-51F3-49C8-9CDF-DEA9540ACD2F}" dt="2024-09-30T23:04:21.318" v="653" actId="255"/>
+          <ac:spMkLst>
+            <pc:docMk/>
+            <pc:sldMk cId="3824521246" sldId="271"/>
+            <ac:spMk id="3" creationId="{37025C41-8921-578C-16F8-6B5CF0A93AE0}"/>
+          </ac:spMkLst>
+        </pc:spChg>
+      </pc:sldChg>
+    </pc:docChg>
+  </pc:docChgLst>
+  <pc:docChgLst>
+    <pc:chgData name="Yoshiharu Hamaguchi" userId="470e288704938fe9" providerId="LiveId" clId="{46C12E7F-E35C-42BF-B856-810C3AAE2138}"/>
+    <pc:docChg chg="custSel modSld">
+      <pc:chgData name="Yoshiharu Hamaguchi" userId="470e288704938fe9" providerId="LiveId" clId="{46C12E7F-E35C-42BF-B856-810C3AAE2138}" dt="2024-08-17T07:15:42.746" v="129" actId="20577"/>
+      <pc:docMkLst>
+        <pc:docMk/>
+      </pc:docMkLst>
+      <pc:sldChg chg="modSp mod">
+        <pc:chgData name="Yoshiharu Hamaguchi" userId="470e288704938fe9" providerId="LiveId" clId="{46C12E7F-E35C-42BF-B856-810C3AAE2138}" dt="2024-08-17T07:13:46.984" v="43" actId="20577"/>
+        <pc:sldMkLst>
+          <pc:docMk/>
+          <pc:sldMk cId="634982452" sldId="256"/>
+        </pc:sldMkLst>
+        <pc:spChg chg="mod">
+          <ac:chgData name="Yoshiharu Hamaguchi" userId="470e288704938fe9" providerId="LiveId" clId="{46C12E7F-E35C-42BF-B856-810C3AAE2138}" dt="2024-08-17T07:13:17.184" v="10" actId="20577"/>
+          <ac:spMkLst>
+            <pc:docMk/>
+            <pc:sldMk cId="634982452" sldId="256"/>
+            <ac:spMk id="2" creationId="{3F0D190A-A8DB-32F1-0D56-13F6D381B778}"/>
+          </ac:spMkLst>
+        </pc:spChg>
+        <pc:spChg chg="mod">
+          <ac:chgData name="Yoshiharu Hamaguchi" userId="470e288704938fe9" providerId="LiveId" clId="{46C12E7F-E35C-42BF-B856-810C3AAE2138}" dt="2024-08-17T07:13:46.984" v="43" actId="20577"/>
+          <ac:spMkLst>
+            <pc:docMk/>
+            <pc:sldMk cId="634982452" sldId="256"/>
+            <ac:spMk id="3" creationId="{BC817A74-920C-0926-7C76-24BA4993B9F3}"/>
+          </ac:spMkLst>
+        </pc:spChg>
+      </pc:sldChg>
+      <pc:sldChg chg="modSp mod">
+        <pc:chgData name="Yoshiharu Hamaguchi" userId="470e288704938fe9" providerId="LiveId" clId="{46C12E7F-E35C-42BF-B856-810C3AAE2138}" dt="2024-08-17T07:14:18.771" v="52" actId="20577"/>
+        <pc:sldMkLst>
+          <pc:docMk/>
+          <pc:sldMk cId="3586103662" sldId="259"/>
+        </pc:sldMkLst>
+        <pc:spChg chg="mod">
+          <ac:chgData name="Yoshiharu Hamaguchi" userId="470e288704938fe9" providerId="LiveId" clId="{46C12E7F-E35C-42BF-B856-810C3AAE2138}" dt="2024-08-17T07:14:18.771" v="52" actId="20577"/>
+          <ac:spMkLst>
+            <pc:docMk/>
+            <pc:sldMk cId="3586103662" sldId="259"/>
+            <ac:spMk id="3" creationId="{37025C41-8921-578C-16F8-6B5CF0A93AE0}"/>
+          </ac:spMkLst>
+        </pc:spChg>
+      </pc:sldChg>
+      <pc:sldChg chg="modSp mod">
+        <pc:chgData name="Yoshiharu Hamaguchi" userId="470e288704938fe9" providerId="LiveId" clId="{46C12E7F-E35C-42BF-B856-810C3AAE2138}" dt="2024-08-17T07:13:56.935" v="45" actId="27636"/>
+        <pc:sldMkLst>
+          <pc:docMk/>
+          <pc:sldMk cId="3422986759" sldId="260"/>
+        </pc:sldMkLst>
+        <pc:spChg chg="mod">
+          <ac:chgData name="Yoshiharu Hamaguchi" userId="470e288704938fe9" providerId="LiveId" clId="{46C12E7F-E35C-42BF-B856-810C3AAE2138}" dt="2024-08-17T07:13:56.935" v="45" actId="27636"/>
+          <ac:spMkLst>
+            <pc:docMk/>
+            <pc:sldMk cId="3422986759" sldId="260"/>
+            <ac:spMk id="3" creationId="{37025C41-8921-578C-16F8-6B5CF0A93AE0}"/>
+          </ac:spMkLst>
+        </pc:spChg>
+      </pc:sldChg>
+      <pc:sldChg chg="modSp mod">
+        <pc:chgData name="Yoshiharu Hamaguchi" userId="470e288704938fe9" providerId="LiveId" clId="{46C12E7F-E35C-42BF-B856-810C3AAE2138}" dt="2024-08-17T07:15:42.746" v="129" actId="20577"/>
+        <pc:sldMkLst>
+          <pc:docMk/>
+          <pc:sldMk cId="4019972730" sldId="262"/>
+        </pc:sldMkLst>
+        <pc:spChg chg="mod">
+          <ac:chgData name="Yoshiharu Hamaguchi" userId="470e288704938fe9" providerId="LiveId" clId="{46C12E7F-E35C-42BF-B856-810C3AAE2138}" dt="2024-08-17T07:15:42.746" v="129" actId="20577"/>
+          <ac:spMkLst>
+            <pc:docMk/>
+            <pc:sldMk cId="4019972730" sldId="262"/>
+            <ac:spMk id="3" creationId="{37025C41-8921-578C-16F8-6B5CF0A93AE0}"/>
+          </ac:spMkLst>
+        </pc:spChg>
+      </pc:sldChg>
+    </pc:docChg>
+  </pc:docChgLst>
+  <pc:docChgLst>
+    <pc:chgData name="Yoshiharu Hamaguchi" userId="470e288704938fe9" providerId="LiveId" clId="{C43607F1-232B-44DB-B3B2-14DEC55E9315}"/>
+    <pc:docChg chg="undo redo custSel addSld modSld sldOrd">
+      <pc:chgData name="Yoshiharu Hamaguchi" userId="470e288704938fe9" providerId="LiveId" clId="{C43607F1-232B-44DB-B3B2-14DEC55E9315}" dt="2024-09-25T15:29:14.834" v="6781" actId="20577"/>
+      <pc:docMkLst>
+        <pc:docMk/>
+      </pc:docMkLst>
+      <pc:sldChg chg="modSp mod">
+        <pc:chgData name="Yoshiharu Hamaguchi" userId="470e288704938fe9" providerId="LiveId" clId="{C43607F1-232B-44DB-B3B2-14DEC55E9315}" dt="2024-09-25T10:11:46.044" v="3377"/>
+        <pc:sldMkLst>
+          <pc:docMk/>
+          <pc:sldMk cId="634982452" sldId="256"/>
+        </pc:sldMkLst>
+        <pc:spChg chg="mod">
+          <ac:chgData name="Yoshiharu Hamaguchi" userId="470e288704938fe9" providerId="LiveId" clId="{C43607F1-232B-44DB-B3B2-14DEC55E9315}" dt="2024-09-25T10:11:46.044" v="3377"/>
+          <ac:spMkLst>
+            <pc:docMk/>
+            <pc:sldMk cId="634982452" sldId="256"/>
+            <ac:spMk id="2" creationId="{3F0D190A-A8DB-32F1-0D56-13F6D381B778}"/>
+          </ac:spMkLst>
+        </pc:spChg>
+        <pc:spChg chg="mod">
+          <ac:chgData name="Yoshiharu Hamaguchi" userId="470e288704938fe9" providerId="LiveId" clId="{C43607F1-232B-44DB-B3B2-14DEC55E9315}" dt="2024-09-25T10:11:46.044" v="3377"/>
+          <ac:spMkLst>
+            <pc:docMk/>
+            <pc:sldMk cId="634982452" sldId="256"/>
+            <ac:spMk id="3" creationId="{BC817A74-920C-0926-7C76-24BA4993B9F3}"/>
+          </ac:spMkLst>
+        </pc:spChg>
+      </pc:sldChg>
+      <pc:sldChg chg="modSp mod ord">
+        <pc:chgData name="Yoshiharu Hamaguchi" userId="470e288704938fe9" providerId="LiveId" clId="{C43607F1-232B-44DB-B3B2-14DEC55E9315}" dt="2024-09-25T15:29:14.834" v="6781" actId="20577"/>
+        <pc:sldMkLst>
+          <pc:docMk/>
+          <pc:sldMk cId="4019972730" sldId="262"/>
+        </pc:sldMkLst>
+        <pc:spChg chg="mod">
+          <ac:chgData name="Yoshiharu Hamaguchi" userId="470e288704938fe9" providerId="LiveId" clId="{C43607F1-232B-44DB-B3B2-14DEC55E9315}" dt="2024-09-25T10:11:46.044" v="3377"/>
+          <ac:spMkLst>
+            <pc:docMk/>
+            <pc:sldMk cId="4019972730" sldId="262"/>
+            <ac:spMk id="2" creationId="{9C784ACA-9376-15C6-DD93-68B5D582FADA}"/>
+          </ac:spMkLst>
+        </pc:spChg>
+        <pc:spChg chg="mod">
+          <ac:chgData name="Yoshiharu Hamaguchi" userId="470e288704938fe9" providerId="LiveId" clId="{C43607F1-232B-44DB-B3B2-14DEC55E9315}" dt="2024-09-25T15:29:14.834" v="6781" actId="20577"/>
+          <ac:spMkLst>
+            <pc:docMk/>
+            <pc:sldMk cId="4019972730" sldId="262"/>
+            <ac:spMk id="3" creationId="{37025C41-8921-578C-16F8-6B5CF0A93AE0}"/>
+          </ac:spMkLst>
+        </pc:spChg>
+      </pc:sldChg>
+      <pc:sldChg chg="modSp add mod">
+        <pc:chgData name="Yoshiharu Hamaguchi" userId="470e288704938fe9" providerId="LiveId" clId="{C43607F1-232B-44DB-B3B2-14DEC55E9315}" dt="2024-09-25T12:01:46.486" v="5502" actId="20577"/>
+        <pc:sldMkLst>
+          <pc:docMk/>
+          <pc:sldMk cId="958570635" sldId="263"/>
+        </pc:sldMkLst>
+        <pc:spChg chg="mod">
+          <ac:chgData name="Yoshiharu Hamaguchi" userId="470e288704938fe9" providerId="LiveId" clId="{C43607F1-232B-44DB-B3B2-14DEC55E9315}" dt="2024-09-25T12:01:46.486" v="5502" actId="20577"/>
+          <ac:spMkLst>
+            <pc:docMk/>
+            <pc:sldMk cId="958570635" sldId="263"/>
+            <ac:spMk id="2" creationId="{9C784ACA-9376-15C6-DD93-68B5D582FADA}"/>
+          </ac:spMkLst>
+        </pc:spChg>
+        <pc:spChg chg="mod">
+          <ac:chgData name="Yoshiharu Hamaguchi" userId="470e288704938fe9" providerId="LiveId" clId="{C43607F1-232B-44DB-B3B2-14DEC55E9315}" dt="2024-09-25T11:59:29.129" v="5429" actId="20577"/>
+          <ac:spMkLst>
+            <pc:docMk/>
+            <pc:sldMk cId="958570635" sldId="263"/>
+            <ac:spMk id="3" creationId="{37025C41-8921-578C-16F8-6B5CF0A93AE0}"/>
+          </ac:spMkLst>
+        </pc:spChg>
+      </pc:sldChg>
+      <pc:sldChg chg="modSp add mod">
+        <pc:chgData name="Yoshiharu Hamaguchi" userId="470e288704938fe9" providerId="LiveId" clId="{C43607F1-232B-44DB-B3B2-14DEC55E9315}" dt="2024-09-25T15:26:14.501" v="6687" actId="20577"/>
+        <pc:sldMkLst>
+          <pc:docMk/>
+          <pc:sldMk cId="3365730422" sldId="264"/>
+        </pc:sldMkLst>
+        <pc:spChg chg="mod">
+          <ac:chgData name="Yoshiharu Hamaguchi" userId="470e288704938fe9" providerId="LiveId" clId="{C43607F1-232B-44DB-B3B2-14DEC55E9315}" dt="2024-09-25T10:11:46.044" v="3377"/>
+          <ac:spMkLst>
+            <pc:docMk/>
+            <pc:sldMk cId="3365730422" sldId="264"/>
+            <ac:spMk id="2" creationId="{9C784ACA-9376-15C6-DD93-68B5D582FADA}"/>
+          </ac:spMkLst>
+        </pc:spChg>
+        <pc:spChg chg="mod">
+          <ac:chgData name="Yoshiharu Hamaguchi" userId="470e288704938fe9" providerId="LiveId" clId="{C43607F1-232B-44DB-B3B2-14DEC55E9315}" dt="2024-09-25T15:26:14.501" v="6687" actId="20577"/>
+          <ac:spMkLst>
+            <pc:docMk/>
+            <pc:sldMk cId="3365730422" sldId="264"/>
+            <ac:spMk id="3" creationId="{37025C41-8921-578C-16F8-6B5CF0A93AE0}"/>
+          </ac:spMkLst>
+        </pc:spChg>
+      </pc:sldChg>
+      <pc:sldChg chg="modSp add mod">
+        <pc:chgData name="Yoshiharu Hamaguchi" userId="470e288704938fe9" providerId="LiveId" clId="{C43607F1-232B-44DB-B3B2-14DEC55E9315}" dt="2024-09-25T12:17:14.612" v="6294" actId="20577"/>
+        <pc:sldMkLst>
+          <pc:docMk/>
+          <pc:sldMk cId="3485624740" sldId="265"/>
+        </pc:sldMkLst>
+        <pc:spChg chg="mod">
+          <ac:chgData name="Yoshiharu Hamaguchi" userId="470e288704938fe9" providerId="LiveId" clId="{C43607F1-232B-44DB-B3B2-14DEC55E9315}" dt="2024-09-25T12:01:42.167" v="5500" actId="20577"/>
+          <ac:spMkLst>
+            <pc:docMk/>
+            <pc:sldMk cId="3485624740" sldId="265"/>
+            <ac:spMk id="2" creationId="{9C784ACA-9376-15C6-DD93-68B5D582FADA}"/>
+          </ac:spMkLst>
+        </pc:spChg>
+        <pc:spChg chg="mod">
+          <ac:chgData name="Yoshiharu Hamaguchi" userId="470e288704938fe9" providerId="LiveId" clId="{C43607F1-232B-44DB-B3B2-14DEC55E9315}" dt="2024-09-25T12:17:14.612" v="6294" actId="20577"/>
+          <ac:spMkLst>
+            <pc:docMk/>
+            <pc:sldMk cId="3485624740" sldId="265"/>
+            <ac:spMk id="3" creationId="{37025C41-8921-578C-16F8-6B5CF0A93AE0}"/>
+          </ac:spMkLst>
+        </pc:spChg>
+      </pc:sldChg>
+      <pc:sldChg chg="addSp delSp modSp add mod ord">
+        <pc:chgData name="Yoshiharu Hamaguchi" userId="470e288704938fe9" providerId="LiveId" clId="{C43607F1-232B-44DB-B3B2-14DEC55E9315}" dt="2024-09-25T15:24:02.544" v="6637" actId="20577"/>
+        <pc:sldMkLst>
+          <pc:docMk/>
+          <pc:sldMk cId="3544669301" sldId="266"/>
+        </pc:sldMkLst>
+        <pc:spChg chg="mod">
+          <ac:chgData name="Yoshiharu Hamaguchi" userId="470e288704938fe9" providerId="LiveId" clId="{C43607F1-232B-44DB-B3B2-14DEC55E9315}" dt="2024-09-25T13:30:45.185" v="6550" actId="20577"/>
+          <ac:spMkLst>
+            <pc:docMk/>
+            <pc:sldMk cId="3544669301" sldId="266"/>
+            <ac:spMk id="2" creationId="{9C784ACA-9376-15C6-DD93-68B5D582FADA}"/>
+          </ac:spMkLst>
+        </pc:spChg>
+        <pc:spChg chg="del mod">
+          <ac:chgData name="Yoshiharu Hamaguchi" userId="470e288704938fe9" providerId="LiveId" clId="{C43607F1-232B-44DB-B3B2-14DEC55E9315}" dt="2024-09-25T12:13:58.063" v="6127" actId="478"/>
+          <ac:spMkLst>
+            <pc:docMk/>
+            <pc:sldMk cId="3544669301" sldId="266"/>
+            <ac:spMk id="3" creationId="{37025C41-8921-578C-16F8-6B5CF0A93AE0}"/>
+          </ac:spMkLst>
+        </pc:spChg>
+        <pc:spChg chg="add mod">
+          <ac:chgData name="Yoshiharu Hamaguchi" userId="470e288704938fe9" providerId="LiveId" clId="{C43607F1-232B-44DB-B3B2-14DEC55E9315}" dt="2024-09-25T15:24:02.544" v="6637" actId="20577"/>
+          <ac:spMkLst>
+            <pc:docMk/>
+            <pc:sldMk cId="3544669301" sldId="266"/>
+            <ac:spMk id="4" creationId="{8C13C9CE-666C-02A7-9EAA-106F1B50AE66}"/>
+          </ac:spMkLst>
+        </pc:spChg>
+        <pc:spChg chg="add mod">
+          <ac:chgData name="Yoshiharu Hamaguchi" userId="470e288704938fe9" providerId="LiveId" clId="{C43607F1-232B-44DB-B3B2-14DEC55E9315}" dt="2024-09-25T15:23:37.841" v="6553" actId="1076"/>
+          <ac:spMkLst>
+            <pc:docMk/>
+            <pc:sldMk cId="3544669301" sldId="266"/>
+            <ac:spMk id="5" creationId="{38525753-506C-CF9E-DF2A-0368D654E503}"/>
+          </ac:spMkLst>
+        </pc:spChg>
+        <pc:graphicFrameChg chg="add del mod">
+          <ac:chgData name="Yoshiharu Hamaguchi" userId="470e288704938fe9" providerId="LiveId" clId="{C43607F1-232B-44DB-B3B2-14DEC55E9315}" dt="2024-09-25T09:11:35.706" v="3118" actId="478"/>
+          <ac:graphicFrameMkLst>
+            <pc:docMk/>
+            <pc:sldMk cId="3544669301" sldId="266"/>
+            <ac:graphicFrameMk id="4" creationId="{9638860F-7C2B-CB75-3633-23A88AD1CFFF}"/>
+          </ac:graphicFrameMkLst>
+        </pc:graphicFrameChg>
+      </pc:sldChg>
+      <pc:sldChg chg="addSp delSp modSp add mod">
+        <pc:chgData name="Yoshiharu Hamaguchi" userId="470e288704938fe9" providerId="LiveId" clId="{C43607F1-232B-44DB-B3B2-14DEC55E9315}" dt="2024-09-25T12:39:33.816" v="6418" actId="20577"/>
+        <pc:sldMkLst>
+          <pc:docMk/>
+          <pc:sldMk cId="768576187" sldId="267"/>
+        </pc:sldMkLst>
+        <pc:spChg chg="mod">
+          <ac:chgData name="Yoshiharu Hamaguchi" userId="470e288704938fe9" providerId="LiveId" clId="{C43607F1-232B-44DB-B3B2-14DEC55E9315}" dt="2024-09-25T12:11:51.211" v="6042" actId="255"/>
+          <ac:spMkLst>
+            <pc:docMk/>
+            <pc:sldMk cId="768576187" sldId="267"/>
+            <ac:spMk id="2" creationId="{9C784ACA-9376-15C6-DD93-68B5D582FADA}"/>
+          </ac:spMkLst>
+        </pc:spChg>
+        <pc:spChg chg="mod">
+          <ac:chgData name="Yoshiharu Hamaguchi" userId="470e288704938fe9" providerId="LiveId" clId="{C43607F1-232B-44DB-B3B2-14DEC55E9315}" dt="2024-09-25T12:39:33.816" v="6418" actId="20577"/>
+          <ac:spMkLst>
+            <pc:docMk/>
+            <pc:sldMk cId="768576187" sldId="267"/>
+            <ac:spMk id="3" creationId="{37025C41-8921-578C-16F8-6B5CF0A93AE0}"/>
+          </ac:spMkLst>
+        </pc:spChg>
+        <pc:graphicFrameChg chg="add mod">
+          <ac:chgData name="Yoshiharu Hamaguchi" userId="470e288704938fe9" providerId="LiveId" clId="{C43607F1-232B-44DB-B3B2-14DEC55E9315}" dt="2024-09-25T12:12:56.408" v="6045" actId="1076"/>
+          <ac:graphicFrameMkLst>
+            <pc:docMk/>
+            <pc:sldMk cId="768576187" sldId="267"/>
+            <ac:graphicFrameMk id="4" creationId="{4E5D5511-B581-66FB-A2EC-FFB9111D8C73}"/>
+          </ac:graphicFrameMkLst>
+        </pc:graphicFrameChg>
+        <pc:graphicFrameChg chg="del">
+          <ac:chgData name="Yoshiharu Hamaguchi" userId="470e288704938fe9" providerId="LiveId" clId="{C43607F1-232B-44DB-B3B2-14DEC55E9315}" dt="2024-09-25T09:09:05.412" v="2871" actId="478"/>
+          <ac:graphicFrameMkLst>
+            <pc:docMk/>
+            <pc:sldMk cId="768576187" sldId="267"/>
+            <ac:graphicFrameMk id="4" creationId="{9638860F-7C2B-CB75-3633-23A88AD1CFFF}"/>
+          </ac:graphicFrameMkLst>
+        </pc:graphicFrameChg>
+      </pc:sldChg>
+      <pc:sldChg chg="addSp delSp modSp add mod">
+        <pc:chgData name="Yoshiharu Hamaguchi" userId="470e288704938fe9" providerId="LiveId" clId="{C43607F1-232B-44DB-B3B2-14DEC55E9315}" dt="2024-09-25T13:29:00.213" v="6471" actId="20577"/>
+        <pc:sldMkLst>
+          <pc:docMk/>
+          <pc:sldMk cId="840589698" sldId="268"/>
+        </pc:sldMkLst>
+        <pc:spChg chg="mod">
+          <ac:chgData name="Yoshiharu Hamaguchi" userId="470e288704938fe9" providerId="LiveId" clId="{C43607F1-232B-44DB-B3B2-14DEC55E9315}" dt="2024-09-25T11:54:23.312" v="5068" actId="20577"/>
+          <ac:spMkLst>
+            <pc:docMk/>
+            <pc:sldMk cId="840589698" sldId="268"/>
+            <ac:spMk id="2" creationId="{9C784ACA-9376-15C6-DD93-68B5D582FADA}"/>
+          </ac:spMkLst>
+        </pc:spChg>
+        <pc:spChg chg="mod">
+          <ac:chgData name="Yoshiharu Hamaguchi" userId="470e288704938fe9" providerId="LiveId" clId="{C43607F1-232B-44DB-B3B2-14DEC55E9315}" dt="2024-09-25T11:55:02.095" v="5109" actId="1035"/>
+          <ac:spMkLst>
+            <pc:docMk/>
+            <pc:sldMk cId="840589698" sldId="268"/>
+            <ac:spMk id="3" creationId="{37025C41-8921-578C-16F8-6B5CF0A93AE0}"/>
+          </ac:spMkLst>
+        </pc:spChg>
+        <pc:spChg chg="add del mod">
+          <ac:chgData name="Yoshiharu Hamaguchi" userId="470e288704938fe9" providerId="LiveId" clId="{C43607F1-232B-44DB-B3B2-14DEC55E9315}" dt="2024-09-25T10:16:39.785" v="3447" actId="11529"/>
+          <ac:spMkLst>
+            <pc:docMk/>
+            <pc:sldMk cId="840589698" sldId="268"/>
+            <ac:spMk id="4" creationId="{F98FC884-FBB8-61AD-34FB-0D85D813F28B}"/>
+          </ac:spMkLst>
+        </pc:spChg>
+        <pc:spChg chg="add mod">
+          <ac:chgData name="Yoshiharu Hamaguchi" userId="470e288704938fe9" providerId="LiveId" clId="{C43607F1-232B-44DB-B3B2-14DEC55E9315}" dt="2024-09-25T10:16:39.267" v="3446" actId="571"/>
+          <ac:spMkLst>
+            <pc:docMk/>
+            <pc:sldMk cId="840589698" sldId="268"/>
+            <ac:spMk id="5" creationId="{F23FD391-2473-6A83-F034-27A86E8878C2}"/>
+          </ac:spMkLst>
+        </pc:spChg>
+        <pc:spChg chg="add del">
+          <ac:chgData name="Yoshiharu Hamaguchi" userId="470e288704938fe9" providerId="LiveId" clId="{C43607F1-232B-44DB-B3B2-14DEC55E9315}" dt="2024-09-25T10:18:36.849" v="3472" actId="478"/>
+          <ac:spMkLst>
+            <pc:docMk/>
+            <pc:sldMk cId="840589698" sldId="268"/>
+            <ac:spMk id="12" creationId="{5320D42A-23DA-4C62-811E-03B9E5D4BC45}"/>
+          </ac:spMkLst>
+        </pc:spChg>
+        <pc:spChg chg="add mod">
+          <ac:chgData name="Yoshiharu Hamaguchi" userId="470e288704938fe9" providerId="LiveId" clId="{C43607F1-232B-44DB-B3B2-14DEC55E9315}" dt="2024-09-25T12:00:41.153" v="5465" actId="20577"/>
+          <ac:spMkLst>
+            <pc:docMk/>
+            <pc:sldMk cId="840589698" sldId="268"/>
+            <ac:spMk id="17" creationId="{22EFD490-063C-E600-DC74-E61C4AD29849}"/>
+          </ac:spMkLst>
+        </pc:spChg>
+        <pc:spChg chg="add del mod">
+          <ac:chgData name="Yoshiharu Hamaguchi" userId="470e288704938fe9" providerId="LiveId" clId="{C43607F1-232B-44DB-B3B2-14DEC55E9315}" dt="2024-09-25T10:21:45.687" v="3627"/>
+          <ac:spMkLst>
+            <pc:docMk/>
+            <pc:sldMk cId="840589698" sldId="268"/>
+            <ac:spMk id="18" creationId="{AFC52DAA-C20B-D63E-784B-8FAFBC832FAE}"/>
+          </ac:spMkLst>
+        </pc:spChg>
+        <pc:spChg chg="add mod">
+          <ac:chgData name="Yoshiharu Hamaguchi" userId="470e288704938fe9" providerId="LiveId" clId="{C43607F1-232B-44DB-B3B2-14DEC55E9315}" dt="2024-09-25T11:55:02.095" v="5109" actId="1035"/>
+          <ac:spMkLst>
+            <pc:docMk/>
+            <pc:sldMk cId="840589698" sldId="268"/>
+            <ac:spMk id="19" creationId="{2CDCB588-1E89-B1B4-BB6B-210B5ECD1361}"/>
+          </ac:spMkLst>
+        </pc:spChg>
+        <pc:spChg chg="add mod">
+          <ac:chgData name="Yoshiharu Hamaguchi" userId="470e288704938fe9" providerId="LiveId" clId="{C43607F1-232B-44DB-B3B2-14DEC55E9315}" dt="2024-09-25T11:55:02.095" v="5109" actId="1035"/>
+          <ac:spMkLst>
+            <pc:docMk/>
+            <pc:sldMk cId="840589698" sldId="268"/>
+            <ac:spMk id="20" creationId="{5D996A43-DC64-4070-A3C0-8AEBA9493CE6}"/>
+          </ac:spMkLst>
+        </pc:spChg>
+        <pc:spChg chg="add mod">
+          <ac:chgData name="Yoshiharu Hamaguchi" userId="470e288704938fe9" providerId="LiveId" clId="{C43607F1-232B-44DB-B3B2-14DEC55E9315}" dt="2024-09-25T12:01:51.040" v="5503" actId="20577"/>
+          <ac:spMkLst>
+            <pc:docMk/>
+            <pc:sldMk cId="840589698" sldId="268"/>
+            <ac:spMk id="21" creationId="{7EB19867-148A-D7FC-9274-4234BFD3440B}"/>
+          </ac:spMkLst>
+        </pc:spChg>
+        <pc:spChg chg="add mod">
+          <ac:chgData name="Yoshiharu Hamaguchi" userId="470e288704938fe9" providerId="LiveId" clId="{C43607F1-232B-44DB-B3B2-14DEC55E9315}" dt="2024-09-25T10:22:00.581" v="3631" actId="571"/>
+          <ac:spMkLst>
+            <pc:docMk/>
+            <pc:sldMk cId="840589698" sldId="268"/>
+            <ac:spMk id="22" creationId="{CBA24C83-4831-1386-386F-530CF522B95C}"/>
+          </ac:spMkLst>
+        </pc:spChg>
+        <pc:spChg chg="add mod">
+          <ac:chgData name="Yoshiharu Hamaguchi" userId="470e288704938fe9" providerId="LiveId" clId="{C43607F1-232B-44DB-B3B2-14DEC55E9315}" dt="2024-09-25T10:22:00.581" v="3631" actId="571"/>
+          <ac:spMkLst>
+            <pc:docMk/>
+            <pc:sldMk cId="840589698" sldId="268"/>
+            <ac:spMk id="23" creationId="{0D782016-83C1-6806-9341-108657EA9BA8}"/>
+          </ac:spMkLst>
+        </pc:spChg>
+        <pc:spChg chg="add mod ord">
+          <ac:chgData name="Yoshiharu Hamaguchi" userId="470e288704938fe9" providerId="LiveId" clId="{C43607F1-232B-44DB-B3B2-14DEC55E9315}" dt="2024-09-25T11:55:02.095" v="5109" actId="1035"/>
+          <ac:spMkLst>
+            <pc:docMk/>
+            <pc:sldMk cId="840589698" sldId="268"/>
+            <ac:spMk id="24" creationId="{2C710E95-554D-F235-C3F1-BF13E1AA1068}"/>
+          </ac:spMkLst>
+        </pc:spChg>
+        <pc:spChg chg="add mod ord">
+          <ac:chgData name="Yoshiharu Hamaguchi" userId="470e288704938fe9" providerId="LiveId" clId="{C43607F1-232B-44DB-B3B2-14DEC55E9315}" dt="2024-09-25T11:55:02.095" v="5109" actId="1035"/>
+          <ac:spMkLst>
+            <pc:docMk/>
+            <pc:sldMk cId="840589698" sldId="268"/>
+            <ac:spMk id="25" creationId="{432FD002-C3EC-95AB-E364-BC60A7440B0A}"/>
+          </ac:spMkLst>
+        </pc:spChg>
+        <pc:spChg chg="add mod ord">
+          <ac:chgData name="Yoshiharu Hamaguchi" userId="470e288704938fe9" providerId="LiveId" clId="{C43607F1-232B-44DB-B3B2-14DEC55E9315}" dt="2024-09-25T11:55:02.095" v="5109" actId="1035"/>
+          <ac:spMkLst>
+            <pc:docMk/>
+            <pc:sldMk cId="840589698" sldId="268"/>
+            <ac:spMk id="26" creationId="{0A5DCF7B-D5B4-2BE2-5871-8EED0BA9AE2C}"/>
+          </ac:spMkLst>
+        </pc:spChg>
+        <pc:spChg chg="add mod">
+          <ac:chgData name="Yoshiharu Hamaguchi" userId="470e288704938fe9" providerId="LiveId" clId="{C43607F1-232B-44DB-B3B2-14DEC55E9315}" dt="2024-09-25T12:03:08.078" v="5525" actId="1036"/>
+          <ac:spMkLst>
+            <pc:docMk/>
+            <pc:sldMk cId="840589698" sldId="268"/>
+            <ac:spMk id="27" creationId="{D7F52068-5699-1CBA-7FBA-D813809E2F1F}"/>
+          </ac:spMkLst>
+        </pc:spChg>
+        <pc:spChg chg="add mod">
+          <ac:chgData name="Yoshiharu Hamaguchi" userId="470e288704938fe9" providerId="LiveId" clId="{C43607F1-232B-44DB-B3B2-14DEC55E9315}" dt="2024-09-25T10:27:34.883" v="3851" actId="571"/>
+          <ac:spMkLst>
+            <pc:docMk/>
+            <pc:sldMk cId="840589698" sldId="268"/>
+            <ac:spMk id="28" creationId="{FD64C395-4E8A-6520-A2FE-4A7B5009B0AB}"/>
+          </ac:spMkLst>
+        </pc:spChg>
+        <pc:spChg chg="add mod">
+          <ac:chgData name="Yoshiharu Hamaguchi" userId="470e288704938fe9" providerId="LiveId" clId="{C43607F1-232B-44DB-B3B2-14DEC55E9315}" dt="2024-09-25T10:27:38.841" v="3853" actId="571"/>
+          <ac:spMkLst>
+            <pc:docMk/>
+            <pc:sldMk cId="840589698" sldId="268"/>
+            <ac:spMk id="29" creationId="{8D074A2A-D5C9-BBC7-E92D-C9565B37A9E9}"/>
+          </ac:spMkLst>
+        </pc:spChg>
+        <pc:spChg chg="add mod">
+          <ac:chgData name="Yoshiharu Hamaguchi" userId="470e288704938fe9" providerId="LiveId" clId="{C43607F1-232B-44DB-B3B2-14DEC55E9315}" dt="2024-09-25T11:55:02.095" v="5109" actId="1035"/>
+          <ac:spMkLst>
+            <pc:docMk/>
+            <pc:sldMk cId="840589698" sldId="268"/>
+            <ac:spMk id="30" creationId="{9F8A6BA6-9C05-8916-B855-7146EEBA1167}"/>
+          </ac:spMkLst>
+        </pc:spChg>
+        <pc:spChg chg="add mod">
+          <ac:chgData name="Yoshiharu Hamaguchi" userId="470e288704938fe9" providerId="LiveId" clId="{C43607F1-232B-44DB-B3B2-14DEC55E9315}" dt="2024-09-25T11:55:02.095" v="5109" actId="1035"/>
+          <ac:spMkLst>
+            <pc:docMk/>
+            <pc:sldMk cId="840589698" sldId="268"/>
+            <ac:spMk id="31" creationId="{84235BB5-BE18-15D2-8BB3-E9CB549D6AB3}"/>
+          </ac:spMkLst>
+        </pc:spChg>
+        <pc:spChg chg="add mod">
+          <ac:chgData name="Yoshiharu Hamaguchi" userId="470e288704938fe9" providerId="LiveId" clId="{C43607F1-232B-44DB-B3B2-14DEC55E9315}" dt="2024-09-25T11:55:02.095" v="5109" actId="1035"/>
+          <ac:spMkLst>
+            <pc:docMk/>
+            <pc:sldMk cId="840589698" sldId="268"/>
+            <ac:spMk id="32" creationId="{CD126C2D-904F-6F62-E142-CA8F1BBD0251}"/>
+          </ac:spMkLst>
+        </pc:spChg>
+        <pc:spChg chg="add mod">
+          <ac:chgData name="Yoshiharu Hamaguchi" userId="470e288704938fe9" providerId="LiveId" clId="{C43607F1-232B-44DB-B3B2-14DEC55E9315}" dt="2024-09-25T11:55:02.095" v="5109" actId="1035"/>
+          <ac:spMkLst>
+            <pc:docMk/>
+            <pc:sldMk cId="840589698" sldId="268"/>
+            <ac:spMk id="33" creationId="{0FB338FD-35EF-30D7-06A9-7A1B992B2830}"/>
+          </ac:spMkLst>
+        </pc:spChg>
+        <pc:spChg chg="add del mod">
+          <ac:chgData name="Yoshiharu Hamaguchi" userId="470e288704938fe9" providerId="LiveId" clId="{C43607F1-232B-44DB-B3B2-14DEC55E9315}" dt="2024-09-25T10:35:09.999" v="4180" actId="478"/>
+          <ac:spMkLst>
+            <pc:docMk/>
+            <pc:sldMk cId="840589698" sldId="268"/>
+            <ac:spMk id="34" creationId="{A50A472D-4099-8DAF-24F2-AF418F2F9C79}"/>
+          </ac:spMkLst>
+        </pc:spChg>
+        <pc:spChg chg="add mod">
+          <ac:chgData name="Yoshiharu Hamaguchi" userId="470e288704938fe9" providerId="LiveId" clId="{C43607F1-232B-44DB-B3B2-14DEC55E9315}" dt="2024-09-25T11:55:02.095" v="5109" actId="1035"/>
+          <ac:spMkLst>
+            <pc:docMk/>
+            <pc:sldMk cId="840589698" sldId="268"/>
+            <ac:spMk id="35" creationId="{1AFFE9F5-AE2D-EBB6-D84B-C52DD42E357B}"/>
+          </ac:spMkLst>
+        </pc:spChg>
+        <pc:spChg chg="add mod">
+          <ac:chgData name="Yoshiharu Hamaguchi" userId="470e288704938fe9" providerId="LiveId" clId="{C43607F1-232B-44DB-B3B2-14DEC55E9315}" dt="2024-09-25T10:39:29.891" v="4299" actId="571"/>
+          <ac:spMkLst>
+            <pc:docMk/>
+            <pc:sldMk cId="840589698" sldId="268"/>
+            <ac:spMk id="36" creationId="{24F56B13-3AC6-7FDD-8B46-EE30294A3D96}"/>
+          </ac:spMkLst>
+        </pc:spChg>
+        <pc:spChg chg="add mod ord">
+          <ac:chgData name="Yoshiharu Hamaguchi" userId="470e288704938fe9" providerId="LiveId" clId="{C43607F1-232B-44DB-B3B2-14DEC55E9315}" dt="2024-09-25T11:55:02.095" v="5109" actId="1035"/>
+          <ac:spMkLst>
+            <pc:docMk/>
+            <pc:sldMk cId="840589698" sldId="268"/>
+            <ac:spMk id="37" creationId="{D1058EA4-8932-1FDF-0C0E-3BD94FD33D65}"/>
+          </ac:spMkLst>
+        </pc:spChg>
+        <pc:spChg chg="add mod ord">
+          <ac:chgData name="Yoshiharu Hamaguchi" userId="470e288704938fe9" providerId="LiveId" clId="{C43607F1-232B-44DB-B3B2-14DEC55E9315}" dt="2024-09-25T11:55:02.095" v="5109" actId="1035"/>
+          <ac:spMkLst>
+            <pc:docMk/>
+            <pc:sldMk cId="840589698" sldId="268"/>
+            <ac:spMk id="38" creationId="{1A3E6AA3-18D3-7A9B-F0B1-B7633BF22430}"/>
+          </ac:spMkLst>
+        </pc:spChg>
+        <pc:spChg chg="add mod ord">
+          <ac:chgData name="Yoshiharu Hamaguchi" userId="470e288704938fe9" providerId="LiveId" clId="{C43607F1-232B-44DB-B3B2-14DEC55E9315}" dt="2024-09-25T11:55:02.095" v="5109" actId="1035"/>
+          <ac:spMkLst>
+            <pc:docMk/>
+            <pc:sldMk cId="840589698" sldId="268"/>
+            <ac:spMk id="39" creationId="{8A7149DE-6BB3-5177-C779-82DBB0881054}"/>
+          </ac:spMkLst>
+        </pc:spChg>
+        <pc:spChg chg="add mod">
+          <ac:chgData name="Yoshiharu Hamaguchi" userId="470e288704938fe9" providerId="LiveId" clId="{C43607F1-232B-44DB-B3B2-14DEC55E9315}" dt="2024-09-25T11:55:02.095" v="5109" actId="1035"/>
+          <ac:spMkLst>
+            <pc:docMk/>
+            <pc:sldMk cId="840589698" sldId="268"/>
+            <ac:spMk id="40" creationId="{AE3EDBDD-CC31-46D4-A001-B6C397E7D5A7}"/>
+          </ac:spMkLst>
+        </pc:spChg>
+        <pc:spChg chg="add mod">
+          <ac:chgData name="Yoshiharu Hamaguchi" userId="470e288704938fe9" providerId="LiveId" clId="{C43607F1-232B-44DB-B3B2-14DEC55E9315}" dt="2024-09-25T12:02:19.942" v="5505" actId="20577"/>
+          <ac:spMkLst>
+            <pc:docMk/>
+            <pc:sldMk cId="840589698" sldId="268"/>
+            <ac:spMk id="41" creationId="{78EB841D-7EEE-856E-2816-A546A25A6747}"/>
+          </ac:spMkLst>
+        </pc:spChg>
+        <pc:spChg chg="add mod">
+          <ac:chgData name="Yoshiharu Hamaguchi" userId="470e288704938fe9" providerId="LiveId" clId="{C43607F1-232B-44DB-B3B2-14DEC55E9315}" dt="2024-09-25T11:55:02.095" v="5109" actId="1035"/>
+          <ac:spMkLst>
+            <pc:docMk/>
+            <pc:sldMk cId="840589698" sldId="268"/>
+            <ac:spMk id="42" creationId="{25617D89-2A2A-DD7D-7316-1D4B0FFFD10C}"/>
+          </ac:spMkLst>
+        </pc:spChg>
+        <pc:spChg chg="add mod">
+          <ac:chgData name="Yoshiharu Hamaguchi" userId="470e288704938fe9" providerId="LiveId" clId="{C43607F1-232B-44DB-B3B2-14DEC55E9315}" dt="2024-09-25T11:55:02.095" v="5109" actId="1035"/>
+          <ac:spMkLst>
+            <pc:docMk/>
+            <pc:sldMk cId="840589698" sldId="268"/>
+            <ac:spMk id="43" creationId="{5FCB99EE-0845-55B5-25FB-9528EA5E62DB}"/>
+          </ac:spMkLst>
+        </pc:spChg>
+        <pc:spChg chg="add del">
+          <ac:chgData name="Yoshiharu Hamaguchi" userId="470e288704938fe9" providerId="LiveId" clId="{C43607F1-232B-44DB-B3B2-14DEC55E9315}" dt="2024-09-25T11:27:52.577" v="4545" actId="11529"/>
+          <ac:spMkLst>
+            <pc:docMk/>
+            <pc:sldMk cId="840589698" sldId="268"/>
+            <ac:spMk id="46" creationId="{864648D8-4C7D-49CB-AC03-A530324A6D1F}"/>
+          </ac:spMkLst>
+        </pc:spChg>
+        <pc:spChg chg="add mod">
+          <ac:chgData name="Yoshiharu Hamaguchi" userId="470e288704938fe9" providerId="LiveId" clId="{C43607F1-232B-44DB-B3B2-14DEC55E9315}" dt="2024-09-25T12:22:51.936" v="6363" actId="1076"/>
+          <ac:spMkLst>
+            <pc:docMk/>
+            <pc:sldMk cId="840589698" sldId="268"/>
+            <ac:spMk id="53" creationId="{2EBDE60C-B3C7-8BCA-38EB-2B2EE296631D}"/>
+          </ac:spMkLst>
+        </pc:spChg>
+        <pc:spChg chg="add mod">
+          <ac:chgData name="Yoshiharu Hamaguchi" userId="470e288704938fe9" providerId="LiveId" clId="{C43607F1-232B-44DB-B3B2-14DEC55E9315}" dt="2024-09-25T11:29:12.246" v="4591" actId="571"/>
+          <ac:spMkLst>
+            <pc:docMk/>
+            <pc:sldMk cId="840589698" sldId="268"/>
+            <ac:spMk id="54" creationId="{64213D1F-62E0-6FE2-8DD0-98A0F7965A20}"/>
+          </ac:spMkLst>
+        </pc:spChg>
+        <pc:spChg chg="add mod">
+          <ac:chgData name="Yoshiharu Hamaguchi" userId="470e288704938fe9" providerId="LiveId" clId="{C43607F1-232B-44DB-B3B2-14DEC55E9315}" dt="2024-09-25T11:30:21.518" v="4611" actId="571"/>
+          <ac:spMkLst>
+            <pc:docMk/>
+            <pc:sldMk cId="840589698" sldId="268"/>
+            <ac:spMk id="69" creationId="{87F80CD8-AD9D-76E0-D20C-888BEB7DBF63}"/>
+          </ac:spMkLst>
+        </pc:spChg>
+        <pc:spChg chg="add mod">
+          <ac:chgData name="Yoshiharu Hamaguchi" userId="470e288704938fe9" providerId="LiveId" clId="{C43607F1-232B-44DB-B3B2-14DEC55E9315}" dt="2024-09-25T11:55:02.095" v="5109" actId="1035"/>
+          <ac:spMkLst>
+            <pc:docMk/>
+            <pc:sldMk cId="840589698" sldId="268"/>
+            <ac:spMk id="72" creationId="{741FC192-317D-477E-05E4-6AE0AEEE4091}"/>
+          </ac:spMkLst>
+        </pc:spChg>
+        <pc:spChg chg="add del mod ord">
+          <ac:chgData name="Yoshiharu Hamaguchi" userId="470e288704938fe9" providerId="LiveId" clId="{C43607F1-232B-44DB-B3B2-14DEC55E9315}" dt="2024-09-25T11:42:15.199" v="4772" actId="478"/>
+          <ac:spMkLst>
+            <pc:docMk/>
+            <pc:sldMk cId="840589698" sldId="268"/>
+            <ac:spMk id="73" creationId="{F290F820-E77D-22D6-2914-B8FF9F15771A}"/>
+          </ac:spMkLst>
+        </pc:spChg>
+        <pc:spChg chg="add del mod ord">
+          <ac:chgData name="Yoshiharu Hamaguchi" userId="470e288704938fe9" providerId="LiveId" clId="{C43607F1-232B-44DB-B3B2-14DEC55E9315}" dt="2024-09-25T11:42:39.516" v="4783" actId="478"/>
+          <ac:spMkLst>
+            <pc:docMk/>
+            <pc:sldMk cId="840589698" sldId="268"/>
+            <ac:spMk id="74" creationId="{773FC1F2-A6BB-000C-C4C6-25ED96C57065}"/>
+          </ac:spMkLst>
+        </pc:spChg>
+        <pc:spChg chg="add del mod ord">
+          <ac:chgData name="Yoshiharu Hamaguchi" userId="470e288704938fe9" providerId="LiveId" clId="{C43607F1-232B-44DB-B3B2-14DEC55E9315}" dt="2024-09-25T11:42:38.906" v="4782" actId="478"/>
+          <ac:spMkLst>
+            <pc:docMk/>
+            <pc:sldMk cId="840589698" sldId="268"/>
+            <ac:spMk id="76" creationId="{579EA042-E61D-672A-3ED1-E044253656A2}"/>
+          </ac:spMkLst>
+        </pc:spChg>
+        <pc:spChg chg="add mod ord">
+          <ac:chgData name="Yoshiharu Hamaguchi" userId="470e288704938fe9" providerId="LiveId" clId="{C43607F1-232B-44DB-B3B2-14DEC55E9315}" dt="2024-09-25T13:28:46.984" v="6464" actId="207"/>
+          <ac:spMkLst>
+            <pc:docMk/>
+            <pc:sldMk cId="840589698" sldId="268"/>
+            <ac:spMk id="77" creationId="{A8393CBC-1EA9-35DD-1457-F7D76951A781}"/>
+          </ac:spMkLst>
+        </pc:spChg>
+        <pc:spChg chg="add mod">
+          <ac:chgData name="Yoshiharu Hamaguchi" userId="470e288704938fe9" providerId="LiveId" clId="{C43607F1-232B-44DB-B3B2-14DEC55E9315}" dt="2024-09-25T11:55:02.095" v="5109" actId="1035"/>
+          <ac:spMkLst>
+            <pc:docMk/>
+            <pc:sldMk cId="840589698" sldId="268"/>
+            <ac:spMk id="83" creationId="{CCD52B30-82F7-87C0-989A-283F3DA60F6E}"/>
+          </ac:spMkLst>
+        </pc:spChg>
+        <pc:spChg chg="add mod">
+          <ac:chgData name="Yoshiharu Hamaguchi" userId="470e288704938fe9" providerId="LiveId" clId="{C43607F1-232B-44DB-B3B2-14DEC55E9315}" dt="2024-09-25T13:28:31.859" v="6463" actId="13822"/>
+          <ac:spMkLst>
+            <pc:docMk/>
+            <pc:sldMk cId="840589698" sldId="268"/>
+            <ac:spMk id="84" creationId="{A83C95F3-56CE-A8BE-4166-5101A47E4447}"/>
+          </ac:spMkLst>
+        </pc:spChg>
+        <pc:spChg chg="add mod">
+          <ac:chgData name="Yoshiharu Hamaguchi" userId="470e288704938fe9" providerId="LiveId" clId="{C43607F1-232B-44DB-B3B2-14DEC55E9315}" dt="2024-09-25T13:29:00.213" v="6471" actId="20577"/>
+          <ac:spMkLst>
+            <pc:docMk/>
+            <pc:sldMk cId="840589698" sldId="268"/>
+            <ac:spMk id="185" creationId="{130A0482-3284-7713-A99C-40E52448C831}"/>
+          </ac:spMkLst>
+        </pc:spChg>
+        <pc:spChg chg="add del">
+          <ac:chgData name="Yoshiharu Hamaguchi" userId="470e288704938fe9" providerId="LiveId" clId="{C43607F1-232B-44DB-B3B2-14DEC55E9315}" dt="2024-09-25T11:55:17.262" v="5111" actId="22"/>
+          <ac:spMkLst>
+            <pc:docMk/>
+            <pc:sldMk cId="840589698" sldId="268"/>
+            <ac:spMk id="187" creationId="{87941EAC-51C0-CC28-E79E-4F55F2887F3F}"/>
+          </ac:spMkLst>
+        </pc:spChg>
+        <pc:spChg chg="add mod">
+          <ac:chgData name="Yoshiharu Hamaguchi" userId="470e288704938fe9" providerId="LiveId" clId="{C43607F1-232B-44DB-B3B2-14DEC55E9315}" dt="2024-09-25T11:56:06.974" v="5238" actId="20577"/>
+          <ac:spMkLst>
+            <pc:docMk/>
+            <pc:sldMk cId="840589698" sldId="268"/>
+            <ac:spMk id="188" creationId="{11DC7CAE-5817-27B1-97A7-D38E5318A4A0}"/>
+          </ac:spMkLst>
+        </pc:spChg>
+        <pc:grpChg chg="add del mod">
+          <ac:chgData name="Yoshiharu Hamaguchi" userId="470e288704938fe9" providerId="LiveId" clId="{C43607F1-232B-44DB-B3B2-14DEC55E9315}" dt="2024-09-25T10:17:45.403" v="3466"/>
+          <ac:grpSpMkLst>
+            <pc:docMk/>
+            <pc:sldMk cId="840589698" sldId="268"/>
+            <ac:grpSpMk id="12" creationId="{D18CFD05-BBD4-36DD-DA7F-F09469CCC1B5}"/>
+          </ac:grpSpMkLst>
+        </pc:grpChg>
+        <pc:grpChg chg="mod">
+          <ac:chgData name="Yoshiharu Hamaguchi" userId="470e288704938fe9" providerId="LiveId" clId="{C43607F1-232B-44DB-B3B2-14DEC55E9315}" dt="2024-09-25T10:17:44.851" v="3464"/>
+          <ac:grpSpMkLst>
+            <pc:docMk/>
+            <pc:sldMk cId="840589698" sldId="268"/>
+            <ac:grpSpMk id="14" creationId="{A627047E-2A2A-4D8C-231E-9EB8FB591DA6}"/>
+          </ac:grpSpMkLst>
+        </pc:grpChg>
+        <pc:picChg chg="add mod">
+          <ac:chgData name="Yoshiharu Hamaguchi" userId="470e288704938fe9" providerId="LiveId" clId="{C43607F1-232B-44DB-B3B2-14DEC55E9315}" dt="2024-09-25T13:27:50.902" v="6461" actId="27349"/>
+          <ac:picMkLst>
+            <pc:docMk/>
+            <pc:sldMk cId="840589698" sldId="268"/>
+            <ac:picMk id="45" creationId="{59F021CE-0421-4999-5D7E-4689EC7A3063}"/>
+          </ac:picMkLst>
+        </pc:picChg>
+        <pc:inkChg chg="add del">
+          <ac:chgData name="Yoshiharu Hamaguchi" userId="470e288704938fe9" providerId="LiveId" clId="{C43607F1-232B-44DB-B3B2-14DEC55E9315}" dt="2024-09-25T10:16:57.865" v="3451" actId="9405"/>
+          <ac:inkMkLst>
+            <pc:docMk/>
+            <pc:sldMk cId="840589698" sldId="268"/>
+            <ac:inkMk id="6" creationId="{FAE79509-3D4A-0016-37ED-9DFA4CF740B5}"/>
+          </ac:inkMkLst>
+        </pc:inkChg>
+        <pc:inkChg chg="add del">
+          <ac:chgData name="Yoshiharu Hamaguchi" userId="470e288704938fe9" providerId="LiveId" clId="{C43607F1-232B-44DB-B3B2-14DEC55E9315}" dt="2024-09-25T10:16:57.597" v="3450" actId="9405"/>
+          <ac:inkMkLst>
+            <pc:docMk/>
+            <pc:sldMk cId="840589698" sldId="268"/>
+            <ac:inkMk id="7" creationId="{98E353E4-EBA4-9D1B-5CD1-850702D68DDF}"/>
+          </ac:inkMkLst>
+        </pc:inkChg>
+        <pc:inkChg chg="add del">
+          <ac:chgData name="Yoshiharu Hamaguchi" userId="470e288704938fe9" providerId="LiveId" clId="{C43607F1-232B-44DB-B3B2-14DEC55E9315}" dt="2024-09-25T10:17:10.699" v="3455" actId="9405"/>
+          <ac:inkMkLst>
+            <pc:docMk/>
+            <pc:sldMk cId="840589698" sldId="268"/>
+            <ac:inkMk id="8" creationId="{B4F14106-ED05-88B4-EAA5-FEB689F36E46}"/>
+          </ac:inkMkLst>
+        </pc:inkChg>
+        <pc:inkChg chg="add del">
+          <ac:chgData name="Yoshiharu Hamaguchi" userId="470e288704938fe9" providerId="LiveId" clId="{C43607F1-232B-44DB-B3B2-14DEC55E9315}" dt="2024-09-25T10:17:10.294" v="3454" actId="9405"/>
+          <ac:inkMkLst>
+            <pc:docMk/>
+            <pc:sldMk cId="840589698" sldId="268"/>
+            <ac:inkMk id="9" creationId="{639922C2-285F-57E3-FEDB-28FF36A73624}"/>
+          </ac:inkMkLst>
+        </pc:inkChg>
+        <pc:inkChg chg="add del mod">
+          <ac:chgData name="Yoshiharu Hamaguchi" userId="470e288704938fe9" providerId="LiveId" clId="{C43607F1-232B-44DB-B3B2-14DEC55E9315}" dt="2024-09-25T10:17:45.797" v="3467" actId="9405"/>
+          <ac:inkMkLst>
+            <pc:docMk/>
+            <pc:sldMk cId="840589698" sldId="268"/>
+            <ac:inkMk id="10" creationId="{A86EA2E0-B3D3-C193-7730-F1D3FD323FDF}"/>
+          </ac:inkMkLst>
+        </pc:inkChg>
+        <pc:inkChg chg="add del mod">
+          <ac:chgData name="Yoshiharu Hamaguchi" userId="470e288704938fe9" providerId="LiveId" clId="{C43607F1-232B-44DB-B3B2-14DEC55E9315}" dt="2024-09-25T10:17:45.403" v="3466"/>
+          <ac:inkMkLst>
+            <pc:docMk/>
+            <pc:sldMk cId="840589698" sldId="268"/>
+            <ac:inkMk id="11" creationId="{72C41B7C-67A6-DEEE-2985-21572EE01F2E}"/>
+          </ac:inkMkLst>
+        </pc:inkChg>
+        <pc:inkChg chg="add del mod">
+          <ac:chgData name="Yoshiharu Hamaguchi" userId="470e288704938fe9" providerId="LiveId" clId="{C43607F1-232B-44DB-B3B2-14DEC55E9315}" dt="2024-09-25T10:17:44.851" v="3464"/>
+          <ac:inkMkLst>
+            <pc:docMk/>
+            <pc:sldMk cId="840589698" sldId="268"/>
+            <ac:inkMk id="13" creationId="{C4D40D36-0343-45FA-6BF6-4981DF8A865E}"/>
+          </ac:inkMkLst>
+        </pc:inkChg>
+        <pc:inkChg chg="add del">
+          <ac:chgData name="Yoshiharu Hamaguchi" userId="470e288704938fe9" providerId="LiveId" clId="{C43607F1-232B-44DB-B3B2-14DEC55E9315}" dt="2024-09-25T10:18:06.916" v="3469" actId="34122"/>
+          <ac:inkMkLst>
+            <pc:docMk/>
+            <pc:sldMk cId="840589698" sldId="268"/>
+            <ac:inkMk id="15" creationId="{711A4B6F-C1B4-18D2-74EE-5C16BF14D5D2}"/>
+          </ac:inkMkLst>
+        </pc:inkChg>
+        <pc:inkChg chg="add del">
+          <ac:chgData name="Yoshiharu Hamaguchi" userId="470e288704938fe9" providerId="LiveId" clId="{C43607F1-232B-44DB-B3B2-14DEC55E9315}" dt="2024-09-25T10:18:28.771" v="3471" actId="34122"/>
+          <ac:inkMkLst>
+            <pc:docMk/>
+            <pc:sldMk cId="840589698" sldId="268"/>
+            <ac:inkMk id="16" creationId="{07121A24-52BE-CAEB-F368-C5D2ADAD134F}"/>
+          </ac:inkMkLst>
+        </pc:inkChg>
+        <pc:cxnChg chg="add mod">
+          <ac:chgData name="Yoshiharu Hamaguchi" userId="470e288704938fe9" providerId="LiveId" clId="{C43607F1-232B-44DB-B3B2-14DEC55E9315}" dt="2024-09-25T13:28:04.391" v="6462" actId="208"/>
+          <ac:cxnSpMkLst>
+            <pc:docMk/>
+            <pc:sldMk cId="840589698" sldId="268"/>
+            <ac:cxnSpMk id="48" creationId="{69393153-AEE1-5B4A-D68A-93D1FD0AFD62}"/>
+          </ac:cxnSpMkLst>
+        </pc:cxnChg>
+        <pc:cxnChg chg="add mod">
+          <ac:chgData name="Yoshiharu Hamaguchi" userId="470e288704938fe9" providerId="LiveId" clId="{C43607F1-232B-44DB-B3B2-14DEC55E9315}" dt="2024-09-25T11:55:02.095" v="5109" actId="1035"/>
+          <ac:cxnSpMkLst>
+            <pc:docMk/>
+            <pc:sldMk cId="840589698" sldId="268"/>
+            <ac:cxnSpMk id="50" creationId="{CFA5960C-E2FD-D6EE-A74A-8EFFBF3FA20C}"/>
+          </ac:cxnSpMkLst>
+        </pc:cxnChg>
+        <pc:cxnChg chg="add del mod">
+          <ac:chgData name="Yoshiharu Hamaguchi" userId="470e288704938fe9" providerId="LiveId" clId="{C43607F1-232B-44DB-B3B2-14DEC55E9315}" dt="2024-09-25T11:43:35.898" v="4811" actId="478"/>
+          <ac:cxnSpMkLst>
+            <pc:docMk/>
+            <pc:sldMk cId="840589698" sldId="268"/>
+            <ac:cxnSpMk id="55" creationId="{C1E6E371-5C9C-583E-BDC4-4013BC434683}"/>
+          </ac:cxnSpMkLst>
+        </pc:cxnChg>
+        <pc:cxnChg chg="add del mod">
+          <ac:chgData name="Yoshiharu Hamaguchi" userId="470e288704938fe9" providerId="LiveId" clId="{C43607F1-232B-44DB-B3B2-14DEC55E9315}" dt="2024-09-25T11:43:33.654" v="4810" actId="478"/>
+          <ac:cxnSpMkLst>
+            <pc:docMk/>
+            <pc:sldMk cId="840589698" sldId="268"/>
+            <ac:cxnSpMk id="58" creationId="{E3C02521-E9EC-676D-ACB2-046D85CADDFF}"/>
+          </ac:cxnSpMkLst>
+        </pc:cxnChg>
+        <pc:cxnChg chg="add mod">
+          <ac:chgData name="Yoshiharu Hamaguchi" userId="470e288704938fe9" providerId="LiveId" clId="{C43607F1-232B-44DB-B3B2-14DEC55E9315}" dt="2024-09-25T11:55:02.095" v="5109" actId="1035"/>
+          <ac:cxnSpMkLst>
+            <pc:docMk/>
+            <pc:sldMk cId="840589698" sldId="268"/>
+            <ac:cxnSpMk id="61" creationId="{97380F3F-B4EC-2F06-9E3A-119161B80E1D}"/>
+          </ac:cxnSpMkLst>
+        </pc:cxnChg>
+        <pc:cxnChg chg="add mod">
+          <ac:chgData name="Yoshiharu Hamaguchi" userId="470e288704938fe9" providerId="LiveId" clId="{C43607F1-232B-44DB-B3B2-14DEC55E9315}" dt="2024-09-25T11:55:02.095" v="5109" actId="1035"/>
+          <ac:cxnSpMkLst>
+            <pc:docMk/>
+            <pc:sldMk cId="840589698" sldId="268"/>
+            <ac:cxnSpMk id="64" creationId="{7A976978-6192-9393-1108-B2E4A3E176A2}"/>
+          </ac:cxnSpMkLst>
+        </pc:cxnChg>
+        <pc:cxnChg chg="add del mod ord">
+          <ac:chgData name="Yoshiharu Hamaguchi" userId="470e288704938fe9" providerId="LiveId" clId="{C43607F1-232B-44DB-B3B2-14DEC55E9315}" dt="2024-09-25T11:55:02.095" v="5109" actId="1035"/>
+          <ac:cxnSpMkLst>
+            <pc:docMk/>
+            <pc:sldMk cId="840589698" sldId="268"/>
+            <ac:cxnSpMk id="67" creationId="{E4B332FF-DA63-222D-60B0-8C1AFCA0A5CC}"/>
+          </ac:cxnSpMkLst>
+        </pc:cxnChg>
+        <pc:cxnChg chg="add del mod">
+          <ac:chgData name="Yoshiharu Hamaguchi" userId="470e288704938fe9" providerId="LiveId" clId="{C43607F1-232B-44DB-B3B2-14DEC55E9315}" dt="2024-09-25T11:42:51.712" v="4787" actId="478"/>
+          <ac:cxnSpMkLst>
+            <pc:docMk/>
+            <pc:sldMk cId="840589698" sldId="268"/>
+            <ac:cxnSpMk id="82" creationId="{CB0EA28D-6B41-BA92-5477-F870C9BF05C8}"/>
+          </ac:cxnSpMkLst>
+        </pc:cxnChg>
+        <pc:cxnChg chg="add mod">
+          <ac:chgData name="Yoshiharu Hamaguchi" userId="470e288704938fe9" providerId="LiveId" clId="{C43607F1-232B-44DB-B3B2-14DEC55E9315}" dt="2024-09-25T11:55:02.095" v="5109" actId="1035"/>
+          <ac:cxnSpMkLst>
+            <pc:docMk/>
+            <pc:sldMk cId="840589698" sldId="268"/>
+            <ac:cxnSpMk id="85" creationId="{5521CAAD-A1E8-0103-75E1-A6496D12E07F}"/>
+          </ac:cxnSpMkLst>
+        </pc:cxnChg>
+        <pc:cxnChg chg="add mod">
+          <ac:chgData name="Yoshiharu Hamaguchi" userId="470e288704938fe9" providerId="LiveId" clId="{C43607F1-232B-44DB-B3B2-14DEC55E9315}" dt="2024-09-25T11:55:02.095" v="5109" actId="1035"/>
+          <ac:cxnSpMkLst>
+            <pc:docMk/>
+            <pc:sldMk cId="840589698" sldId="268"/>
+            <ac:cxnSpMk id="88" creationId="{4B306A65-14F2-3593-3D31-60757CB57107}"/>
+          </ac:cxnSpMkLst>
+        </pc:cxnChg>
+        <pc:cxnChg chg="add del mod">
+          <ac:chgData name="Yoshiharu Hamaguchi" userId="470e288704938fe9" providerId="LiveId" clId="{C43607F1-232B-44DB-B3B2-14DEC55E9315}" dt="2024-09-25T11:45:01.527" v="4859" actId="478"/>
+          <ac:cxnSpMkLst>
+            <pc:docMk/>
+            <pc:sldMk cId="840589698" sldId="268"/>
+            <ac:cxnSpMk id="91" creationId="{00310F9F-3183-EBDA-F940-FACA4B25E9D1}"/>
+          </ac:cxnSpMkLst>
+        </pc:cxnChg>
+        <pc:cxnChg chg="add del mod">
+          <ac:chgData name="Yoshiharu Hamaguchi" userId="470e288704938fe9" providerId="LiveId" clId="{C43607F1-232B-44DB-B3B2-14DEC55E9315}" dt="2024-09-25T11:55:02.095" v="5109" actId="1035"/>
+          <ac:cxnSpMkLst>
+            <pc:docMk/>
+            <pc:sldMk cId="840589698" sldId="268"/>
+            <ac:cxnSpMk id="124" creationId="{D3A0DDA0-90A1-7E9A-338D-464A0AB369B6}"/>
+          </ac:cxnSpMkLst>
+        </pc:cxnChg>
+        <pc:cxnChg chg="add mod">
+          <ac:chgData name="Yoshiharu Hamaguchi" userId="470e288704938fe9" providerId="LiveId" clId="{C43607F1-232B-44DB-B3B2-14DEC55E9315}" dt="2024-09-25T11:55:02.095" v="5109" actId="1035"/>
+          <ac:cxnSpMkLst>
+            <pc:docMk/>
+            <pc:sldMk cId="840589698" sldId="268"/>
+            <ac:cxnSpMk id="127" creationId="{9EC78F66-EF39-54B3-AB98-E84927268771}"/>
+          </ac:cxnSpMkLst>
+        </pc:cxnChg>
+        <pc:cxnChg chg="add mod">
+          <ac:chgData name="Yoshiharu Hamaguchi" userId="470e288704938fe9" providerId="LiveId" clId="{C43607F1-232B-44DB-B3B2-14DEC55E9315}" dt="2024-09-25T11:55:02.095" v="5109" actId="1035"/>
+          <ac:cxnSpMkLst>
+            <pc:docMk/>
+            <pc:sldMk cId="840589698" sldId="268"/>
+            <ac:cxnSpMk id="170" creationId="{04B8B0AB-0A41-F5D9-4C41-10446EE21735}"/>
+          </ac:cxnSpMkLst>
+        </pc:cxnChg>
+        <pc:cxnChg chg="add mod">
+          <ac:chgData name="Yoshiharu Hamaguchi" userId="470e288704938fe9" providerId="LiveId" clId="{C43607F1-232B-44DB-B3B2-14DEC55E9315}" dt="2024-09-25T11:55:02.095" v="5109" actId="1035"/>
+          <ac:cxnSpMkLst>
+            <pc:docMk/>
+            <pc:sldMk cId="840589698" sldId="268"/>
+            <ac:cxnSpMk id="175" creationId="{152005CE-C530-4496-5760-AA3F6AA1AEE2}"/>
+          </ac:cxnSpMkLst>
+        </pc:cxnChg>
+        <pc:cxnChg chg="add mod">
+          <ac:chgData name="Yoshiharu Hamaguchi" userId="470e288704938fe9" providerId="LiveId" clId="{C43607F1-232B-44DB-B3B2-14DEC55E9315}" dt="2024-09-25T13:28:04.391" v="6462" actId="208"/>
+          <ac:cxnSpMkLst>
+            <pc:docMk/>
+            <pc:sldMk cId="840589698" sldId="268"/>
+            <ac:cxnSpMk id="179" creationId="{7A4A3A67-DD95-558D-CEE2-3908D3A834BF}"/>
+          </ac:cxnSpMkLst>
+        </pc:cxnChg>
+        <pc:cxnChg chg="add mod">
+          <ac:chgData name="Yoshiharu Hamaguchi" userId="470e288704938fe9" providerId="LiveId" clId="{C43607F1-232B-44DB-B3B2-14DEC55E9315}" dt="2024-09-25T13:28:04.391" v="6462" actId="208"/>
+          <ac:cxnSpMkLst>
+            <pc:docMk/>
+            <pc:sldMk cId="840589698" sldId="268"/>
+            <ac:cxnSpMk id="182" creationId="{82CC0E9E-8ADB-EC6E-7027-6781BBB288FA}"/>
+          </ac:cxnSpMkLst>
+        </pc:cxnChg>
+      </pc:sldChg>
+      <pc:sldChg chg="addSp delSp modSp add mod">
+        <pc:chgData name="Yoshiharu Hamaguchi" userId="470e288704938fe9" providerId="LiveId" clId="{C43607F1-232B-44DB-B3B2-14DEC55E9315}" dt="2024-09-25T15:27:25.266" v="6758" actId="20577"/>
+        <pc:sldMkLst>
+          <pc:docMk/>
+          <pc:sldMk cId="2142688305" sldId="269"/>
+        </pc:sldMkLst>
+        <pc:spChg chg="mod">
+          <ac:chgData name="Yoshiharu Hamaguchi" userId="470e288704938fe9" providerId="LiveId" clId="{C43607F1-232B-44DB-B3B2-14DEC55E9315}" dt="2024-09-25T15:24:31.506" v="6651" actId="14100"/>
+          <ac:spMkLst>
+            <pc:docMk/>
+            <pc:sldMk cId="2142688305" sldId="269"/>
+            <ac:spMk id="2" creationId="{9C784ACA-9376-15C6-DD93-68B5D582FADA}"/>
+          </ac:spMkLst>
+        </pc:spChg>
+        <pc:spChg chg="mod">
+          <ac:chgData name="Yoshiharu Hamaguchi" userId="470e288704938fe9" providerId="LiveId" clId="{C43607F1-232B-44DB-B3B2-14DEC55E9315}" dt="2024-09-25T15:27:25.266" v="6758" actId="20577"/>
+          <ac:spMkLst>
+            <pc:docMk/>
+            <pc:sldMk cId="2142688305" sldId="269"/>
+            <ac:spMk id="4" creationId="{8C13C9CE-666C-02A7-9EAA-106F1B50AE66}"/>
+          </ac:spMkLst>
+        </pc:spChg>
+        <pc:spChg chg="del">
+          <ac:chgData name="Yoshiharu Hamaguchi" userId="470e288704938fe9" providerId="LiveId" clId="{C43607F1-232B-44DB-B3B2-14DEC55E9315}" dt="2024-09-25T15:24:43.991" v="6652" actId="478"/>
+          <ac:spMkLst>
+            <pc:docMk/>
+            <pc:sldMk cId="2142688305" sldId="269"/>
+            <ac:spMk id="5" creationId="{38525753-506C-CF9E-DF2A-0368D654E503}"/>
+          </ac:spMkLst>
+        </pc:spChg>
+        <pc:picChg chg="add mod">
+          <ac:chgData name="Yoshiharu Hamaguchi" userId="470e288704938fe9" providerId="LiveId" clId="{C43607F1-232B-44DB-B3B2-14DEC55E9315}" dt="2024-09-25T15:27:23.110" v="6757" actId="1076"/>
+          <ac:picMkLst>
+            <pc:docMk/>
+            <pc:sldMk cId="2142688305" sldId="269"/>
+            <ac:picMk id="6" creationId="{48B13ABD-A7EC-8A70-7FC9-8BE6883BF949}"/>
+          </ac:picMkLst>
+        </pc:picChg>
       </pc:sldChg>
     </pc:docChg>
   </pc:docChgLst>
@@ -1849,7 +1863,7 @@
           <a:p>
             <a:fld id="{9627246E-3903-4E01-B28D-BFF5567D65C3}" type="datetimeFigureOut">
               <a:rPr kumimoji="1" lang="ja-JP" altLang="en-US" smtClean="0"/>
-              <a:t>2024/9/29</a:t>
+              <a:t>2024/10/1</a:t>
             </a:fld>
             <a:endParaRPr kumimoji="1" lang="ja-JP" altLang="en-US"/>
           </a:p>
@@ -2079,7 +2093,7 @@
           <a:p>
             <a:fld id="{9627246E-3903-4E01-B28D-BFF5567D65C3}" type="datetimeFigureOut">
               <a:rPr kumimoji="1" lang="ja-JP" altLang="en-US" smtClean="0"/>
-              <a:t>2024/9/29</a:t>
+              <a:t>2024/10/1</a:t>
             </a:fld>
             <a:endParaRPr kumimoji="1" lang="ja-JP" altLang="en-US"/>
           </a:p>
@@ -2319,7 +2333,7 @@
           <a:p>
             <a:fld id="{9627246E-3903-4E01-B28D-BFF5567D65C3}" type="datetimeFigureOut">
               <a:rPr kumimoji="1" lang="ja-JP" altLang="en-US" smtClean="0"/>
-              <a:t>2024/9/29</a:t>
+              <a:t>2024/10/1</a:t>
             </a:fld>
             <a:endParaRPr kumimoji="1" lang="ja-JP" altLang="en-US"/>
           </a:p>
@@ -2549,7 +2563,7 @@
           <a:p>
             <a:fld id="{9627246E-3903-4E01-B28D-BFF5567D65C3}" type="datetimeFigureOut">
               <a:rPr kumimoji="1" lang="ja-JP" altLang="en-US" smtClean="0"/>
-              <a:t>2024/9/29</a:t>
+              <a:t>2024/10/1</a:t>
             </a:fld>
             <a:endParaRPr kumimoji="1" lang="ja-JP" altLang="en-US"/>
           </a:p>
@@ -2824,7 +2838,7 @@
           <a:p>
             <a:fld id="{9627246E-3903-4E01-B28D-BFF5567D65C3}" type="datetimeFigureOut">
               <a:rPr kumimoji="1" lang="ja-JP" altLang="en-US" smtClean="0"/>
-              <a:t>2024/9/29</a:t>
+              <a:t>2024/10/1</a:t>
             </a:fld>
             <a:endParaRPr kumimoji="1" lang="ja-JP" altLang="en-US"/>
           </a:p>
@@ -3153,7 +3167,7 @@
           <a:p>
             <a:fld id="{9627246E-3903-4E01-B28D-BFF5567D65C3}" type="datetimeFigureOut">
               <a:rPr kumimoji="1" lang="ja-JP" altLang="en-US" smtClean="0"/>
-              <a:t>2024/9/29</a:t>
+              <a:t>2024/10/1</a:t>
             </a:fld>
             <a:endParaRPr kumimoji="1" lang="ja-JP" altLang="en-US"/>
           </a:p>
@@ -3629,7 +3643,7 @@
           <a:p>
             <a:fld id="{9627246E-3903-4E01-B28D-BFF5567D65C3}" type="datetimeFigureOut">
               <a:rPr kumimoji="1" lang="ja-JP" altLang="en-US" smtClean="0"/>
-              <a:t>2024/9/29</a:t>
+              <a:t>2024/10/1</a:t>
             </a:fld>
             <a:endParaRPr kumimoji="1" lang="ja-JP" altLang="en-US"/>
           </a:p>
@@ -3770,7 +3784,7 @@
           <a:p>
             <a:fld id="{9627246E-3903-4E01-B28D-BFF5567D65C3}" type="datetimeFigureOut">
               <a:rPr kumimoji="1" lang="ja-JP" altLang="en-US" smtClean="0"/>
-              <a:t>2024/9/29</a:t>
+              <a:t>2024/10/1</a:t>
             </a:fld>
             <a:endParaRPr kumimoji="1" lang="ja-JP" altLang="en-US"/>
           </a:p>
@@ -3883,7 +3897,7 @@
           <a:p>
             <a:fld id="{9627246E-3903-4E01-B28D-BFF5567D65C3}" type="datetimeFigureOut">
               <a:rPr kumimoji="1" lang="ja-JP" altLang="en-US" smtClean="0"/>
-              <a:t>2024/9/29</a:t>
+              <a:t>2024/10/1</a:t>
             </a:fld>
             <a:endParaRPr kumimoji="1" lang="ja-JP" altLang="en-US"/>
           </a:p>
@@ -4226,7 +4240,7 @@
           <a:p>
             <a:fld id="{9627246E-3903-4E01-B28D-BFF5567D65C3}" type="datetimeFigureOut">
               <a:rPr kumimoji="1" lang="ja-JP" altLang="en-US" smtClean="0"/>
-              <a:t>2024/9/29</a:t>
+              <a:t>2024/10/1</a:t>
             </a:fld>
             <a:endParaRPr kumimoji="1" lang="ja-JP" altLang="en-US"/>
           </a:p>
@@ -4514,7 +4528,7 @@
           <a:p>
             <a:fld id="{9627246E-3903-4E01-B28D-BFF5567D65C3}" type="datetimeFigureOut">
               <a:rPr kumimoji="1" lang="ja-JP" altLang="en-US" smtClean="0"/>
-              <a:t>2024/9/29</a:t>
+              <a:t>2024/10/1</a:t>
             </a:fld>
             <a:endParaRPr kumimoji="1" lang="ja-JP" altLang="en-US"/>
           </a:p>
@@ -4787,7 +4801,7 @@
           <a:p>
             <a:fld id="{9627246E-3903-4E01-B28D-BFF5567D65C3}" type="datetimeFigureOut">
               <a:rPr kumimoji="1" lang="ja-JP" altLang="en-US" smtClean="0"/>
-              <a:t>2024/9/29</a:t>
+              <a:t>2024/10/1</a:t>
             </a:fld>
             <a:endParaRPr kumimoji="1" lang="ja-JP" altLang="en-US"/>
           </a:p>
@@ -8690,7 +8704,7 @@
         </p:spPr>
         <p:txBody>
           <a:bodyPr>
-            <a:normAutofit fontScale="92500" lnSpcReduction="10000"/>
+            <a:normAutofit fontScale="92500" lnSpcReduction="20000"/>
           </a:bodyPr>
           <a:lstStyle/>
           <a:p>
@@ -8813,7 +8827,22 @@
               <a:rPr lang="en-US" altLang="ja-JP" sz="1600" dirty="0" err="1"/>
               <a:t>llama_index</a:t>
             </a:r>
-            <a:endParaRPr lang="en-US" altLang="ja-JP" sz="1600" dirty="0"/>
+            <a:r>
+              <a:rPr lang="ja-JP" altLang="en-US" sz="1600" dirty="0">
+                <a:solidFill>
+                  <a:srgbClr val="00B050"/>
+                </a:solidFill>
+              </a:rPr>
+              <a:t> </a:t>
+            </a:r>
+            <a:r>
+              <a:rPr lang="en-US" altLang="ja-JP" sz="1600" dirty="0">
+                <a:solidFill>
+                  <a:srgbClr val="00B050"/>
+                </a:solidFill>
+              </a:rPr>
+              <a:t>--break-system-packages</a:t>
+            </a:r>
           </a:p>
           <a:p>
             <a:pPr marL="0" indent="0">
@@ -8831,6 +8860,23 @@
               <a:rPr lang="en-US" altLang="ja-JP" sz="1600" dirty="0"/>
               <a:t> </a:t>
             </a:r>
+            <a:r>
+              <a:rPr lang="ja-JP" altLang="en-US" sz="1600" dirty="0">
+                <a:solidFill>
+                  <a:srgbClr val="00B050"/>
+                </a:solidFill>
+              </a:rPr>
+              <a:t> </a:t>
+            </a:r>
+            <a:r>
+              <a:rPr lang="en-US" altLang="ja-JP" sz="1600" dirty="0">
+                <a:solidFill>
+                  <a:srgbClr val="00B050"/>
+                </a:solidFill>
+              </a:rPr>
+              <a:t>--break-system-packages</a:t>
+            </a:r>
+            <a:endParaRPr lang="en-US" altLang="ja-JP" sz="1600" dirty="0"/>
           </a:p>
           <a:p>
             <a:pPr marL="0" indent="0">
@@ -8852,6 +8898,22 @@
               <a:rPr lang="en-US" altLang="ja-JP" sz="1600" dirty="0" err="1"/>
               <a:t>ollama</a:t>
             </a:r>
+            <a:r>
+              <a:rPr lang="ja-JP" altLang="en-US" sz="1600" dirty="0">
+                <a:solidFill>
+                  <a:srgbClr val="00B050"/>
+                </a:solidFill>
+              </a:rPr>
+              <a:t> </a:t>
+            </a:r>
+            <a:r>
+              <a:rPr lang="en-US" altLang="ja-JP" sz="1600" dirty="0">
+                <a:solidFill>
+                  <a:srgbClr val="00B050"/>
+                </a:solidFill>
+              </a:rPr>
+              <a:t>--break-system-packages</a:t>
+            </a:r>
             <a:endParaRPr lang="en-US" altLang="ja-JP" sz="1600" dirty="0"/>
           </a:p>
           <a:p>
@@ -8866,6 +8928,22 @@
               <a:rPr lang="en-US" altLang="ja-JP" sz="1600" dirty="0" err="1"/>
               <a:t>llama_index-llms-ollama</a:t>
             </a:r>
+            <a:r>
+              <a:rPr lang="ja-JP" altLang="en-US" sz="1600" dirty="0">
+                <a:solidFill>
+                  <a:srgbClr val="00B050"/>
+                </a:solidFill>
+              </a:rPr>
+              <a:t> </a:t>
+            </a:r>
+            <a:r>
+              <a:rPr lang="en-US" altLang="ja-JP" sz="1600" dirty="0">
+                <a:solidFill>
+                  <a:srgbClr val="00B050"/>
+                </a:solidFill>
+              </a:rPr>
+              <a:t>--break-system-packages</a:t>
+            </a:r>
             <a:endParaRPr lang="en-US" altLang="ja-JP" sz="1600" dirty="0"/>
           </a:p>
           <a:p>
@@ -8880,7 +8958,64 @@
               <a:rPr lang="en-US" altLang="ja-JP" sz="1600" dirty="0" err="1"/>
               <a:t>qdrant_client</a:t>
             </a:r>
-            <a:endParaRPr lang="en-US" altLang="ja-JP" sz="1600" dirty="0"/>
+            <a:r>
+              <a:rPr lang="ja-JP" altLang="en-US" sz="1600" dirty="0">
+                <a:solidFill>
+                  <a:srgbClr val="00B050"/>
+                </a:solidFill>
+              </a:rPr>
+              <a:t> </a:t>
+            </a:r>
+            <a:r>
+              <a:rPr lang="en-US" altLang="ja-JP" sz="1600" dirty="0">
+                <a:solidFill>
+                  <a:srgbClr val="00B050"/>
+                </a:solidFill>
+              </a:rPr>
+              <a:t>--break-system-packages</a:t>
+            </a:r>
+          </a:p>
+          <a:p>
+            <a:pPr marL="0" indent="0">
+              <a:buNone/>
+            </a:pPr>
+            <a:r>
+              <a:rPr lang="en-US" altLang="ja-JP" sz="1500" dirty="0">
+                <a:solidFill>
+                  <a:srgbClr val="00B050"/>
+                </a:solidFill>
+              </a:rPr>
+              <a:t>※--break-system-package</a:t>
+            </a:r>
+            <a:r>
+              <a:rPr lang="ja-JP" altLang="en-US" sz="1500" dirty="0">
+                <a:solidFill>
+                  <a:srgbClr val="00B050"/>
+                </a:solidFill>
+              </a:rPr>
+              <a:t>オプションはラズパイ</a:t>
+            </a:r>
+            <a:r>
+              <a:rPr lang="en-US" altLang="ja-JP" sz="1500" dirty="0">
+                <a:solidFill>
+                  <a:srgbClr val="00B050"/>
+                </a:solidFill>
+              </a:rPr>
+              <a:t>5</a:t>
+            </a:r>
+            <a:r>
+              <a:rPr lang="ja-JP" altLang="en-US" sz="1500" dirty="0">
+                <a:solidFill>
+                  <a:srgbClr val="00B050"/>
+                </a:solidFill>
+              </a:rPr>
+              <a:t>で依存関係を気にせず手っ取り早くインストールするために使用</a:t>
+            </a:r>
+            <a:endParaRPr lang="en-US" altLang="ja-JP" sz="1500" dirty="0">
+              <a:solidFill>
+                <a:srgbClr val="00B050"/>
+              </a:solidFill>
+            </a:endParaRPr>
           </a:p>
           <a:p>
             <a:pPr marL="0" indent="0">
